--- a/Processzorok.pptx
+++ b/Processzorok.pptx
@@ -6,7 +6,15 @@
   </p:sldMasterIdLst>
   <p:sldIdLst>
     <p:sldId id="256" r:id="rId2"/>
-    <p:sldId id="257" r:id="rId3"/>
+    <p:sldId id="259" r:id="rId3"/>
+    <p:sldId id="257" r:id="rId4"/>
+    <p:sldId id="260" r:id="rId5"/>
+    <p:sldId id="261" r:id="rId6"/>
+    <p:sldId id="263" r:id="rId7"/>
+    <p:sldId id="264" r:id="rId8"/>
+    <p:sldId id="265" r:id="rId9"/>
+    <p:sldId id="258" r:id="rId10"/>
+    <p:sldId id="262" r:id="rId11"/>
   </p:sldIdLst>
   <p:sldSz cx="12192000" cy="6858000"/>
   <p:notesSz cx="6858000" cy="9144000"/>
@@ -239,9 +247,9 @@
           <a:bodyPr/>
           <a:lstStyle/>
           <a:p>
-            <a:fld id="{D8B625BF-F2A8-471A-9F7E-2971400F516E}" type="datetimeFigureOut">
-              <a:rPr lang="hu-HU" smtClean="0"/>
-              <a:t>2022.09.08.</a:t>
+            <a:fld id="{3FA18FD4-B378-4D3A-AEFB-1F3E4F59479F}" type="datetimeFigureOut">
+              <a:rPr lang="hu-HU" smtClean="0"/>
+              <a:t>2022.09.15.</a:t>
             </a:fld>
             <a:endParaRPr lang="hu-HU"/>
           </a:p>
@@ -281,7 +289,7 @@
           <a:bodyPr/>
           <a:lstStyle/>
           <a:p>
-            <a:fld id="{25D7260E-FF50-48F9-9820-246E00F67D65}" type="slidenum">
+            <a:fld id="{725FB574-9779-4825-BA9F-16085A494775}" type="slidenum">
               <a:rPr lang="hu-HU" smtClean="0"/>
               <a:t>‹#›</a:t>
             </a:fld>
@@ -292,7 +300,7 @@
     </p:spTree>
     <p:extLst>
       <p:ext uri="{BB962C8B-B14F-4D97-AF65-F5344CB8AC3E}">
-        <p14:creationId xmlns:p14="http://schemas.microsoft.com/office/powerpoint/2010/main" val="912682872"/>
+        <p14:creationId xmlns:p14="http://schemas.microsoft.com/office/powerpoint/2010/main" val="796500238"/>
       </p:ext>
     </p:extLst>
   </p:cSld>
@@ -526,9 +534,9 @@
           <a:bodyPr/>
           <a:lstStyle/>
           <a:p>
-            <a:fld id="{D8B625BF-F2A8-471A-9F7E-2971400F516E}" type="datetimeFigureOut">
-              <a:rPr lang="hu-HU" smtClean="0"/>
-              <a:t>2022.09.08.</a:t>
+            <a:fld id="{3FA18FD4-B378-4D3A-AEFB-1F3E4F59479F}" type="datetimeFigureOut">
+              <a:rPr lang="hu-HU" smtClean="0"/>
+              <a:t>2022.09.15.</a:t>
             </a:fld>
             <a:endParaRPr lang="hu-HU"/>
           </a:p>
@@ -568,7 +576,7 @@
           <a:bodyPr/>
           <a:lstStyle/>
           <a:p>
-            <a:fld id="{25D7260E-FF50-48F9-9820-246E00F67D65}" type="slidenum">
+            <a:fld id="{725FB574-9779-4825-BA9F-16085A494775}" type="slidenum">
               <a:rPr lang="hu-HU" smtClean="0"/>
               <a:t>‹#›</a:t>
             </a:fld>
@@ -579,7 +587,7 @@
     </p:spTree>
     <p:extLst>
       <p:ext uri="{BB962C8B-B14F-4D97-AF65-F5344CB8AC3E}">
-        <p14:creationId xmlns:p14="http://schemas.microsoft.com/office/powerpoint/2010/main" val="3910989425"/>
+        <p14:creationId xmlns:p14="http://schemas.microsoft.com/office/powerpoint/2010/main" val="2437622564"/>
       </p:ext>
     </p:extLst>
   </p:cSld>
@@ -718,9 +726,9 @@
           <a:bodyPr/>
           <a:lstStyle/>
           <a:p>
-            <a:fld id="{D8B625BF-F2A8-471A-9F7E-2971400F516E}" type="datetimeFigureOut">
-              <a:rPr lang="hu-HU" smtClean="0"/>
-              <a:t>2022.09.08.</a:t>
+            <a:fld id="{3FA18FD4-B378-4D3A-AEFB-1F3E4F59479F}" type="datetimeFigureOut">
+              <a:rPr lang="hu-HU" smtClean="0"/>
+              <a:t>2022.09.15.</a:t>
             </a:fld>
             <a:endParaRPr lang="hu-HU"/>
           </a:p>
@@ -760,7 +768,7 @@
           <a:bodyPr/>
           <a:lstStyle/>
           <a:p>
-            <a:fld id="{25D7260E-FF50-48F9-9820-246E00F67D65}" type="slidenum">
+            <a:fld id="{725FB574-9779-4825-BA9F-16085A494775}" type="slidenum">
               <a:rPr lang="hu-HU" smtClean="0"/>
               <a:t>‹#›</a:t>
             </a:fld>
@@ -771,7 +779,7 @@
     </p:spTree>
     <p:extLst>
       <p:ext uri="{BB962C8B-B14F-4D97-AF65-F5344CB8AC3E}">
-        <p14:creationId xmlns:p14="http://schemas.microsoft.com/office/powerpoint/2010/main" val="462920523"/>
+        <p14:creationId xmlns:p14="http://schemas.microsoft.com/office/powerpoint/2010/main" val="1135112389"/>
       </p:ext>
     </p:extLst>
   </p:cSld>
@@ -979,9 +987,9 @@
           <a:bodyPr/>
           <a:lstStyle/>
           <a:p>
-            <a:fld id="{D8B625BF-F2A8-471A-9F7E-2971400F516E}" type="datetimeFigureOut">
-              <a:rPr lang="hu-HU" smtClean="0"/>
-              <a:t>2022.09.08.</a:t>
+            <a:fld id="{3FA18FD4-B378-4D3A-AEFB-1F3E4F59479F}" type="datetimeFigureOut">
+              <a:rPr lang="hu-HU" smtClean="0"/>
+              <a:t>2022.09.15.</a:t>
             </a:fld>
             <a:endParaRPr lang="hu-HU"/>
           </a:p>
@@ -1021,7 +1029,7 @@
           <a:bodyPr/>
           <a:lstStyle/>
           <a:p>
-            <a:fld id="{25D7260E-FF50-48F9-9820-246E00F67D65}" type="slidenum">
+            <a:fld id="{725FB574-9779-4825-BA9F-16085A494775}" type="slidenum">
               <a:rPr lang="hu-HU" smtClean="0"/>
               <a:t>‹#›</a:t>
             </a:fld>
@@ -1264,7 +1272,7 @@
     </p:spTree>
     <p:extLst>
       <p:ext uri="{BB962C8B-B14F-4D97-AF65-F5344CB8AC3E}">
-        <p14:creationId xmlns:p14="http://schemas.microsoft.com/office/powerpoint/2010/main" val="1954949873"/>
+        <p14:creationId xmlns:p14="http://schemas.microsoft.com/office/powerpoint/2010/main" val="1397235223"/>
       </p:ext>
     </p:extLst>
   </p:cSld>
@@ -1403,9 +1411,9 @@
           <a:bodyPr/>
           <a:lstStyle/>
           <a:p>
-            <a:fld id="{D8B625BF-F2A8-471A-9F7E-2971400F516E}" type="datetimeFigureOut">
-              <a:rPr lang="hu-HU" smtClean="0"/>
-              <a:t>2022.09.08.</a:t>
+            <a:fld id="{3FA18FD4-B378-4D3A-AEFB-1F3E4F59479F}" type="datetimeFigureOut">
+              <a:rPr lang="hu-HU" smtClean="0"/>
+              <a:t>2022.09.15.</a:t>
             </a:fld>
             <a:endParaRPr lang="hu-HU"/>
           </a:p>
@@ -1445,7 +1453,7 @@
           <a:bodyPr/>
           <a:lstStyle/>
           <a:p>
-            <a:fld id="{25D7260E-FF50-48F9-9820-246E00F67D65}" type="slidenum">
+            <a:fld id="{725FB574-9779-4825-BA9F-16085A494775}" type="slidenum">
               <a:rPr lang="hu-HU" smtClean="0"/>
               <a:t>‹#›</a:t>
             </a:fld>
@@ -1456,7 +1464,7 @@
     </p:spTree>
     <p:extLst>
       <p:ext uri="{BB962C8B-B14F-4D97-AF65-F5344CB8AC3E}">
-        <p14:creationId xmlns:p14="http://schemas.microsoft.com/office/powerpoint/2010/main" val="2284130239"/>
+        <p14:creationId xmlns:p14="http://schemas.microsoft.com/office/powerpoint/2010/main" val="1718034742"/>
       </p:ext>
     </p:extLst>
   </p:cSld>
@@ -1949,9 +1957,9 @@
           <a:bodyPr/>
           <a:lstStyle/>
           <a:p>
-            <a:fld id="{D8B625BF-F2A8-471A-9F7E-2971400F516E}" type="datetimeFigureOut">
-              <a:rPr lang="hu-HU" smtClean="0"/>
-              <a:t>2022.09.08.</a:t>
+            <a:fld id="{3FA18FD4-B378-4D3A-AEFB-1F3E4F59479F}" type="datetimeFigureOut">
+              <a:rPr lang="hu-HU" smtClean="0"/>
+              <a:t>2022.09.15.</a:t>
             </a:fld>
             <a:endParaRPr lang="hu-HU"/>
           </a:p>
@@ -1991,7 +1999,7 @@
           <a:bodyPr/>
           <a:lstStyle/>
           <a:p>
-            <a:fld id="{25D7260E-FF50-48F9-9820-246E00F67D65}" type="slidenum">
+            <a:fld id="{725FB574-9779-4825-BA9F-16085A494775}" type="slidenum">
               <a:rPr lang="hu-HU" smtClean="0"/>
               <a:t>‹#›</a:t>
             </a:fld>
@@ -2002,7 +2010,7 @@
     </p:spTree>
     <p:extLst>
       <p:ext uri="{BB962C8B-B14F-4D97-AF65-F5344CB8AC3E}">
-        <p14:creationId xmlns:p14="http://schemas.microsoft.com/office/powerpoint/2010/main" val="2188192791"/>
+        <p14:creationId xmlns:p14="http://schemas.microsoft.com/office/powerpoint/2010/main" val="604057973"/>
       </p:ext>
     </p:extLst>
   </p:cSld>
@@ -2789,9 +2797,9 @@
           <a:bodyPr/>
           <a:lstStyle/>
           <a:p>
-            <a:fld id="{D8B625BF-F2A8-471A-9F7E-2971400F516E}" type="datetimeFigureOut">
-              <a:rPr lang="hu-HU" smtClean="0"/>
-              <a:t>2022.09.08.</a:t>
+            <a:fld id="{3FA18FD4-B378-4D3A-AEFB-1F3E4F59479F}" type="datetimeFigureOut">
+              <a:rPr lang="hu-HU" smtClean="0"/>
+              <a:t>2022.09.15.</a:t>
             </a:fld>
             <a:endParaRPr lang="hu-HU"/>
           </a:p>
@@ -2831,7 +2839,7 @@
           <a:bodyPr/>
           <a:lstStyle/>
           <a:p>
-            <a:fld id="{25D7260E-FF50-48F9-9820-246E00F67D65}" type="slidenum">
+            <a:fld id="{725FB574-9779-4825-BA9F-16085A494775}" type="slidenum">
               <a:rPr lang="hu-HU" smtClean="0"/>
               <a:t>‹#›</a:t>
             </a:fld>
@@ -2842,7 +2850,7 @@
     </p:spTree>
     <p:extLst>
       <p:ext uri="{BB962C8B-B14F-4D97-AF65-F5344CB8AC3E}">
-        <p14:creationId xmlns:p14="http://schemas.microsoft.com/office/powerpoint/2010/main" val="4181699769"/>
+        <p14:creationId xmlns:p14="http://schemas.microsoft.com/office/powerpoint/2010/main" val="2267621594"/>
       </p:ext>
     </p:extLst>
   </p:cSld>
@@ -2959,9 +2967,9 @@
           <a:bodyPr/>
           <a:lstStyle/>
           <a:p>
-            <a:fld id="{D8B625BF-F2A8-471A-9F7E-2971400F516E}" type="datetimeFigureOut">
-              <a:rPr lang="hu-HU" smtClean="0"/>
-              <a:t>2022.09.08.</a:t>
+            <a:fld id="{3FA18FD4-B378-4D3A-AEFB-1F3E4F59479F}" type="datetimeFigureOut">
+              <a:rPr lang="hu-HU" smtClean="0"/>
+              <a:t>2022.09.15.</a:t>
             </a:fld>
             <a:endParaRPr lang="hu-HU"/>
           </a:p>
@@ -3001,7 +3009,7 @@
           <a:bodyPr/>
           <a:lstStyle/>
           <a:p>
-            <a:fld id="{25D7260E-FF50-48F9-9820-246E00F67D65}" type="slidenum">
+            <a:fld id="{725FB574-9779-4825-BA9F-16085A494775}" type="slidenum">
               <a:rPr lang="hu-HU" smtClean="0"/>
               <a:t>‹#›</a:t>
             </a:fld>
@@ -3012,7 +3020,7 @@
     </p:spTree>
     <p:extLst>
       <p:ext uri="{BB962C8B-B14F-4D97-AF65-F5344CB8AC3E}">
-        <p14:creationId xmlns:p14="http://schemas.microsoft.com/office/powerpoint/2010/main" val="3174237633"/>
+        <p14:creationId xmlns:p14="http://schemas.microsoft.com/office/powerpoint/2010/main" val="673335960"/>
       </p:ext>
     </p:extLst>
   </p:cSld>
@@ -3143,9 +3151,9 @@
           <a:bodyPr/>
           <a:lstStyle/>
           <a:p>
-            <a:fld id="{D8B625BF-F2A8-471A-9F7E-2971400F516E}" type="datetimeFigureOut">
-              <a:rPr lang="hu-HU" smtClean="0"/>
-              <a:t>2022.09.08.</a:t>
+            <a:fld id="{3FA18FD4-B378-4D3A-AEFB-1F3E4F59479F}" type="datetimeFigureOut">
+              <a:rPr lang="hu-HU" smtClean="0"/>
+              <a:t>2022.09.15.</a:t>
             </a:fld>
             <a:endParaRPr lang="hu-HU"/>
           </a:p>
@@ -3185,7 +3193,7 @@
           <a:bodyPr/>
           <a:lstStyle/>
           <a:p>
-            <a:fld id="{25D7260E-FF50-48F9-9820-246E00F67D65}" type="slidenum">
+            <a:fld id="{725FB574-9779-4825-BA9F-16085A494775}" type="slidenum">
               <a:rPr lang="hu-HU" smtClean="0"/>
               <a:t>‹#›</a:t>
             </a:fld>
@@ -3196,7 +3204,7 @@
     </p:spTree>
     <p:extLst>
       <p:ext uri="{BB962C8B-B14F-4D97-AF65-F5344CB8AC3E}">
-        <p14:creationId xmlns:p14="http://schemas.microsoft.com/office/powerpoint/2010/main" val="3073386333"/>
+        <p14:creationId xmlns:p14="http://schemas.microsoft.com/office/powerpoint/2010/main" val="882915483"/>
       </p:ext>
     </p:extLst>
   </p:cSld>
@@ -3313,9 +3321,9 @@
           <a:bodyPr/>
           <a:lstStyle/>
           <a:p>
-            <a:fld id="{D8B625BF-F2A8-471A-9F7E-2971400F516E}" type="datetimeFigureOut">
-              <a:rPr lang="hu-HU" smtClean="0"/>
-              <a:t>2022.09.08.</a:t>
+            <a:fld id="{3FA18FD4-B378-4D3A-AEFB-1F3E4F59479F}" type="datetimeFigureOut">
+              <a:rPr lang="hu-HU" smtClean="0"/>
+              <a:t>2022.09.15.</a:t>
             </a:fld>
             <a:endParaRPr lang="hu-HU"/>
           </a:p>
@@ -3355,7 +3363,7 @@
           <a:bodyPr/>
           <a:lstStyle/>
           <a:p>
-            <a:fld id="{25D7260E-FF50-48F9-9820-246E00F67D65}" type="slidenum">
+            <a:fld id="{725FB574-9779-4825-BA9F-16085A494775}" type="slidenum">
               <a:rPr lang="hu-HU" smtClean="0"/>
               <a:t>‹#›</a:t>
             </a:fld>
@@ -3366,7 +3374,7 @@
     </p:spTree>
     <p:extLst>
       <p:ext uri="{BB962C8B-B14F-4D97-AF65-F5344CB8AC3E}">
-        <p14:creationId xmlns:p14="http://schemas.microsoft.com/office/powerpoint/2010/main" val="478646813"/>
+        <p14:creationId xmlns:p14="http://schemas.microsoft.com/office/powerpoint/2010/main" val="2779031559"/>
       </p:ext>
     </p:extLst>
   </p:cSld>
@@ -3561,9 +3569,9 @@
           <a:bodyPr/>
           <a:lstStyle/>
           <a:p>
-            <a:fld id="{D8B625BF-F2A8-471A-9F7E-2971400F516E}" type="datetimeFigureOut">
-              <a:rPr lang="hu-HU" smtClean="0"/>
-              <a:t>2022.09.08.</a:t>
+            <a:fld id="{3FA18FD4-B378-4D3A-AEFB-1F3E4F59479F}" type="datetimeFigureOut">
+              <a:rPr lang="hu-HU" smtClean="0"/>
+              <a:t>2022.09.15.</a:t>
             </a:fld>
             <a:endParaRPr lang="hu-HU"/>
           </a:p>
@@ -3603,7 +3611,7 @@
           <a:bodyPr/>
           <a:lstStyle/>
           <a:p>
-            <a:fld id="{25D7260E-FF50-48F9-9820-246E00F67D65}" type="slidenum">
+            <a:fld id="{725FB574-9779-4825-BA9F-16085A494775}" type="slidenum">
               <a:rPr lang="hu-HU" smtClean="0"/>
               <a:t>‹#›</a:t>
             </a:fld>
@@ -3614,7 +3622,7 @@
     </p:spTree>
     <p:extLst>
       <p:ext uri="{BB962C8B-B14F-4D97-AF65-F5344CB8AC3E}">
-        <p14:creationId xmlns:p14="http://schemas.microsoft.com/office/powerpoint/2010/main" val="3361643603"/>
+        <p14:creationId xmlns:p14="http://schemas.microsoft.com/office/powerpoint/2010/main" val="3138731431"/>
       </p:ext>
     </p:extLst>
   </p:cSld>
@@ -3798,9 +3806,9 @@
           <a:bodyPr/>
           <a:lstStyle/>
           <a:p>
-            <a:fld id="{D8B625BF-F2A8-471A-9F7E-2971400F516E}" type="datetimeFigureOut">
-              <a:rPr lang="hu-HU" smtClean="0"/>
-              <a:t>2022.09.08.</a:t>
+            <a:fld id="{3FA18FD4-B378-4D3A-AEFB-1F3E4F59479F}" type="datetimeFigureOut">
+              <a:rPr lang="hu-HU" smtClean="0"/>
+              <a:t>2022.09.15.</a:t>
             </a:fld>
             <a:endParaRPr lang="hu-HU"/>
           </a:p>
@@ -3840,7 +3848,7 @@
           <a:bodyPr/>
           <a:lstStyle/>
           <a:p>
-            <a:fld id="{25D7260E-FF50-48F9-9820-246E00F67D65}" type="slidenum">
+            <a:fld id="{725FB574-9779-4825-BA9F-16085A494775}" type="slidenum">
               <a:rPr lang="hu-HU" smtClean="0"/>
               <a:t>‹#›</a:t>
             </a:fld>
@@ -3851,7 +3859,7 @@
     </p:spTree>
     <p:extLst>
       <p:ext uri="{BB962C8B-B14F-4D97-AF65-F5344CB8AC3E}">
-        <p14:creationId xmlns:p14="http://schemas.microsoft.com/office/powerpoint/2010/main" val="2537862057"/>
+        <p14:creationId xmlns:p14="http://schemas.microsoft.com/office/powerpoint/2010/main" val="1071506414"/>
       </p:ext>
     </p:extLst>
   </p:cSld>
@@ -4171,9 +4179,9 @@
           <a:bodyPr/>
           <a:lstStyle/>
           <a:p>
-            <a:fld id="{D8B625BF-F2A8-471A-9F7E-2971400F516E}" type="datetimeFigureOut">
-              <a:rPr lang="hu-HU" smtClean="0"/>
-              <a:t>2022.09.08.</a:t>
+            <a:fld id="{3FA18FD4-B378-4D3A-AEFB-1F3E4F59479F}" type="datetimeFigureOut">
+              <a:rPr lang="hu-HU" smtClean="0"/>
+              <a:t>2022.09.15.</a:t>
             </a:fld>
             <a:endParaRPr lang="hu-HU"/>
           </a:p>
@@ -4213,7 +4221,7 @@
           <a:bodyPr/>
           <a:lstStyle/>
           <a:p>
-            <a:fld id="{25D7260E-FF50-48F9-9820-246E00F67D65}" type="slidenum">
+            <a:fld id="{725FB574-9779-4825-BA9F-16085A494775}" type="slidenum">
               <a:rPr lang="hu-HU" smtClean="0"/>
               <a:t>‹#›</a:t>
             </a:fld>
@@ -4224,7 +4232,7 @@
     </p:spTree>
     <p:extLst>
       <p:ext uri="{BB962C8B-B14F-4D97-AF65-F5344CB8AC3E}">
-        <p14:creationId xmlns:p14="http://schemas.microsoft.com/office/powerpoint/2010/main" val="175400549"/>
+        <p14:creationId xmlns:p14="http://schemas.microsoft.com/office/powerpoint/2010/main" val="3628943411"/>
       </p:ext>
     </p:extLst>
   </p:cSld>
@@ -4289,9 +4297,9 @@
           <a:bodyPr/>
           <a:lstStyle/>
           <a:p>
-            <a:fld id="{D8B625BF-F2A8-471A-9F7E-2971400F516E}" type="datetimeFigureOut">
-              <a:rPr lang="hu-HU" smtClean="0"/>
-              <a:t>2022.09.08.</a:t>
+            <a:fld id="{3FA18FD4-B378-4D3A-AEFB-1F3E4F59479F}" type="datetimeFigureOut">
+              <a:rPr lang="hu-HU" smtClean="0"/>
+              <a:t>2022.09.15.</a:t>
             </a:fld>
             <a:endParaRPr lang="hu-HU"/>
           </a:p>
@@ -4331,7 +4339,7 @@
           <a:bodyPr/>
           <a:lstStyle/>
           <a:p>
-            <a:fld id="{25D7260E-FF50-48F9-9820-246E00F67D65}" type="slidenum">
+            <a:fld id="{725FB574-9779-4825-BA9F-16085A494775}" type="slidenum">
               <a:rPr lang="hu-HU" smtClean="0"/>
               <a:t>‹#›</a:t>
             </a:fld>
@@ -4342,7 +4350,7 @@
     </p:spTree>
     <p:extLst>
       <p:ext uri="{BB962C8B-B14F-4D97-AF65-F5344CB8AC3E}">
-        <p14:creationId xmlns:p14="http://schemas.microsoft.com/office/powerpoint/2010/main" val="1165864330"/>
+        <p14:creationId xmlns:p14="http://schemas.microsoft.com/office/powerpoint/2010/main" val="3854369057"/>
       </p:ext>
     </p:extLst>
   </p:cSld>
@@ -4384,9 +4392,9 @@
           <a:bodyPr/>
           <a:lstStyle/>
           <a:p>
-            <a:fld id="{D8B625BF-F2A8-471A-9F7E-2971400F516E}" type="datetimeFigureOut">
-              <a:rPr lang="hu-HU" smtClean="0"/>
-              <a:t>2022.09.08.</a:t>
+            <a:fld id="{3FA18FD4-B378-4D3A-AEFB-1F3E4F59479F}" type="datetimeFigureOut">
+              <a:rPr lang="hu-HU" smtClean="0"/>
+              <a:t>2022.09.15.</a:t>
             </a:fld>
             <a:endParaRPr lang="hu-HU"/>
           </a:p>
@@ -4426,7 +4434,7 @@
           <a:bodyPr/>
           <a:lstStyle/>
           <a:p>
-            <a:fld id="{25D7260E-FF50-48F9-9820-246E00F67D65}" type="slidenum">
+            <a:fld id="{725FB574-9779-4825-BA9F-16085A494775}" type="slidenum">
               <a:rPr lang="hu-HU" smtClean="0"/>
               <a:t>‹#›</a:t>
             </a:fld>
@@ -4437,7 +4445,7 @@
     </p:spTree>
     <p:extLst>
       <p:ext uri="{BB962C8B-B14F-4D97-AF65-F5344CB8AC3E}">
-        <p14:creationId xmlns:p14="http://schemas.microsoft.com/office/powerpoint/2010/main" val="3112446639"/>
+        <p14:creationId xmlns:p14="http://schemas.microsoft.com/office/powerpoint/2010/main" val="3682349946"/>
       </p:ext>
     </p:extLst>
   </p:cSld>
@@ -4635,9 +4643,9 @@
           <a:bodyPr/>
           <a:lstStyle/>
           <a:p>
-            <a:fld id="{D8B625BF-F2A8-471A-9F7E-2971400F516E}" type="datetimeFigureOut">
-              <a:rPr lang="hu-HU" smtClean="0"/>
-              <a:t>2022.09.08.</a:t>
+            <a:fld id="{3FA18FD4-B378-4D3A-AEFB-1F3E4F59479F}" type="datetimeFigureOut">
+              <a:rPr lang="hu-HU" smtClean="0"/>
+              <a:t>2022.09.15.</a:t>
             </a:fld>
             <a:endParaRPr lang="hu-HU"/>
           </a:p>
@@ -4677,7 +4685,7 @@
           <a:bodyPr/>
           <a:lstStyle/>
           <a:p>
-            <a:fld id="{25D7260E-FF50-48F9-9820-246E00F67D65}" type="slidenum">
+            <a:fld id="{725FB574-9779-4825-BA9F-16085A494775}" type="slidenum">
               <a:rPr lang="hu-HU" smtClean="0"/>
               <a:t>‹#›</a:t>
             </a:fld>
@@ -4688,7 +4696,7 @@
     </p:spTree>
     <p:extLst>
       <p:ext uri="{BB962C8B-B14F-4D97-AF65-F5344CB8AC3E}">
-        <p14:creationId xmlns:p14="http://schemas.microsoft.com/office/powerpoint/2010/main" val="4040069488"/>
+        <p14:creationId xmlns:p14="http://schemas.microsoft.com/office/powerpoint/2010/main" val="1255252679"/>
       </p:ext>
     </p:extLst>
   </p:cSld>
@@ -4922,9 +4930,9 @@
           <a:bodyPr/>
           <a:lstStyle/>
           <a:p>
-            <a:fld id="{D8B625BF-F2A8-471A-9F7E-2971400F516E}" type="datetimeFigureOut">
-              <a:rPr lang="hu-HU" smtClean="0"/>
-              <a:t>2022.09.08.</a:t>
+            <a:fld id="{3FA18FD4-B378-4D3A-AEFB-1F3E4F59479F}" type="datetimeFigureOut">
+              <a:rPr lang="hu-HU" smtClean="0"/>
+              <a:t>2022.09.15.</a:t>
             </a:fld>
             <a:endParaRPr lang="hu-HU"/>
           </a:p>
@@ -4964,7 +4972,7 @@
           <a:bodyPr/>
           <a:lstStyle/>
           <a:p>
-            <a:fld id="{25D7260E-FF50-48F9-9820-246E00F67D65}" type="slidenum">
+            <a:fld id="{725FB574-9779-4825-BA9F-16085A494775}" type="slidenum">
               <a:rPr lang="hu-HU" smtClean="0"/>
               <a:t>‹#›</a:t>
             </a:fld>
@@ -4975,7 +4983,7 @@
     </p:spTree>
     <p:extLst>
       <p:ext uri="{BB962C8B-B14F-4D97-AF65-F5344CB8AC3E}">
-        <p14:creationId xmlns:p14="http://schemas.microsoft.com/office/powerpoint/2010/main" val="2916117844"/>
+        <p14:creationId xmlns:p14="http://schemas.microsoft.com/office/powerpoint/2010/main" val="3199838433"/>
       </p:ext>
     </p:extLst>
   </p:cSld>
@@ -5135,9 +5143,9 @@
             </a:lvl1pPr>
           </a:lstStyle>
           <a:p>
-            <a:fld id="{D8B625BF-F2A8-471A-9F7E-2971400F516E}" type="datetimeFigureOut">
-              <a:rPr lang="hu-HU" smtClean="0"/>
-              <a:t>2022.09.08.</a:t>
+            <a:fld id="{3FA18FD4-B378-4D3A-AEFB-1F3E4F59479F}" type="datetimeFigureOut">
+              <a:rPr lang="hu-HU" smtClean="0"/>
+              <a:t>2022.09.15.</a:t>
             </a:fld>
             <a:endParaRPr lang="hu-HU"/>
           </a:p>
@@ -5213,7 +5221,7 @@
             </a:lvl1pPr>
           </a:lstStyle>
           <a:p>
-            <a:fld id="{25D7260E-FF50-48F9-9820-246E00F67D65}" type="slidenum">
+            <a:fld id="{725FB574-9779-4825-BA9F-16085A494775}" type="slidenum">
               <a:rPr lang="hu-HU" smtClean="0"/>
               <a:t>‹#›</a:t>
             </a:fld>
@@ -5224,7 +5232,7 @@
     </p:spTree>
     <p:extLst>
       <p:ext uri="{BB962C8B-B14F-4D97-AF65-F5344CB8AC3E}">
-        <p14:creationId xmlns:p14="http://schemas.microsoft.com/office/powerpoint/2010/main" val="535016296"/>
+        <p14:creationId xmlns:p14="http://schemas.microsoft.com/office/powerpoint/2010/main" val="2762630465"/>
       </p:ext>
     </p:extLst>
   </p:cSld>
@@ -5634,7 +5642,7 @@
           <a:lstStyle/>
           <a:p>
             <a:r>
-              <a:rPr lang="hu-HU" smtClean="0"/>
+              <a:rPr lang="hu-HU" dirty="0" smtClean="0"/>
               <a:t>Processzorok</a:t>
             </a:r>
             <a:endParaRPr lang="hu-HU" dirty="0"/>
@@ -5653,14 +5661,12 @@
         </p:nvSpPr>
         <p:spPr>
           <a:xfrm>
-            <a:off x="7708900" y="6434138"/>
-            <a:ext cx="4483100" cy="423862"/>
+            <a:off x="7234069" y="6256338"/>
+            <a:ext cx="4957931" cy="601662"/>
           </a:xfrm>
         </p:spPr>
         <p:txBody>
-          <a:bodyPr>
-            <a:normAutofit fontScale="85000" lnSpcReduction="20000"/>
-          </a:bodyPr>
+          <a:bodyPr/>
           <a:lstStyle/>
           <a:p>
             <a:r>
@@ -5674,7 +5680,89 @@
     </p:spTree>
     <p:extLst>
       <p:ext uri="{BB962C8B-B14F-4D97-AF65-F5344CB8AC3E}">
-        <p14:creationId xmlns:p14="http://schemas.microsoft.com/office/powerpoint/2010/main" val="3389200638"/>
+        <p14:creationId xmlns:p14="http://schemas.microsoft.com/office/powerpoint/2010/main" val="3610384116"/>
+      </p:ext>
+    </p:extLst>
+  </p:cSld>
+  <p:clrMapOvr>
+    <a:masterClrMapping/>
+  </p:clrMapOvr>
+  <p:timing>
+    <p:tnLst>
+      <p:par>
+        <p:cTn id="1" dur="indefinite" restart="never" nodeType="tmRoot"/>
+      </p:par>
+    </p:tnLst>
+  </p:timing>
+</p:sld>
+</file>
+
+<file path=ppt/slides/slide10.xml><?xml version="1.0" encoding="utf-8"?>
+<p:sld xmlns:a="http://schemas.openxmlformats.org/drawingml/2006/main" xmlns:r="http://schemas.openxmlformats.org/officeDocument/2006/relationships" xmlns:p="http://schemas.openxmlformats.org/presentationml/2006/main">
+  <p:cSld>
+    <p:spTree>
+      <p:nvGrpSpPr>
+        <p:cNvPr id="1" name=""/>
+        <p:cNvGrpSpPr/>
+        <p:nvPr/>
+      </p:nvGrpSpPr>
+      <p:grpSpPr>
+        <a:xfrm>
+          <a:off x="0" y="0"/>
+          <a:ext cx="0" cy="0"/>
+          <a:chOff x="0" y="0"/>
+          <a:chExt cx="0" cy="0"/>
+        </a:xfrm>
+      </p:grpSpPr>
+      <p:sp>
+        <p:nvSpPr>
+          <p:cNvPr id="2" name="Cím 1"/>
+          <p:cNvSpPr>
+            <a:spLocks noGrp="1"/>
+          </p:cNvSpPr>
+          <p:nvPr>
+            <p:ph type="title"/>
+          </p:nvPr>
+        </p:nvSpPr>
+        <p:spPr/>
+        <p:txBody>
+          <a:bodyPr/>
+          <a:lstStyle/>
+          <a:p>
+            <a:r>
+              <a:rPr lang="hu-HU" dirty="0" smtClean="0"/>
+              <a:t>Források</a:t>
+            </a:r>
+            <a:endParaRPr lang="hu-HU" dirty="0"/>
+          </a:p>
+        </p:txBody>
+      </p:sp>
+      <p:sp>
+        <p:nvSpPr>
+          <p:cNvPr id="3" name="Tartalom helye 2"/>
+          <p:cNvSpPr>
+            <a:spLocks noGrp="1"/>
+          </p:cNvSpPr>
+          <p:nvPr>
+            <p:ph idx="1"/>
+          </p:nvPr>
+        </p:nvSpPr>
+        <p:spPr/>
+        <p:txBody>
+          <a:bodyPr/>
+          <a:lstStyle/>
+          <a:p>
+            <a:r>
+              <a:rPr lang="hu-HU" dirty="0"/>
+              <a:t>https://www.alza.hu/mi-a-processzor#principium</a:t>
+            </a:r>
+          </a:p>
+        </p:txBody>
+      </p:sp>
+    </p:spTree>
+    <p:extLst>
+      <p:ext uri="{BB962C8B-B14F-4D97-AF65-F5344CB8AC3E}">
+        <p14:creationId xmlns:p14="http://schemas.microsoft.com/office/powerpoint/2010/main" val="4276407427"/>
       </p:ext>
     </p:extLst>
   </p:cSld>
@@ -5711,10 +5799,33 @@
             <p:ph type="title"/>
           </p:nvPr>
         </p:nvSpPr>
+        <p:spPr/>
+        <p:txBody>
+          <a:bodyPr/>
+          <a:lstStyle/>
+          <a:p>
+            <a:r>
+              <a:rPr lang="hu-HU" dirty="0" smtClean="0"/>
+              <a:t>Gyártók</a:t>
+            </a:r>
+            <a:endParaRPr lang="hu-HU" dirty="0"/>
+          </a:p>
+        </p:txBody>
+      </p:sp>
+      <p:sp>
+        <p:nvSpPr>
+          <p:cNvPr id="3" name="Tartalom helye 2"/>
+          <p:cNvSpPr>
+            <a:spLocks noGrp="1"/>
+          </p:cNvSpPr>
+          <p:nvPr>
+            <p:ph idx="1"/>
+          </p:nvPr>
+        </p:nvSpPr>
         <p:spPr>
           <a:xfrm>
-            <a:off x="3416300" y="2676525"/>
-            <a:ext cx="5562600" cy="1196975"/>
+            <a:off x="913795" y="2096064"/>
+            <a:ext cx="1359505" cy="1371036"/>
           </a:xfrm>
         </p:spPr>
         <p:txBody>
@@ -5723,22 +5834,1037 @@
           <a:p>
             <a:r>
               <a:rPr lang="hu-HU" dirty="0" smtClean="0"/>
-              <a:t>Köszönöm a figyelmet!</a:t>
+              <a:t>Intel</a:t>
+            </a:r>
+          </a:p>
+          <a:p>
+            <a:r>
+              <a:rPr lang="hu-HU" dirty="0" smtClean="0"/>
+              <a:t>AMD</a:t>
             </a:r>
             <a:endParaRPr lang="hu-HU" dirty="0"/>
+          </a:p>
+        </p:txBody>
+      </p:sp>
+      <p:pic>
+        <p:nvPicPr>
+          <p:cNvPr id="4" name="Kép 3"/>
+          <p:cNvPicPr>
+            <a:picLocks noChangeAspect="1"/>
+          </p:cNvPicPr>
+          <p:nvPr/>
+        </p:nvPicPr>
+        <p:blipFill>
+          <a:blip r:embed="rId2"/>
+          <a:stretch>
+            <a:fillRect/>
+          </a:stretch>
+        </p:blipFill>
+        <p:spPr>
+          <a:xfrm>
+            <a:off x="913795" y="3467100"/>
+            <a:ext cx="4059571" cy="2273360"/>
+          </a:xfrm>
+          <a:prstGeom prst="rect">
+            <a:avLst/>
+          </a:prstGeom>
+        </p:spPr>
+      </p:pic>
+      <p:pic>
+        <p:nvPicPr>
+          <p:cNvPr id="2050" name="Picture 2" descr="https://blog.siggraph.org/wp-content/uploads/2022/04/AMD-Logo-3.png"/>
+          <p:cNvPicPr>
+            <a:picLocks noChangeAspect="1" noChangeArrowheads="1"/>
+          </p:cNvPicPr>
+          <p:nvPr/>
+        </p:nvPicPr>
+        <p:blipFill>
+          <a:blip r:embed="rId3" cstate="print">
+            <a:extLst>
+              <a:ext uri="{28A0092B-C50C-407E-A947-70E740481C1C}">
+                <a14:useLocalDpi xmlns:a14="http://schemas.microsoft.com/office/drawing/2010/main" val="0"/>
+              </a:ext>
+            </a:extLst>
+          </a:blip>
+          <a:srcRect/>
+          <a:stretch>
+            <a:fillRect/>
+          </a:stretch>
+        </p:blipFill>
+        <p:spPr bwMode="auto">
+          <a:xfrm>
+            <a:off x="5608366" y="3092450"/>
+            <a:ext cx="5373617" cy="3022660"/>
+          </a:xfrm>
+          <a:prstGeom prst="rect">
+            <a:avLst/>
+          </a:prstGeom>
+          <a:noFill/>
+          <a:extLst>
+            <a:ext uri="{909E8E84-426E-40DD-AFC4-6F175D3DCCD1}">
+              <a14:hiddenFill xmlns:a14="http://schemas.microsoft.com/office/drawing/2010/main">
+                <a:solidFill>
+                  <a:srgbClr val="FFFFFF"/>
+                </a:solidFill>
+              </a14:hiddenFill>
+            </a:ext>
+          </a:extLst>
+        </p:spPr>
+      </p:pic>
+      <p:sp>
+        <p:nvSpPr>
+          <p:cNvPr id="6" name="Szövegdoboz 5"/>
+          <p:cNvSpPr txBox="1"/>
+          <p:nvPr/>
+        </p:nvSpPr>
+        <p:spPr>
+          <a:xfrm>
+            <a:off x="7196624" y="5853500"/>
+            <a:ext cx="2197100" cy="261610"/>
+          </a:xfrm>
+          <a:prstGeom prst="rect">
+            <a:avLst/>
+          </a:prstGeom>
+          <a:noFill/>
+        </p:spPr>
+        <p:txBody>
+          <a:bodyPr wrap="square" rtlCol="0">
+            <a:spAutoFit/>
+          </a:bodyPr>
+          <a:lstStyle/>
+          <a:p>
+            <a:r>
+              <a:rPr lang="hu-HU" sz="1100" dirty="0"/>
+              <a:t>https://tinyurl.com/234zpzcb</a:t>
+            </a:r>
+          </a:p>
+        </p:txBody>
+      </p:sp>
+      <p:sp>
+        <p:nvSpPr>
+          <p:cNvPr id="7" name="Szövegdoboz 6"/>
+          <p:cNvSpPr txBox="1"/>
+          <p:nvPr/>
+        </p:nvSpPr>
+        <p:spPr>
+          <a:xfrm>
+            <a:off x="2027770" y="5853500"/>
+            <a:ext cx="1831620" cy="430887"/>
+          </a:xfrm>
+          <a:prstGeom prst="rect">
+            <a:avLst/>
+          </a:prstGeom>
+          <a:noFill/>
+        </p:spPr>
+        <p:txBody>
+          <a:bodyPr wrap="square" rtlCol="0">
+            <a:spAutoFit/>
+          </a:bodyPr>
+          <a:lstStyle/>
+          <a:p>
+            <a:r>
+              <a:rPr lang="hu-HU" sz="1100" dirty="0">
+                <a:latin typeface="Times New Roman" panose="02020603050405020304" pitchFamily="18" charset="0"/>
+                <a:cs typeface="Times New Roman" panose="02020603050405020304" pitchFamily="18" charset="0"/>
+              </a:rPr>
+              <a:t>https://tinyurl.com/k4wnc6zz</a:t>
+            </a:r>
+          </a:p>
+          <a:p>
+            <a:endParaRPr lang="hu-HU" sz="1100" dirty="0"/>
           </a:p>
         </p:txBody>
       </p:sp>
     </p:spTree>
     <p:extLst>
       <p:ext uri="{BB962C8B-B14F-4D97-AF65-F5344CB8AC3E}">
-        <p14:creationId xmlns:p14="http://schemas.microsoft.com/office/powerpoint/2010/main" val="2901933372"/>
+        <p14:creationId xmlns:p14="http://schemas.microsoft.com/office/powerpoint/2010/main" val="1433523741"/>
       </p:ext>
     </p:extLst>
   </p:cSld>
   <p:clrMapOvr>
     <a:masterClrMapping/>
   </p:clrMapOvr>
+  <p:timing>
+    <p:tnLst>
+      <p:par>
+        <p:cTn id="1" dur="indefinite" restart="never" nodeType="tmRoot"/>
+      </p:par>
+    </p:tnLst>
+  </p:timing>
+</p:sld>
+</file>
+
+<file path=ppt/slides/slide3.xml><?xml version="1.0" encoding="utf-8"?>
+<p:sld xmlns:a="http://schemas.openxmlformats.org/drawingml/2006/main" xmlns:r="http://schemas.openxmlformats.org/officeDocument/2006/relationships" xmlns:p="http://schemas.openxmlformats.org/presentationml/2006/main">
+  <p:cSld>
+    <p:spTree>
+      <p:nvGrpSpPr>
+        <p:cNvPr id="1" name=""/>
+        <p:cNvGrpSpPr/>
+        <p:nvPr/>
+      </p:nvGrpSpPr>
+      <p:grpSpPr>
+        <a:xfrm>
+          <a:off x="0" y="0"/>
+          <a:ext cx="0" cy="0"/>
+          <a:chOff x="0" y="0"/>
+          <a:chExt cx="0" cy="0"/>
+        </a:xfrm>
+      </p:grpSpPr>
+      <p:sp>
+        <p:nvSpPr>
+          <p:cNvPr id="2" name="Cím 1"/>
+          <p:cNvSpPr>
+            <a:spLocks noGrp="1"/>
+          </p:cNvSpPr>
+          <p:nvPr>
+            <p:ph type="title"/>
+          </p:nvPr>
+        </p:nvSpPr>
+        <p:spPr/>
+        <p:txBody>
+          <a:bodyPr/>
+          <a:lstStyle/>
+          <a:p>
+            <a:r>
+              <a:rPr lang="hu-HU" dirty="0" smtClean="0"/>
+              <a:t>Mi a processzor?</a:t>
+            </a:r>
+            <a:endParaRPr lang="hu-HU" dirty="0"/>
+          </a:p>
+        </p:txBody>
+      </p:sp>
+      <p:sp>
+        <p:nvSpPr>
+          <p:cNvPr id="3" name="Tartalom helye 2"/>
+          <p:cNvSpPr>
+            <a:spLocks noGrp="1"/>
+          </p:cNvSpPr>
+          <p:nvPr>
+            <p:ph idx="1"/>
+          </p:nvPr>
+        </p:nvSpPr>
+        <p:spPr>
+          <a:xfrm>
+            <a:off x="913795" y="2096064"/>
+            <a:ext cx="3836005" cy="4647636"/>
+          </a:xfrm>
+        </p:spPr>
+        <p:txBody>
+          <a:bodyPr>
+            <a:normAutofit fontScale="70000" lnSpcReduction="20000"/>
+          </a:bodyPr>
+          <a:lstStyle/>
+          <a:p>
+            <a:r>
+              <a:rPr lang="hu-HU" sz="4300" dirty="0" smtClean="0">
+                <a:latin typeface="Times New Roman" panose="02020603050405020304" pitchFamily="18" charset="0"/>
+                <a:cs typeface="Times New Roman" panose="02020603050405020304" pitchFamily="18" charset="0"/>
+              </a:rPr>
+              <a:t>AGY</a:t>
+            </a:r>
+          </a:p>
+          <a:p>
+            <a:endParaRPr lang="hu-HU" sz="4300" dirty="0">
+              <a:latin typeface="Times New Roman" panose="02020603050405020304" pitchFamily="18" charset="0"/>
+              <a:cs typeface="Times New Roman" panose="02020603050405020304" pitchFamily="18" charset="0"/>
+            </a:endParaRPr>
+          </a:p>
+          <a:p>
+            <a:r>
+              <a:rPr lang="hu-HU" sz="4300" dirty="0" smtClean="0">
+                <a:latin typeface="Times New Roman" panose="02020603050405020304" pitchFamily="18" charset="0"/>
+                <a:cs typeface="Times New Roman" panose="02020603050405020304" pitchFamily="18" charset="0"/>
+              </a:rPr>
+              <a:t>Központi feldolgozó egység</a:t>
+            </a:r>
+          </a:p>
+          <a:p>
+            <a:r>
+              <a:rPr lang="hu-HU" sz="4300" dirty="0" smtClean="0">
+                <a:latin typeface="Times New Roman" panose="02020603050405020304" pitchFamily="18" charset="0"/>
+                <a:cs typeface="Times New Roman" panose="02020603050405020304" pitchFamily="18" charset="0"/>
+              </a:rPr>
+              <a:t>Több funkció</a:t>
+            </a:r>
+          </a:p>
+          <a:p>
+            <a:r>
+              <a:rPr lang="hu-HU" sz="4300" dirty="0" smtClean="0">
+                <a:latin typeface="Times New Roman" panose="02020603050405020304" pitchFamily="18" charset="0"/>
+                <a:cs typeface="Times New Roman" panose="02020603050405020304" pitchFamily="18" charset="0"/>
+              </a:rPr>
+              <a:t>Irányít</a:t>
+            </a:r>
+            <a:endParaRPr lang="hu-HU" sz="4300" dirty="0">
+              <a:latin typeface="Times New Roman" panose="02020603050405020304" pitchFamily="18" charset="0"/>
+              <a:cs typeface="Times New Roman" panose="02020603050405020304" pitchFamily="18" charset="0"/>
+            </a:endParaRPr>
+          </a:p>
+          <a:p>
+            <a:pPr marL="0" indent="0">
+              <a:buNone/>
+            </a:pPr>
+            <a:endParaRPr lang="hu-HU" sz="4300" dirty="0">
+              <a:latin typeface="Times New Roman" panose="02020603050405020304" pitchFamily="18" charset="0"/>
+              <a:cs typeface="Times New Roman" panose="02020603050405020304" pitchFamily="18" charset="0"/>
+            </a:endParaRPr>
+          </a:p>
+          <a:p>
+            <a:r>
+              <a:rPr lang="hu-HU" sz="4300" dirty="0" smtClean="0">
+                <a:latin typeface="Times New Roman" panose="02020603050405020304" pitchFamily="18" charset="0"/>
+                <a:cs typeface="Times New Roman" panose="02020603050405020304" pitchFamily="18" charset="0"/>
+              </a:rPr>
+              <a:t>CPU</a:t>
+            </a:r>
+          </a:p>
+          <a:p>
+            <a:endParaRPr lang="hu-HU" dirty="0"/>
+          </a:p>
+          <a:p>
+            <a:endParaRPr lang="hu-HU" dirty="0"/>
+          </a:p>
+        </p:txBody>
+      </p:sp>
+      <p:pic>
+        <p:nvPicPr>
+          <p:cNvPr id="1026" name="Picture 2" descr="https://tartalommarketing.org/wp-content/uploads/2018/03/agy-mesterseges-intelligencia.jpg"/>
+          <p:cNvPicPr>
+            <a:picLocks noChangeAspect="1" noChangeArrowheads="1"/>
+          </p:cNvPicPr>
+          <p:nvPr/>
+        </p:nvPicPr>
+        <p:blipFill>
+          <a:blip r:embed="rId2">
+            <a:extLst>
+              <a:ext uri="{28A0092B-C50C-407E-A947-70E740481C1C}">
+                <a14:useLocalDpi xmlns:a14="http://schemas.microsoft.com/office/drawing/2010/main" val="0"/>
+              </a:ext>
+            </a:extLst>
+          </a:blip>
+          <a:srcRect/>
+          <a:stretch>
+            <a:fillRect/>
+          </a:stretch>
+        </p:blipFill>
+        <p:spPr bwMode="auto">
+          <a:xfrm>
+            <a:off x="4859628" y="2530342"/>
+            <a:ext cx="6999068" cy="3144079"/>
+          </a:xfrm>
+          <a:prstGeom prst="rect">
+            <a:avLst/>
+          </a:prstGeom>
+          <a:noFill/>
+          <a:extLst>
+            <a:ext uri="{909E8E84-426E-40DD-AFC4-6F175D3DCCD1}">
+              <a14:hiddenFill xmlns:a14="http://schemas.microsoft.com/office/drawing/2010/main">
+                <a:solidFill>
+                  <a:srgbClr val="FFFFFF"/>
+                </a:solidFill>
+              </a14:hiddenFill>
+            </a:ext>
+          </a:extLst>
+        </p:spPr>
+      </p:pic>
+      <p:sp>
+        <p:nvSpPr>
+          <p:cNvPr id="4" name="Szövegdoboz 3"/>
+          <p:cNvSpPr txBox="1"/>
+          <p:nvPr/>
+        </p:nvSpPr>
+        <p:spPr>
+          <a:xfrm>
+            <a:off x="5819256" y="5674421"/>
+            <a:ext cx="5448300" cy="261610"/>
+          </a:xfrm>
+          <a:prstGeom prst="rect">
+            <a:avLst/>
+          </a:prstGeom>
+          <a:noFill/>
+        </p:spPr>
+        <p:txBody>
+          <a:bodyPr wrap="square" rtlCol="0">
+            <a:spAutoFit/>
+          </a:bodyPr>
+          <a:lstStyle/>
+          <a:p>
+            <a:r>
+              <a:rPr lang="hu-HU" sz="1100" dirty="0">
+                <a:latin typeface="Times New Roman" panose="02020603050405020304" pitchFamily="18" charset="0"/>
+                <a:cs typeface="Times New Roman" panose="02020603050405020304" pitchFamily="18" charset="0"/>
+              </a:rPr>
+              <a:t>https://tartalommarketing.org/wp-content/uploads/2018/03/agy-mesterseges-intelligencia.jpg</a:t>
+            </a:r>
+          </a:p>
+        </p:txBody>
+      </p:sp>
+    </p:spTree>
+    <p:extLst>
+      <p:ext uri="{BB962C8B-B14F-4D97-AF65-F5344CB8AC3E}">
+        <p14:creationId xmlns:p14="http://schemas.microsoft.com/office/powerpoint/2010/main" val="2201080647"/>
+      </p:ext>
+    </p:extLst>
+  </p:cSld>
+  <p:clrMapOvr>
+    <a:masterClrMapping/>
+  </p:clrMapOvr>
+  <p:timing>
+    <p:tnLst>
+      <p:par>
+        <p:cTn id="1" dur="indefinite" restart="never" nodeType="tmRoot"/>
+      </p:par>
+    </p:tnLst>
+  </p:timing>
+</p:sld>
+</file>
+
+<file path=ppt/slides/slide4.xml><?xml version="1.0" encoding="utf-8"?>
+<p:sld xmlns:a="http://schemas.openxmlformats.org/drawingml/2006/main" xmlns:r="http://schemas.openxmlformats.org/officeDocument/2006/relationships" xmlns:p="http://schemas.openxmlformats.org/presentationml/2006/main">
+  <p:cSld>
+    <p:spTree>
+      <p:nvGrpSpPr>
+        <p:cNvPr id="1" name=""/>
+        <p:cNvGrpSpPr/>
+        <p:nvPr/>
+      </p:nvGrpSpPr>
+      <p:grpSpPr>
+        <a:xfrm>
+          <a:off x="0" y="0"/>
+          <a:ext cx="0" cy="0"/>
+          <a:chOff x="0" y="0"/>
+          <a:chExt cx="0" cy="0"/>
+        </a:xfrm>
+      </p:grpSpPr>
+      <p:sp>
+        <p:nvSpPr>
+          <p:cNvPr id="2" name="Cím 1"/>
+          <p:cNvSpPr>
+            <a:spLocks noGrp="1"/>
+          </p:cNvSpPr>
+          <p:nvPr>
+            <p:ph type="title"/>
+          </p:nvPr>
+        </p:nvSpPr>
+        <p:spPr/>
+        <p:txBody>
+          <a:bodyPr/>
+          <a:lstStyle/>
+          <a:p>
+            <a:r>
+              <a:rPr lang="hu-HU" dirty="0" smtClean="0"/>
+              <a:t>Hogyan működik?</a:t>
+            </a:r>
+            <a:endParaRPr lang="hu-HU" dirty="0"/>
+          </a:p>
+        </p:txBody>
+      </p:sp>
+      <p:sp>
+        <p:nvSpPr>
+          <p:cNvPr id="3" name="Tartalom helye 2"/>
+          <p:cNvSpPr>
+            <a:spLocks noGrp="1"/>
+          </p:cNvSpPr>
+          <p:nvPr>
+            <p:ph idx="1"/>
+          </p:nvPr>
+        </p:nvSpPr>
+        <p:spPr>
+          <a:xfrm>
+            <a:off x="304195" y="1536700"/>
+            <a:ext cx="6160105" cy="5168900"/>
+          </a:xfrm>
+        </p:spPr>
+        <p:txBody>
+          <a:bodyPr>
+            <a:noAutofit/>
+          </a:bodyPr>
+          <a:lstStyle/>
+          <a:p>
+            <a:r>
+              <a:rPr lang="hu-HU" sz="3000" dirty="0" smtClean="0">
+                <a:latin typeface="Times New Roman" panose="02020603050405020304" pitchFamily="18" charset="0"/>
+                <a:cs typeface="Times New Roman" panose="02020603050405020304" pitchFamily="18" charset="0"/>
+              </a:rPr>
+              <a:t>0 – 1 számrendszer</a:t>
+            </a:r>
+          </a:p>
+          <a:p>
+            <a:r>
+              <a:rPr lang="hu-HU" sz="3000" dirty="0">
+                <a:latin typeface="Times New Roman" panose="02020603050405020304" pitchFamily="18" charset="0"/>
+                <a:cs typeface="Times New Roman" panose="02020603050405020304" pitchFamily="18" charset="0"/>
+              </a:rPr>
+              <a:t>f</a:t>
+            </a:r>
+            <a:r>
+              <a:rPr lang="hu-HU" sz="3000" dirty="0" smtClean="0">
+                <a:latin typeface="Times New Roman" panose="02020603050405020304" pitchFamily="18" charset="0"/>
+                <a:cs typeface="Times New Roman" panose="02020603050405020304" pitchFamily="18" charset="0"/>
+              </a:rPr>
+              <a:t>eszültségszintekkel</a:t>
+            </a:r>
+          </a:p>
+          <a:p>
+            <a:r>
+              <a:rPr lang="hu-HU" sz="3000" dirty="0" smtClean="0">
+                <a:latin typeface="Times New Roman" panose="02020603050405020304" pitchFamily="18" charset="0"/>
+                <a:cs typeface="Times New Roman" panose="02020603050405020304" pitchFamily="18" charset="0"/>
+              </a:rPr>
+              <a:t>Feladatok egymás után</a:t>
+            </a:r>
+          </a:p>
+          <a:p>
+            <a:endParaRPr lang="hu-HU" sz="3000" dirty="0" smtClean="0">
+              <a:latin typeface="Times New Roman" panose="02020603050405020304" pitchFamily="18" charset="0"/>
+              <a:cs typeface="Times New Roman" panose="02020603050405020304" pitchFamily="18" charset="0"/>
+            </a:endParaRPr>
+          </a:p>
+          <a:p>
+            <a:r>
+              <a:rPr lang="hu-HU" sz="3000" dirty="0" smtClean="0">
+                <a:latin typeface="Times New Roman" panose="02020603050405020304" pitchFamily="18" charset="0"/>
+                <a:cs typeface="Times New Roman" panose="02020603050405020304" pitchFamily="18" charset="0"/>
+              </a:rPr>
+              <a:t>Tranzisztor feladata:</a:t>
+            </a:r>
+          </a:p>
+          <a:p>
+            <a:r>
+              <a:rPr lang="hu-HU" sz="3000" dirty="0" smtClean="0">
+                <a:latin typeface="Times New Roman" panose="02020603050405020304" pitchFamily="18" charset="0"/>
+                <a:cs typeface="Times New Roman" panose="02020603050405020304" pitchFamily="18" charset="0"/>
+              </a:rPr>
+              <a:t>kapcsoló</a:t>
+            </a:r>
+          </a:p>
+          <a:p>
+            <a:r>
+              <a:rPr lang="hu-HU" sz="3000" dirty="0" smtClean="0">
+                <a:latin typeface="Times New Roman" panose="02020603050405020304" pitchFamily="18" charset="0"/>
+                <a:cs typeface="Times New Roman" panose="02020603050405020304" pitchFamily="18" charset="0"/>
+              </a:rPr>
+              <a:t>0 – 1 váltakozása</a:t>
+            </a:r>
+            <a:endParaRPr lang="hu-HU" sz="3000" dirty="0">
+              <a:latin typeface="Times New Roman" panose="02020603050405020304" pitchFamily="18" charset="0"/>
+              <a:cs typeface="Times New Roman" panose="02020603050405020304" pitchFamily="18" charset="0"/>
+            </a:endParaRPr>
+          </a:p>
+          <a:p>
+            <a:r>
+              <a:rPr lang="hu-HU" sz="3000" dirty="0" smtClean="0">
+                <a:latin typeface="Times New Roman" panose="02020603050405020304" pitchFamily="18" charset="0"/>
+                <a:cs typeface="Times New Roman" panose="02020603050405020304" pitchFamily="18" charset="0"/>
+              </a:rPr>
+              <a:t>több milliárd tranzisztor</a:t>
+            </a:r>
+            <a:endParaRPr lang="hu-HU" sz="3000" dirty="0">
+              <a:latin typeface="Times New Roman" panose="02020603050405020304" pitchFamily="18" charset="0"/>
+              <a:cs typeface="Times New Roman" panose="02020603050405020304" pitchFamily="18" charset="0"/>
+            </a:endParaRPr>
+          </a:p>
+        </p:txBody>
+      </p:sp>
+    </p:spTree>
+    <p:extLst>
+      <p:ext uri="{BB962C8B-B14F-4D97-AF65-F5344CB8AC3E}">
+        <p14:creationId xmlns:p14="http://schemas.microsoft.com/office/powerpoint/2010/main" val="509218458"/>
+      </p:ext>
+    </p:extLst>
+  </p:cSld>
+  <p:clrMapOvr>
+    <a:masterClrMapping/>
+  </p:clrMapOvr>
+</p:sld>
+</file>
+
+<file path=ppt/slides/slide5.xml><?xml version="1.0" encoding="utf-8"?>
+<p:sld xmlns:a="http://schemas.openxmlformats.org/drawingml/2006/main" xmlns:r="http://schemas.openxmlformats.org/officeDocument/2006/relationships" xmlns:p="http://schemas.openxmlformats.org/presentationml/2006/main">
+  <p:cSld>
+    <p:spTree>
+      <p:nvGrpSpPr>
+        <p:cNvPr id="1" name=""/>
+        <p:cNvGrpSpPr/>
+        <p:nvPr/>
+      </p:nvGrpSpPr>
+      <p:grpSpPr>
+        <a:xfrm>
+          <a:off x="0" y="0"/>
+          <a:ext cx="0" cy="0"/>
+          <a:chOff x="0" y="0"/>
+          <a:chExt cx="0" cy="0"/>
+        </a:xfrm>
+      </p:grpSpPr>
+      <p:sp>
+        <p:nvSpPr>
+          <p:cNvPr id="2" name="Cím 1"/>
+          <p:cNvSpPr>
+            <a:spLocks noGrp="1"/>
+          </p:cNvSpPr>
+          <p:nvPr>
+            <p:ph type="title"/>
+          </p:nvPr>
+        </p:nvSpPr>
+        <p:spPr/>
+        <p:txBody>
+          <a:bodyPr/>
+          <a:lstStyle/>
+          <a:p>
+            <a:r>
+              <a:rPr lang="hu-HU" dirty="0" smtClean="0"/>
+              <a:t>Mi az a Frekvencia?</a:t>
+            </a:r>
+            <a:endParaRPr lang="hu-HU" dirty="0"/>
+          </a:p>
+        </p:txBody>
+      </p:sp>
+      <p:sp>
+        <p:nvSpPr>
+          <p:cNvPr id="3" name="Tartalom helye 2"/>
+          <p:cNvSpPr>
+            <a:spLocks noGrp="1"/>
+          </p:cNvSpPr>
+          <p:nvPr>
+            <p:ph idx="1"/>
+          </p:nvPr>
+        </p:nvSpPr>
+        <p:spPr>
+          <a:xfrm>
+            <a:off x="913795" y="2096064"/>
+            <a:ext cx="3924905" cy="4368236"/>
+          </a:xfrm>
+        </p:spPr>
+        <p:txBody>
+          <a:bodyPr>
+            <a:normAutofit lnSpcReduction="10000"/>
+          </a:bodyPr>
+          <a:lstStyle/>
+          <a:p>
+            <a:r>
+              <a:rPr lang="hu-HU" sz="3000" dirty="0" smtClean="0">
+                <a:latin typeface="Times New Roman" panose="02020603050405020304" pitchFamily="18" charset="0"/>
+                <a:cs typeface="Times New Roman" panose="02020603050405020304" pitchFamily="18" charset="0"/>
+              </a:rPr>
+              <a:t>Intervallum</a:t>
+            </a:r>
+          </a:p>
+          <a:p>
+            <a:r>
+              <a:rPr lang="hu-HU" sz="3000" dirty="0" smtClean="0">
+                <a:latin typeface="Times New Roman" panose="02020603050405020304" pitchFamily="18" charset="0"/>
+                <a:cs typeface="Times New Roman" panose="02020603050405020304" pitchFamily="18" charset="0"/>
+              </a:rPr>
+              <a:t>Két impulzus között = ciklus</a:t>
+            </a:r>
+          </a:p>
+          <a:p>
+            <a:r>
+              <a:rPr lang="hu-HU" sz="3000" dirty="0" smtClean="0">
+                <a:latin typeface="Times New Roman" panose="02020603050405020304" pitchFamily="18" charset="0"/>
+                <a:cs typeface="Times New Roman" panose="02020603050405020304" pitchFamily="18" charset="0"/>
+              </a:rPr>
+              <a:t>(Hz) (</a:t>
+            </a:r>
+            <a:r>
+              <a:rPr lang="hu-HU" sz="3000" dirty="0" err="1" smtClean="0">
+                <a:latin typeface="Times New Roman" panose="02020603050405020304" pitchFamily="18" charset="0"/>
+                <a:cs typeface="Times New Roman" panose="02020603050405020304" pitchFamily="18" charset="0"/>
+              </a:rPr>
+              <a:t>GHz</a:t>
+            </a:r>
+            <a:r>
+              <a:rPr lang="hu-HU" sz="3000" dirty="0" smtClean="0">
+                <a:latin typeface="Times New Roman" panose="02020603050405020304" pitchFamily="18" charset="0"/>
+                <a:cs typeface="Times New Roman" panose="02020603050405020304" pitchFamily="18" charset="0"/>
+              </a:rPr>
+              <a:t>)</a:t>
+            </a:r>
+          </a:p>
+          <a:p>
+            <a:endParaRPr lang="hu-HU" sz="3000" dirty="0">
+              <a:latin typeface="Times New Roman" panose="02020603050405020304" pitchFamily="18" charset="0"/>
+              <a:cs typeface="Times New Roman" panose="02020603050405020304" pitchFamily="18" charset="0"/>
+            </a:endParaRPr>
+          </a:p>
+          <a:p>
+            <a:r>
+              <a:rPr lang="hu-HU" sz="3000" dirty="0" smtClean="0">
+                <a:latin typeface="Times New Roman" panose="02020603050405020304" pitchFamily="18" charset="0"/>
+                <a:cs typeface="Times New Roman" panose="02020603050405020304" pitchFamily="18" charset="0"/>
+              </a:rPr>
+              <a:t>Teljesítményre hatása van</a:t>
+            </a:r>
+            <a:endParaRPr lang="hu-HU" sz="3000" dirty="0">
+              <a:latin typeface="Times New Roman" panose="02020603050405020304" pitchFamily="18" charset="0"/>
+              <a:cs typeface="Times New Roman" panose="02020603050405020304" pitchFamily="18" charset="0"/>
+            </a:endParaRPr>
+          </a:p>
+        </p:txBody>
+      </p:sp>
+    </p:spTree>
+    <p:extLst>
+      <p:ext uri="{BB962C8B-B14F-4D97-AF65-F5344CB8AC3E}">
+        <p14:creationId xmlns:p14="http://schemas.microsoft.com/office/powerpoint/2010/main" val="3839454992"/>
+      </p:ext>
+    </p:extLst>
+  </p:cSld>
+  <p:clrMapOvr>
+    <a:masterClrMapping/>
+  </p:clrMapOvr>
+</p:sld>
+</file>
+
+<file path=ppt/slides/slide6.xml><?xml version="1.0" encoding="utf-8"?>
+<p:sld xmlns:a="http://schemas.openxmlformats.org/drawingml/2006/main" xmlns:r="http://schemas.openxmlformats.org/officeDocument/2006/relationships" xmlns:p="http://schemas.openxmlformats.org/presentationml/2006/main">
+  <p:cSld>
+    <p:spTree>
+      <p:nvGrpSpPr>
+        <p:cNvPr id="1" name=""/>
+        <p:cNvGrpSpPr/>
+        <p:nvPr/>
+      </p:nvGrpSpPr>
+      <p:grpSpPr>
+        <a:xfrm>
+          <a:off x="0" y="0"/>
+          <a:ext cx="0" cy="0"/>
+          <a:chOff x="0" y="0"/>
+          <a:chExt cx="0" cy="0"/>
+        </a:xfrm>
+      </p:grpSpPr>
+      <p:sp>
+        <p:nvSpPr>
+          <p:cNvPr id="2" name="Cím 1"/>
+          <p:cNvSpPr>
+            <a:spLocks noGrp="1"/>
+          </p:cNvSpPr>
+          <p:nvPr>
+            <p:ph type="title"/>
+          </p:nvPr>
+        </p:nvSpPr>
+        <p:spPr/>
+        <p:txBody>
+          <a:bodyPr/>
+          <a:lstStyle/>
+          <a:p>
+            <a:r>
+              <a:rPr lang="hu-HU" dirty="0" smtClean="0"/>
+              <a:t>Mi a processzormag?</a:t>
+            </a:r>
+            <a:endParaRPr lang="hu-HU" dirty="0"/>
+          </a:p>
+        </p:txBody>
+      </p:sp>
+      <p:sp>
+        <p:nvSpPr>
+          <p:cNvPr id="3" name="Tartalom helye 2"/>
+          <p:cNvSpPr>
+            <a:spLocks noGrp="1"/>
+          </p:cNvSpPr>
+          <p:nvPr>
+            <p:ph idx="1"/>
+          </p:nvPr>
+        </p:nvSpPr>
+        <p:spPr>
+          <a:xfrm>
+            <a:off x="913795" y="2096064"/>
+            <a:ext cx="4051905" cy="3695136"/>
+          </a:xfrm>
+        </p:spPr>
+        <p:txBody>
+          <a:bodyPr>
+            <a:normAutofit/>
+          </a:bodyPr>
+          <a:lstStyle/>
+          <a:p>
+            <a:r>
+              <a:rPr lang="hu-HU" sz="3000" dirty="0" smtClean="0">
+                <a:latin typeface="Times New Roman" panose="02020603050405020304" pitchFamily="18" charset="0"/>
+                <a:cs typeface="Times New Roman" panose="02020603050405020304" pitchFamily="18" charset="0"/>
+              </a:rPr>
+              <a:t>Számítási egység</a:t>
+            </a:r>
+          </a:p>
+          <a:p>
+            <a:r>
+              <a:rPr lang="hu-HU" sz="3000" dirty="0" smtClean="0">
+                <a:latin typeface="Times New Roman" panose="02020603050405020304" pitchFamily="18" charset="0"/>
+                <a:cs typeface="Times New Roman" panose="02020603050405020304" pitchFamily="18" charset="0"/>
+              </a:rPr>
+              <a:t>Több mag</a:t>
+            </a:r>
+          </a:p>
+          <a:p>
+            <a:r>
+              <a:rPr lang="hu-HU" sz="3000" dirty="0" smtClean="0">
+                <a:latin typeface="Times New Roman" panose="02020603050405020304" pitchFamily="18" charset="0"/>
+                <a:cs typeface="Times New Roman" panose="02020603050405020304" pitchFamily="18" charset="0"/>
+              </a:rPr>
+              <a:t>Külön feladatokon dolgozhat</a:t>
+            </a:r>
+            <a:endParaRPr lang="hu-HU" sz="3000" dirty="0">
+              <a:latin typeface="Times New Roman" panose="02020603050405020304" pitchFamily="18" charset="0"/>
+              <a:cs typeface="Times New Roman" panose="02020603050405020304" pitchFamily="18" charset="0"/>
+            </a:endParaRPr>
+          </a:p>
+        </p:txBody>
+      </p:sp>
+    </p:spTree>
+    <p:extLst>
+      <p:ext uri="{BB962C8B-B14F-4D97-AF65-F5344CB8AC3E}">
+        <p14:creationId xmlns:p14="http://schemas.microsoft.com/office/powerpoint/2010/main" val="3675926142"/>
+      </p:ext>
+    </p:extLst>
+  </p:cSld>
+  <p:clrMapOvr>
+    <a:masterClrMapping/>
+  </p:clrMapOvr>
+</p:sld>
+</file>
+
+<file path=ppt/slides/slide7.xml><?xml version="1.0" encoding="utf-8"?>
+<p:sld xmlns:a="http://schemas.openxmlformats.org/drawingml/2006/main" xmlns:r="http://schemas.openxmlformats.org/officeDocument/2006/relationships" xmlns:p="http://schemas.openxmlformats.org/presentationml/2006/main">
+  <p:cSld>
+    <p:spTree>
+      <p:nvGrpSpPr>
+        <p:cNvPr id="1" name=""/>
+        <p:cNvGrpSpPr/>
+        <p:nvPr/>
+      </p:nvGrpSpPr>
+      <p:grpSpPr>
+        <a:xfrm>
+          <a:off x="0" y="0"/>
+          <a:ext cx="0" cy="0"/>
+          <a:chOff x="0" y="0"/>
+          <a:chExt cx="0" cy="0"/>
+        </a:xfrm>
+      </p:grpSpPr>
+      <p:sp>
+        <p:nvSpPr>
+          <p:cNvPr id="2" name="Cím 1"/>
+          <p:cNvSpPr>
+            <a:spLocks noGrp="1"/>
+          </p:cNvSpPr>
+          <p:nvPr>
+            <p:ph type="title"/>
+          </p:nvPr>
+        </p:nvSpPr>
+        <p:spPr/>
+        <p:txBody>
+          <a:bodyPr/>
+          <a:lstStyle/>
+          <a:p>
+            <a:r>
+              <a:rPr lang="hu-HU" dirty="0" smtClean="0"/>
+              <a:t>Foglalatok</a:t>
+            </a:r>
+            <a:endParaRPr lang="hu-HU" dirty="0"/>
+          </a:p>
+        </p:txBody>
+      </p:sp>
+      <p:sp>
+        <p:nvSpPr>
+          <p:cNvPr id="3" name="Tartalom helye 2"/>
+          <p:cNvSpPr>
+            <a:spLocks noGrp="1"/>
+          </p:cNvSpPr>
+          <p:nvPr>
+            <p:ph idx="1"/>
+          </p:nvPr>
+        </p:nvSpPr>
+        <p:spPr>
+          <a:xfrm>
+            <a:off x="913795" y="2096064"/>
+            <a:ext cx="4026505" cy="4088836"/>
+          </a:xfrm>
+        </p:spPr>
+        <p:txBody>
+          <a:bodyPr>
+            <a:normAutofit/>
+          </a:bodyPr>
+          <a:lstStyle/>
+          <a:p>
+            <a:r>
+              <a:rPr lang="hu-HU" sz="3000" dirty="0" smtClean="0">
+                <a:latin typeface="Times New Roman" panose="02020603050405020304" pitchFamily="18" charset="0"/>
+                <a:cs typeface="Times New Roman" panose="02020603050405020304" pitchFamily="18" charset="0"/>
+              </a:rPr>
+              <a:t>Paraméter</a:t>
+            </a:r>
+          </a:p>
+          <a:p>
+            <a:r>
+              <a:rPr lang="hu-HU" sz="3000" dirty="0" smtClean="0">
+                <a:latin typeface="Times New Roman" panose="02020603050405020304" pitchFamily="18" charset="0"/>
+                <a:cs typeface="Times New Roman" panose="02020603050405020304" pitchFamily="18" charset="0"/>
+              </a:rPr>
+              <a:t>Alaplaphoz passzol</a:t>
+            </a:r>
+          </a:p>
+          <a:p>
+            <a:r>
+              <a:rPr lang="hu-HU" sz="3000" dirty="0" smtClean="0">
+                <a:latin typeface="Times New Roman" panose="02020603050405020304" pitchFamily="18" charset="0"/>
+                <a:cs typeface="Times New Roman" panose="02020603050405020304" pitchFamily="18" charset="0"/>
+              </a:rPr>
+              <a:t>Fajták</a:t>
+            </a:r>
+            <a:endParaRPr lang="hu-HU" sz="3000" dirty="0">
+              <a:latin typeface="Times New Roman" panose="02020603050405020304" pitchFamily="18" charset="0"/>
+              <a:cs typeface="Times New Roman" panose="02020603050405020304" pitchFamily="18" charset="0"/>
+            </a:endParaRPr>
+          </a:p>
+        </p:txBody>
+      </p:sp>
+    </p:spTree>
+    <p:extLst>
+      <p:ext uri="{BB962C8B-B14F-4D97-AF65-F5344CB8AC3E}">
+        <p14:creationId xmlns:p14="http://schemas.microsoft.com/office/powerpoint/2010/main" val="573311332"/>
+      </p:ext>
+    </p:extLst>
+  </p:cSld>
+  <p:clrMapOvr>
+    <a:masterClrMapping/>
+  </p:clrMapOvr>
+</p:sld>
+</file>
+
+<file path=ppt/slides/slide8.xml><?xml version="1.0" encoding="utf-8"?>
+<p:sld xmlns:a="http://schemas.openxmlformats.org/drawingml/2006/main" xmlns:r="http://schemas.openxmlformats.org/officeDocument/2006/relationships" xmlns:p="http://schemas.openxmlformats.org/presentationml/2006/main">
+  <p:cSld>
+    <p:spTree>
+      <p:nvGrpSpPr>
+        <p:cNvPr id="1" name=""/>
+        <p:cNvGrpSpPr/>
+        <p:nvPr/>
+      </p:nvGrpSpPr>
+      <p:grpSpPr>
+        <a:xfrm>
+          <a:off x="0" y="0"/>
+          <a:ext cx="0" cy="0"/>
+          <a:chOff x="0" y="0"/>
+          <a:chExt cx="0" cy="0"/>
+        </a:xfrm>
+      </p:grpSpPr>
+      <p:sp>
+        <p:nvSpPr>
+          <p:cNvPr id="2" name="Cím 1"/>
+          <p:cNvSpPr>
+            <a:spLocks noGrp="1"/>
+          </p:cNvSpPr>
+          <p:nvPr>
+            <p:ph type="title"/>
+          </p:nvPr>
+        </p:nvSpPr>
+        <p:spPr/>
+        <p:txBody>
+          <a:bodyPr/>
+          <a:lstStyle/>
+          <a:p>
+            <a:r>
+              <a:rPr lang="hu-HU" dirty="0" smtClean="0"/>
+              <a:t>Cache</a:t>
+            </a:r>
+            <a:endParaRPr lang="hu-HU" dirty="0"/>
+          </a:p>
+        </p:txBody>
+      </p:sp>
+      <p:sp>
+        <p:nvSpPr>
+          <p:cNvPr id="3" name="Tartalom helye 2"/>
+          <p:cNvSpPr>
+            <a:spLocks noGrp="1"/>
+          </p:cNvSpPr>
+          <p:nvPr>
+            <p:ph idx="1"/>
+          </p:nvPr>
+        </p:nvSpPr>
+        <p:spPr/>
+        <p:txBody>
+          <a:bodyPr/>
+          <a:lstStyle/>
+          <a:p>
+            <a:endParaRPr lang="hu-HU"/>
+          </a:p>
+        </p:txBody>
+      </p:sp>
+    </p:spTree>
+    <p:extLst>
+      <p:ext uri="{BB962C8B-B14F-4D97-AF65-F5344CB8AC3E}">
+        <p14:creationId xmlns:p14="http://schemas.microsoft.com/office/powerpoint/2010/main" val="865148362"/>
+      </p:ext>
+    </p:extLst>
+  </p:cSld>
+  <p:clrMapOvr>
+    <a:masterClrMapping/>
+  </p:clrMapOvr>
+</p:sld>
+</file>
+
+<file path=ppt/slides/slide9.xml><?xml version="1.0" encoding="utf-8"?>
+<p:sld xmlns:a="http://schemas.openxmlformats.org/drawingml/2006/main" xmlns:r="http://schemas.openxmlformats.org/officeDocument/2006/relationships" xmlns:p="http://schemas.openxmlformats.org/presentationml/2006/main">
+  <p:cSld>
+    <p:spTree>
+      <p:nvGrpSpPr>
+        <p:cNvPr id="1" name=""/>
+        <p:cNvGrpSpPr/>
+        <p:nvPr/>
+      </p:nvGrpSpPr>
+      <p:grpSpPr>
+        <a:xfrm>
+          <a:off x="0" y="0"/>
+          <a:ext cx="0" cy="0"/>
+          <a:chOff x="0" y="0"/>
+          <a:chExt cx="0" cy="0"/>
+        </a:xfrm>
+      </p:grpSpPr>
+      <p:sp>
+        <p:nvSpPr>
+          <p:cNvPr id="2" name="Cím 1"/>
+          <p:cNvSpPr>
+            <a:spLocks noGrp="1"/>
+          </p:cNvSpPr>
+          <p:nvPr>
+            <p:ph type="title"/>
+          </p:nvPr>
+        </p:nvSpPr>
+        <p:spPr>
+          <a:xfrm>
+            <a:off x="913795" y="2565400"/>
+            <a:ext cx="10353761" cy="1326321"/>
+          </a:xfrm>
+        </p:spPr>
+        <p:txBody>
+          <a:bodyPr/>
+          <a:lstStyle/>
+          <a:p>
+            <a:r>
+              <a:rPr lang="hu-HU" dirty="0" smtClean="0"/>
+              <a:t>Köszönöm a figyelmet</a:t>
+            </a:r>
+            <a:endParaRPr lang="hu-HU" dirty="0"/>
+          </a:p>
+        </p:txBody>
+      </p:sp>
+    </p:spTree>
+    <p:extLst>
+      <p:ext uri="{BB962C8B-B14F-4D97-AF65-F5344CB8AC3E}">
+        <p14:creationId xmlns:p14="http://schemas.microsoft.com/office/powerpoint/2010/main" val="276585320"/>
+      </p:ext>
+    </p:extLst>
+  </p:cSld>
+  <p:clrMapOvr>
+    <a:masterClrMapping/>
+  </p:clrMapOvr>
+  <p:timing>
+    <p:tnLst>
+      <p:par>
+        <p:cTn id="1" dur="indefinite" restart="never" nodeType="tmRoot"/>
+      </p:par>
+    </p:tnLst>
+  </p:timing>
 </p:sld>
 </file>
 

--- a/Processzorok.pptx
+++ b/Processzorok.pptx
@@ -9,12 +9,14 @@
     <p:sldId id="259" r:id="rId3"/>
     <p:sldId id="257" r:id="rId4"/>
     <p:sldId id="260" r:id="rId5"/>
-    <p:sldId id="261" r:id="rId6"/>
-    <p:sldId id="263" r:id="rId7"/>
-    <p:sldId id="264" r:id="rId8"/>
-    <p:sldId id="265" r:id="rId9"/>
-    <p:sldId id="258" r:id="rId10"/>
-    <p:sldId id="262" r:id="rId11"/>
+    <p:sldId id="266" r:id="rId6"/>
+    <p:sldId id="267" r:id="rId7"/>
+    <p:sldId id="268" r:id="rId8"/>
+    <p:sldId id="269" r:id="rId9"/>
+    <p:sldId id="265" r:id="rId10"/>
+    <p:sldId id="261" r:id="rId11"/>
+    <p:sldId id="258" r:id="rId12"/>
+    <p:sldId id="262" r:id="rId13"/>
   </p:sldIdLst>
   <p:sldSz cx="12192000" cy="6858000"/>
   <p:notesSz cx="6858000" cy="9144000"/>
@@ -113,6 +115,11 @@
       </a:defRPr>
     </a:lvl9pPr>
   </p:defaultTextStyle>
+  <p:extLst>
+    <p:ext uri="{EFAFB233-063F-42B5-8137-9DF3F51BA10A}">
+      <p15:sldGuideLst xmlns:p15="http://schemas.microsoft.com/office/powerpoint/2012/main"/>
+    </p:ext>
+  </p:extLst>
 </p:presentation>
 </file>
 
@@ -249,7 +256,7 @@
           <a:p>
             <a:fld id="{3FA18FD4-B378-4D3A-AEFB-1F3E4F59479F}" type="datetimeFigureOut">
               <a:rPr lang="hu-HU" smtClean="0"/>
-              <a:t>2022.09.15.</a:t>
+              <a:t>2022. 09. 18.</a:t>
             </a:fld>
             <a:endParaRPr lang="hu-HU"/>
           </a:p>
@@ -536,7 +543,7 @@
           <a:p>
             <a:fld id="{3FA18FD4-B378-4D3A-AEFB-1F3E4F59479F}" type="datetimeFigureOut">
               <a:rPr lang="hu-HU" smtClean="0"/>
-              <a:t>2022.09.15.</a:t>
+              <a:t>2022. 09. 18.</a:t>
             </a:fld>
             <a:endParaRPr lang="hu-HU"/>
           </a:p>
@@ -728,7 +735,7 @@
           <a:p>
             <a:fld id="{3FA18FD4-B378-4D3A-AEFB-1F3E4F59479F}" type="datetimeFigureOut">
               <a:rPr lang="hu-HU" smtClean="0"/>
-              <a:t>2022.09.15.</a:t>
+              <a:t>2022. 09. 18.</a:t>
             </a:fld>
             <a:endParaRPr lang="hu-HU"/>
           </a:p>
@@ -989,7 +996,7 @@
           <a:p>
             <a:fld id="{3FA18FD4-B378-4D3A-AEFB-1F3E4F59479F}" type="datetimeFigureOut">
               <a:rPr lang="hu-HU" smtClean="0"/>
-              <a:t>2022.09.15.</a:t>
+              <a:t>2022. 09. 18.</a:t>
             </a:fld>
             <a:endParaRPr lang="hu-HU"/>
           </a:p>
@@ -1413,7 +1420,7 @@
           <a:p>
             <a:fld id="{3FA18FD4-B378-4D3A-AEFB-1F3E4F59479F}" type="datetimeFigureOut">
               <a:rPr lang="hu-HU" smtClean="0"/>
-              <a:t>2022.09.15.</a:t>
+              <a:t>2022. 09. 18.</a:t>
             </a:fld>
             <a:endParaRPr lang="hu-HU"/>
           </a:p>
@@ -1959,7 +1966,7 @@
           <a:p>
             <a:fld id="{3FA18FD4-B378-4D3A-AEFB-1F3E4F59479F}" type="datetimeFigureOut">
               <a:rPr lang="hu-HU" smtClean="0"/>
-              <a:t>2022.09.15.</a:t>
+              <a:t>2022. 09. 18.</a:t>
             </a:fld>
             <a:endParaRPr lang="hu-HU"/>
           </a:p>
@@ -2799,7 +2806,7 @@
           <a:p>
             <a:fld id="{3FA18FD4-B378-4D3A-AEFB-1F3E4F59479F}" type="datetimeFigureOut">
               <a:rPr lang="hu-HU" smtClean="0"/>
-              <a:t>2022.09.15.</a:t>
+              <a:t>2022. 09. 18.</a:t>
             </a:fld>
             <a:endParaRPr lang="hu-HU"/>
           </a:p>
@@ -2969,7 +2976,7 @@
           <a:p>
             <a:fld id="{3FA18FD4-B378-4D3A-AEFB-1F3E4F59479F}" type="datetimeFigureOut">
               <a:rPr lang="hu-HU" smtClean="0"/>
-              <a:t>2022.09.15.</a:t>
+              <a:t>2022. 09. 18.</a:t>
             </a:fld>
             <a:endParaRPr lang="hu-HU"/>
           </a:p>
@@ -3153,7 +3160,7 @@
           <a:p>
             <a:fld id="{3FA18FD4-B378-4D3A-AEFB-1F3E4F59479F}" type="datetimeFigureOut">
               <a:rPr lang="hu-HU" smtClean="0"/>
-              <a:t>2022.09.15.</a:t>
+              <a:t>2022. 09. 18.</a:t>
             </a:fld>
             <a:endParaRPr lang="hu-HU"/>
           </a:p>
@@ -3323,7 +3330,7 @@
           <a:p>
             <a:fld id="{3FA18FD4-B378-4D3A-AEFB-1F3E4F59479F}" type="datetimeFigureOut">
               <a:rPr lang="hu-HU" smtClean="0"/>
-              <a:t>2022.09.15.</a:t>
+              <a:t>2022. 09. 18.</a:t>
             </a:fld>
             <a:endParaRPr lang="hu-HU"/>
           </a:p>
@@ -3571,7 +3578,7 @@
           <a:p>
             <a:fld id="{3FA18FD4-B378-4D3A-AEFB-1F3E4F59479F}" type="datetimeFigureOut">
               <a:rPr lang="hu-HU" smtClean="0"/>
-              <a:t>2022.09.15.</a:t>
+              <a:t>2022. 09. 18.</a:t>
             </a:fld>
             <a:endParaRPr lang="hu-HU"/>
           </a:p>
@@ -3808,7 +3815,7 @@
           <a:p>
             <a:fld id="{3FA18FD4-B378-4D3A-AEFB-1F3E4F59479F}" type="datetimeFigureOut">
               <a:rPr lang="hu-HU" smtClean="0"/>
-              <a:t>2022.09.15.</a:t>
+              <a:t>2022. 09. 18.</a:t>
             </a:fld>
             <a:endParaRPr lang="hu-HU"/>
           </a:p>
@@ -4181,7 +4188,7 @@
           <a:p>
             <a:fld id="{3FA18FD4-B378-4D3A-AEFB-1F3E4F59479F}" type="datetimeFigureOut">
               <a:rPr lang="hu-HU" smtClean="0"/>
-              <a:t>2022.09.15.</a:t>
+              <a:t>2022. 09. 18.</a:t>
             </a:fld>
             <a:endParaRPr lang="hu-HU"/>
           </a:p>
@@ -4299,7 +4306,7 @@
           <a:p>
             <a:fld id="{3FA18FD4-B378-4D3A-AEFB-1F3E4F59479F}" type="datetimeFigureOut">
               <a:rPr lang="hu-HU" smtClean="0"/>
-              <a:t>2022.09.15.</a:t>
+              <a:t>2022. 09. 18.</a:t>
             </a:fld>
             <a:endParaRPr lang="hu-HU"/>
           </a:p>
@@ -4394,7 +4401,7 @@
           <a:p>
             <a:fld id="{3FA18FD4-B378-4D3A-AEFB-1F3E4F59479F}" type="datetimeFigureOut">
               <a:rPr lang="hu-HU" smtClean="0"/>
-              <a:t>2022.09.15.</a:t>
+              <a:t>2022. 09. 18.</a:t>
             </a:fld>
             <a:endParaRPr lang="hu-HU"/>
           </a:p>
@@ -4645,7 +4652,7 @@
           <a:p>
             <a:fld id="{3FA18FD4-B378-4D3A-AEFB-1F3E4F59479F}" type="datetimeFigureOut">
               <a:rPr lang="hu-HU" smtClean="0"/>
-              <a:t>2022.09.15.</a:t>
+              <a:t>2022. 09. 18.</a:t>
             </a:fld>
             <a:endParaRPr lang="hu-HU"/>
           </a:p>
@@ -4932,7 +4939,7 @@
           <a:p>
             <a:fld id="{3FA18FD4-B378-4D3A-AEFB-1F3E4F59479F}" type="datetimeFigureOut">
               <a:rPr lang="hu-HU" smtClean="0"/>
-              <a:t>2022.09.15.</a:t>
+              <a:t>2022. 09. 18.</a:t>
             </a:fld>
             <a:endParaRPr lang="hu-HU"/>
           </a:p>
@@ -5145,7 +5152,7 @@
           <a:p>
             <a:fld id="{3FA18FD4-B378-4D3A-AEFB-1F3E4F59479F}" type="datetimeFigureOut">
               <a:rPr lang="hu-HU" smtClean="0"/>
-              <a:t>2022.09.15.</a:t>
+              <a:t>2022. 09. 18.</a:t>
             </a:fld>
             <a:endParaRPr lang="hu-HU"/>
           </a:p>
@@ -5731,6 +5738,294 @@
           <a:p>
             <a:r>
               <a:rPr lang="hu-HU" dirty="0" smtClean="0"/>
+              <a:t>Mi az a Frekvencia?</a:t>
+            </a:r>
+            <a:endParaRPr lang="hu-HU" dirty="0"/>
+          </a:p>
+        </p:txBody>
+      </p:sp>
+      <p:sp>
+        <p:nvSpPr>
+          <p:cNvPr id="3" name="Tartalom helye 2"/>
+          <p:cNvSpPr>
+            <a:spLocks noGrp="1"/>
+          </p:cNvSpPr>
+          <p:nvPr>
+            <p:ph idx="1"/>
+          </p:nvPr>
+        </p:nvSpPr>
+        <p:spPr>
+          <a:xfrm>
+            <a:off x="913795" y="2096064"/>
+            <a:ext cx="3924905" cy="4368236"/>
+          </a:xfrm>
+        </p:spPr>
+        <p:txBody>
+          <a:bodyPr>
+            <a:normAutofit lnSpcReduction="10000"/>
+          </a:bodyPr>
+          <a:lstStyle/>
+          <a:p>
+            <a:r>
+              <a:rPr lang="hu-HU" sz="3000" dirty="0" smtClean="0">
+                <a:latin typeface="Times New Roman" panose="02020603050405020304" pitchFamily="18" charset="0"/>
+                <a:cs typeface="Times New Roman" panose="02020603050405020304" pitchFamily="18" charset="0"/>
+              </a:rPr>
+              <a:t>Intervallum</a:t>
+            </a:r>
+          </a:p>
+          <a:p>
+            <a:r>
+              <a:rPr lang="hu-HU" sz="3000" dirty="0" smtClean="0">
+                <a:latin typeface="Times New Roman" panose="02020603050405020304" pitchFamily="18" charset="0"/>
+                <a:cs typeface="Times New Roman" panose="02020603050405020304" pitchFamily="18" charset="0"/>
+              </a:rPr>
+              <a:t>Két impulzus között = ciklus</a:t>
+            </a:r>
+          </a:p>
+          <a:p>
+            <a:r>
+              <a:rPr lang="hu-HU" sz="3000" dirty="0" smtClean="0">
+                <a:latin typeface="Times New Roman" panose="02020603050405020304" pitchFamily="18" charset="0"/>
+                <a:cs typeface="Times New Roman" panose="02020603050405020304" pitchFamily="18" charset="0"/>
+              </a:rPr>
+              <a:t>(MHz</a:t>
+            </a:r>
+            <a:r>
+              <a:rPr lang="hu-HU" sz="3000" dirty="0" smtClean="0">
+                <a:latin typeface="Times New Roman" panose="02020603050405020304" pitchFamily="18" charset="0"/>
+                <a:cs typeface="Times New Roman" panose="02020603050405020304" pitchFamily="18" charset="0"/>
+              </a:rPr>
+              <a:t>) (</a:t>
+            </a:r>
+            <a:r>
+              <a:rPr lang="hu-HU" sz="3000" dirty="0" err="1" smtClean="0">
+                <a:latin typeface="Times New Roman" panose="02020603050405020304" pitchFamily="18" charset="0"/>
+                <a:cs typeface="Times New Roman" panose="02020603050405020304" pitchFamily="18" charset="0"/>
+              </a:rPr>
+              <a:t>GHz</a:t>
+            </a:r>
+            <a:r>
+              <a:rPr lang="hu-HU" sz="3000" dirty="0" smtClean="0">
+                <a:latin typeface="Times New Roman" panose="02020603050405020304" pitchFamily="18" charset="0"/>
+                <a:cs typeface="Times New Roman" panose="02020603050405020304" pitchFamily="18" charset="0"/>
+              </a:rPr>
+              <a:t>)</a:t>
+            </a:r>
+          </a:p>
+          <a:p>
+            <a:endParaRPr lang="hu-HU" sz="3000" dirty="0">
+              <a:latin typeface="Times New Roman" panose="02020603050405020304" pitchFamily="18" charset="0"/>
+              <a:cs typeface="Times New Roman" panose="02020603050405020304" pitchFamily="18" charset="0"/>
+            </a:endParaRPr>
+          </a:p>
+          <a:p>
+            <a:r>
+              <a:rPr lang="hu-HU" sz="3000" dirty="0" smtClean="0">
+                <a:latin typeface="Times New Roman" panose="02020603050405020304" pitchFamily="18" charset="0"/>
+                <a:cs typeface="Times New Roman" panose="02020603050405020304" pitchFamily="18" charset="0"/>
+              </a:rPr>
+              <a:t>Teljesítményre hatása van</a:t>
+            </a:r>
+            <a:endParaRPr lang="hu-HU" sz="3000" dirty="0">
+              <a:latin typeface="Times New Roman" panose="02020603050405020304" pitchFamily="18" charset="0"/>
+              <a:cs typeface="Times New Roman" panose="02020603050405020304" pitchFamily="18" charset="0"/>
+            </a:endParaRPr>
+          </a:p>
+        </p:txBody>
+      </p:sp>
+      <p:pic>
+        <p:nvPicPr>
+          <p:cNvPr id="6146" name="Picture 2" descr="https://content.instructables.com/ORIG/FQ9/DG6W/JPX5BMJH/FQ9DG6WJPX5BMJH.png?auto=webp&amp;fit=bounds&amp;frame=1&amp;height=1024&amp;width=1024&amp;auto=webp&amp;frame=1&amp;height=300"/>
+          <p:cNvPicPr>
+            <a:picLocks noChangeAspect="1" noChangeArrowheads="1"/>
+          </p:cNvPicPr>
+          <p:nvPr/>
+        </p:nvPicPr>
+        <p:blipFill>
+          <a:blip r:embed="rId2">
+            <a:extLst>
+              <a:ext uri="{28A0092B-C50C-407E-A947-70E740481C1C}">
+                <a14:useLocalDpi xmlns:a14="http://schemas.microsoft.com/office/drawing/2010/main" val="0"/>
+              </a:ext>
+            </a:extLst>
+          </a:blip>
+          <a:srcRect/>
+          <a:stretch>
+            <a:fillRect/>
+          </a:stretch>
+        </p:blipFill>
+        <p:spPr bwMode="auto">
+          <a:xfrm>
+            <a:off x="5356225" y="1499812"/>
+            <a:ext cx="6207125" cy="4964488"/>
+          </a:xfrm>
+          <a:prstGeom prst="rect">
+            <a:avLst/>
+          </a:prstGeom>
+          <a:noFill/>
+          <a:extLst>
+            <a:ext uri="{909E8E84-426E-40DD-AFC4-6F175D3DCCD1}">
+              <a14:hiddenFill xmlns:a14="http://schemas.microsoft.com/office/drawing/2010/main">
+                <a:solidFill>
+                  <a:srgbClr val="FFFFFF"/>
+                </a:solidFill>
+              </a14:hiddenFill>
+            </a:ext>
+          </a:extLst>
+        </p:spPr>
+      </p:pic>
+      <p:sp>
+        <p:nvSpPr>
+          <p:cNvPr id="4" name="Szövegdoboz 3"/>
+          <p:cNvSpPr txBox="1"/>
+          <p:nvPr/>
+        </p:nvSpPr>
+        <p:spPr>
+          <a:xfrm>
+            <a:off x="7540624" y="6464300"/>
+            <a:ext cx="1838325" cy="261610"/>
+          </a:xfrm>
+          <a:prstGeom prst="rect">
+            <a:avLst/>
+          </a:prstGeom>
+          <a:noFill/>
+        </p:spPr>
+        <p:txBody>
+          <a:bodyPr wrap="square" rtlCol="0">
+            <a:spAutoFit/>
+          </a:bodyPr>
+          <a:lstStyle/>
+          <a:p>
+            <a:r>
+              <a:rPr lang="hu-HU" sz="1100" dirty="0">
+                <a:latin typeface="Times New Roman" panose="02020603050405020304" pitchFamily="18" charset="0"/>
+                <a:cs typeface="Times New Roman" panose="02020603050405020304" pitchFamily="18" charset="0"/>
+              </a:rPr>
+              <a:t>https://tinyurl.com/58ch8u3c</a:t>
+            </a:r>
+          </a:p>
+        </p:txBody>
+      </p:sp>
+    </p:spTree>
+    <p:extLst>
+      <p:ext uri="{BB962C8B-B14F-4D97-AF65-F5344CB8AC3E}">
+        <p14:creationId xmlns:p14="http://schemas.microsoft.com/office/powerpoint/2010/main" val="3839454992"/>
+      </p:ext>
+    </p:extLst>
+  </p:cSld>
+  <p:clrMapOvr>
+    <a:masterClrMapping/>
+  </p:clrMapOvr>
+  <p:timing>
+    <p:tnLst>
+      <p:par>
+        <p:cTn id="1" dur="indefinite" restart="never" nodeType="tmRoot"/>
+      </p:par>
+    </p:tnLst>
+  </p:timing>
+</p:sld>
+</file>
+
+<file path=ppt/slides/slide11.xml><?xml version="1.0" encoding="utf-8"?>
+<p:sld xmlns:a="http://schemas.openxmlformats.org/drawingml/2006/main" xmlns:r="http://schemas.openxmlformats.org/officeDocument/2006/relationships" xmlns:p="http://schemas.openxmlformats.org/presentationml/2006/main">
+  <p:cSld>
+    <p:spTree>
+      <p:nvGrpSpPr>
+        <p:cNvPr id="1" name=""/>
+        <p:cNvGrpSpPr/>
+        <p:nvPr/>
+      </p:nvGrpSpPr>
+      <p:grpSpPr>
+        <a:xfrm>
+          <a:off x="0" y="0"/>
+          <a:ext cx="0" cy="0"/>
+          <a:chOff x="0" y="0"/>
+          <a:chExt cx="0" cy="0"/>
+        </a:xfrm>
+      </p:grpSpPr>
+      <p:sp>
+        <p:nvSpPr>
+          <p:cNvPr id="2" name="Cím 1"/>
+          <p:cNvSpPr>
+            <a:spLocks noGrp="1"/>
+          </p:cNvSpPr>
+          <p:nvPr>
+            <p:ph type="title"/>
+          </p:nvPr>
+        </p:nvSpPr>
+        <p:spPr>
+          <a:xfrm>
+            <a:off x="913795" y="2565400"/>
+            <a:ext cx="10353761" cy="1326321"/>
+          </a:xfrm>
+        </p:spPr>
+        <p:txBody>
+          <a:bodyPr/>
+          <a:lstStyle/>
+          <a:p>
+            <a:r>
+              <a:rPr lang="hu-HU" dirty="0" smtClean="0"/>
+              <a:t>Köszönöm a figyelmet</a:t>
+            </a:r>
+            <a:endParaRPr lang="hu-HU" dirty="0"/>
+          </a:p>
+        </p:txBody>
+      </p:sp>
+    </p:spTree>
+    <p:extLst>
+      <p:ext uri="{BB962C8B-B14F-4D97-AF65-F5344CB8AC3E}">
+        <p14:creationId xmlns:p14="http://schemas.microsoft.com/office/powerpoint/2010/main" val="276585320"/>
+      </p:ext>
+    </p:extLst>
+  </p:cSld>
+  <p:clrMapOvr>
+    <a:masterClrMapping/>
+  </p:clrMapOvr>
+  <p:timing>
+    <p:tnLst>
+      <p:par>
+        <p:cTn id="1" dur="indefinite" restart="never" nodeType="tmRoot"/>
+      </p:par>
+    </p:tnLst>
+  </p:timing>
+</p:sld>
+</file>
+
+<file path=ppt/slides/slide12.xml><?xml version="1.0" encoding="utf-8"?>
+<p:sld xmlns:a="http://schemas.openxmlformats.org/drawingml/2006/main" xmlns:r="http://schemas.openxmlformats.org/officeDocument/2006/relationships" xmlns:p="http://schemas.openxmlformats.org/presentationml/2006/main">
+  <p:cSld>
+    <p:spTree>
+      <p:nvGrpSpPr>
+        <p:cNvPr id="1" name=""/>
+        <p:cNvGrpSpPr/>
+        <p:nvPr/>
+      </p:nvGrpSpPr>
+      <p:grpSpPr>
+        <a:xfrm>
+          <a:off x="0" y="0"/>
+          <a:ext cx="0" cy="0"/>
+          <a:chOff x="0" y="0"/>
+          <a:chExt cx="0" cy="0"/>
+        </a:xfrm>
+      </p:grpSpPr>
+      <p:sp>
+        <p:nvSpPr>
+          <p:cNvPr id="2" name="Cím 1"/>
+          <p:cNvSpPr>
+            <a:spLocks noGrp="1"/>
+          </p:cNvSpPr>
+          <p:nvPr>
+            <p:ph type="title"/>
+          </p:nvPr>
+        </p:nvSpPr>
+        <p:spPr/>
+        <p:txBody>
+          <a:bodyPr/>
+          <a:lstStyle/>
+          <a:p>
+            <a:r>
+              <a:rPr lang="hu-HU" dirty="0" smtClean="0"/>
               <a:t>Források</a:t>
             </a:r>
             <a:endParaRPr lang="hu-HU" dirty="0"/>
@@ -5769,6 +6064,13 @@
   <p:clrMapOvr>
     <a:masterClrMapping/>
   </p:clrMapOvr>
+  <p:timing>
+    <p:tnLst>
+      <p:par>
+        <p:cTn id="1" dur="indefinite" restart="never" nodeType="tmRoot"/>
+      </p:par>
+    </p:tnLst>
+  </p:timing>
 </p:sld>
 </file>
 
@@ -5824,25 +6126,36 @@
         </p:nvSpPr>
         <p:spPr>
           <a:xfrm>
-            <a:off x="913795" y="2096064"/>
-            <a:ext cx="1359505" cy="1371036"/>
-          </a:xfrm>
-        </p:spPr>
-        <p:txBody>
-          <a:bodyPr/>
-          <a:lstStyle/>
-          <a:p>
-            <a:r>
-              <a:rPr lang="hu-HU" dirty="0" smtClean="0"/>
+            <a:off x="913795" y="1935921"/>
+            <a:ext cx="2945595" cy="1371037"/>
+          </a:xfrm>
+        </p:spPr>
+        <p:txBody>
+          <a:bodyPr>
+            <a:normAutofit/>
+          </a:bodyPr>
+          <a:lstStyle/>
+          <a:p>
+            <a:r>
+              <a:rPr lang="hu-HU" sz="3000" dirty="0" smtClean="0">
+                <a:latin typeface="Times New Roman" panose="02020603050405020304" pitchFamily="18" charset="0"/>
+                <a:cs typeface="Times New Roman" panose="02020603050405020304" pitchFamily="18" charset="0"/>
+              </a:rPr>
               <a:t>Intel</a:t>
             </a:r>
           </a:p>
           <a:p>
             <a:r>
-              <a:rPr lang="hu-HU" dirty="0" smtClean="0"/>
+              <a:rPr lang="hu-HU" sz="3000" dirty="0" smtClean="0">
+                <a:latin typeface="Times New Roman" panose="02020603050405020304" pitchFamily="18" charset="0"/>
+                <a:cs typeface="Times New Roman" panose="02020603050405020304" pitchFamily="18" charset="0"/>
+              </a:rPr>
               <a:t>AMD</a:t>
             </a:r>
-            <a:endParaRPr lang="hu-HU" dirty="0"/>
+            <a:endParaRPr lang="hu-HU" sz="3000" dirty="0">
+              <a:latin typeface="Times New Roman" panose="02020603050405020304" pitchFamily="18" charset="0"/>
+              <a:cs typeface="Times New Roman" panose="02020603050405020304" pitchFamily="18" charset="0"/>
+            </a:endParaRPr>
           </a:p>
         </p:txBody>
       </p:sp>
@@ -6047,18 +6360,18 @@
         </p:nvSpPr>
         <p:spPr>
           <a:xfrm>
-            <a:off x="913795" y="2096064"/>
-            <a:ext cx="3836005" cy="4647636"/>
+            <a:off x="913794" y="2530342"/>
+            <a:ext cx="3354693" cy="3144079"/>
           </a:xfrm>
         </p:spPr>
         <p:txBody>
           <a:bodyPr>
-            <a:normAutofit fontScale="70000" lnSpcReduction="20000"/>
+            <a:normAutofit/>
           </a:bodyPr>
           <a:lstStyle/>
           <a:p>
             <a:r>
-              <a:rPr lang="hu-HU" sz="4300" dirty="0" smtClean="0">
+              <a:rPr lang="hu-HU" sz="3000" dirty="0" smtClean="0">
                 <a:latin typeface="Times New Roman" panose="02020603050405020304" pitchFamily="18" charset="0"/>
                 <a:cs typeface="Times New Roman" panose="02020603050405020304" pitchFamily="18" charset="0"/>
               </a:rPr>
@@ -6066,61 +6379,31 @@
             </a:r>
           </a:p>
           <a:p>
-            <a:endParaRPr lang="hu-HU" sz="4300" dirty="0">
+            <a:r>
+              <a:rPr lang="hu-HU" sz="3000" dirty="0" smtClean="0">
+                <a:latin typeface="Times New Roman" panose="02020603050405020304" pitchFamily="18" charset="0"/>
+                <a:cs typeface="Times New Roman" panose="02020603050405020304" pitchFamily="18" charset="0"/>
+              </a:rPr>
+              <a:t>Vezérlőegység</a:t>
+            </a:r>
+          </a:p>
+          <a:p>
+            <a:pPr marL="0" indent="0">
+              <a:buNone/>
+            </a:pPr>
+            <a:endParaRPr lang="hu-HU" sz="3000" dirty="0" smtClean="0">
               <a:latin typeface="Times New Roman" panose="02020603050405020304" pitchFamily="18" charset="0"/>
               <a:cs typeface="Times New Roman" panose="02020603050405020304" pitchFamily="18" charset="0"/>
             </a:endParaRPr>
           </a:p>
           <a:p>
             <a:r>
-              <a:rPr lang="hu-HU" sz="4300" dirty="0" smtClean="0">
-                <a:latin typeface="Times New Roman" panose="02020603050405020304" pitchFamily="18" charset="0"/>
-                <a:cs typeface="Times New Roman" panose="02020603050405020304" pitchFamily="18" charset="0"/>
-              </a:rPr>
-              <a:t>Központi feldolgozó egység</a:t>
-            </a:r>
-          </a:p>
-          <a:p>
-            <a:r>
-              <a:rPr lang="hu-HU" sz="4300" dirty="0" smtClean="0">
-                <a:latin typeface="Times New Roman" panose="02020603050405020304" pitchFamily="18" charset="0"/>
-                <a:cs typeface="Times New Roman" panose="02020603050405020304" pitchFamily="18" charset="0"/>
-              </a:rPr>
-              <a:t>Több funkció</a:t>
-            </a:r>
-          </a:p>
-          <a:p>
-            <a:r>
-              <a:rPr lang="hu-HU" sz="4300" dirty="0" smtClean="0">
-                <a:latin typeface="Times New Roman" panose="02020603050405020304" pitchFamily="18" charset="0"/>
-                <a:cs typeface="Times New Roman" panose="02020603050405020304" pitchFamily="18" charset="0"/>
-              </a:rPr>
-              <a:t>Irányít</a:t>
-            </a:r>
-            <a:endParaRPr lang="hu-HU" sz="4300" dirty="0">
-              <a:latin typeface="Times New Roman" panose="02020603050405020304" pitchFamily="18" charset="0"/>
-              <a:cs typeface="Times New Roman" panose="02020603050405020304" pitchFamily="18" charset="0"/>
-            </a:endParaRPr>
-          </a:p>
-          <a:p>
-            <a:pPr marL="0" indent="0">
-              <a:buNone/>
-            </a:pPr>
-            <a:endParaRPr lang="hu-HU" sz="4300" dirty="0">
-              <a:latin typeface="Times New Roman" panose="02020603050405020304" pitchFamily="18" charset="0"/>
-              <a:cs typeface="Times New Roman" panose="02020603050405020304" pitchFamily="18" charset="0"/>
-            </a:endParaRPr>
-          </a:p>
-          <a:p>
-            <a:r>
-              <a:rPr lang="hu-HU" sz="4300" dirty="0" smtClean="0">
+              <a:rPr lang="hu-HU" sz="3000" dirty="0" smtClean="0">
                 <a:latin typeface="Times New Roman" panose="02020603050405020304" pitchFamily="18" charset="0"/>
                 <a:cs typeface="Times New Roman" panose="02020603050405020304" pitchFamily="18" charset="0"/>
               </a:rPr>
               <a:t>CPU</a:t>
             </a:r>
-          </a:p>
-          <a:p>
             <a:endParaRPr lang="hu-HU" dirty="0"/>
           </a:p>
           <a:p>
@@ -6255,7 +6538,7 @@
           <a:p>
             <a:r>
               <a:rPr lang="hu-HU" dirty="0" smtClean="0"/>
-              <a:t>Hogyan működik?</a:t>
+              <a:t>Miből áll a processzor?</a:t>
             </a:r>
             <a:endParaRPr lang="hu-HU" dirty="0"/>
           </a:p>
@@ -6273,8 +6556,8 @@
         </p:nvSpPr>
         <p:spPr>
           <a:xfrm>
-            <a:off x="304195" y="1536700"/>
-            <a:ext cx="6160105" cy="5168900"/>
+            <a:off x="913795" y="2260119"/>
+            <a:ext cx="4824758" cy="3284472"/>
           </a:xfrm>
         </p:spPr>
         <p:txBody>
@@ -6288,23 +6571,16 @@
                 <a:latin typeface="Times New Roman" panose="02020603050405020304" pitchFamily="18" charset="0"/>
                 <a:cs typeface="Times New Roman" panose="02020603050405020304" pitchFamily="18" charset="0"/>
               </a:rPr>
-              <a:t>0 – 1 számrendszer</a:t>
-            </a:r>
-          </a:p>
-          <a:p>
-            <a:r>
-              <a:rPr lang="hu-HU" sz="3000" dirty="0">
-                <a:latin typeface="Times New Roman" panose="02020603050405020304" pitchFamily="18" charset="0"/>
-                <a:cs typeface="Times New Roman" panose="02020603050405020304" pitchFamily="18" charset="0"/>
-              </a:rPr>
-              <a:t>f</a:t>
-            </a:r>
+              <a:t>Vezérlőegység (CU)</a:t>
+            </a:r>
+          </a:p>
+          <a:p>
             <a:r>
               <a:rPr lang="hu-HU" sz="3000" dirty="0" smtClean="0">
                 <a:latin typeface="Times New Roman" panose="02020603050405020304" pitchFamily="18" charset="0"/>
                 <a:cs typeface="Times New Roman" panose="02020603050405020304" pitchFamily="18" charset="0"/>
               </a:rPr>
-              <a:t>eszültségszintekkel</a:t>
+              <a:t>Logikai egység (ALU)</a:t>
             </a:r>
           </a:p>
           <a:p>
@@ -6313,14 +6589,8 @@
                 <a:latin typeface="Times New Roman" panose="02020603050405020304" pitchFamily="18" charset="0"/>
                 <a:cs typeface="Times New Roman" panose="02020603050405020304" pitchFamily="18" charset="0"/>
               </a:rPr>
-              <a:t>Feladatok egymás után</a:t>
-            </a:r>
-          </a:p>
-          <a:p>
-            <a:endParaRPr lang="hu-HU" sz="3000" dirty="0" smtClean="0">
-              <a:latin typeface="Times New Roman" panose="02020603050405020304" pitchFamily="18" charset="0"/>
-              <a:cs typeface="Times New Roman" panose="02020603050405020304" pitchFamily="18" charset="0"/>
-            </a:endParaRPr>
+              <a:t>Regiszterek</a:t>
+            </a:r>
           </a:p>
           <a:p>
             <a:r>
@@ -6328,43 +6598,94 @@
                 <a:latin typeface="Times New Roman" panose="02020603050405020304" pitchFamily="18" charset="0"/>
                 <a:cs typeface="Times New Roman" panose="02020603050405020304" pitchFamily="18" charset="0"/>
               </a:rPr>
-              <a:t>Tranzisztor feladata:</a:t>
-            </a:r>
-          </a:p>
-          <a:p>
-            <a:r>
-              <a:rPr lang="hu-HU" sz="3000" dirty="0" smtClean="0">
-                <a:latin typeface="Times New Roman" panose="02020603050405020304" pitchFamily="18" charset="0"/>
-                <a:cs typeface="Times New Roman" panose="02020603050405020304" pitchFamily="18" charset="0"/>
-              </a:rPr>
-              <a:t>kapcsoló</a:t>
-            </a:r>
-          </a:p>
-          <a:p>
-            <a:r>
-              <a:rPr lang="hu-HU" sz="3000" dirty="0" smtClean="0">
-                <a:latin typeface="Times New Roman" panose="02020603050405020304" pitchFamily="18" charset="0"/>
-                <a:cs typeface="Times New Roman" panose="02020603050405020304" pitchFamily="18" charset="0"/>
-              </a:rPr>
-              <a:t>0 – 1 váltakozása</a:t>
+              <a:t>Cache</a:t>
             </a:r>
             <a:endParaRPr lang="hu-HU" sz="3000" dirty="0">
               <a:latin typeface="Times New Roman" panose="02020603050405020304" pitchFamily="18" charset="0"/>
               <a:cs typeface="Times New Roman" panose="02020603050405020304" pitchFamily="18" charset="0"/>
             </a:endParaRPr>
           </a:p>
-          <a:p>
-            <a:r>
-              <a:rPr lang="hu-HU" sz="3000" dirty="0" smtClean="0">
+        </p:txBody>
+      </p:sp>
+      <p:pic>
+        <p:nvPicPr>
+          <p:cNvPr id="2054" name="Picture 6" descr="https://ebyte.cdn.shoprenter.hu/custom/ebyte/image/cache/w900h500wt1/i7%20cpu.jpg?lastmod=1595934798.1507876741"/>
+          <p:cNvPicPr>
+            <a:picLocks noChangeAspect="1" noChangeArrowheads="1"/>
+          </p:cNvPicPr>
+          <p:nvPr/>
+        </p:nvPicPr>
+        <p:blipFill>
+          <a:blip r:embed="rId2">
+            <a:extLst>
+              <a:ext uri="{BEBA8EAE-BF5A-486C-A8C5-ECC9F3942E4B}">
+                <a14:imgProps xmlns:a14="http://schemas.microsoft.com/office/drawing/2010/main">
+                  <a14:imgLayer r:embed="rId3">
+                    <a14:imgEffect>
+                      <a14:backgroundRemoval t="200" b="98200" l="16778" r="81889"/>
+                    </a14:imgEffect>
+                  </a14:imgLayer>
+                </a14:imgProps>
+              </a:ext>
+              <a:ext uri="{28A0092B-C50C-407E-A947-70E740481C1C}">
+                <a14:useLocalDpi xmlns:a14="http://schemas.microsoft.com/office/drawing/2010/main" val="0"/>
+              </a:ext>
+            </a:extLst>
+          </a:blip>
+          <a:srcRect/>
+          <a:stretch>
+            <a:fillRect/>
+          </a:stretch>
+        </p:blipFill>
+        <p:spPr bwMode="auto">
+          <a:xfrm>
+            <a:off x="3921875" y="1684807"/>
+            <a:ext cx="8270125" cy="4594514"/>
+          </a:xfrm>
+          <a:prstGeom prst="rect">
+            <a:avLst/>
+          </a:prstGeom>
+          <a:noFill/>
+          <a:extLst>
+            <a:ext uri="{909E8E84-426E-40DD-AFC4-6F175D3DCCD1}">
+              <a14:hiddenFill xmlns:a14="http://schemas.microsoft.com/office/drawing/2010/main">
+                <a:solidFill>
+                  <a:srgbClr val="FFFFFF"/>
+                </a:solidFill>
+              </a14:hiddenFill>
+            </a:ext>
+          </a:extLst>
+        </p:spPr>
+      </p:pic>
+      <p:sp>
+        <p:nvSpPr>
+          <p:cNvPr id="6" name="Szövegdoboz 5"/>
+          <p:cNvSpPr txBox="1"/>
+          <p:nvPr/>
+        </p:nvSpPr>
+        <p:spPr>
+          <a:xfrm>
+            <a:off x="7152062" y="6279321"/>
+            <a:ext cx="1809750" cy="261610"/>
+          </a:xfrm>
+          <a:prstGeom prst="rect">
+            <a:avLst/>
+          </a:prstGeom>
+          <a:noFill/>
+        </p:spPr>
+        <p:txBody>
+          <a:bodyPr wrap="square" rtlCol="0">
+            <a:spAutoFit/>
+          </a:bodyPr>
+          <a:lstStyle/>
+          <a:p>
+            <a:r>
+              <a:rPr lang="hu-HU" sz="1100" dirty="0">
                 <a:latin typeface="Times New Roman" panose="02020603050405020304" pitchFamily="18" charset="0"/>
                 <a:cs typeface="Times New Roman" panose="02020603050405020304" pitchFamily="18" charset="0"/>
               </a:rPr>
-              <a:t>több milliárd tranzisztor</a:t>
-            </a:r>
-            <a:endParaRPr lang="hu-HU" sz="3000" dirty="0">
-              <a:latin typeface="Times New Roman" panose="02020603050405020304" pitchFamily="18" charset="0"/>
-              <a:cs typeface="Times New Roman" panose="02020603050405020304" pitchFamily="18" charset="0"/>
-            </a:endParaRPr>
+              <a:t>https://tinyurl.com/5ad27b2x</a:t>
+            </a:r>
           </a:p>
         </p:txBody>
       </p:sp>
@@ -6378,6 +6699,13 @@
   <p:clrMapOvr>
     <a:masterClrMapping/>
   </p:clrMapOvr>
+  <p:timing>
+    <p:tnLst>
+      <p:par>
+        <p:cTn id="1" dur="indefinite" restart="never" nodeType="tmRoot"/>
+      </p:par>
+    </p:tnLst>
+  </p:timing>
 </p:sld>
 </file>
 
@@ -6415,7 +6743,7 @@
           <a:p>
             <a:r>
               <a:rPr lang="hu-HU" dirty="0" smtClean="0"/>
-              <a:t>Mi az a Frekvencia?</a:t>
+              <a:t>Hogyan működik?</a:t>
             </a:r>
             <a:endParaRPr lang="hu-HU" dirty="0"/>
           </a:p>
@@ -6433,13 +6761,13 @@
         </p:nvSpPr>
         <p:spPr>
           <a:xfrm>
-            <a:off x="913795" y="2096064"/>
-            <a:ext cx="3924905" cy="4368236"/>
+            <a:off x="913795" y="2096063"/>
+            <a:ext cx="5667980" cy="4088605"/>
           </a:xfrm>
         </p:spPr>
         <p:txBody>
           <a:bodyPr>
-            <a:normAutofit lnSpcReduction="10000"/>
+            <a:normAutofit/>
           </a:bodyPr>
           <a:lstStyle/>
           <a:p>
@@ -6448,39 +6776,32 @@
                 <a:latin typeface="Times New Roman" panose="02020603050405020304" pitchFamily="18" charset="0"/>
                 <a:cs typeface="Times New Roman" panose="02020603050405020304" pitchFamily="18" charset="0"/>
               </a:rPr>
-              <a:t>Intervallum</a:t>
-            </a:r>
-          </a:p>
-          <a:p>
+              <a:t>Szekvenciális</a:t>
+            </a:r>
+          </a:p>
+          <a:p>
+            <a:r>
+              <a:rPr lang="hu-HU" sz="3000" dirty="0">
+                <a:latin typeface="Times New Roman" panose="02020603050405020304" pitchFamily="18" charset="0"/>
+                <a:cs typeface="Times New Roman" panose="02020603050405020304" pitchFamily="18" charset="0"/>
+              </a:rPr>
+              <a:t>Bináris</a:t>
+            </a:r>
+          </a:p>
+          <a:p>
+            <a:r>
+              <a:rPr lang="hu-HU" sz="3000" dirty="0">
+                <a:latin typeface="Times New Roman" panose="02020603050405020304" pitchFamily="18" charset="0"/>
+                <a:cs typeface="Times New Roman" panose="02020603050405020304" pitchFamily="18" charset="0"/>
+              </a:rPr>
+              <a:t>Feszültséggel </a:t>
+            </a:r>
             <a:r>
               <a:rPr lang="hu-HU" sz="3000" dirty="0" smtClean="0">
                 <a:latin typeface="Times New Roman" panose="02020603050405020304" pitchFamily="18" charset="0"/>
                 <a:cs typeface="Times New Roman" panose="02020603050405020304" pitchFamily="18" charset="0"/>
               </a:rPr>
-              <a:t>Két impulzus között = ciklus</a:t>
-            </a:r>
-          </a:p>
-          <a:p>
-            <a:r>
-              <a:rPr lang="hu-HU" sz="3000" dirty="0" smtClean="0">
-                <a:latin typeface="Times New Roman" panose="02020603050405020304" pitchFamily="18" charset="0"/>
-                <a:cs typeface="Times New Roman" panose="02020603050405020304" pitchFamily="18" charset="0"/>
-              </a:rPr>
-              <a:t>(Hz) (</a:t>
-            </a:r>
-            <a:r>
-              <a:rPr lang="hu-HU" sz="3000" dirty="0" err="1" smtClean="0">
-                <a:latin typeface="Times New Roman" panose="02020603050405020304" pitchFamily="18" charset="0"/>
-                <a:cs typeface="Times New Roman" panose="02020603050405020304" pitchFamily="18" charset="0"/>
-              </a:rPr>
-              <a:t>GHz</a:t>
-            </a:r>
-            <a:r>
-              <a:rPr lang="hu-HU" sz="3000" dirty="0" smtClean="0">
-                <a:latin typeface="Times New Roman" panose="02020603050405020304" pitchFamily="18" charset="0"/>
-                <a:cs typeface="Times New Roman" panose="02020603050405020304" pitchFamily="18" charset="0"/>
-              </a:rPr>
-              <a:t>)</a:t>
+              <a:t>szabályozás</a:t>
             </a:r>
           </a:p>
           <a:p>
@@ -6489,31 +6810,25 @@
               <a:cs typeface="Times New Roman" panose="02020603050405020304" pitchFamily="18" charset="0"/>
             </a:endParaRPr>
           </a:p>
-          <a:p>
-            <a:r>
-              <a:rPr lang="hu-HU" sz="3000" dirty="0" smtClean="0">
-                <a:latin typeface="Times New Roman" panose="02020603050405020304" pitchFamily="18" charset="0"/>
-                <a:cs typeface="Times New Roman" panose="02020603050405020304" pitchFamily="18" charset="0"/>
-              </a:rPr>
-              <a:t>Teljesítményre hatása van</a:t>
-            </a:r>
-            <a:endParaRPr lang="hu-HU" sz="3000" dirty="0">
-              <a:latin typeface="Times New Roman" panose="02020603050405020304" pitchFamily="18" charset="0"/>
-              <a:cs typeface="Times New Roman" panose="02020603050405020304" pitchFamily="18" charset="0"/>
-            </a:endParaRPr>
-          </a:p>
         </p:txBody>
       </p:sp>
     </p:spTree>
     <p:extLst>
       <p:ext uri="{BB962C8B-B14F-4D97-AF65-F5344CB8AC3E}">
-        <p14:creationId xmlns:p14="http://schemas.microsoft.com/office/powerpoint/2010/main" val="3839454992"/>
+        <p14:creationId xmlns:p14="http://schemas.microsoft.com/office/powerpoint/2010/main" val="2072551775"/>
       </p:ext>
     </p:extLst>
   </p:cSld>
   <p:clrMapOvr>
     <a:masterClrMapping/>
   </p:clrMapOvr>
+  <p:timing>
+    <p:tnLst>
+      <p:par>
+        <p:cTn id="1" dur="indefinite" restart="never" nodeType="tmRoot"/>
+      </p:par>
+    </p:tnLst>
+  </p:timing>
 </p:sld>
 </file>
 
@@ -6551,7 +6866,7 @@
           <a:p>
             <a:r>
               <a:rPr lang="hu-HU" dirty="0" smtClean="0"/>
-              <a:t>Mi a processzormag?</a:t>
+              <a:t>Hogyan működik?</a:t>
             </a:r>
             <a:endParaRPr lang="hu-HU" dirty="0"/>
           </a:p>
@@ -6569,8 +6884,8 @@
         </p:nvSpPr>
         <p:spPr>
           <a:xfrm>
-            <a:off x="913795" y="2096064"/>
-            <a:ext cx="4051905" cy="3695136"/>
+            <a:off x="913795" y="2096063"/>
+            <a:ext cx="4406350" cy="4088605"/>
           </a:xfrm>
         </p:spPr>
         <p:txBody>
@@ -6584,43 +6899,158 @@
                 <a:latin typeface="Times New Roman" panose="02020603050405020304" pitchFamily="18" charset="0"/>
                 <a:cs typeface="Times New Roman" panose="02020603050405020304" pitchFamily="18" charset="0"/>
               </a:rPr>
-              <a:t>Számítási egység</a:t>
-            </a:r>
-          </a:p>
-          <a:p>
+              <a:t>Tranzisztor:</a:t>
+            </a:r>
+          </a:p>
+          <a:p>
+            <a:pPr lvl="1"/>
             <a:r>
               <a:rPr lang="hu-HU" sz="3000" dirty="0" smtClean="0">
                 <a:latin typeface="Times New Roman" panose="02020603050405020304" pitchFamily="18" charset="0"/>
                 <a:cs typeface="Times New Roman" panose="02020603050405020304" pitchFamily="18" charset="0"/>
               </a:rPr>
-              <a:t>Több mag</a:t>
-            </a:r>
-          </a:p>
-          <a:p>
+              <a:t>Több milliárd</a:t>
+            </a:r>
+          </a:p>
+          <a:p>
+            <a:pPr lvl="1"/>
             <a:r>
               <a:rPr lang="hu-HU" sz="3000" dirty="0" smtClean="0">
                 <a:latin typeface="Times New Roman" panose="02020603050405020304" pitchFamily="18" charset="0"/>
                 <a:cs typeface="Times New Roman" panose="02020603050405020304" pitchFamily="18" charset="0"/>
               </a:rPr>
-              <a:t>Külön feladatokon dolgozhat</a:t>
+              <a:t>0-1 váltása</a:t>
+            </a:r>
+          </a:p>
+          <a:p>
+            <a:pPr lvl="1"/>
+            <a:r>
+              <a:rPr lang="hu-HU" sz="3000" dirty="0">
+                <a:latin typeface="Times New Roman" panose="02020603050405020304" pitchFamily="18" charset="0"/>
+                <a:cs typeface="Times New Roman" panose="02020603050405020304" pitchFamily="18" charset="0"/>
+              </a:rPr>
+              <a:t>A</a:t>
+            </a:r>
+            <a:r>
+              <a:rPr lang="hu-HU" sz="3000" dirty="0" smtClean="0">
+                <a:latin typeface="Times New Roman" panose="02020603050405020304" pitchFamily="18" charset="0"/>
+                <a:cs typeface="Times New Roman" panose="02020603050405020304" pitchFamily="18" charset="0"/>
+              </a:rPr>
+              <a:t>dattárolás</a:t>
+            </a:r>
+          </a:p>
+          <a:p>
+            <a:pPr lvl="1"/>
+            <a:r>
+              <a:rPr lang="hu-HU" sz="3000" dirty="0" smtClean="0">
+                <a:latin typeface="Times New Roman" panose="02020603050405020304" pitchFamily="18" charset="0"/>
+                <a:cs typeface="Times New Roman" panose="02020603050405020304" pitchFamily="18" charset="0"/>
+              </a:rPr>
+              <a:t>Kevés feladat elvégzés</a:t>
             </a:r>
             <a:endParaRPr lang="hu-HU" sz="3000" dirty="0">
               <a:latin typeface="Times New Roman" panose="02020603050405020304" pitchFamily="18" charset="0"/>
               <a:cs typeface="Times New Roman" panose="02020603050405020304" pitchFamily="18" charset="0"/>
             </a:endParaRPr>
           </a:p>
+          <a:p>
+            <a:endParaRPr lang="hu-HU" sz="3000" dirty="0">
+              <a:latin typeface="Times New Roman" panose="02020603050405020304" pitchFamily="18" charset="0"/>
+              <a:cs typeface="Times New Roman" panose="02020603050405020304" pitchFamily="18" charset="0"/>
+            </a:endParaRPr>
+          </a:p>
+        </p:txBody>
+      </p:sp>
+      <p:pic>
+        <p:nvPicPr>
+          <p:cNvPr id="1026" name="Picture 2" descr="Missing transistor or resistor on Intel Xeon E5-2680. does anyone know what  it does or if it is crucial for the processors operation? : r/intel"/>
+          <p:cNvPicPr>
+            <a:picLocks noChangeAspect="1" noChangeArrowheads="1"/>
+          </p:cNvPicPr>
+          <p:nvPr/>
+        </p:nvPicPr>
+        <p:blipFill>
+          <a:blip r:embed="rId2" cstate="print">
+            <a:extLst>
+              <a:ext uri="{28A0092B-C50C-407E-A947-70E740481C1C}">
+                <a14:useLocalDpi xmlns:a14="http://schemas.microsoft.com/office/drawing/2010/main" val="0"/>
+              </a:ext>
+            </a:extLst>
+          </a:blip>
+          <a:srcRect/>
+          <a:stretch>
+            <a:fillRect/>
+          </a:stretch>
+        </p:blipFill>
+        <p:spPr bwMode="auto">
+          <a:xfrm>
+            <a:off x="5995425" y="1498765"/>
+            <a:ext cx="5177400" cy="5007312"/>
+          </a:xfrm>
+          <a:prstGeom prst="rect">
+            <a:avLst/>
+          </a:prstGeom>
+          <a:noFill/>
+          <a:extLst>
+            <a:ext uri="{909E8E84-426E-40DD-AFC4-6F175D3DCCD1}">
+              <a14:hiddenFill xmlns:a14="http://schemas.microsoft.com/office/drawing/2010/main">
+                <a:solidFill>
+                  <a:srgbClr val="FFFFFF"/>
+                </a:solidFill>
+              </a14:hiddenFill>
+            </a:ext>
+          </a:extLst>
+        </p:spPr>
+      </p:pic>
+      <p:sp>
+        <p:nvSpPr>
+          <p:cNvPr id="4" name="Szövegdoboz 3"/>
+          <p:cNvSpPr txBox="1"/>
+          <p:nvPr/>
+        </p:nvSpPr>
+        <p:spPr>
+          <a:xfrm>
+            <a:off x="7698300" y="6506077"/>
+            <a:ext cx="1771650" cy="261610"/>
+          </a:xfrm>
+          <a:prstGeom prst="rect">
+            <a:avLst/>
+          </a:prstGeom>
+          <a:noFill/>
+        </p:spPr>
+        <p:txBody>
+          <a:bodyPr wrap="square" rtlCol="0">
+            <a:spAutoFit/>
+          </a:bodyPr>
+          <a:lstStyle/>
+          <a:p>
+            <a:r>
+              <a:rPr lang="hu-HU" sz="1100" dirty="0">
+                <a:latin typeface="Times New Roman" panose="02020603050405020304" pitchFamily="18" charset="0"/>
+                <a:cs typeface="Times New Roman" panose="02020603050405020304" pitchFamily="18" charset="0"/>
+              </a:rPr>
+              <a:t>https://tinyurl.com/2h7s29pj</a:t>
+            </a:r>
+          </a:p>
         </p:txBody>
       </p:sp>
     </p:spTree>
     <p:extLst>
       <p:ext uri="{BB962C8B-B14F-4D97-AF65-F5344CB8AC3E}">
-        <p14:creationId xmlns:p14="http://schemas.microsoft.com/office/powerpoint/2010/main" val="3675926142"/>
+        <p14:creationId xmlns:p14="http://schemas.microsoft.com/office/powerpoint/2010/main" val="3039361590"/>
       </p:ext>
     </p:extLst>
   </p:cSld>
   <p:clrMapOvr>
     <a:masterClrMapping/>
   </p:clrMapOvr>
+  <p:timing>
+    <p:tnLst>
+      <p:par>
+        <p:cTn id="1" dur="indefinite" restart="never" nodeType="tmRoot"/>
+      </p:par>
+    </p:tnLst>
+  </p:timing>
 </p:sld>
 </file>
 
@@ -6658,7 +7088,7 @@
           <a:p>
             <a:r>
               <a:rPr lang="hu-HU" dirty="0" smtClean="0"/>
-              <a:t>Foglalatok</a:t>
+              <a:t>CU és ALU</a:t>
             </a:r>
             <a:endParaRPr lang="hu-HU" dirty="0"/>
           </a:p>
@@ -6676,8 +7106,8 @@
         </p:nvSpPr>
         <p:spPr>
           <a:xfrm>
-            <a:off x="913795" y="2096064"/>
-            <a:ext cx="4026505" cy="4088836"/>
+            <a:off x="913795" y="1630550"/>
+            <a:ext cx="4647420" cy="4795188"/>
           </a:xfrm>
         </p:spPr>
         <p:txBody>
@@ -6691,43 +7121,181 @@
                 <a:latin typeface="Times New Roman" panose="02020603050405020304" pitchFamily="18" charset="0"/>
                 <a:cs typeface="Times New Roman" panose="02020603050405020304" pitchFamily="18" charset="0"/>
               </a:rPr>
-              <a:t>Paraméter</a:t>
-            </a:r>
-          </a:p>
-          <a:p>
+              <a:t>CU:</a:t>
+            </a:r>
+          </a:p>
+          <a:p>
+            <a:pPr lvl="1"/>
+            <a:r>
+              <a:rPr lang="hu-HU" sz="3000" dirty="0">
+                <a:latin typeface="Times New Roman" panose="02020603050405020304" pitchFamily="18" charset="0"/>
+                <a:cs typeface="Times New Roman" panose="02020603050405020304" pitchFamily="18" charset="0"/>
+              </a:rPr>
+              <a:t>Bináris </a:t>
+            </a:r>
             <a:r>
               <a:rPr lang="hu-HU" sz="3000" dirty="0" smtClean="0">
                 <a:latin typeface="Times New Roman" panose="02020603050405020304" pitchFamily="18" charset="0"/>
                 <a:cs typeface="Times New Roman" panose="02020603050405020304" pitchFamily="18" charset="0"/>
               </a:rPr>
-              <a:t>Alaplaphoz passzol</a:t>
-            </a:r>
-          </a:p>
-          <a:p>
+              <a:t>dekódolás</a:t>
+            </a:r>
+            <a:endParaRPr lang="hu-HU" sz="3000" dirty="0">
+              <a:latin typeface="Times New Roman" panose="02020603050405020304" pitchFamily="18" charset="0"/>
+              <a:cs typeface="Times New Roman" panose="02020603050405020304" pitchFamily="18" charset="0"/>
+            </a:endParaRPr>
+          </a:p>
+          <a:p>
+            <a:pPr lvl="1"/>
+            <a:r>
+              <a:rPr lang="hu-HU" sz="3000" dirty="0">
+                <a:latin typeface="Times New Roman" panose="02020603050405020304" pitchFamily="18" charset="0"/>
+                <a:cs typeface="Times New Roman" panose="02020603050405020304" pitchFamily="18" charset="0"/>
+              </a:rPr>
+              <a:t>Időzítő, vezérlő </a:t>
+            </a:r>
             <a:r>
               <a:rPr lang="hu-HU" sz="3000" dirty="0" smtClean="0">
                 <a:latin typeface="Times New Roman" panose="02020603050405020304" pitchFamily="18" charset="0"/>
                 <a:cs typeface="Times New Roman" panose="02020603050405020304" pitchFamily="18" charset="0"/>
               </a:rPr>
-              <a:t>Fajták</a:t>
+              <a:t>jel</a:t>
+            </a:r>
+            <a:endParaRPr lang="hu-HU" sz="3000" dirty="0" smtClean="0">
+              <a:latin typeface="Times New Roman" panose="02020603050405020304" pitchFamily="18" charset="0"/>
+              <a:cs typeface="Times New Roman" panose="02020603050405020304" pitchFamily="18" charset="0"/>
+            </a:endParaRPr>
+          </a:p>
+          <a:p>
+            <a:r>
+              <a:rPr lang="hu-HU" sz="3000" dirty="0" smtClean="0">
+                <a:latin typeface="Times New Roman" panose="02020603050405020304" pitchFamily="18" charset="0"/>
+                <a:cs typeface="Times New Roman" panose="02020603050405020304" pitchFamily="18" charset="0"/>
+              </a:rPr>
+              <a:t>ALU</a:t>
+            </a:r>
+            <a:r>
+              <a:rPr lang="hu-HU" sz="3000" dirty="0" smtClean="0">
+                <a:latin typeface="Times New Roman" panose="02020603050405020304" pitchFamily="18" charset="0"/>
+                <a:cs typeface="Times New Roman" panose="02020603050405020304" pitchFamily="18" charset="0"/>
+              </a:rPr>
+              <a:t>:</a:t>
+            </a:r>
+            <a:endParaRPr lang="hu-HU" sz="3000" dirty="0" smtClean="0">
+              <a:latin typeface="Times New Roman" panose="02020603050405020304" pitchFamily="18" charset="0"/>
+              <a:cs typeface="Times New Roman" panose="02020603050405020304" pitchFamily="18" charset="0"/>
+            </a:endParaRPr>
+          </a:p>
+          <a:p>
+            <a:pPr lvl="1"/>
+            <a:r>
+              <a:rPr lang="hu-HU" sz="3000" dirty="0" smtClean="0">
+                <a:latin typeface="Times New Roman" panose="02020603050405020304" pitchFamily="18" charset="0"/>
+                <a:cs typeface="Times New Roman" panose="02020603050405020304" pitchFamily="18" charset="0"/>
+              </a:rPr>
+              <a:t>Ki-és bemeneti eszközök irányítása</a:t>
             </a:r>
             <a:endParaRPr lang="hu-HU" sz="3000" dirty="0">
               <a:latin typeface="Times New Roman" panose="02020603050405020304" pitchFamily="18" charset="0"/>
               <a:cs typeface="Times New Roman" panose="02020603050405020304" pitchFamily="18" charset="0"/>
             </a:endParaRPr>
           </a:p>
+          <a:p>
+            <a:pPr lvl="1"/>
+            <a:endParaRPr lang="hu-HU" dirty="0"/>
+          </a:p>
+        </p:txBody>
+      </p:sp>
+      <p:pic>
+        <p:nvPicPr>
+          <p:cNvPr id="4" name="Picture 2" descr="https://computersciencewiki.org/images/1/1a/Cpu_diagram.png"/>
+          <p:cNvPicPr>
+            <a:picLocks noChangeAspect="1" noChangeArrowheads="1"/>
+          </p:cNvPicPr>
+          <p:nvPr/>
+        </p:nvPicPr>
+        <p:blipFill>
+          <a:blip r:embed="rId2">
+            <a:extLst>
+              <a:ext uri="{28A0092B-C50C-407E-A947-70E740481C1C}">
+                <a14:useLocalDpi xmlns:a14="http://schemas.microsoft.com/office/drawing/2010/main" val="0"/>
+              </a:ext>
+            </a:extLst>
+          </a:blip>
+          <a:srcRect/>
+          <a:stretch>
+            <a:fillRect/>
+          </a:stretch>
+        </p:blipFill>
+        <p:spPr bwMode="auto">
+          <a:xfrm>
+            <a:off x="4288198" y="1857375"/>
+            <a:ext cx="7492926" cy="4334146"/>
+          </a:xfrm>
+          <a:prstGeom prst="rect">
+            <a:avLst/>
+          </a:prstGeom>
+          <a:noFill/>
+          <a:extLst>
+            <a:ext uri="{909E8E84-426E-40DD-AFC4-6F175D3DCCD1}">
+              <a14:hiddenFill xmlns:a14="http://schemas.microsoft.com/office/drawing/2010/main">
+                <a:solidFill>
+                  <a:srgbClr val="FFFFFF"/>
+                </a:solidFill>
+              </a14:hiddenFill>
+            </a:ext>
+          </a:extLst>
+        </p:spPr>
+      </p:pic>
+      <p:sp>
+        <p:nvSpPr>
+          <p:cNvPr id="5" name="Szövegdoboz 4"/>
+          <p:cNvSpPr txBox="1"/>
+          <p:nvPr/>
+        </p:nvSpPr>
+        <p:spPr>
+          <a:xfrm>
+            <a:off x="7148836" y="6191521"/>
+            <a:ext cx="1771650" cy="270337"/>
+          </a:xfrm>
+          <a:prstGeom prst="rect">
+            <a:avLst/>
+          </a:prstGeom>
+          <a:noFill/>
+        </p:spPr>
+        <p:txBody>
+          <a:bodyPr wrap="square" rtlCol="0">
+            <a:spAutoFit/>
+          </a:bodyPr>
+          <a:lstStyle/>
+          <a:p>
+            <a:r>
+              <a:rPr lang="hu-HU" sz="1100" dirty="0">
+                <a:latin typeface="Times New Roman" panose="02020603050405020304" pitchFamily="18" charset="0"/>
+                <a:cs typeface="Times New Roman" panose="02020603050405020304" pitchFamily="18" charset="0"/>
+              </a:rPr>
+              <a:t>https://tinyurl.com/yaujk8ty</a:t>
+            </a:r>
+          </a:p>
         </p:txBody>
       </p:sp>
     </p:spTree>
     <p:extLst>
       <p:ext uri="{BB962C8B-B14F-4D97-AF65-F5344CB8AC3E}">
-        <p14:creationId xmlns:p14="http://schemas.microsoft.com/office/powerpoint/2010/main" val="573311332"/>
+        <p14:creationId xmlns:p14="http://schemas.microsoft.com/office/powerpoint/2010/main" val="3201324314"/>
       </p:ext>
     </p:extLst>
   </p:cSld>
   <p:clrMapOvr>
     <a:masterClrMapping/>
   </p:clrMapOvr>
+  <p:timing>
+    <p:tnLst>
+      <p:par>
+        <p:cTn id="1" dur="indefinite" restart="never" nodeType="tmRoot"/>
+      </p:par>
+    </p:tnLst>
+  </p:timing>
 </p:sld>
 </file>
 
@@ -6765,7 +7333,7 @@
           <a:p>
             <a:r>
               <a:rPr lang="hu-HU" dirty="0" smtClean="0"/>
-              <a:t>Cache</a:t>
+              <a:t>Regiszterek</a:t>
             </a:r>
             <a:endParaRPr lang="hu-HU" dirty="0"/>
           </a:p>
@@ -6781,25 +7349,190 @@
             <p:ph idx="1"/>
           </p:nvPr>
         </p:nvSpPr>
-        <p:spPr/>
-        <p:txBody>
-          <a:bodyPr/>
-          <a:lstStyle/>
-          <a:p>
-            <a:endParaRPr lang="hu-HU"/>
+        <p:spPr>
+          <a:xfrm>
+            <a:off x="913795" y="2096063"/>
+            <a:ext cx="4190220" cy="4387863"/>
+          </a:xfrm>
+        </p:spPr>
+        <p:txBody>
+          <a:bodyPr>
+            <a:normAutofit/>
+          </a:bodyPr>
+          <a:lstStyle/>
+          <a:p>
+            <a:r>
+              <a:rPr lang="hu-HU" sz="3000" dirty="0" smtClean="0">
+                <a:latin typeface="Times New Roman" panose="02020603050405020304" pitchFamily="18" charset="0"/>
+                <a:cs typeface="Times New Roman" panose="02020603050405020304" pitchFamily="18" charset="0"/>
+              </a:rPr>
+              <a:t>Bináris</a:t>
+            </a:r>
+          </a:p>
+          <a:p>
+            <a:r>
+              <a:rPr lang="hu-HU" sz="3000" dirty="0" smtClean="0">
+                <a:latin typeface="Times New Roman" panose="02020603050405020304" pitchFamily="18" charset="0"/>
+                <a:cs typeface="Times New Roman" panose="02020603050405020304" pitchFamily="18" charset="0"/>
+              </a:rPr>
+              <a:t>Számok tárolása</a:t>
+            </a:r>
+          </a:p>
+          <a:p>
+            <a:r>
+              <a:rPr lang="hu-HU" sz="3000" dirty="0" smtClean="0">
+                <a:latin typeface="Times New Roman" panose="02020603050405020304" pitchFamily="18" charset="0"/>
+                <a:cs typeface="Times New Roman" panose="02020603050405020304" pitchFamily="18" charset="0"/>
+              </a:rPr>
+              <a:t>Következő feladathoz</a:t>
+            </a:r>
+          </a:p>
+          <a:p>
+            <a:r>
+              <a:rPr lang="hu-HU" sz="3000" dirty="0" smtClean="0">
+                <a:latin typeface="Times New Roman" panose="02020603050405020304" pitchFamily="18" charset="0"/>
+                <a:cs typeface="Times New Roman" panose="02020603050405020304" pitchFamily="18" charset="0"/>
+              </a:rPr>
+              <a:t>32, 64 bit </a:t>
+            </a:r>
+            <a:r>
+              <a:rPr lang="hu-HU" sz="3000" dirty="0" smtClean="0">
+                <a:latin typeface="Times New Roman" panose="02020603050405020304" pitchFamily="18" charset="0"/>
+                <a:cs typeface="Times New Roman" panose="02020603050405020304" pitchFamily="18" charset="0"/>
+                <a:sym typeface="Wingdings" panose="05000000000000000000" pitchFamily="2" charset="2"/>
+              </a:rPr>
+              <a:t> számokkal számolás nagysága</a:t>
+            </a:r>
+          </a:p>
+          <a:p>
+            <a:r>
+              <a:rPr lang="hu-HU" sz="3000" dirty="0" smtClean="0">
+                <a:latin typeface="Times New Roman" panose="02020603050405020304" pitchFamily="18" charset="0"/>
+                <a:cs typeface="Times New Roman" panose="02020603050405020304" pitchFamily="18" charset="0"/>
+                <a:sym typeface="Wingdings" panose="05000000000000000000" pitchFamily="2" charset="2"/>
+              </a:rPr>
+              <a:t>Elterjedt 64 bit</a:t>
+            </a:r>
+            <a:endParaRPr lang="hu-HU" sz="3000" dirty="0">
+              <a:latin typeface="Times New Roman" panose="02020603050405020304" pitchFamily="18" charset="0"/>
+              <a:cs typeface="Times New Roman" panose="02020603050405020304" pitchFamily="18" charset="0"/>
+            </a:endParaRPr>
+          </a:p>
+        </p:txBody>
+      </p:sp>
+      <p:pic>
+        <p:nvPicPr>
+          <p:cNvPr id="5122" name="Picture 2" descr="https://www.tutorialandexample.com/wp-content/uploads/2019/10/Control-Processing-Unit-2.png"/>
+          <p:cNvPicPr>
+            <a:picLocks noChangeAspect="1" noChangeArrowheads="1"/>
+          </p:cNvPicPr>
+          <p:nvPr/>
+        </p:nvPicPr>
+        <p:blipFill>
+          <a:blip r:embed="rId2">
+            <a:extLst>
+              <a:ext uri="{BEBA8EAE-BF5A-486C-A8C5-ECC9F3942E4B}">
+                <a14:imgProps xmlns:a14="http://schemas.microsoft.com/office/drawing/2010/main">
+                  <a14:imgLayer r:embed="rId3">
+                    <a14:imgEffect>
+                      <a14:backgroundRemoval t="31000" b="86500" l="0" r="33200">
+                        <a14:foregroundMark x1="7800" y1="38000" x2="15200" y2="38250"/>
+                        <a14:foregroundMark x1="8200" y1="36500" x2="13400" y2="37750"/>
+                        <a14:foregroundMark x1="5000" y1="50250" x2="29600" y2="49250"/>
+                        <a14:foregroundMark x1="6800" y1="63750" x2="28200" y2="63250"/>
+                        <a14:foregroundMark x1="11600" y1="38750" x2="28200" y2="35750"/>
+                        <a14:foregroundMark x1="4600" y1="76750" x2="31200" y2="75250"/>
+                        <a14:foregroundMark x1="4400" y1="74000" x2="30600" y2="79250"/>
+                        <a14:foregroundMark x1="3800" y1="33500" x2="28200" y2="32500"/>
+                        <a14:foregroundMark x1="5600" y1="66750" x2="28000" y2="59250"/>
+                        <a14:foregroundMark x1="6600" y1="54250" x2="26000" y2="46500"/>
+                        <a14:backgroundMark x1="34200" y1="66250" x2="34000" y2="62750"/>
+                        <a14:backgroundMark x1="34400" y1="39500" x2="34000" y2="35250"/>
+                        <a14:backgroundMark x1="33800" y1="79500" x2="34200" y2="74250"/>
+                      </a14:backgroundRemoval>
+                    </a14:imgEffect>
+                  </a14:imgLayer>
+                </a14:imgProps>
+              </a:ext>
+              <a:ext uri="{28A0092B-C50C-407E-A947-70E740481C1C}">
+                <a14:useLocalDpi xmlns:a14="http://schemas.microsoft.com/office/drawing/2010/main" val="0"/>
+              </a:ext>
+            </a:extLst>
+          </a:blip>
+          <a:srcRect/>
+          <a:stretch>
+            <a:fillRect/>
+          </a:stretch>
+        </p:blipFill>
+        <p:spPr bwMode="auto">
+          <a:xfrm>
+            <a:off x="6266064" y="0"/>
+            <a:ext cx="9135861" cy="7308690"/>
+          </a:xfrm>
+          <a:prstGeom prst="rect">
+            <a:avLst/>
+          </a:prstGeom>
+          <a:noFill/>
+          <a:extLst>
+            <a:ext uri="{909E8E84-426E-40DD-AFC4-6F175D3DCCD1}">
+              <a14:hiddenFill xmlns:a14="http://schemas.microsoft.com/office/drawing/2010/main">
+                <a:solidFill>
+                  <a:srgbClr val="FFFFFF"/>
+                </a:solidFill>
+              </a14:hiddenFill>
+            </a:ext>
+          </a:extLst>
+        </p:spPr>
+      </p:pic>
+      <p:sp>
+        <p:nvSpPr>
+          <p:cNvPr id="4" name="Szövegdoboz 3"/>
+          <p:cNvSpPr txBox="1"/>
+          <p:nvPr/>
+        </p:nvSpPr>
+        <p:spPr>
+          <a:xfrm>
+            <a:off x="6981826" y="6000750"/>
+            <a:ext cx="1809750" cy="261610"/>
+          </a:xfrm>
+          <a:prstGeom prst="rect">
+            <a:avLst/>
+          </a:prstGeom>
+          <a:noFill/>
+        </p:spPr>
+        <p:txBody>
+          <a:bodyPr wrap="square" rtlCol="0">
+            <a:spAutoFit/>
+          </a:bodyPr>
+          <a:lstStyle/>
+          <a:p>
+            <a:r>
+              <a:rPr lang="hu-HU" sz="1100" dirty="0">
+                <a:latin typeface="Times New Roman" panose="02020603050405020304" pitchFamily="18" charset="0"/>
+                <a:cs typeface="Times New Roman" panose="02020603050405020304" pitchFamily="18" charset="0"/>
+              </a:rPr>
+              <a:t>https://tinyurl.com/5n7e9as5</a:t>
+            </a:r>
           </a:p>
         </p:txBody>
       </p:sp>
     </p:spTree>
     <p:extLst>
       <p:ext uri="{BB962C8B-B14F-4D97-AF65-F5344CB8AC3E}">
-        <p14:creationId xmlns:p14="http://schemas.microsoft.com/office/powerpoint/2010/main" val="865148362"/>
+        <p14:creationId xmlns:p14="http://schemas.microsoft.com/office/powerpoint/2010/main" val="3614325250"/>
       </p:ext>
     </p:extLst>
   </p:cSld>
   <p:clrMapOvr>
     <a:masterClrMapping/>
   </p:clrMapOvr>
+  <p:timing>
+    <p:tnLst>
+      <p:par>
+        <p:cTn id="1" dur="indefinite" restart="never" nodeType="tmRoot"/>
+      </p:par>
+    </p:tnLst>
+  </p:timing>
 </p:sld>
 </file>
 
@@ -6830,28 +7563,85 @@
             <p:ph type="title"/>
           </p:nvPr>
         </p:nvSpPr>
+        <p:spPr/>
+        <p:txBody>
+          <a:bodyPr/>
+          <a:lstStyle/>
+          <a:p>
+            <a:r>
+              <a:rPr lang="hu-HU" dirty="0" smtClean="0"/>
+              <a:t>Cache</a:t>
+            </a:r>
+            <a:endParaRPr lang="hu-HU" dirty="0"/>
+          </a:p>
+        </p:txBody>
+      </p:sp>
+      <p:sp>
+        <p:nvSpPr>
+          <p:cNvPr id="3" name="Tartalom helye 2"/>
+          <p:cNvSpPr>
+            <a:spLocks noGrp="1"/>
+          </p:cNvSpPr>
+          <p:nvPr>
+            <p:ph idx="1"/>
+          </p:nvPr>
+        </p:nvSpPr>
         <p:spPr>
           <a:xfrm>
-            <a:off x="913795" y="2565400"/>
-            <a:ext cx="10353761" cy="1326321"/>
-          </a:xfrm>
-        </p:spPr>
-        <p:txBody>
-          <a:bodyPr/>
-          <a:lstStyle/>
-          <a:p>
-            <a:r>
-              <a:rPr lang="hu-HU" dirty="0" smtClean="0"/>
-              <a:t>Köszönöm a figyelmet</a:t>
-            </a:r>
-            <a:endParaRPr lang="hu-HU" dirty="0"/>
+            <a:off x="913796" y="2096063"/>
+            <a:ext cx="3400510" cy="4121857"/>
+          </a:xfrm>
+        </p:spPr>
+        <p:txBody>
+          <a:bodyPr>
+            <a:normAutofit/>
+          </a:bodyPr>
+          <a:lstStyle/>
+          <a:p>
+            <a:r>
+              <a:rPr lang="hu-HU" sz="3000" dirty="0" smtClean="0">
+                <a:latin typeface="Times New Roman" panose="02020603050405020304" pitchFamily="18" charset="0"/>
+                <a:cs typeface="Times New Roman" panose="02020603050405020304" pitchFamily="18" charset="0"/>
+              </a:rPr>
+              <a:t>Memória</a:t>
+            </a:r>
+          </a:p>
+          <a:p>
+            <a:r>
+              <a:rPr lang="hu-HU" sz="3000" dirty="0" smtClean="0">
+                <a:latin typeface="Times New Roman" panose="02020603050405020304" pitchFamily="18" charset="0"/>
+                <a:cs typeface="Times New Roman" panose="02020603050405020304" pitchFamily="18" charset="0"/>
+              </a:rPr>
+              <a:t>Regisztereknél lassabb</a:t>
+            </a:r>
+          </a:p>
+          <a:p>
+            <a:r>
+              <a:rPr lang="hu-HU" sz="3000" dirty="0" smtClean="0">
+                <a:latin typeface="Times New Roman" panose="02020603050405020304" pitchFamily="18" charset="0"/>
+                <a:cs typeface="Times New Roman" panose="02020603050405020304" pitchFamily="18" charset="0"/>
+              </a:rPr>
+              <a:t>Sebesség kiegyenlítés</a:t>
+            </a:r>
+          </a:p>
+          <a:p>
+            <a:r>
+              <a:rPr lang="hu-HU" sz="3000" dirty="0" smtClean="0">
+                <a:latin typeface="Times New Roman" panose="02020603050405020304" pitchFamily="18" charset="0"/>
+                <a:cs typeface="Times New Roman" panose="02020603050405020304" pitchFamily="18" charset="0"/>
+              </a:rPr>
+              <a:t>Gyorsítás</a:t>
+            </a:r>
+          </a:p>
+          <a:p>
+            <a:endParaRPr lang="hu-HU" dirty="0" smtClean="0"/>
           </a:p>
         </p:txBody>
       </p:sp>
     </p:spTree>
     <p:extLst>
       <p:ext uri="{BB962C8B-B14F-4D97-AF65-F5344CB8AC3E}">
-        <p14:creationId xmlns:p14="http://schemas.microsoft.com/office/powerpoint/2010/main" val="276585320"/>
+        <p14:creationId xmlns:p14="http://schemas.microsoft.com/office/powerpoint/2010/main" val="865148362"/>
       </p:ext>
     </p:extLst>
   </p:cSld>

--- a/Processzorok.pptx
+++ b/Processzorok.pptx
@@ -13,10 +13,11 @@
     <p:sldId id="267" r:id="rId7"/>
     <p:sldId id="268" r:id="rId8"/>
     <p:sldId id="269" r:id="rId9"/>
-    <p:sldId id="265" r:id="rId10"/>
-    <p:sldId id="261" r:id="rId11"/>
-    <p:sldId id="258" r:id="rId12"/>
-    <p:sldId id="262" r:id="rId13"/>
+    <p:sldId id="270" r:id="rId10"/>
+    <p:sldId id="265" r:id="rId11"/>
+    <p:sldId id="261" r:id="rId12"/>
+    <p:sldId id="258" r:id="rId13"/>
+    <p:sldId id="262" r:id="rId14"/>
   </p:sldIdLst>
   <p:sldSz cx="12192000" cy="6858000"/>
   <p:notesSz cx="6858000" cy="9144000"/>
@@ -256,7 +257,7 @@
           <a:p>
             <a:fld id="{3FA18FD4-B378-4D3A-AEFB-1F3E4F59479F}" type="datetimeFigureOut">
               <a:rPr lang="hu-HU" smtClean="0"/>
-              <a:t>2022. 09. 18.</a:t>
+              <a:t>2022.09.19.</a:t>
             </a:fld>
             <a:endParaRPr lang="hu-HU"/>
           </a:p>
@@ -543,7 +544,7 @@
           <a:p>
             <a:fld id="{3FA18FD4-B378-4D3A-AEFB-1F3E4F59479F}" type="datetimeFigureOut">
               <a:rPr lang="hu-HU" smtClean="0"/>
-              <a:t>2022. 09. 18.</a:t>
+              <a:t>2022.09.19.</a:t>
             </a:fld>
             <a:endParaRPr lang="hu-HU"/>
           </a:p>
@@ -735,7 +736,7 @@
           <a:p>
             <a:fld id="{3FA18FD4-B378-4D3A-AEFB-1F3E4F59479F}" type="datetimeFigureOut">
               <a:rPr lang="hu-HU" smtClean="0"/>
-              <a:t>2022. 09. 18.</a:t>
+              <a:t>2022.09.19.</a:t>
             </a:fld>
             <a:endParaRPr lang="hu-HU"/>
           </a:p>
@@ -996,7 +997,7 @@
           <a:p>
             <a:fld id="{3FA18FD4-B378-4D3A-AEFB-1F3E4F59479F}" type="datetimeFigureOut">
               <a:rPr lang="hu-HU" smtClean="0"/>
-              <a:t>2022. 09. 18.</a:t>
+              <a:t>2022.09.19.</a:t>
             </a:fld>
             <a:endParaRPr lang="hu-HU"/>
           </a:p>
@@ -1420,7 +1421,7 @@
           <a:p>
             <a:fld id="{3FA18FD4-B378-4D3A-AEFB-1F3E4F59479F}" type="datetimeFigureOut">
               <a:rPr lang="hu-HU" smtClean="0"/>
-              <a:t>2022. 09. 18.</a:t>
+              <a:t>2022.09.19.</a:t>
             </a:fld>
             <a:endParaRPr lang="hu-HU"/>
           </a:p>
@@ -1966,7 +1967,7 @@
           <a:p>
             <a:fld id="{3FA18FD4-B378-4D3A-AEFB-1F3E4F59479F}" type="datetimeFigureOut">
               <a:rPr lang="hu-HU" smtClean="0"/>
-              <a:t>2022. 09. 18.</a:t>
+              <a:t>2022.09.19.</a:t>
             </a:fld>
             <a:endParaRPr lang="hu-HU"/>
           </a:p>
@@ -2806,7 +2807,7 @@
           <a:p>
             <a:fld id="{3FA18FD4-B378-4D3A-AEFB-1F3E4F59479F}" type="datetimeFigureOut">
               <a:rPr lang="hu-HU" smtClean="0"/>
-              <a:t>2022. 09. 18.</a:t>
+              <a:t>2022.09.19.</a:t>
             </a:fld>
             <a:endParaRPr lang="hu-HU"/>
           </a:p>
@@ -2976,7 +2977,7 @@
           <a:p>
             <a:fld id="{3FA18FD4-B378-4D3A-AEFB-1F3E4F59479F}" type="datetimeFigureOut">
               <a:rPr lang="hu-HU" smtClean="0"/>
-              <a:t>2022. 09. 18.</a:t>
+              <a:t>2022.09.19.</a:t>
             </a:fld>
             <a:endParaRPr lang="hu-HU"/>
           </a:p>
@@ -3160,7 +3161,7 @@
           <a:p>
             <a:fld id="{3FA18FD4-B378-4D3A-AEFB-1F3E4F59479F}" type="datetimeFigureOut">
               <a:rPr lang="hu-HU" smtClean="0"/>
-              <a:t>2022. 09. 18.</a:t>
+              <a:t>2022.09.19.</a:t>
             </a:fld>
             <a:endParaRPr lang="hu-HU"/>
           </a:p>
@@ -3330,7 +3331,7 @@
           <a:p>
             <a:fld id="{3FA18FD4-B378-4D3A-AEFB-1F3E4F59479F}" type="datetimeFigureOut">
               <a:rPr lang="hu-HU" smtClean="0"/>
-              <a:t>2022. 09. 18.</a:t>
+              <a:t>2022.09.19.</a:t>
             </a:fld>
             <a:endParaRPr lang="hu-HU"/>
           </a:p>
@@ -3578,7 +3579,7 @@
           <a:p>
             <a:fld id="{3FA18FD4-B378-4D3A-AEFB-1F3E4F59479F}" type="datetimeFigureOut">
               <a:rPr lang="hu-HU" smtClean="0"/>
-              <a:t>2022. 09. 18.</a:t>
+              <a:t>2022.09.19.</a:t>
             </a:fld>
             <a:endParaRPr lang="hu-HU"/>
           </a:p>
@@ -3815,7 +3816,7 @@
           <a:p>
             <a:fld id="{3FA18FD4-B378-4D3A-AEFB-1F3E4F59479F}" type="datetimeFigureOut">
               <a:rPr lang="hu-HU" smtClean="0"/>
-              <a:t>2022. 09. 18.</a:t>
+              <a:t>2022.09.19.</a:t>
             </a:fld>
             <a:endParaRPr lang="hu-HU"/>
           </a:p>
@@ -4188,7 +4189,7 @@
           <a:p>
             <a:fld id="{3FA18FD4-B378-4D3A-AEFB-1F3E4F59479F}" type="datetimeFigureOut">
               <a:rPr lang="hu-HU" smtClean="0"/>
-              <a:t>2022. 09. 18.</a:t>
+              <a:t>2022.09.19.</a:t>
             </a:fld>
             <a:endParaRPr lang="hu-HU"/>
           </a:p>
@@ -4306,7 +4307,7 @@
           <a:p>
             <a:fld id="{3FA18FD4-B378-4D3A-AEFB-1F3E4F59479F}" type="datetimeFigureOut">
               <a:rPr lang="hu-HU" smtClean="0"/>
-              <a:t>2022. 09. 18.</a:t>
+              <a:t>2022.09.19.</a:t>
             </a:fld>
             <a:endParaRPr lang="hu-HU"/>
           </a:p>
@@ -4401,7 +4402,7 @@
           <a:p>
             <a:fld id="{3FA18FD4-B378-4D3A-AEFB-1F3E4F59479F}" type="datetimeFigureOut">
               <a:rPr lang="hu-HU" smtClean="0"/>
-              <a:t>2022. 09. 18.</a:t>
+              <a:t>2022.09.19.</a:t>
             </a:fld>
             <a:endParaRPr lang="hu-HU"/>
           </a:p>
@@ -4652,7 +4653,7 @@
           <a:p>
             <a:fld id="{3FA18FD4-B378-4D3A-AEFB-1F3E4F59479F}" type="datetimeFigureOut">
               <a:rPr lang="hu-HU" smtClean="0"/>
-              <a:t>2022. 09. 18.</a:t>
+              <a:t>2022.09.19.</a:t>
             </a:fld>
             <a:endParaRPr lang="hu-HU"/>
           </a:p>
@@ -4939,7 +4940,7 @@
           <a:p>
             <a:fld id="{3FA18FD4-B378-4D3A-AEFB-1F3E4F59479F}" type="datetimeFigureOut">
               <a:rPr lang="hu-HU" smtClean="0"/>
-              <a:t>2022. 09. 18.</a:t>
+              <a:t>2022.09.19.</a:t>
             </a:fld>
             <a:endParaRPr lang="hu-HU"/>
           </a:p>
@@ -5152,7 +5153,7 @@
           <a:p>
             <a:fld id="{3FA18FD4-B378-4D3A-AEFB-1F3E4F59479F}" type="datetimeFigureOut">
               <a:rPr lang="hu-HU" smtClean="0"/>
-              <a:t>2022. 09. 18.</a:t>
+              <a:t>2022.09.19.</a:t>
             </a:fld>
             <a:endParaRPr lang="hu-HU"/>
           </a:p>
@@ -5738,7 +5739,7 @@
           <a:p>
             <a:r>
               <a:rPr lang="hu-HU" dirty="0" smtClean="0"/>
-              <a:t>Mi az a Frekvencia?</a:t>
+              <a:t>Cache</a:t>
             </a:r>
             <a:endParaRPr lang="hu-HU" dirty="0"/>
           </a:p>
@@ -5756,13 +5757,13 @@
         </p:nvSpPr>
         <p:spPr>
           <a:xfrm>
-            <a:off x="913795" y="2096064"/>
-            <a:ext cx="3924905" cy="4368236"/>
+            <a:off x="913796" y="2096063"/>
+            <a:ext cx="3400510" cy="4121857"/>
           </a:xfrm>
         </p:spPr>
         <p:txBody>
           <a:bodyPr>
-            <a:normAutofit lnSpcReduction="10000"/>
+            <a:normAutofit/>
           </a:bodyPr>
           <a:lstStyle/>
           <a:p>
@@ -5771,7 +5772,7 @@
                 <a:latin typeface="Times New Roman" panose="02020603050405020304" pitchFamily="18" charset="0"/>
                 <a:cs typeface="Times New Roman" panose="02020603050405020304" pitchFamily="18" charset="0"/>
               </a:rPr>
-              <a:t>Intervallum</a:t>
+              <a:t>Memória</a:t>
             </a:r>
           </a:p>
           <a:p>
@@ -5780,7 +5781,7 @@
                 <a:latin typeface="Times New Roman" panose="02020603050405020304" pitchFamily="18" charset="0"/>
                 <a:cs typeface="Times New Roman" panose="02020603050405020304" pitchFamily="18" charset="0"/>
               </a:rPr>
-              <a:t>Két impulzus között = ciklus</a:t>
+              <a:t>Regisztereknél lassabb</a:t>
             </a:r>
           </a:p>
           <a:p>
@@ -5789,128 +5790,27 @@
                 <a:latin typeface="Times New Roman" panose="02020603050405020304" pitchFamily="18" charset="0"/>
                 <a:cs typeface="Times New Roman" panose="02020603050405020304" pitchFamily="18" charset="0"/>
               </a:rPr>
-              <a:t>(MHz</a:t>
-            </a:r>
+              <a:t>Sebesség kiegyenlítés</a:t>
+            </a:r>
+          </a:p>
+          <a:p>
             <a:r>
               <a:rPr lang="hu-HU" sz="3000" dirty="0" smtClean="0">
                 <a:latin typeface="Times New Roman" panose="02020603050405020304" pitchFamily="18" charset="0"/>
                 <a:cs typeface="Times New Roman" panose="02020603050405020304" pitchFamily="18" charset="0"/>
               </a:rPr>
-              <a:t>) (</a:t>
-            </a:r>
-            <a:r>
-              <a:rPr lang="hu-HU" sz="3000" dirty="0" err="1" smtClean="0">
-                <a:latin typeface="Times New Roman" panose="02020603050405020304" pitchFamily="18" charset="0"/>
-                <a:cs typeface="Times New Roman" panose="02020603050405020304" pitchFamily="18" charset="0"/>
-              </a:rPr>
-              <a:t>GHz</a:t>
-            </a:r>
-            <a:r>
-              <a:rPr lang="hu-HU" sz="3000" dirty="0" smtClean="0">
-                <a:latin typeface="Times New Roman" panose="02020603050405020304" pitchFamily="18" charset="0"/>
-                <a:cs typeface="Times New Roman" panose="02020603050405020304" pitchFamily="18" charset="0"/>
-              </a:rPr>
-              <a:t>)</a:t>
-            </a:r>
-          </a:p>
-          <a:p>
-            <a:endParaRPr lang="hu-HU" sz="3000" dirty="0">
-              <a:latin typeface="Times New Roman" panose="02020603050405020304" pitchFamily="18" charset="0"/>
-              <a:cs typeface="Times New Roman" panose="02020603050405020304" pitchFamily="18" charset="0"/>
-            </a:endParaRPr>
-          </a:p>
-          <a:p>
-            <a:r>
-              <a:rPr lang="hu-HU" sz="3000" dirty="0" smtClean="0">
-                <a:latin typeface="Times New Roman" panose="02020603050405020304" pitchFamily="18" charset="0"/>
-                <a:cs typeface="Times New Roman" panose="02020603050405020304" pitchFamily="18" charset="0"/>
-              </a:rPr>
-              <a:t>Teljesítményre hatása van</a:t>
-            </a:r>
-            <a:endParaRPr lang="hu-HU" sz="3000" dirty="0">
-              <a:latin typeface="Times New Roman" panose="02020603050405020304" pitchFamily="18" charset="0"/>
-              <a:cs typeface="Times New Roman" panose="02020603050405020304" pitchFamily="18" charset="0"/>
-            </a:endParaRPr>
-          </a:p>
-        </p:txBody>
-      </p:sp>
-      <p:pic>
-        <p:nvPicPr>
-          <p:cNvPr id="6146" name="Picture 2" descr="https://content.instructables.com/ORIG/FQ9/DG6W/JPX5BMJH/FQ9DG6WJPX5BMJH.png?auto=webp&amp;fit=bounds&amp;frame=1&amp;height=1024&amp;width=1024&amp;auto=webp&amp;frame=1&amp;height=300"/>
-          <p:cNvPicPr>
-            <a:picLocks noChangeAspect="1" noChangeArrowheads="1"/>
-          </p:cNvPicPr>
-          <p:nvPr/>
-        </p:nvPicPr>
-        <p:blipFill>
-          <a:blip r:embed="rId2">
-            <a:extLst>
-              <a:ext uri="{28A0092B-C50C-407E-A947-70E740481C1C}">
-                <a14:useLocalDpi xmlns:a14="http://schemas.microsoft.com/office/drawing/2010/main" val="0"/>
-              </a:ext>
-            </a:extLst>
-          </a:blip>
-          <a:srcRect/>
-          <a:stretch>
-            <a:fillRect/>
-          </a:stretch>
-        </p:blipFill>
-        <p:spPr bwMode="auto">
-          <a:xfrm>
-            <a:off x="5356225" y="1499812"/>
-            <a:ext cx="6207125" cy="4964488"/>
-          </a:xfrm>
-          <a:prstGeom prst="rect">
-            <a:avLst/>
-          </a:prstGeom>
-          <a:noFill/>
-          <a:extLst>
-            <a:ext uri="{909E8E84-426E-40DD-AFC4-6F175D3DCCD1}">
-              <a14:hiddenFill xmlns:a14="http://schemas.microsoft.com/office/drawing/2010/main">
-                <a:solidFill>
-                  <a:srgbClr val="FFFFFF"/>
-                </a:solidFill>
-              </a14:hiddenFill>
-            </a:ext>
-          </a:extLst>
-        </p:spPr>
-      </p:pic>
-      <p:sp>
-        <p:nvSpPr>
-          <p:cNvPr id="4" name="Szövegdoboz 3"/>
-          <p:cNvSpPr txBox="1"/>
-          <p:nvPr/>
-        </p:nvSpPr>
-        <p:spPr>
-          <a:xfrm>
-            <a:off x="7540624" y="6464300"/>
-            <a:ext cx="1838325" cy="261610"/>
-          </a:xfrm>
-          <a:prstGeom prst="rect">
-            <a:avLst/>
-          </a:prstGeom>
-          <a:noFill/>
-        </p:spPr>
-        <p:txBody>
-          <a:bodyPr wrap="square" rtlCol="0">
-            <a:spAutoFit/>
-          </a:bodyPr>
-          <a:lstStyle/>
-          <a:p>
-            <a:r>
-              <a:rPr lang="hu-HU" sz="1100" dirty="0">
-                <a:latin typeface="Times New Roman" panose="02020603050405020304" pitchFamily="18" charset="0"/>
-                <a:cs typeface="Times New Roman" panose="02020603050405020304" pitchFamily="18" charset="0"/>
-              </a:rPr>
-              <a:t>https://tinyurl.com/58ch8u3c</a:t>
-            </a:r>
+              <a:t>Gyorsítás</a:t>
+            </a:r>
+          </a:p>
+          <a:p>
+            <a:endParaRPr lang="hu-HU" dirty="0" smtClean="0"/>
           </a:p>
         </p:txBody>
       </p:sp>
     </p:spTree>
     <p:extLst>
       <p:ext uri="{BB962C8B-B14F-4D97-AF65-F5344CB8AC3E}">
-        <p14:creationId xmlns:p14="http://schemas.microsoft.com/office/powerpoint/2010/main" val="3839454992"/>
+        <p14:creationId xmlns:p14="http://schemas.microsoft.com/office/powerpoint/2010/main" val="865148362"/>
       </p:ext>
     </p:extLst>
   </p:cSld>
@@ -5954,6 +5854,222 @@
             <p:ph type="title"/>
           </p:nvPr>
         </p:nvSpPr>
+        <p:spPr/>
+        <p:txBody>
+          <a:bodyPr/>
+          <a:lstStyle/>
+          <a:p>
+            <a:r>
+              <a:rPr lang="hu-HU" dirty="0" smtClean="0"/>
+              <a:t>Mi az a Frekvencia?</a:t>
+            </a:r>
+            <a:endParaRPr lang="hu-HU" dirty="0"/>
+          </a:p>
+        </p:txBody>
+      </p:sp>
+      <p:sp>
+        <p:nvSpPr>
+          <p:cNvPr id="3" name="Tartalom helye 2"/>
+          <p:cNvSpPr>
+            <a:spLocks noGrp="1"/>
+          </p:cNvSpPr>
+          <p:nvPr>
+            <p:ph idx="1"/>
+          </p:nvPr>
+        </p:nvSpPr>
+        <p:spPr>
+          <a:xfrm>
+            <a:off x="913795" y="2096064"/>
+            <a:ext cx="3924905" cy="4368236"/>
+          </a:xfrm>
+        </p:spPr>
+        <p:txBody>
+          <a:bodyPr>
+            <a:normAutofit lnSpcReduction="10000"/>
+          </a:bodyPr>
+          <a:lstStyle/>
+          <a:p>
+            <a:r>
+              <a:rPr lang="hu-HU" sz="3000" dirty="0" smtClean="0">
+                <a:latin typeface="Times New Roman" panose="02020603050405020304" pitchFamily="18" charset="0"/>
+                <a:cs typeface="Times New Roman" panose="02020603050405020304" pitchFamily="18" charset="0"/>
+              </a:rPr>
+              <a:t>Intervallum</a:t>
+            </a:r>
+          </a:p>
+          <a:p>
+            <a:r>
+              <a:rPr lang="hu-HU" sz="3000" dirty="0" smtClean="0">
+                <a:latin typeface="Times New Roman" panose="02020603050405020304" pitchFamily="18" charset="0"/>
+                <a:cs typeface="Times New Roman" panose="02020603050405020304" pitchFamily="18" charset="0"/>
+              </a:rPr>
+              <a:t>Két impulzus között = ciklus</a:t>
+            </a:r>
+          </a:p>
+          <a:p>
+            <a:r>
+              <a:rPr lang="hu-HU" sz="3000" dirty="0" smtClean="0">
+                <a:latin typeface="Times New Roman" panose="02020603050405020304" pitchFamily="18" charset="0"/>
+                <a:cs typeface="Times New Roman" panose="02020603050405020304" pitchFamily="18" charset="0"/>
+              </a:rPr>
+              <a:t>(MHz) (</a:t>
+            </a:r>
+            <a:r>
+              <a:rPr lang="hu-HU" sz="3000" dirty="0" err="1" smtClean="0">
+                <a:latin typeface="Times New Roman" panose="02020603050405020304" pitchFamily="18" charset="0"/>
+                <a:cs typeface="Times New Roman" panose="02020603050405020304" pitchFamily="18" charset="0"/>
+              </a:rPr>
+              <a:t>GHz</a:t>
+            </a:r>
+            <a:r>
+              <a:rPr lang="hu-HU" sz="3000" dirty="0" smtClean="0">
+                <a:latin typeface="Times New Roman" panose="02020603050405020304" pitchFamily="18" charset="0"/>
+                <a:cs typeface="Times New Roman" panose="02020603050405020304" pitchFamily="18" charset="0"/>
+              </a:rPr>
+              <a:t>)</a:t>
+            </a:r>
+          </a:p>
+          <a:p>
+            <a:endParaRPr lang="hu-HU" sz="3000" dirty="0">
+              <a:latin typeface="Times New Roman" panose="02020603050405020304" pitchFamily="18" charset="0"/>
+              <a:cs typeface="Times New Roman" panose="02020603050405020304" pitchFamily="18" charset="0"/>
+            </a:endParaRPr>
+          </a:p>
+          <a:p>
+            <a:r>
+              <a:rPr lang="hu-HU" sz="3000" dirty="0" smtClean="0">
+                <a:latin typeface="Times New Roman" panose="02020603050405020304" pitchFamily="18" charset="0"/>
+                <a:cs typeface="Times New Roman" panose="02020603050405020304" pitchFamily="18" charset="0"/>
+              </a:rPr>
+              <a:t>Teljesítményre hatása van</a:t>
+            </a:r>
+            <a:endParaRPr lang="hu-HU" sz="3000" dirty="0">
+              <a:latin typeface="Times New Roman" panose="02020603050405020304" pitchFamily="18" charset="0"/>
+              <a:cs typeface="Times New Roman" panose="02020603050405020304" pitchFamily="18" charset="0"/>
+            </a:endParaRPr>
+          </a:p>
+        </p:txBody>
+      </p:sp>
+      <p:pic>
+        <p:nvPicPr>
+          <p:cNvPr id="6146" name="Picture 2" descr="https://content.instructables.com/ORIG/FQ9/DG6W/JPX5BMJH/FQ9DG6WJPX5BMJH.png?auto=webp&amp;fit=bounds&amp;frame=1&amp;height=1024&amp;width=1024&amp;auto=webp&amp;frame=1&amp;height=300"/>
+          <p:cNvPicPr>
+            <a:picLocks noChangeAspect="1" noChangeArrowheads="1"/>
+          </p:cNvPicPr>
+          <p:nvPr/>
+        </p:nvPicPr>
+        <p:blipFill>
+          <a:blip r:embed="rId2">
+            <a:extLst>
+              <a:ext uri="{28A0092B-C50C-407E-A947-70E740481C1C}">
+                <a14:useLocalDpi xmlns:a14="http://schemas.microsoft.com/office/drawing/2010/main" val="0"/>
+              </a:ext>
+            </a:extLst>
+          </a:blip>
+          <a:srcRect/>
+          <a:stretch>
+            <a:fillRect/>
+          </a:stretch>
+        </p:blipFill>
+        <p:spPr bwMode="auto">
+          <a:xfrm>
+            <a:off x="5356225" y="1499812"/>
+            <a:ext cx="6207125" cy="4964488"/>
+          </a:xfrm>
+          <a:prstGeom prst="rect">
+            <a:avLst/>
+          </a:prstGeom>
+          <a:noFill/>
+          <a:extLst>
+            <a:ext uri="{909E8E84-426E-40DD-AFC4-6F175D3DCCD1}">
+              <a14:hiddenFill xmlns:a14="http://schemas.microsoft.com/office/drawing/2010/main">
+                <a:solidFill>
+                  <a:srgbClr val="FFFFFF"/>
+                </a:solidFill>
+              </a14:hiddenFill>
+            </a:ext>
+          </a:extLst>
+        </p:spPr>
+      </p:pic>
+      <p:sp>
+        <p:nvSpPr>
+          <p:cNvPr id="4" name="Szövegdoboz 3"/>
+          <p:cNvSpPr txBox="1"/>
+          <p:nvPr/>
+        </p:nvSpPr>
+        <p:spPr>
+          <a:xfrm>
+            <a:off x="7540624" y="6464300"/>
+            <a:ext cx="1838325" cy="261610"/>
+          </a:xfrm>
+          <a:prstGeom prst="rect">
+            <a:avLst/>
+          </a:prstGeom>
+          <a:noFill/>
+        </p:spPr>
+        <p:txBody>
+          <a:bodyPr wrap="square" rtlCol="0">
+            <a:spAutoFit/>
+          </a:bodyPr>
+          <a:lstStyle/>
+          <a:p>
+            <a:r>
+              <a:rPr lang="hu-HU" sz="1100" dirty="0">
+                <a:latin typeface="Times New Roman" panose="02020603050405020304" pitchFamily="18" charset="0"/>
+                <a:cs typeface="Times New Roman" panose="02020603050405020304" pitchFamily="18" charset="0"/>
+              </a:rPr>
+              <a:t>https://tinyurl.com/58ch8u3c</a:t>
+            </a:r>
+          </a:p>
+        </p:txBody>
+      </p:sp>
+    </p:spTree>
+    <p:extLst>
+      <p:ext uri="{BB962C8B-B14F-4D97-AF65-F5344CB8AC3E}">
+        <p14:creationId xmlns:p14="http://schemas.microsoft.com/office/powerpoint/2010/main" val="3839454992"/>
+      </p:ext>
+    </p:extLst>
+  </p:cSld>
+  <p:clrMapOvr>
+    <a:masterClrMapping/>
+  </p:clrMapOvr>
+  <p:timing>
+    <p:tnLst>
+      <p:par>
+        <p:cTn id="1" dur="indefinite" restart="never" nodeType="tmRoot"/>
+      </p:par>
+    </p:tnLst>
+  </p:timing>
+</p:sld>
+</file>
+
+<file path=ppt/slides/slide12.xml><?xml version="1.0" encoding="utf-8"?>
+<p:sld xmlns:a="http://schemas.openxmlformats.org/drawingml/2006/main" xmlns:r="http://schemas.openxmlformats.org/officeDocument/2006/relationships" xmlns:p="http://schemas.openxmlformats.org/presentationml/2006/main">
+  <p:cSld>
+    <p:spTree>
+      <p:nvGrpSpPr>
+        <p:cNvPr id="1" name=""/>
+        <p:cNvGrpSpPr/>
+        <p:nvPr/>
+      </p:nvGrpSpPr>
+      <p:grpSpPr>
+        <a:xfrm>
+          <a:off x="0" y="0"/>
+          <a:ext cx="0" cy="0"/>
+          <a:chOff x="0" y="0"/>
+          <a:chExt cx="0" cy="0"/>
+        </a:xfrm>
+      </p:grpSpPr>
+      <p:sp>
+        <p:nvSpPr>
+          <p:cNvPr id="2" name="Cím 1"/>
+          <p:cNvSpPr>
+            <a:spLocks noGrp="1"/>
+          </p:cNvSpPr>
+          <p:nvPr>
+            <p:ph type="title"/>
+          </p:nvPr>
+        </p:nvSpPr>
         <p:spPr>
           <a:xfrm>
             <a:off x="913795" y="2565400"/>
@@ -5992,7 +6108,7 @@
 </p:sld>
 </file>
 
-<file path=ppt/slides/slide12.xml><?xml version="1.0" encoding="utf-8"?>
+<file path=ppt/slides/slide13.xml><?xml version="1.0" encoding="utf-8"?>
 <p:sld xmlns:a="http://schemas.openxmlformats.org/drawingml/2006/main" xmlns:r="http://schemas.openxmlformats.org/officeDocument/2006/relationships" xmlns:p="http://schemas.openxmlformats.org/presentationml/2006/main">
   <p:cSld>
     <p:spTree>
@@ -6762,7 +6878,7 @@
         <p:spPr>
           <a:xfrm>
             <a:off x="913795" y="2096063"/>
-            <a:ext cx="5667980" cy="4088605"/>
+            <a:ext cx="2688049" cy="4088605"/>
           </a:xfrm>
         </p:spPr>
         <p:txBody>
@@ -6809,6 +6925,79 @@
               <a:latin typeface="Times New Roman" panose="02020603050405020304" pitchFamily="18" charset="0"/>
               <a:cs typeface="Times New Roman" panose="02020603050405020304" pitchFamily="18" charset="0"/>
             </a:endParaRPr>
+          </a:p>
+        </p:txBody>
+      </p:sp>
+      <p:pic>
+        <p:nvPicPr>
+          <p:cNvPr id="1026" name="Picture 2" descr="https://media.istockphoto.com/photos/binary-code-background-picture-id1046046242"/>
+          <p:cNvPicPr>
+            <a:picLocks noChangeAspect="1" noChangeArrowheads="1"/>
+          </p:cNvPicPr>
+          <p:nvPr/>
+        </p:nvPicPr>
+        <p:blipFill>
+          <a:blip r:embed="rId2">
+            <a:extLst>
+              <a:ext uri="{28A0092B-C50C-407E-A947-70E740481C1C}">
+                <a14:useLocalDpi xmlns:a14="http://schemas.microsoft.com/office/drawing/2010/main" val="0"/>
+              </a:ext>
+            </a:extLst>
+          </a:blip>
+          <a:srcRect/>
+          <a:stretch>
+            <a:fillRect/>
+          </a:stretch>
+        </p:blipFill>
+        <p:spPr bwMode="auto">
+          <a:xfrm>
+            <a:off x="4170087" y="1578400"/>
+            <a:ext cx="7237611" cy="4827431"/>
+          </a:xfrm>
+          <a:prstGeom prst="rect">
+            <a:avLst/>
+          </a:prstGeom>
+          <a:noFill/>
+          <a:extLst>
+            <a:ext uri="{909E8E84-426E-40DD-AFC4-6F175D3DCCD1}">
+              <a14:hiddenFill xmlns:a14="http://schemas.microsoft.com/office/drawing/2010/main">
+                <a:solidFill>
+                  <a:srgbClr val="FFFFFF"/>
+                </a:solidFill>
+              </a14:hiddenFill>
+            </a:ext>
+          </a:extLst>
+        </p:spPr>
+      </p:pic>
+      <p:sp>
+        <p:nvSpPr>
+          <p:cNvPr id="4" name="Szövegdoboz 3"/>
+          <p:cNvSpPr txBox="1"/>
+          <p:nvPr/>
+        </p:nvSpPr>
+        <p:spPr>
+          <a:xfrm>
+            <a:off x="6824311" y="6405831"/>
+            <a:ext cx="1929161" cy="267629"/>
+          </a:xfrm>
+          <a:prstGeom prst="rect">
+            <a:avLst/>
+          </a:prstGeom>
+          <a:noFill/>
+        </p:spPr>
+        <p:txBody>
+          <a:bodyPr wrap="square" rtlCol="0">
+            <a:spAutoFit/>
+          </a:bodyPr>
+          <a:lstStyle/>
+          <a:p>
+            <a:r>
+              <a:rPr lang="hu-HU" sz="1100" dirty="0">
+                <a:latin typeface="Times New Roman" panose="02020603050405020304" pitchFamily="18" charset="0"/>
+                <a:cs typeface="Times New Roman" panose="02020603050405020304" pitchFamily="18" charset="0"/>
+              </a:rPr>
+              <a:t>https://tinyurl.com/k59m4zun</a:t>
+            </a:r>
           </a:p>
         </p:txBody>
       </p:sp>
@@ -7161,10 +7350,6 @@
               </a:rPr>
               <a:t>jel</a:t>
             </a:r>
-            <a:endParaRPr lang="hu-HU" sz="3000" dirty="0" smtClean="0">
-              <a:latin typeface="Times New Roman" panose="02020603050405020304" pitchFamily="18" charset="0"/>
-              <a:cs typeface="Times New Roman" panose="02020603050405020304" pitchFamily="18" charset="0"/>
-            </a:endParaRPr>
           </a:p>
           <a:p>
             <a:r>
@@ -7172,19 +7357,8 @@
                 <a:latin typeface="Times New Roman" panose="02020603050405020304" pitchFamily="18" charset="0"/>
                 <a:cs typeface="Times New Roman" panose="02020603050405020304" pitchFamily="18" charset="0"/>
               </a:rPr>
-              <a:t>ALU</a:t>
-            </a:r>
-            <a:r>
-              <a:rPr lang="hu-HU" sz="3000" dirty="0" smtClean="0">
-                <a:latin typeface="Times New Roman" panose="02020603050405020304" pitchFamily="18" charset="0"/>
-                <a:cs typeface="Times New Roman" panose="02020603050405020304" pitchFamily="18" charset="0"/>
-              </a:rPr>
-              <a:t>:</a:t>
-            </a:r>
-            <a:endParaRPr lang="hu-HU" sz="3000" dirty="0" smtClean="0">
-              <a:latin typeface="Times New Roman" panose="02020603050405020304" pitchFamily="18" charset="0"/>
-              <a:cs typeface="Times New Roman" panose="02020603050405020304" pitchFamily="18" charset="0"/>
-            </a:endParaRPr>
+              <a:t>ALU:</a:t>
+            </a:r>
           </a:p>
           <a:p>
             <a:pPr lvl="1"/>
@@ -7570,31 +7744,95 @@
           <a:p>
             <a:r>
               <a:rPr lang="hu-HU" dirty="0" smtClean="0"/>
-              <a:t>Cache</a:t>
+              <a:t>Regiszterek</a:t>
             </a:r>
             <a:endParaRPr lang="hu-HU" dirty="0"/>
           </a:p>
         </p:txBody>
       </p:sp>
-      <p:sp>
-        <p:nvSpPr>
-          <p:cNvPr id="3" name="Tartalom helye 2"/>
-          <p:cNvSpPr>
-            <a:spLocks noGrp="1"/>
-          </p:cNvSpPr>
-          <p:nvPr>
-            <p:ph idx="1"/>
-          </p:nvPr>
+      <p:pic>
+        <p:nvPicPr>
+          <p:cNvPr id="4" name="Picture 2" descr="https://www.tutorialandexample.com/wp-content/uploads/2019/10/Control-Processing-Unit-2.png"/>
+          <p:cNvPicPr>
+            <a:picLocks noChangeAspect="1" noChangeArrowheads="1"/>
+          </p:cNvPicPr>
+          <p:nvPr/>
+        </p:nvPicPr>
+        <p:blipFill>
+          <a:blip r:embed="rId2">
+            <a:extLst>
+              <a:ext uri="{BEBA8EAE-BF5A-486C-A8C5-ECC9F3942E4B}">
+                <a14:imgProps xmlns:a14="http://schemas.microsoft.com/office/drawing/2010/main">
+                  <a14:imgLayer r:embed="rId3">
+                    <a14:imgEffect>
+                      <a14:backgroundRemoval t="31000" b="86500" l="0" r="33200">
+                        <a14:foregroundMark x1="7800" y1="38000" x2="15200" y2="38250"/>
+                        <a14:foregroundMark x1="8200" y1="36500" x2="13400" y2="37750"/>
+                        <a14:foregroundMark x1="5000" y1="50250" x2="29600" y2="49250"/>
+                        <a14:foregroundMark x1="6800" y1="63750" x2="28200" y2="63250"/>
+                        <a14:foregroundMark x1="11600" y1="38750" x2="28200" y2="35750"/>
+                        <a14:foregroundMark x1="4600" y1="76750" x2="31200" y2="75250"/>
+                        <a14:foregroundMark x1="4400" y1="74000" x2="30600" y2="79250"/>
+                        <a14:foregroundMark x1="3800" y1="33500" x2="28200" y2="32500"/>
+                        <a14:foregroundMark x1="5600" y1="66750" x2="28000" y2="59250"/>
+                        <a14:foregroundMark x1="6600" y1="54250" x2="26000" y2="46500"/>
+                        <a14:backgroundMark x1="34200" y1="66250" x2="34000" y2="62750"/>
+                        <a14:backgroundMark x1="34400" y1="39500" x2="34000" y2="35250"/>
+                        <a14:backgroundMark x1="33800" y1="79500" x2="34200" y2="74250"/>
+                      </a14:backgroundRemoval>
+                    </a14:imgEffect>
+                  </a14:imgLayer>
+                </a14:imgProps>
+              </a:ext>
+              <a:ext uri="{28A0092B-C50C-407E-A947-70E740481C1C}">
+                <a14:useLocalDpi xmlns:a14="http://schemas.microsoft.com/office/drawing/2010/main" val="0"/>
+              </a:ext>
+            </a:extLst>
+          </a:blip>
+          <a:srcRect/>
+          <a:stretch>
+            <a:fillRect/>
+          </a:stretch>
+        </p:blipFill>
+        <p:spPr bwMode="auto">
+          <a:xfrm>
+            <a:off x="367067" y="-199248"/>
+            <a:ext cx="9135861" cy="7308690"/>
+          </a:xfrm>
+          <a:prstGeom prst="rect">
+            <a:avLst/>
+          </a:prstGeom>
+          <a:noFill/>
+          <a:extLst>
+            <a:ext uri="{909E8E84-426E-40DD-AFC4-6F175D3DCCD1}">
+              <a14:hiddenFill xmlns:a14="http://schemas.microsoft.com/office/drawing/2010/main">
+                <a:solidFill>
+                  <a:srgbClr val="FFFFFF"/>
+                </a:solidFill>
+              </a14:hiddenFill>
+            </a:ext>
+          </a:extLst>
+        </p:spPr>
+      </p:pic>
+      <p:sp>
+        <p:nvSpPr>
+          <p:cNvPr id="5" name="Szövegdoboz 4"/>
+          <p:cNvSpPr txBox="1"/>
+          <p:nvPr/>
         </p:nvSpPr>
         <p:spPr>
           <a:xfrm>
-            <a:off x="913796" y="2096063"/>
-            <a:ext cx="3400510" cy="4121857"/>
-          </a:xfrm>
-        </p:spPr>
-        <p:txBody>
-          <a:bodyPr>
-            <a:normAutofit/>
+            <a:off x="3347381" y="2225700"/>
+            <a:ext cx="6155547" cy="553998"/>
+          </a:xfrm>
+          <a:prstGeom prst="rect">
+            <a:avLst/>
+          </a:prstGeom>
+          <a:noFill/>
+        </p:spPr>
+        <p:txBody>
+          <a:bodyPr wrap="square" rtlCol="0">
+            <a:spAutoFit/>
           </a:bodyPr>
           <a:lstStyle/>
           <a:p>
@@ -7603,45 +7841,134 @@
                 <a:latin typeface="Times New Roman" panose="02020603050405020304" pitchFamily="18" charset="0"/>
                 <a:cs typeface="Times New Roman" panose="02020603050405020304" pitchFamily="18" charset="0"/>
               </a:rPr>
-              <a:t>Memória</a:t>
-            </a:r>
-          </a:p>
-          <a:p>
+              <a:t>Célpont, végrehajt, megfelelő pillanat</a:t>
+            </a:r>
+            <a:endParaRPr lang="hu-HU" sz="3000" dirty="0">
+              <a:latin typeface="Times New Roman" panose="02020603050405020304" pitchFamily="18" charset="0"/>
+              <a:cs typeface="Times New Roman" panose="02020603050405020304" pitchFamily="18" charset="0"/>
+            </a:endParaRPr>
+          </a:p>
+        </p:txBody>
+      </p:sp>
+      <p:sp>
+        <p:nvSpPr>
+          <p:cNvPr id="6" name="Szövegdoboz 5"/>
+          <p:cNvSpPr txBox="1"/>
+          <p:nvPr/>
+        </p:nvSpPr>
+        <p:spPr>
+          <a:xfrm>
+            <a:off x="3347381" y="3179651"/>
+            <a:ext cx="6155547" cy="553998"/>
+          </a:xfrm>
+          <a:prstGeom prst="rect">
+            <a:avLst/>
+          </a:prstGeom>
+          <a:noFill/>
+        </p:spPr>
+        <p:txBody>
+          <a:bodyPr wrap="square" rtlCol="0">
+            <a:spAutoFit/>
+          </a:bodyPr>
+          <a:lstStyle/>
+          <a:p>
+            <a:r>
+              <a:rPr lang="hu-HU" sz="3000" dirty="0">
+                <a:latin typeface="Times New Roman" panose="02020603050405020304" pitchFamily="18" charset="0"/>
+                <a:cs typeface="Times New Roman" panose="02020603050405020304" pitchFamily="18" charset="0"/>
+              </a:rPr>
+              <a:t>Utasítás, </a:t>
+            </a:r>
             <a:r>
               <a:rPr lang="hu-HU" sz="3000" dirty="0" smtClean="0">
                 <a:latin typeface="Times New Roman" panose="02020603050405020304" pitchFamily="18" charset="0"/>
                 <a:cs typeface="Times New Roman" panose="02020603050405020304" pitchFamily="18" charset="0"/>
               </a:rPr>
-              <a:t>Regisztereknél lassabb</a:t>
-            </a:r>
-          </a:p>
+              <a:t>dekódolás</a:t>
+            </a:r>
+            <a:endParaRPr lang="hu-HU" sz="3000" dirty="0">
+              <a:latin typeface="Times New Roman" panose="02020603050405020304" pitchFamily="18" charset="0"/>
+              <a:cs typeface="Times New Roman" panose="02020603050405020304" pitchFamily="18" charset="0"/>
+            </a:endParaRPr>
+          </a:p>
+        </p:txBody>
+      </p:sp>
+      <p:sp>
+        <p:nvSpPr>
+          <p:cNvPr id="7" name="Szövegdoboz 6"/>
+          <p:cNvSpPr txBox="1"/>
+          <p:nvPr/>
+        </p:nvSpPr>
+        <p:spPr>
+          <a:xfrm>
+            <a:off x="3347380" y="4133602"/>
+            <a:ext cx="8461761" cy="553998"/>
+          </a:xfrm>
+          <a:prstGeom prst="rect">
+            <a:avLst/>
+          </a:prstGeom>
+          <a:noFill/>
+        </p:spPr>
+        <p:txBody>
+          <a:bodyPr wrap="square" rtlCol="0">
+            <a:spAutoFit/>
+          </a:bodyPr>
+          <a:lstStyle/>
           <a:p>
             <a:r>
               <a:rPr lang="hu-HU" sz="3000" dirty="0" smtClean="0">
                 <a:latin typeface="Times New Roman" panose="02020603050405020304" pitchFamily="18" charset="0"/>
                 <a:cs typeface="Times New Roman" panose="02020603050405020304" pitchFamily="18" charset="0"/>
               </a:rPr>
-              <a:t>Sebesség kiegyenlítés</a:t>
-            </a:r>
-          </a:p>
+              <a:t>Memória cím tárolás, CPU-hoz küldi, tárolásra küldi</a:t>
+            </a:r>
+            <a:endParaRPr lang="hu-HU" sz="3000" dirty="0">
+              <a:latin typeface="Times New Roman" panose="02020603050405020304" pitchFamily="18" charset="0"/>
+              <a:cs typeface="Times New Roman" panose="02020603050405020304" pitchFamily="18" charset="0"/>
+            </a:endParaRPr>
+          </a:p>
+        </p:txBody>
+      </p:sp>
+      <p:sp>
+        <p:nvSpPr>
+          <p:cNvPr id="8" name="Szövegdoboz 7"/>
+          <p:cNvSpPr txBox="1"/>
+          <p:nvPr/>
+        </p:nvSpPr>
+        <p:spPr>
+          <a:xfrm>
+            <a:off x="3329683" y="5087553"/>
+            <a:ext cx="7326351" cy="553998"/>
+          </a:xfrm>
+          <a:prstGeom prst="rect">
+            <a:avLst/>
+          </a:prstGeom>
+          <a:noFill/>
+        </p:spPr>
+        <p:txBody>
+          <a:bodyPr wrap="square" rtlCol="0">
+            <a:spAutoFit/>
+          </a:bodyPr>
+          <a:lstStyle/>
           <a:p>
             <a:r>
               <a:rPr lang="hu-HU" sz="3000" dirty="0" smtClean="0">
                 <a:latin typeface="Times New Roman" panose="02020603050405020304" pitchFamily="18" charset="0"/>
                 <a:cs typeface="Times New Roman" panose="02020603050405020304" pitchFamily="18" charset="0"/>
               </a:rPr>
-              <a:t>Gyorsítás</a:t>
-            </a:r>
-          </a:p>
-          <a:p>
-            <a:endParaRPr lang="hu-HU" dirty="0" smtClean="0"/>
+              <a:t>Rövid távú, matematikai és logikai adattároló</a:t>
+            </a:r>
+            <a:endParaRPr lang="hu-HU" sz="3000" dirty="0">
+              <a:latin typeface="Times New Roman" panose="02020603050405020304" pitchFamily="18" charset="0"/>
+              <a:cs typeface="Times New Roman" panose="02020603050405020304" pitchFamily="18" charset="0"/>
+            </a:endParaRPr>
           </a:p>
         </p:txBody>
       </p:sp>
     </p:spTree>
     <p:extLst>
       <p:ext uri="{BB962C8B-B14F-4D97-AF65-F5344CB8AC3E}">
-        <p14:creationId xmlns:p14="http://schemas.microsoft.com/office/powerpoint/2010/main" val="865148362"/>
+        <p14:creationId xmlns:p14="http://schemas.microsoft.com/office/powerpoint/2010/main" val="3844304542"/>
       </p:ext>
     </p:extLst>
   </p:cSld>

--- a/Processzorok.pptx
+++ b/Processzorok.pptx
@@ -9,15 +9,14 @@
     <p:sldId id="259" r:id="rId3"/>
     <p:sldId id="257" r:id="rId4"/>
     <p:sldId id="260" r:id="rId5"/>
-    <p:sldId id="266" r:id="rId6"/>
-    <p:sldId id="267" r:id="rId7"/>
-    <p:sldId id="268" r:id="rId8"/>
+    <p:sldId id="271" r:id="rId6"/>
+    <p:sldId id="272" r:id="rId7"/>
+    <p:sldId id="273" r:id="rId8"/>
     <p:sldId id="269" r:id="rId9"/>
-    <p:sldId id="270" r:id="rId10"/>
-    <p:sldId id="265" r:id="rId11"/>
-    <p:sldId id="261" r:id="rId12"/>
-    <p:sldId id="258" r:id="rId13"/>
-    <p:sldId id="262" r:id="rId14"/>
+    <p:sldId id="265" r:id="rId10"/>
+    <p:sldId id="274" r:id="rId11"/>
+    <p:sldId id="258" r:id="rId12"/>
+    <p:sldId id="262" r:id="rId13"/>
   </p:sldIdLst>
   <p:sldSz cx="12192000" cy="6858000"/>
   <p:notesSz cx="6858000" cy="9144000"/>
@@ -257,7 +256,7 @@
           <a:p>
             <a:fld id="{3FA18FD4-B378-4D3A-AEFB-1F3E4F59479F}" type="datetimeFigureOut">
               <a:rPr lang="hu-HU" smtClean="0"/>
-              <a:t>2022.09.19.</a:t>
+              <a:t>2022. 09. 21.</a:t>
             </a:fld>
             <a:endParaRPr lang="hu-HU"/>
           </a:p>
@@ -544,7 +543,7 @@
           <a:p>
             <a:fld id="{3FA18FD4-B378-4D3A-AEFB-1F3E4F59479F}" type="datetimeFigureOut">
               <a:rPr lang="hu-HU" smtClean="0"/>
-              <a:t>2022.09.19.</a:t>
+              <a:t>2022. 09. 21.</a:t>
             </a:fld>
             <a:endParaRPr lang="hu-HU"/>
           </a:p>
@@ -736,7 +735,7 @@
           <a:p>
             <a:fld id="{3FA18FD4-B378-4D3A-AEFB-1F3E4F59479F}" type="datetimeFigureOut">
               <a:rPr lang="hu-HU" smtClean="0"/>
-              <a:t>2022.09.19.</a:t>
+              <a:t>2022. 09. 21.</a:t>
             </a:fld>
             <a:endParaRPr lang="hu-HU"/>
           </a:p>
@@ -997,7 +996,7 @@
           <a:p>
             <a:fld id="{3FA18FD4-B378-4D3A-AEFB-1F3E4F59479F}" type="datetimeFigureOut">
               <a:rPr lang="hu-HU" smtClean="0"/>
-              <a:t>2022.09.19.</a:t>
+              <a:t>2022. 09. 21.</a:t>
             </a:fld>
             <a:endParaRPr lang="hu-HU"/>
           </a:p>
@@ -1421,7 +1420,7 @@
           <a:p>
             <a:fld id="{3FA18FD4-B378-4D3A-AEFB-1F3E4F59479F}" type="datetimeFigureOut">
               <a:rPr lang="hu-HU" smtClean="0"/>
-              <a:t>2022.09.19.</a:t>
+              <a:t>2022. 09. 21.</a:t>
             </a:fld>
             <a:endParaRPr lang="hu-HU"/>
           </a:p>
@@ -1967,7 +1966,7 @@
           <a:p>
             <a:fld id="{3FA18FD4-B378-4D3A-AEFB-1F3E4F59479F}" type="datetimeFigureOut">
               <a:rPr lang="hu-HU" smtClean="0"/>
-              <a:t>2022.09.19.</a:t>
+              <a:t>2022. 09. 21.</a:t>
             </a:fld>
             <a:endParaRPr lang="hu-HU"/>
           </a:p>
@@ -2807,7 +2806,7 @@
           <a:p>
             <a:fld id="{3FA18FD4-B378-4D3A-AEFB-1F3E4F59479F}" type="datetimeFigureOut">
               <a:rPr lang="hu-HU" smtClean="0"/>
-              <a:t>2022.09.19.</a:t>
+              <a:t>2022. 09. 21.</a:t>
             </a:fld>
             <a:endParaRPr lang="hu-HU"/>
           </a:p>
@@ -2977,7 +2976,7 @@
           <a:p>
             <a:fld id="{3FA18FD4-B378-4D3A-AEFB-1F3E4F59479F}" type="datetimeFigureOut">
               <a:rPr lang="hu-HU" smtClean="0"/>
-              <a:t>2022.09.19.</a:t>
+              <a:t>2022. 09. 21.</a:t>
             </a:fld>
             <a:endParaRPr lang="hu-HU"/>
           </a:p>
@@ -3161,7 +3160,7 @@
           <a:p>
             <a:fld id="{3FA18FD4-B378-4D3A-AEFB-1F3E4F59479F}" type="datetimeFigureOut">
               <a:rPr lang="hu-HU" smtClean="0"/>
-              <a:t>2022.09.19.</a:t>
+              <a:t>2022. 09. 21.</a:t>
             </a:fld>
             <a:endParaRPr lang="hu-HU"/>
           </a:p>
@@ -3331,7 +3330,7 @@
           <a:p>
             <a:fld id="{3FA18FD4-B378-4D3A-AEFB-1F3E4F59479F}" type="datetimeFigureOut">
               <a:rPr lang="hu-HU" smtClean="0"/>
-              <a:t>2022.09.19.</a:t>
+              <a:t>2022. 09. 21.</a:t>
             </a:fld>
             <a:endParaRPr lang="hu-HU"/>
           </a:p>
@@ -3579,7 +3578,7 @@
           <a:p>
             <a:fld id="{3FA18FD4-B378-4D3A-AEFB-1F3E4F59479F}" type="datetimeFigureOut">
               <a:rPr lang="hu-HU" smtClean="0"/>
-              <a:t>2022.09.19.</a:t>
+              <a:t>2022. 09. 21.</a:t>
             </a:fld>
             <a:endParaRPr lang="hu-HU"/>
           </a:p>
@@ -3816,7 +3815,7 @@
           <a:p>
             <a:fld id="{3FA18FD4-B378-4D3A-AEFB-1F3E4F59479F}" type="datetimeFigureOut">
               <a:rPr lang="hu-HU" smtClean="0"/>
-              <a:t>2022.09.19.</a:t>
+              <a:t>2022. 09. 21.</a:t>
             </a:fld>
             <a:endParaRPr lang="hu-HU"/>
           </a:p>
@@ -4189,7 +4188,7 @@
           <a:p>
             <a:fld id="{3FA18FD4-B378-4D3A-AEFB-1F3E4F59479F}" type="datetimeFigureOut">
               <a:rPr lang="hu-HU" smtClean="0"/>
-              <a:t>2022.09.19.</a:t>
+              <a:t>2022. 09. 21.</a:t>
             </a:fld>
             <a:endParaRPr lang="hu-HU"/>
           </a:p>
@@ -4307,7 +4306,7 @@
           <a:p>
             <a:fld id="{3FA18FD4-B378-4D3A-AEFB-1F3E4F59479F}" type="datetimeFigureOut">
               <a:rPr lang="hu-HU" smtClean="0"/>
-              <a:t>2022.09.19.</a:t>
+              <a:t>2022. 09. 21.</a:t>
             </a:fld>
             <a:endParaRPr lang="hu-HU"/>
           </a:p>
@@ -4402,7 +4401,7 @@
           <a:p>
             <a:fld id="{3FA18FD4-B378-4D3A-AEFB-1F3E4F59479F}" type="datetimeFigureOut">
               <a:rPr lang="hu-HU" smtClean="0"/>
-              <a:t>2022.09.19.</a:t>
+              <a:t>2022. 09. 21.</a:t>
             </a:fld>
             <a:endParaRPr lang="hu-HU"/>
           </a:p>
@@ -4653,7 +4652,7 @@
           <a:p>
             <a:fld id="{3FA18FD4-B378-4D3A-AEFB-1F3E4F59479F}" type="datetimeFigureOut">
               <a:rPr lang="hu-HU" smtClean="0"/>
-              <a:t>2022.09.19.</a:t>
+              <a:t>2022. 09. 21.</a:t>
             </a:fld>
             <a:endParaRPr lang="hu-HU"/>
           </a:p>
@@ -4940,7 +4939,7 @@
           <a:p>
             <a:fld id="{3FA18FD4-B378-4D3A-AEFB-1F3E4F59479F}" type="datetimeFigureOut">
               <a:rPr lang="hu-HU" smtClean="0"/>
-              <a:t>2022.09.19.</a:t>
+              <a:t>2022. 09. 21.</a:t>
             </a:fld>
             <a:endParaRPr lang="hu-HU"/>
           </a:p>
@@ -5153,7 +5152,7 @@
           <a:p>
             <a:fld id="{3FA18FD4-B378-4D3A-AEFB-1F3E4F59479F}" type="datetimeFigureOut">
               <a:rPr lang="hu-HU" smtClean="0"/>
-              <a:t>2022.09.19.</a:t>
+              <a:t>2022. 09. 21.</a:t>
             </a:fld>
             <a:endParaRPr lang="hu-HU"/>
           </a:p>
@@ -5650,10 +5649,16 @@
           <a:lstStyle/>
           <a:p>
             <a:r>
-              <a:rPr lang="hu-HU" dirty="0" smtClean="0"/>
+              <a:rPr lang="hu-HU" dirty="0" smtClean="0">
+                <a:latin typeface="Times New Roman" panose="02020603050405020304" pitchFamily="18" charset="0"/>
+                <a:cs typeface="Times New Roman" panose="02020603050405020304" pitchFamily="18" charset="0"/>
+              </a:rPr>
               <a:t>Processzorok</a:t>
             </a:r>
-            <a:endParaRPr lang="hu-HU" dirty="0"/>
+            <a:endParaRPr lang="hu-HU" dirty="0">
+              <a:latin typeface="Times New Roman" panose="02020603050405020304" pitchFamily="18" charset="0"/>
+              <a:cs typeface="Times New Roman" panose="02020603050405020304" pitchFamily="18" charset="0"/>
+            </a:endParaRPr>
           </a:p>
         </p:txBody>
       </p:sp>
@@ -5678,10 +5683,16 @@
           <a:lstStyle/>
           <a:p>
             <a:r>
-              <a:rPr lang="hu-HU" dirty="0" smtClean="0"/>
+              <a:rPr lang="hu-HU" dirty="0" smtClean="0">
+                <a:latin typeface="Times New Roman" panose="02020603050405020304" pitchFamily="18" charset="0"/>
+                <a:cs typeface="Times New Roman" panose="02020603050405020304" pitchFamily="18" charset="0"/>
+              </a:rPr>
               <a:t>Készítette: Mészáros Richárd 11.A</a:t>
             </a:r>
-            <a:endParaRPr lang="hu-HU" dirty="0"/>
+            <a:endParaRPr lang="hu-HU" dirty="0">
+              <a:latin typeface="Times New Roman" panose="02020603050405020304" pitchFamily="18" charset="0"/>
+              <a:cs typeface="Times New Roman" panose="02020603050405020304" pitchFamily="18" charset="0"/>
+            </a:endParaRPr>
           </a:p>
         </p:txBody>
       </p:sp>
@@ -5738,10 +5749,16 @@
           <a:lstStyle/>
           <a:p>
             <a:r>
-              <a:rPr lang="hu-HU" dirty="0" smtClean="0"/>
-              <a:t>Cache</a:t>
-            </a:r>
-            <a:endParaRPr lang="hu-HU" dirty="0"/>
+              <a:rPr lang="hu-HU" dirty="0" smtClean="0">
+                <a:latin typeface="Times New Roman" panose="02020603050405020304" pitchFamily="18" charset="0"/>
+                <a:cs typeface="Times New Roman" panose="02020603050405020304" pitchFamily="18" charset="0"/>
+              </a:rPr>
+              <a:t>Frekvencia</a:t>
+            </a:r>
+            <a:endParaRPr lang="hu-HU" dirty="0">
+              <a:latin typeface="Times New Roman" panose="02020603050405020304" pitchFamily="18" charset="0"/>
+              <a:cs typeface="Times New Roman" panose="02020603050405020304" pitchFamily="18" charset="0"/>
+            </a:endParaRPr>
           </a:p>
         </p:txBody>
       </p:sp>
@@ -5757,8 +5774,8 @@
         </p:nvSpPr>
         <p:spPr>
           <a:xfrm>
-            <a:off x="913796" y="2096063"/>
-            <a:ext cx="3400510" cy="4121857"/>
+            <a:off x="913795" y="2096064"/>
+            <a:ext cx="3924905" cy="4368236"/>
           </a:xfrm>
         </p:spPr>
         <p:txBody>
@@ -5766,51 +5783,129 @@
             <a:normAutofit/>
           </a:bodyPr>
           <a:lstStyle/>
+          <a:p>
+            <a:r>
+              <a:rPr lang="hu-HU" sz="3000" dirty="0">
+                <a:latin typeface="Times New Roman" panose="02020603050405020304" pitchFamily="18" charset="0"/>
+                <a:cs typeface="Times New Roman" panose="02020603050405020304" pitchFamily="18" charset="0"/>
+              </a:rPr>
+              <a:t>Kristály</a:t>
+            </a:r>
+          </a:p>
+          <a:p>
+            <a:r>
+              <a:rPr lang="hu-HU" sz="3000" dirty="0">
+                <a:latin typeface="Times New Roman" panose="02020603050405020304" pitchFamily="18" charset="0"/>
+                <a:cs typeface="Times New Roman" panose="02020603050405020304" pitchFamily="18" charset="0"/>
+              </a:rPr>
+              <a:t>Áramra rezeg</a:t>
+            </a:r>
+          </a:p>
+          <a:p>
+            <a:r>
+              <a:rPr lang="hu-HU" sz="3000" dirty="0" err="1" smtClean="0">
+                <a:latin typeface="Times New Roman" panose="02020603050405020304" pitchFamily="18" charset="0"/>
+                <a:cs typeface="Times New Roman" panose="02020603050405020304" pitchFamily="18" charset="0"/>
+              </a:rPr>
+              <a:t>GHz</a:t>
+            </a:r>
+            <a:endParaRPr lang="hu-HU" sz="3000" dirty="0" smtClean="0">
+              <a:latin typeface="Times New Roman" panose="02020603050405020304" pitchFamily="18" charset="0"/>
+              <a:cs typeface="Times New Roman" panose="02020603050405020304" pitchFamily="18" charset="0"/>
+            </a:endParaRPr>
+          </a:p>
           <a:p>
             <a:r>
               <a:rPr lang="hu-HU" sz="3000" dirty="0" smtClean="0">
                 <a:latin typeface="Times New Roman" panose="02020603050405020304" pitchFamily="18" charset="0"/>
                 <a:cs typeface="Times New Roman" panose="02020603050405020304" pitchFamily="18" charset="0"/>
               </a:rPr>
-              <a:t>Memória</a:t>
-            </a:r>
-          </a:p>
-          <a:p>
-            <a:r>
-              <a:rPr lang="hu-HU" sz="3000" dirty="0" smtClean="0">
+              <a:t>Teljesítmény</a:t>
+            </a:r>
+            <a:endParaRPr lang="hu-HU" sz="3000" dirty="0">
+              <a:latin typeface="Times New Roman" panose="02020603050405020304" pitchFamily="18" charset="0"/>
+              <a:cs typeface="Times New Roman" panose="02020603050405020304" pitchFamily="18" charset="0"/>
+            </a:endParaRPr>
+          </a:p>
+        </p:txBody>
+      </p:sp>
+      <p:pic>
+        <p:nvPicPr>
+          <p:cNvPr id="6146" name="Picture 2" descr="https://content.instructables.com/ORIG/FQ9/DG6W/JPX5BMJH/FQ9DG6WJPX5BMJH.png?auto=webp&amp;fit=bounds&amp;frame=1&amp;height=1024&amp;width=1024&amp;auto=webp&amp;frame=1&amp;height=300"/>
+          <p:cNvPicPr>
+            <a:picLocks noChangeAspect="1" noChangeArrowheads="1"/>
+          </p:cNvPicPr>
+          <p:nvPr/>
+        </p:nvPicPr>
+        <p:blipFill>
+          <a:blip r:embed="rId2">
+            <a:extLst>
+              <a:ext uri="{28A0092B-C50C-407E-A947-70E740481C1C}">
+                <a14:useLocalDpi xmlns:a14="http://schemas.microsoft.com/office/drawing/2010/main" val="0"/>
+              </a:ext>
+            </a:extLst>
+          </a:blip>
+          <a:srcRect/>
+          <a:stretch>
+            <a:fillRect/>
+          </a:stretch>
+        </p:blipFill>
+        <p:spPr bwMode="auto">
+          <a:xfrm>
+            <a:off x="5356225" y="1499812"/>
+            <a:ext cx="6207125" cy="4964488"/>
+          </a:xfrm>
+          <a:prstGeom prst="rect">
+            <a:avLst/>
+          </a:prstGeom>
+          <a:noFill/>
+          <a:extLst>
+            <a:ext uri="{909E8E84-426E-40DD-AFC4-6F175D3DCCD1}">
+              <a14:hiddenFill xmlns:a14="http://schemas.microsoft.com/office/drawing/2010/main">
+                <a:solidFill>
+                  <a:srgbClr val="FFFFFF"/>
+                </a:solidFill>
+              </a14:hiddenFill>
+            </a:ext>
+          </a:extLst>
+        </p:spPr>
+      </p:pic>
+      <p:sp>
+        <p:nvSpPr>
+          <p:cNvPr id="4" name="Szövegdoboz 3"/>
+          <p:cNvSpPr txBox="1"/>
+          <p:nvPr/>
+        </p:nvSpPr>
+        <p:spPr>
+          <a:xfrm>
+            <a:off x="7540624" y="6464300"/>
+            <a:ext cx="1838325" cy="261610"/>
+          </a:xfrm>
+          <a:prstGeom prst="rect">
+            <a:avLst/>
+          </a:prstGeom>
+          <a:noFill/>
+        </p:spPr>
+        <p:txBody>
+          <a:bodyPr wrap="square" rtlCol="0">
+            <a:spAutoFit/>
+          </a:bodyPr>
+          <a:lstStyle/>
+          <a:p>
+            <a:r>
+              <a:rPr lang="hu-HU" sz="1100" dirty="0">
                 <a:latin typeface="Times New Roman" panose="02020603050405020304" pitchFamily="18" charset="0"/>
                 <a:cs typeface="Times New Roman" panose="02020603050405020304" pitchFamily="18" charset="0"/>
               </a:rPr>
-              <a:t>Regisztereknél lassabb</a:t>
-            </a:r>
-          </a:p>
-          <a:p>
-            <a:r>
-              <a:rPr lang="hu-HU" sz="3000" dirty="0" smtClean="0">
-                <a:latin typeface="Times New Roman" panose="02020603050405020304" pitchFamily="18" charset="0"/>
-                <a:cs typeface="Times New Roman" panose="02020603050405020304" pitchFamily="18" charset="0"/>
-              </a:rPr>
-              <a:t>Sebesség kiegyenlítés</a:t>
-            </a:r>
-          </a:p>
-          <a:p>
-            <a:r>
-              <a:rPr lang="hu-HU" sz="3000" dirty="0" smtClean="0">
-                <a:latin typeface="Times New Roman" panose="02020603050405020304" pitchFamily="18" charset="0"/>
-                <a:cs typeface="Times New Roman" panose="02020603050405020304" pitchFamily="18" charset="0"/>
-              </a:rPr>
-              <a:t>Gyorsítás</a:t>
-            </a:r>
-          </a:p>
-          <a:p>
-            <a:endParaRPr lang="hu-HU" dirty="0" smtClean="0"/>
+              <a:t>https://tinyurl.com/58ch8u3c</a:t>
+            </a:r>
           </a:p>
         </p:txBody>
       </p:sp>
     </p:spTree>
     <p:extLst>
       <p:ext uri="{BB962C8B-B14F-4D97-AF65-F5344CB8AC3E}">
-        <p14:creationId xmlns:p14="http://schemas.microsoft.com/office/powerpoint/2010/main" val="865148362"/>
+        <p14:creationId xmlns:p14="http://schemas.microsoft.com/office/powerpoint/2010/main" val="2636945230"/>
       </p:ext>
     </p:extLst>
   </p:cSld>
@@ -5854,179 +5949,34 @@
             <p:ph type="title"/>
           </p:nvPr>
         </p:nvSpPr>
-        <p:spPr/>
+        <p:spPr>
+          <a:xfrm>
+            <a:off x="913795" y="2565400"/>
+            <a:ext cx="10353761" cy="1326321"/>
+          </a:xfrm>
+        </p:spPr>
         <p:txBody>
           <a:bodyPr/>
           <a:lstStyle/>
           <a:p>
             <a:r>
-              <a:rPr lang="hu-HU" dirty="0" smtClean="0"/>
-              <a:t>Mi az a Frekvencia?</a:t>
-            </a:r>
-            <a:endParaRPr lang="hu-HU" dirty="0"/>
-          </a:p>
-        </p:txBody>
-      </p:sp>
-      <p:sp>
-        <p:nvSpPr>
-          <p:cNvPr id="3" name="Tartalom helye 2"/>
-          <p:cNvSpPr>
-            <a:spLocks noGrp="1"/>
-          </p:cNvSpPr>
-          <p:nvPr>
-            <p:ph idx="1"/>
-          </p:nvPr>
-        </p:nvSpPr>
-        <p:spPr>
-          <a:xfrm>
-            <a:off x="913795" y="2096064"/>
-            <a:ext cx="3924905" cy="4368236"/>
-          </a:xfrm>
-        </p:spPr>
-        <p:txBody>
-          <a:bodyPr>
-            <a:normAutofit lnSpcReduction="10000"/>
-          </a:bodyPr>
-          <a:lstStyle/>
-          <a:p>
-            <a:r>
-              <a:rPr lang="hu-HU" sz="3000" dirty="0" smtClean="0">
+              <a:rPr lang="hu-HU" dirty="0" smtClean="0">
                 <a:latin typeface="Times New Roman" panose="02020603050405020304" pitchFamily="18" charset="0"/>
                 <a:cs typeface="Times New Roman" panose="02020603050405020304" pitchFamily="18" charset="0"/>
               </a:rPr>
-              <a:t>Intervallum</a:t>
-            </a:r>
-          </a:p>
-          <a:p>
-            <a:r>
-              <a:rPr lang="hu-HU" sz="3000" dirty="0" smtClean="0">
-                <a:latin typeface="Times New Roman" panose="02020603050405020304" pitchFamily="18" charset="0"/>
-                <a:cs typeface="Times New Roman" panose="02020603050405020304" pitchFamily="18" charset="0"/>
-              </a:rPr>
-              <a:t>Két impulzus között = ciklus</a:t>
-            </a:r>
-          </a:p>
-          <a:p>
-            <a:r>
-              <a:rPr lang="hu-HU" sz="3000" dirty="0" smtClean="0">
-                <a:latin typeface="Times New Roman" panose="02020603050405020304" pitchFamily="18" charset="0"/>
-                <a:cs typeface="Times New Roman" panose="02020603050405020304" pitchFamily="18" charset="0"/>
-              </a:rPr>
-              <a:t>(MHz) (</a:t>
-            </a:r>
-            <a:r>
-              <a:rPr lang="hu-HU" sz="3000" dirty="0" err="1" smtClean="0">
-                <a:latin typeface="Times New Roman" panose="02020603050405020304" pitchFamily="18" charset="0"/>
-                <a:cs typeface="Times New Roman" panose="02020603050405020304" pitchFamily="18" charset="0"/>
-              </a:rPr>
-              <a:t>GHz</a:t>
-            </a:r>
-            <a:r>
-              <a:rPr lang="hu-HU" sz="3000" dirty="0" smtClean="0">
-                <a:latin typeface="Times New Roman" panose="02020603050405020304" pitchFamily="18" charset="0"/>
-                <a:cs typeface="Times New Roman" panose="02020603050405020304" pitchFamily="18" charset="0"/>
-              </a:rPr>
-              <a:t>)</a:t>
-            </a:r>
-          </a:p>
-          <a:p>
-            <a:endParaRPr lang="hu-HU" sz="3000" dirty="0">
+              <a:t>Köszönöm a figyelmet</a:t>
+            </a:r>
+            <a:endParaRPr lang="hu-HU" dirty="0">
               <a:latin typeface="Times New Roman" panose="02020603050405020304" pitchFamily="18" charset="0"/>
               <a:cs typeface="Times New Roman" panose="02020603050405020304" pitchFamily="18" charset="0"/>
             </a:endParaRPr>
           </a:p>
-          <a:p>
-            <a:r>
-              <a:rPr lang="hu-HU" sz="3000" dirty="0" smtClean="0">
-                <a:latin typeface="Times New Roman" panose="02020603050405020304" pitchFamily="18" charset="0"/>
-                <a:cs typeface="Times New Roman" panose="02020603050405020304" pitchFamily="18" charset="0"/>
-              </a:rPr>
-              <a:t>Teljesítményre hatása van</a:t>
-            </a:r>
-            <a:endParaRPr lang="hu-HU" sz="3000" dirty="0">
-              <a:latin typeface="Times New Roman" panose="02020603050405020304" pitchFamily="18" charset="0"/>
-              <a:cs typeface="Times New Roman" panose="02020603050405020304" pitchFamily="18" charset="0"/>
-            </a:endParaRPr>
-          </a:p>
-        </p:txBody>
-      </p:sp>
-      <p:pic>
-        <p:nvPicPr>
-          <p:cNvPr id="6146" name="Picture 2" descr="https://content.instructables.com/ORIG/FQ9/DG6W/JPX5BMJH/FQ9DG6WJPX5BMJH.png?auto=webp&amp;fit=bounds&amp;frame=1&amp;height=1024&amp;width=1024&amp;auto=webp&amp;frame=1&amp;height=300"/>
-          <p:cNvPicPr>
-            <a:picLocks noChangeAspect="1" noChangeArrowheads="1"/>
-          </p:cNvPicPr>
-          <p:nvPr/>
-        </p:nvPicPr>
-        <p:blipFill>
-          <a:blip r:embed="rId2">
-            <a:extLst>
-              <a:ext uri="{28A0092B-C50C-407E-A947-70E740481C1C}">
-                <a14:useLocalDpi xmlns:a14="http://schemas.microsoft.com/office/drawing/2010/main" val="0"/>
-              </a:ext>
-            </a:extLst>
-          </a:blip>
-          <a:srcRect/>
-          <a:stretch>
-            <a:fillRect/>
-          </a:stretch>
-        </p:blipFill>
-        <p:spPr bwMode="auto">
-          <a:xfrm>
-            <a:off x="5356225" y="1499812"/>
-            <a:ext cx="6207125" cy="4964488"/>
-          </a:xfrm>
-          <a:prstGeom prst="rect">
-            <a:avLst/>
-          </a:prstGeom>
-          <a:noFill/>
-          <a:extLst>
-            <a:ext uri="{909E8E84-426E-40DD-AFC4-6F175D3DCCD1}">
-              <a14:hiddenFill xmlns:a14="http://schemas.microsoft.com/office/drawing/2010/main">
-                <a:solidFill>
-                  <a:srgbClr val="FFFFFF"/>
-                </a:solidFill>
-              </a14:hiddenFill>
-            </a:ext>
-          </a:extLst>
-        </p:spPr>
-      </p:pic>
-      <p:sp>
-        <p:nvSpPr>
-          <p:cNvPr id="4" name="Szövegdoboz 3"/>
-          <p:cNvSpPr txBox="1"/>
-          <p:nvPr/>
-        </p:nvSpPr>
-        <p:spPr>
-          <a:xfrm>
-            <a:off x="7540624" y="6464300"/>
-            <a:ext cx="1838325" cy="261610"/>
-          </a:xfrm>
-          <a:prstGeom prst="rect">
-            <a:avLst/>
-          </a:prstGeom>
-          <a:noFill/>
-        </p:spPr>
-        <p:txBody>
-          <a:bodyPr wrap="square" rtlCol="0">
-            <a:spAutoFit/>
-          </a:bodyPr>
-          <a:lstStyle/>
-          <a:p>
-            <a:r>
-              <a:rPr lang="hu-HU" sz="1100" dirty="0">
-                <a:latin typeface="Times New Roman" panose="02020603050405020304" pitchFamily="18" charset="0"/>
-                <a:cs typeface="Times New Roman" panose="02020603050405020304" pitchFamily="18" charset="0"/>
-              </a:rPr>
-              <a:t>https://tinyurl.com/58ch8u3c</a:t>
-            </a:r>
-          </a:p>
         </p:txBody>
       </p:sp>
     </p:spTree>
     <p:extLst>
       <p:ext uri="{BB962C8B-B14F-4D97-AF65-F5344CB8AC3E}">
-        <p14:creationId xmlns:p14="http://schemas.microsoft.com/office/powerpoint/2010/main" val="3839454992"/>
+        <p14:creationId xmlns:p14="http://schemas.microsoft.com/office/powerpoint/2010/main" val="276585320"/>
       </p:ext>
     </p:extLst>
   </p:cSld>
@@ -6070,102 +6020,48 @@
             <p:ph type="title"/>
           </p:nvPr>
         </p:nvSpPr>
-        <p:spPr>
-          <a:xfrm>
-            <a:off x="913795" y="2565400"/>
-            <a:ext cx="10353761" cy="1326321"/>
-          </a:xfrm>
-        </p:spPr>
+        <p:spPr/>
         <p:txBody>
           <a:bodyPr/>
           <a:lstStyle/>
           <a:p>
             <a:r>
-              <a:rPr lang="hu-HU" dirty="0" smtClean="0"/>
-              <a:t>Köszönöm a figyelmet</a:t>
-            </a:r>
-            <a:endParaRPr lang="hu-HU" dirty="0"/>
-          </a:p>
-        </p:txBody>
-      </p:sp>
-    </p:spTree>
-    <p:extLst>
-      <p:ext uri="{BB962C8B-B14F-4D97-AF65-F5344CB8AC3E}">
-        <p14:creationId xmlns:p14="http://schemas.microsoft.com/office/powerpoint/2010/main" val="276585320"/>
-      </p:ext>
-    </p:extLst>
-  </p:cSld>
-  <p:clrMapOvr>
-    <a:masterClrMapping/>
-  </p:clrMapOvr>
-  <p:timing>
-    <p:tnLst>
-      <p:par>
-        <p:cTn id="1" dur="indefinite" restart="never" nodeType="tmRoot"/>
-      </p:par>
-    </p:tnLst>
-  </p:timing>
-</p:sld>
-</file>
-
-<file path=ppt/slides/slide13.xml><?xml version="1.0" encoding="utf-8"?>
-<p:sld xmlns:a="http://schemas.openxmlformats.org/drawingml/2006/main" xmlns:r="http://schemas.openxmlformats.org/officeDocument/2006/relationships" xmlns:p="http://schemas.openxmlformats.org/presentationml/2006/main">
-  <p:cSld>
-    <p:spTree>
-      <p:nvGrpSpPr>
-        <p:cNvPr id="1" name=""/>
-        <p:cNvGrpSpPr/>
-        <p:nvPr/>
-      </p:nvGrpSpPr>
-      <p:grpSpPr>
-        <a:xfrm>
-          <a:off x="0" y="0"/>
-          <a:ext cx="0" cy="0"/>
-          <a:chOff x="0" y="0"/>
-          <a:chExt cx="0" cy="0"/>
-        </a:xfrm>
-      </p:grpSpPr>
-      <p:sp>
-        <p:nvSpPr>
-          <p:cNvPr id="2" name="Cím 1"/>
-          <p:cNvSpPr>
-            <a:spLocks noGrp="1"/>
-          </p:cNvSpPr>
-          <p:nvPr>
-            <p:ph type="title"/>
+              <a:rPr lang="hu-HU" dirty="0" smtClean="0">
+                <a:latin typeface="Times New Roman" panose="02020603050405020304" pitchFamily="18" charset="0"/>
+                <a:cs typeface="Times New Roman" panose="02020603050405020304" pitchFamily="18" charset="0"/>
+              </a:rPr>
+              <a:t>Források</a:t>
+            </a:r>
+            <a:endParaRPr lang="hu-HU" dirty="0">
+              <a:latin typeface="Times New Roman" panose="02020603050405020304" pitchFamily="18" charset="0"/>
+              <a:cs typeface="Times New Roman" panose="02020603050405020304" pitchFamily="18" charset="0"/>
+            </a:endParaRPr>
+          </a:p>
+        </p:txBody>
+      </p:sp>
+      <p:sp>
+        <p:nvSpPr>
+          <p:cNvPr id="3" name="Tartalom helye 2"/>
+          <p:cNvSpPr>
+            <a:spLocks noGrp="1"/>
+          </p:cNvSpPr>
+          <p:nvPr>
+            <p:ph idx="1"/>
           </p:nvPr>
         </p:nvSpPr>
         <p:spPr/>
         <p:txBody>
-          <a:bodyPr/>
-          <a:lstStyle/>
-          <a:p>
-            <a:r>
-              <a:rPr lang="hu-HU" dirty="0" smtClean="0"/>
-              <a:t>Források</a:t>
-            </a:r>
-            <a:endParaRPr lang="hu-HU" dirty="0"/>
-          </a:p>
-        </p:txBody>
-      </p:sp>
-      <p:sp>
-        <p:nvSpPr>
-          <p:cNvPr id="3" name="Tartalom helye 2"/>
-          <p:cNvSpPr>
-            <a:spLocks noGrp="1"/>
-          </p:cNvSpPr>
-          <p:nvPr>
-            <p:ph idx="1"/>
-          </p:nvPr>
-        </p:nvSpPr>
-        <p:spPr/>
-        <p:txBody>
-          <a:bodyPr/>
-          <a:lstStyle/>
-          <a:p>
-            <a:r>
-              <a:rPr lang="hu-HU" dirty="0"/>
-              <a:t>https://www.alza.hu/mi-a-processzor#principium</a:t>
+          <a:bodyPr>
+            <a:normAutofit/>
+          </a:bodyPr>
+          <a:lstStyle/>
+          <a:p>
+            <a:r>
+              <a:rPr lang="hu-HU" sz="3000" dirty="0">
+                <a:latin typeface="Times New Roman" panose="02020603050405020304" pitchFamily="18" charset="0"/>
+                <a:cs typeface="Times New Roman" panose="02020603050405020304" pitchFamily="18" charset="0"/>
+              </a:rPr>
+              <a:t>https://hu.wikipedia.org/wiki/Central_processing_unit</a:t>
             </a:r>
           </a:p>
         </p:txBody>
@@ -6223,10 +6119,16 @@
           <a:lstStyle/>
           <a:p>
             <a:r>
-              <a:rPr lang="hu-HU" dirty="0" smtClean="0"/>
+              <a:rPr lang="hu-HU" dirty="0" smtClean="0">
+                <a:latin typeface="Times New Roman" panose="02020603050405020304" pitchFamily="18" charset="0"/>
+                <a:cs typeface="Times New Roman" panose="02020603050405020304" pitchFamily="18" charset="0"/>
+              </a:rPr>
               <a:t>Gyártók</a:t>
             </a:r>
-            <a:endParaRPr lang="hu-HU" dirty="0"/>
+            <a:endParaRPr lang="hu-HU" dirty="0">
+              <a:latin typeface="Times New Roman" panose="02020603050405020304" pitchFamily="18" charset="0"/>
+              <a:cs typeface="Times New Roman" panose="02020603050405020304" pitchFamily="18" charset="0"/>
+            </a:endParaRPr>
           </a:p>
         </p:txBody>
       </p:sp>
@@ -6243,7 +6145,7 @@
         <p:spPr>
           <a:xfrm>
             <a:off x="913795" y="1935921"/>
-            <a:ext cx="2945595" cy="1371037"/>
+            <a:ext cx="3315305" cy="1371037"/>
           </a:xfrm>
         </p:spPr>
         <p:txBody>
@@ -6257,7 +6159,7 @@
                 <a:latin typeface="Times New Roman" panose="02020603050405020304" pitchFamily="18" charset="0"/>
                 <a:cs typeface="Times New Roman" panose="02020603050405020304" pitchFamily="18" charset="0"/>
               </a:rPr>
-              <a:t>Intel</a:t>
+              <a:t>Intel	(1968)</a:t>
             </a:r>
           </a:p>
           <a:p>
@@ -6266,7 +6168,7 @@
                 <a:latin typeface="Times New Roman" panose="02020603050405020304" pitchFamily="18" charset="0"/>
                 <a:cs typeface="Times New Roman" panose="02020603050405020304" pitchFamily="18" charset="0"/>
               </a:rPr>
-              <a:t>AMD</a:t>
+              <a:t>AMD	(1969)</a:t>
             </a:r>
             <a:endParaRPr lang="hu-HU" sz="3000" dirty="0">
               <a:latin typeface="Times New Roman" panose="02020603050405020304" pitchFamily="18" charset="0"/>
@@ -6457,10 +6359,16 @@
           <a:lstStyle/>
           <a:p>
             <a:r>
-              <a:rPr lang="hu-HU" dirty="0" smtClean="0"/>
+              <a:rPr lang="hu-HU" dirty="0" smtClean="0">
+                <a:latin typeface="Times New Roman" panose="02020603050405020304" pitchFamily="18" charset="0"/>
+                <a:cs typeface="Times New Roman" panose="02020603050405020304" pitchFamily="18" charset="0"/>
+              </a:rPr>
               <a:t>Mi a processzor?</a:t>
             </a:r>
-            <a:endParaRPr lang="hu-HU" dirty="0"/>
+            <a:endParaRPr lang="hu-HU" dirty="0">
+              <a:latin typeface="Times New Roman" panose="02020603050405020304" pitchFamily="18" charset="0"/>
+              <a:cs typeface="Times New Roman" panose="02020603050405020304" pitchFamily="18" charset="0"/>
+            </a:endParaRPr>
           </a:p>
         </p:txBody>
       </p:sp>
@@ -6476,8 +6384,8 @@
         </p:nvSpPr>
         <p:spPr>
           <a:xfrm>
-            <a:off x="913794" y="2530342"/>
-            <a:ext cx="3354693" cy="3144079"/>
+            <a:off x="772477" y="2150003"/>
+            <a:ext cx="3284133" cy="3637702"/>
           </a:xfrm>
         </p:spPr>
         <p:txBody>
@@ -6491,8 +6399,12 @@
                 <a:latin typeface="Times New Roman" panose="02020603050405020304" pitchFamily="18" charset="0"/>
                 <a:cs typeface="Times New Roman" panose="02020603050405020304" pitchFamily="18" charset="0"/>
               </a:rPr>
-              <a:t>AGY</a:t>
-            </a:r>
+              <a:t>Számítógép agya</a:t>
+            </a:r>
+            <a:endParaRPr lang="hu-HU" sz="3000" dirty="0">
+              <a:latin typeface="Times New Roman" panose="02020603050405020304" pitchFamily="18" charset="0"/>
+              <a:cs typeface="Times New Roman" panose="02020603050405020304" pitchFamily="18" charset="0"/>
+            </a:endParaRPr>
           </a:p>
           <a:p>
             <a:r>
@@ -6500,17 +6412,26 @@
                 <a:latin typeface="Times New Roman" panose="02020603050405020304" pitchFamily="18" charset="0"/>
                 <a:cs typeface="Times New Roman" panose="02020603050405020304" pitchFamily="18" charset="0"/>
               </a:rPr>
-              <a:t>Vezérlőegység</a:t>
-            </a:r>
-          </a:p>
-          <a:p>
-            <a:pPr marL="0" indent="0">
-              <a:buNone/>
-            </a:pPr>
-            <a:endParaRPr lang="hu-HU" sz="3000" dirty="0" smtClean="0">
-              <a:latin typeface="Times New Roman" panose="02020603050405020304" pitchFamily="18" charset="0"/>
-              <a:cs typeface="Times New Roman" panose="02020603050405020304" pitchFamily="18" charset="0"/>
-            </a:endParaRPr>
+              <a:t>Értelmezés</a:t>
+            </a:r>
+          </a:p>
+          <a:p>
+            <a:r>
+              <a:rPr lang="hu-HU" sz="3000" dirty="0" smtClean="0">
+                <a:latin typeface="Times New Roman" panose="02020603050405020304" pitchFamily="18" charset="0"/>
+                <a:cs typeface="Times New Roman" panose="02020603050405020304" pitchFamily="18" charset="0"/>
+              </a:rPr>
+              <a:t>Végrehajtás</a:t>
+            </a:r>
+          </a:p>
+          <a:p>
+            <a:r>
+              <a:rPr lang="hu-HU" sz="3000" dirty="0" smtClean="0">
+                <a:latin typeface="Times New Roman" panose="02020603050405020304" pitchFamily="18" charset="0"/>
+                <a:cs typeface="Times New Roman" panose="02020603050405020304" pitchFamily="18" charset="0"/>
+              </a:rPr>
+              <a:t>Áramkör</a:t>
+            </a:r>
           </a:p>
           <a:p>
             <a:r>
@@ -6520,7 +6441,10 @@
               </a:rPr>
               <a:t>CPU</a:t>
             </a:r>
-            <a:endParaRPr lang="hu-HU" dirty="0"/>
+            <a:endParaRPr lang="hu-HU" sz="3000" dirty="0">
+              <a:latin typeface="Times New Roman" panose="02020603050405020304" pitchFamily="18" charset="0"/>
+              <a:cs typeface="Times New Roman" panose="02020603050405020304" pitchFamily="18" charset="0"/>
+            </a:endParaRPr>
           </a:p>
           <a:p>
             <a:endParaRPr lang="hu-HU" dirty="0"/>
@@ -6550,8 +6474,8 @@
         </p:blipFill>
         <p:spPr bwMode="auto">
           <a:xfrm>
-            <a:off x="4859628" y="2530342"/>
-            <a:ext cx="6999068" cy="3144079"/>
+            <a:off x="4056610" y="2060611"/>
+            <a:ext cx="7813457" cy="3816487"/>
           </a:xfrm>
           <a:prstGeom prst="rect">
             <a:avLst/>
@@ -6576,8 +6500,8 @@
         </p:nvSpPr>
         <p:spPr>
           <a:xfrm>
-            <a:off x="5819256" y="5674421"/>
-            <a:ext cx="5448300" cy="261610"/>
+            <a:off x="7115614" y="5868785"/>
+            <a:ext cx="1836766" cy="261610"/>
           </a:xfrm>
           <a:prstGeom prst="rect">
             <a:avLst/>
@@ -6595,7 +6519,7 @@
                 <a:latin typeface="Times New Roman" panose="02020603050405020304" pitchFamily="18" charset="0"/>
                 <a:cs typeface="Times New Roman" panose="02020603050405020304" pitchFamily="18" charset="0"/>
               </a:rPr>
-              <a:t>https://tartalommarketing.org/wp-content/uploads/2018/03/agy-mesterseges-intelligencia.jpg</a:t>
+              <a:t>https://tinyurl.com/2y46k54n</a:t>
             </a:r>
           </a:p>
         </p:txBody>
@@ -6653,10 +6577,16 @@
           <a:lstStyle/>
           <a:p>
             <a:r>
-              <a:rPr lang="hu-HU" dirty="0" smtClean="0"/>
-              <a:t>Miből áll a processzor?</a:t>
-            </a:r>
-            <a:endParaRPr lang="hu-HU" dirty="0"/>
+              <a:rPr lang="hu-HU" dirty="0" smtClean="0">
+                <a:latin typeface="Times New Roman" panose="02020603050405020304" pitchFamily="18" charset="0"/>
+                <a:cs typeface="Times New Roman" panose="02020603050405020304" pitchFamily="18" charset="0"/>
+              </a:rPr>
+              <a:t>Processzor Részei</a:t>
+            </a:r>
+            <a:endParaRPr lang="hu-HU" dirty="0">
+              <a:latin typeface="Times New Roman" panose="02020603050405020304" pitchFamily="18" charset="0"/>
+              <a:cs typeface="Times New Roman" panose="02020603050405020304" pitchFamily="18" charset="0"/>
+            </a:endParaRPr>
           </a:p>
         </p:txBody>
       </p:sp>
@@ -6858,10 +6788,16 @@
           <a:lstStyle/>
           <a:p>
             <a:r>
-              <a:rPr lang="hu-HU" dirty="0" smtClean="0"/>
-              <a:t>Hogyan működik?</a:t>
-            </a:r>
-            <a:endParaRPr lang="hu-HU" dirty="0"/>
+              <a:rPr lang="hu-HU" dirty="0" smtClean="0">
+                <a:latin typeface="Times New Roman" panose="02020603050405020304" pitchFamily="18" charset="0"/>
+                <a:cs typeface="Times New Roman" panose="02020603050405020304" pitchFamily="18" charset="0"/>
+              </a:rPr>
+              <a:t>Felépítése és működése</a:t>
+            </a:r>
+            <a:endParaRPr lang="hu-HU" dirty="0">
+              <a:latin typeface="Times New Roman" panose="02020603050405020304" pitchFamily="18" charset="0"/>
+              <a:cs typeface="Times New Roman" panose="02020603050405020304" pitchFamily="18" charset="0"/>
+            </a:endParaRPr>
           </a:p>
         </p:txBody>
       </p:sp>
@@ -6877,8 +6813,8 @@
         </p:nvSpPr>
         <p:spPr>
           <a:xfrm>
-            <a:off x="913795" y="2096063"/>
-            <a:ext cx="2688049" cy="4088605"/>
+            <a:off x="913795" y="1738615"/>
+            <a:ext cx="4190221" cy="4761937"/>
           </a:xfrm>
         </p:spPr>
         <p:txBody>
@@ -6892,52 +6828,77 @@
                 <a:latin typeface="Times New Roman" panose="02020603050405020304" pitchFamily="18" charset="0"/>
                 <a:cs typeface="Times New Roman" panose="02020603050405020304" pitchFamily="18" charset="0"/>
               </a:rPr>
-              <a:t>Szekvenciális</a:t>
-            </a:r>
-          </a:p>
-          <a:p>
+              <a:t>Szilíciumlap</a:t>
+            </a:r>
+          </a:p>
+          <a:p>
+            <a:r>
+              <a:rPr lang="hu-HU" sz="3000" dirty="0" smtClean="0">
+                <a:latin typeface="Times New Roman" panose="02020603050405020304" pitchFamily="18" charset="0"/>
+                <a:cs typeface="Times New Roman" panose="02020603050405020304" pitchFamily="18" charset="0"/>
+              </a:rPr>
+              <a:t>Tranzisztor</a:t>
+            </a:r>
             <a:r>
               <a:rPr lang="hu-HU" sz="3000" dirty="0">
                 <a:latin typeface="Times New Roman" panose="02020603050405020304" pitchFamily="18" charset="0"/>
                 <a:cs typeface="Times New Roman" panose="02020603050405020304" pitchFamily="18" charset="0"/>
               </a:rPr>
-              <a:t>Bináris</a:t>
-            </a:r>
-          </a:p>
-          <a:p>
+              <a:t>:</a:t>
+            </a:r>
+          </a:p>
+          <a:p>
+            <a:pPr lvl="1"/>
             <a:r>
               <a:rPr lang="hu-HU" sz="3000" dirty="0">
                 <a:latin typeface="Times New Roman" panose="02020603050405020304" pitchFamily="18" charset="0"/>
                 <a:cs typeface="Times New Roman" panose="02020603050405020304" pitchFamily="18" charset="0"/>
               </a:rPr>
-              <a:t>Feszültséggel </a:t>
-            </a:r>
+              <a:t>Több milliárd</a:t>
+            </a:r>
+          </a:p>
+          <a:p>
+            <a:pPr lvl="1"/>
             <a:r>
               <a:rPr lang="hu-HU" sz="3000" dirty="0" smtClean="0">
                 <a:latin typeface="Times New Roman" panose="02020603050405020304" pitchFamily="18" charset="0"/>
                 <a:cs typeface="Times New Roman" panose="02020603050405020304" pitchFamily="18" charset="0"/>
               </a:rPr>
-              <a:t>szabályozás</a:t>
-            </a:r>
-          </a:p>
-          <a:p>
-            <a:endParaRPr lang="hu-HU" sz="3000" dirty="0">
-              <a:latin typeface="Times New Roman" panose="02020603050405020304" pitchFamily="18" charset="0"/>
-              <a:cs typeface="Times New Roman" panose="02020603050405020304" pitchFamily="18" charset="0"/>
-            </a:endParaRPr>
+              <a:t>Áramkör</a:t>
+            </a:r>
+          </a:p>
+          <a:p>
+            <a:pPr lvl="1"/>
+            <a:r>
+              <a:rPr lang="hu-HU" sz="3000" dirty="0" smtClean="0">
+                <a:latin typeface="Times New Roman" panose="02020603050405020304" pitchFamily="18" charset="0"/>
+                <a:cs typeface="Times New Roman" panose="02020603050405020304" pitchFamily="18" charset="0"/>
+              </a:rPr>
+              <a:t>Utasításkészlet</a:t>
+            </a:r>
+          </a:p>
+          <a:p>
+            <a:pPr lvl="1"/>
+            <a:r>
+              <a:rPr lang="hu-HU" sz="3000" dirty="0" smtClean="0">
+                <a:latin typeface="Times New Roman" panose="02020603050405020304" pitchFamily="18" charset="0"/>
+                <a:cs typeface="Times New Roman" panose="02020603050405020304" pitchFamily="18" charset="0"/>
+              </a:rPr>
+              <a:t>Be – és kimenet</a:t>
+            </a:r>
           </a:p>
         </p:txBody>
       </p:sp>
       <p:pic>
         <p:nvPicPr>
-          <p:cNvPr id="1026" name="Picture 2" descr="https://media.istockphoto.com/photos/binary-code-background-picture-id1046046242"/>
+          <p:cNvPr id="4" name="Picture 2" descr="Missing transistor or resistor on Intel Xeon E5-2680. does anyone know what  it does or if it is crucial for the processors operation? : r/intel"/>
           <p:cNvPicPr>
             <a:picLocks noChangeAspect="1" noChangeArrowheads="1"/>
           </p:cNvPicPr>
           <p:nvPr/>
         </p:nvPicPr>
         <p:blipFill>
-          <a:blip r:embed="rId2">
+          <a:blip r:embed="rId2" cstate="print">
             <a:extLst>
               <a:ext uri="{28A0092B-C50C-407E-A947-70E740481C1C}">
                 <a14:useLocalDpi xmlns:a14="http://schemas.microsoft.com/office/drawing/2010/main" val="0"/>
@@ -6951,8 +6912,8 @@
         </p:blipFill>
         <p:spPr bwMode="auto">
           <a:xfrm>
-            <a:off x="4170087" y="1578400"/>
-            <a:ext cx="7237611" cy="4827431"/>
+            <a:off x="5597086" y="1493240"/>
+            <a:ext cx="5177400" cy="5007312"/>
           </a:xfrm>
           <a:prstGeom prst="rect">
             <a:avLst/>
@@ -6971,14 +6932,14 @@
       </p:pic>
       <p:sp>
         <p:nvSpPr>
-          <p:cNvPr id="4" name="Szövegdoboz 3"/>
+          <p:cNvPr id="6" name="Szövegdoboz 5"/>
           <p:cNvSpPr txBox="1"/>
           <p:nvPr/>
         </p:nvSpPr>
         <p:spPr>
           <a:xfrm>
-            <a:off x="6824311" y="6405831"/>
-            <a:ext cx="1929161" cy="267629"/>
+            <a:off x="7292168" y="6500552"/>
+            <a:ext cx="1787235" cy="430887"/>
           </a:xfrm>
           <a:prstGeom prst="rect">
             <a:avLst/>
@@ -6996,15 +6957,18 @@
                 <a:latin typeface="Times New Roman" panose="02020603050405020304" pitchFamily="18" charset="0"/>
                 <a:cs typeface="Times New Roman" panose="02020603050405020304" pitchFamily="18" charset="0"/>
               </a:rPr>
-              <a:t>https://tinyurl.com/k59m4zun</a:t>
-            </a:r>
+              <a:t>https://tinyurl.com/2h7s29pj</a:t>
+            </a:r>
+          </a:p>
+          <a:p>
+            <a:endParaRPr lang="hu-HU" sz="1100" dirty="0"/>
           </a:p>
         </p:txBody>
       </p:sp>
     </p:spTree>
     <p:extLst>
       <p:ext uri="{BB962C8B-B14F-4D97-AF65-F5344CB8AC3E}">
-        <p14:creationId xmlns:p14="http://schemas.microsoft.com/office/powerpoint/2010/main" val="2072551775"/>
+        <p14:creationId xmlns:p14="http://schemas.microsoft.com/office/powerpoint/2010/main" val="1395896750"/>
       </p:ext>
     </p:extLst>
   </p:cSld>
@@ -7054,10 +7018,16 @@
           <a:lstStyle/>
           <a:p>
             <a:r>
-              <a:rPr lang="hu-HU" dirty="0" smtClean="0"/>
-              <a:t>Hogyan működik?</a:t>
-            </a:r>
-            <a:endParaRPr lang="hu-HU" dirty="0"/>
+              <a:rPr lang="hu-HU" dirty="0" smtClean="0">
+                <a:latin typeface="Times New Roman" panose="02020603050405020304" pitchFamily="18" charset="0"/>
+                <a:cs typeface="Times New Roman" panose="02020603050405020304" pitchFamily="18" charset="0"/>
+              </a:rPr>
+              <a:t>Főbb részei</a:t>
+            </a:r>
+            <a:endParaRPr lang="hu-HU" dirty="0">
+              <a:latin typeface="Times New Roman" panose="02020603050405020304" pitchFamily="18" charset="0"/>
+              <a:cs typeface="Times New Roman" panose="02020603050405020304" pitchFamily="18" charset="0"/>
+            </a:endParaRPr>
           </a:p>
         </p:txBody>
       </p:sp>
@@ -7073,8 +7043,8 @@
         </p:nvSpPr>
         <p:spPr>
           <a:xfrm>
-            <a:off x="913795" y="2096063"/>
-            <a:ext cx="4406350" cy="4088605"/>
+            <a:off x="913795" y="1755241"/>
+            <a:ext cx="4007340" cy="4911565"/>
           </a:xfrm>
         </p:spPr>
         <p:txBody>
@@ -7088,7 +7058,7 @@
                 <a:latin typeface="Times New Roman" panose="02020603050405020304" pitchFamily="18" charset="0"/>
                 <a:cs typeface="Times New Roman" panose="02020603050405020304" pitchFamily="18" charset="0"/>
               </a:rPr>
-              <a:t>Tranzisztor:</a:t>
+              <a:t>ALU:</a:t>
             </a:r>
           </a:p>
           <a:p>
@@ -7098,7 +7068,7 @@
                 <a:latin typeface="Times New Roman" panose="02020603050405020304" pitchFamily="18" charset="0"/>
                 <a:cs typeface="Times New Roman" panose="02020603050405020304" pitchFamily="18" charset="0"/>
               </a:rPr>
-              <a:t>Több milliárd</a:t>
+              <a:t>Matematikai és logikai műveletek</a:t>
             </a:r>
           </a:p>
           <a:p>
@@ -7108,58 +7078,73 @@
                 <a:latin typeface="Times New Roman" panose="02020603050405020304" pitchFamily="18" charset="0"/>
                 <a:cs typeface="Times New Roman" panose="02020603050405020304" pitchFamily="18" charset="0"/>
               </a:rPr>
-              <a:t>0-1 váltása</a:t>
-            </a:r>
-          </a:p>
-          <a:p>
-            <a:pPr lvl="1"/>
-            <a:r>
-              <a:rPr lang="hu-HU" sz="3000" dirty="0">
+              <a:t>FPU (</a:t>
+            </a:r>
+            <a:r>
+              <a:rPr lang="hu-HU" sz="3000" dirty="0" err="1" smtClean="0">
                 <a:latin typeface="Times New Roman" panose="02020603050405020304" pitchFamily="18" charset="0"/>
                 <a:cs typeface="Times New Roman" panose="02020603050405020304" pitchFamily="18" charset="0"/>
               </a:rPr>
-              <a:t>A</a:t>
+              <a:t>Floating</a:t>
             </a:r>
             <a:r>
               <a:rPr lang="hu-HU" sz="3000" dirty="0" smtClean="0">
                 <a:latin typeface="Times New Roman" panose="02020603050405020304" pitchFamily="18" charset="0"/>
                 <a:cs typeface="Times New Roman" panose="02020603050405020304" pitchFamily="18" charset="0"/>
               </a:rPr>
-              <a:t>dattárolás</a:t>
-            </a:r>
-          </a:p>
-          <a:p>
-            <a:pPr lvl="1"/>
+              <a:t> </a:t>
+            </a:r>
+            <a:r>
+              <a:rPr lang="hu-HU" sz="3000" dirty="0" err="1" smtClean="0">
+                <a:latin typeface="Times New Roman" panose="02020603050405020304" pitchFamily="18" charset="0"/>
+                <a:cs typeface="Times New Roman" panose="02020603050405020304" pitchFamily="18" charset="0"/>
+              </a:rPr>
+              <a:t>Point</a:t>
+            </a:r>
             <a:r>
               <a:rPr lang="hu-HU" sz="3000" dirty="0" smtClean="0">
                 <a:latin typeface="Times New Roman" panose="02020603050405020304" pitchFamily="18" charset="0"/>
                 <a:cs typeface="Times New Roman" panose="02020603050405020304" pitchFamily="18" charset="0"/>
               </a:rPr>
-              <a:t>Kevés feladat elvégzés</a:t>
+              <a:t> Unit)</a:t>
+            </a:r>
+          </a:p>
+          <a:p>
+            <a:pPr lvl="1"/>
+            <a:r>
+              <a:rPr lang="hu-HU" sz="3000" dirty="0" smtClean="0">
+                <a:latin typeface="Times New Roman" panose="02020603050405020304" pitchFamily="18" charset="0"/>
+                <a:cs typeface="Times New Roman" panose="02020603050405020304" pitchFamily="18" charset="0"/>
+              </a:rPr>
+              <a:t>Részegység</a:t>
+            </a:r>
+          </a:p>
+          <a:p>
+            <a:pPr lvl="1"/>
+            <a:r>
+              <a:rPr lang="hu-HU" sz="3000" dirty="0" smtClean="0">
+                <a:latin typeface="Times New Roman" panose="02020603050405020304" pitchFamily="18" charset="0"/>
+                <a:cs typeface="Times New Roman" panose="02020603050405020304" pitchFamily="18" charset="0"/>
+              </a:rPr>
+              <a:t>Beépített</a:t>
             </a:r>
             <a:endParaRPr lang="hu-HU" sz="3000" dirty="0">
               <a:latin typeface="Times New Roman" panose="02020603050405020304" pitchFamily="18" charset="0"/>
               <a:cs typeface="Times New Roman" panose="02020603050405020304" pitchFamily="18" charset="0"/>
             </a:endParaRPr>
           </a:p>
-          <a:p>
-            <a:endParaRPr lang="hu-HU" sz="3000" dirty="0">
-              <a:latin typeface="Times New Roman" panose="02020603050405020304" pitchFamily="18" charset="0"/>
-              <a:cs typeface="Times New Roman" panose="02020603050405020304" pitchFamily="18" charset="0"/>
-            </a:endParaRPr>
-          </a:p>
         </p:txBody>
       </p:sp>
       <p:pic>
         <p:nvPicPr>
-          <p:cNvPr id="1026" name="Picture 2" descr="Missing transistor or resistor on Intel Xeon E5-2680. does anyone know what  it does or if it is crucial for the processors operation? : r/intel"/>
+          <p:cNvPr id="4" name="Picture 2" descr="https://computersciencewiki.org/images/1/1a/Cpu_diagram.png"/>
           <p:cNvPicPr>
             <a:picLocks noChangeAspect="1" noChangeArrowheads="1"/>
           </p:cNvPicPr>
           <p:nvPr/>
         </p:nvPicPr>
         <p:blipFill>
-          <a:blip r:embed="rId2" cstate="print">
+          <a:blip r:embed="rId2">
             <a:extLst>
               <a:ext uri="{28A0092B-C50C-407E-A947-70E740481C1C}">
                 <a14:useLocalDpi xmlns:a14="http://schemas.microsoft.com/office/drawing/2010/main" val="0"/>
@@ -7173,8 +7158,8 @@
         </p:blipFill>
         <p:spPr bwMode="auto">
           <a:xfrm>
-            <a:off x="5995425" y="1498765"/>
-            <a:ext cx="5177400" cy="5007312"/>
+            <a:off x="4921135" y="1755242"/>
+            <a:ext cx="6716357" cy="4334146"/>
           </a:xfrm>
           <a:prstGeom prst="rect">
             <a:avLst/>
@@ -7193,14 +7178,14 @@
       </p:pic>
       <p:sp>
         <p:nvSpPr>
-          <p:cNvPr id="4" name="Szövegdoboz 3"/>
+          <p:cNvPr id="6" name="Szövegdoboz 5"/>
           <p:cNvSpPr txBox="1"/>
           <p:nvPr/>
         </p:nvSpPr>
         <p:spPr>
           <a:xfrm>
-            <a:off x="7698300" y="6506077"/>
-            <a:ext cx="1771650" cy="261610"/>
+            <a:off x="7406477" y="6089388"/>
+            <a:ext cx="1745673" cy="261610"/>
           </a:xfrm>
           <a:prstGeom prst="rect">
             <a:avLst/>
@@ -7218,15 +7203,26 @@
                 <a:latin typeface="Times New Roman" panose="02020603050405020304" pitchFamily="18" charset="0"/>
                 <a:cs typeface="Times New Roman" panose="02020603050405020304" pitchFamily="18" charset="0"/>
               </a:rPr>
-              <a:t>https://tinyurl.com/2h7s29pj</a:t>
-            </a:r>
+              <a:t>https://</a:t>
+            </a:r>
+            <a:r>
+              <a:rPr lang="hu-HU" sz="1100" dirty="0" smtClean="0">
+                <a:latin typeface="Times New Roman" panose="02020603050405020304" pitchFamily="18" charset="0"/>
+                <a:cs typeface="Times New Roman" panose="02020603050405020304" pitchFamily="18" charset="0"/>
+              </a:rPr>
+              <a:t>tinyurl.com/yaujk8ty</a:t>
+            </a:r>
+            <a:endParaRPr lang="hu-HU" sz="1100" dirty="0">
+              <a:latin typeface="Times New Roman" panose="02020603050405020304" pitchFamily="18" charset="0"/>
+              <a:cs typeface="Times New Roman" panose="02020603050405020304" pitchFamily="18" charset="0"/>
+            </a:endParaRPr>
           </a:p>
         </p:txBody>
       </p:sp>
     </p:spTree>
     <p:extLst>
       <p:ext uri="{BB962C8B-B14F-4D97-AF65-F5344CB8AC3E}">
-        <p14:creationId xmlns:p14="http://schemas.microsoft.com/office/powerpoint/2010/main" val="3039361590"/>
+        <p14:creationId xmlns:p14="http://schemas.microsoft.com/office/powerpoint/2010/main" val="2591989352"/>
       </p:ext>
     </p:extLst>
   </p:cSld>
@@ -7276,10 +7272,16 @@
           <a:lstStyle/>
           <a:p>
             <a:r>
-              <a:rPr lang="hu-HU" dirty="0" smtClean="0"/>
-              <a:t>CU és ALU</a:t>
-            </a:r>
-            <a:endParaRPr lang="hu-HU" dirty="0"/>
+              <a:rPr lang="hu-HU" dirty="0" smtClean="0">
+                <a:latin typeface="Times New Roman" panose="02020603050405020304" pitchFamily="18" charset="0"/>
+                <a:cs typeface="Times New Roman" panose="02020603050405020304" pitchFamily="18" charset="0"/>
+              </a:rPr>
+              <a:t>Főbb Részei</a:t>
+            </a:r>
+            <a:endParaRPr lang="hu-HU" dirty="0">
+              <a:latin typeface="Times New Roman" panose="02020603050405020304" pitchFamily="18" charset="0"/>
+              <a:cs typeface="Times New Roman" panose="02020603050405020304" pitchFamily="18" charset="0"/>
+            </a:endParaRPr>
           </a:p>
         </p:txBody>
       </p:sp>
@@ -7295,8 +7297,8 @@
         </p:nvSpPr>
         <p:spPr>
           <a:xfrm>
-            <a:off x="913795" y="1630550"/>
-            <a:ext cx="4647420" cy="4795188"/>
+            <a:off x="913794" y="1803863"/>
+            <a:ext cx="3799521" cy="4721628"/>
           </a:xfrm>
         </p:spPr>
         <p:txBody>
@@ -7307,6 +7309,13 @@
           <a:p>
             <a:r>
               <a:rPr lang="hu-HU" sz="3000" dirty="0" smtClean="0">
+                <a:effectLst>
+                  <a:outerShdw blurRad="38100" dist="38100" dir="2700000" algn="tl">
+                    <a:srgbClr val="000000">
+                      <a:alpha val="43137"/>
+                    </a:srgbClr>
+                  </a:outerShdw>
+                </a:effectLst>
                 <a:latin typeface="Times New Roman" panose="02020603050405020304" pitchFamily="18" charset="0"/>
                 <a:cs typeface="Times New Roman" panose="02020603050405020304" pitchFamily="18" charset="0"/>
               </a:rPr>
@@ -7316,20 +7325,47 @@
           <a:p>
             <a:pPr lvl="1"/>
             <a:r>
-              <a:rPr lang="hu-HU" sz="3000" dirty="0">
+              <a:rPr lang="hu-HU" sz="3000" dirty="0" smtClean="0">
+                <a:effectLst>
+                  <a:outerShdw blurRad="38100" dist="38100" dir="2700000" algn="tl">
+                    <a:srgbClr val="000000">
+                      <a:alpha val="43137"/>
+                    </a:srgbClr>
+                  </a:outerShdw>
+                </a:effectLst>
                 <a:latin typeface="Times New Roman" panose="02020603050405020304" pitchFamily="18" charset="0"/>
                 <a:cs typeface="Times New Roman" panose="02020603050405020304" pitchFamily="18" charset="0"/>
               </a:rPr>
-              <a:t>Bináris </a:t>
-            </a:r>
+              <a:t>Szervezés</a:t>
+            </a:r>
+          </a:p>
+          <a:p>
+            <a:pPr lvl="1"/>
             <a:r>
               <a:rPr lang="hu-HU" sz="3000" dirty="0" smtClean="0">
+                <a:effectLst>
+                  <a:outerShdw blurRad="38100" dist="38100" dir="2700000" algn="tl">
+                    <a:srgbClr val="000000">
+                      <a:alpha val="43137"/>
+                    </a:srgbClr>
+                  </a:outerShdw>
+                </a:effectLst>
                 <a:latin typeface="Times New Roman" panose="02020603050405020304" pitchFamily="18" charset="0"/>
                 <a:cs typeface="Times New Roman" panose="02020603050405020304" pitchFamily="18" charset="0"/>
               </a:rPr>
-              <a:t>dekódolás</a:t>
-            </a:r>
-            <a:endParaRPr lang="hu-HU" sz="3000" dirty="0">
+              <a:t>Ütemezés</a:t>
+            </a:r>
+          </a:p>
+          <a:p>
+            <a:pPr lvl="1"/>
+            <a:endParaRPr lang="hu-HU" sz="3000" dirty="0" smtClean="0">
+              <a:effectLst>
+                <a:outerShdw blurRad="38100" dist="38100" dir="2700000" algn="tl">
+                  <a:srgbClr val="000000">
+                    <a:alpha val="43137"/>
+                  </a:srgbClr>
+                </a:outerShdw>
+              </a:effectLst>
               <a:latin typeface="Times New Roman" panose="02020603050405020304" pitchFamily="18" charset="0"/>
               <a:cs typeface="Times New Roman" panose="02020603050405020304" pitchFamily="18" charset="0"/>
             </a:endParaRPr>
@@ -7337,52 +7373,70 @@
           <a:p>
             <a:pPr lvl="1"/>
             <a:r>
-              <a:rPr lang="hu-HU" sz="3000" dirty="0">
+              <a:rPr lang="hu-HU" sz="3000" dirty="0" smtClean="0">
+                <a:effectLst>
+                  <a:outerShdw blurRad="38100" dist="38100" dir="2700000" algn="tl">
+                    <a:srgbClr val="000000">
+                      <a:alpha val="43137"/>
+                    </a:srgbClr>
+                  </a:outerShdw>
+                </a:effectLst>
                 <a:latin typeface="Times New Roman" panose="02020603050405020304" pitchFamily="18" charset="0"/>
                 <a:cs typeface="Times New Roman" panose="02020603050405020304" pitchFamily="18" charset="0"/>
               </a:rPr>
-              <a:t>Időzítő, vezérlő </a:t>
-            </a:r>
+              <a:t>Értelmez</a:t>
+            </a:r>
+          </a:p>
+          <a:p>
+            <a:pPr lvl="1"/>
             <a:r>
               <a:rPr lang="hu-HU" sz="3000" dirty="0" smtClean="0">
+                <a:effectLst>
+                  <a:outerShdw blurRad="38100" dist="38100" dir="2700000" algn="tl">
+                    <a:srgbClr val="000000">
+                      <a:alpha val="43137"/>
+                    </a:srgbClr>
+                  </a:outerShdw>
+                </a:effectLst>
                 <a:latin typeface="Times New Roman" panose="02020603050405020304" pitchFamily="18" charset="0"/>
                 <a:cs typeface="Times New Roman" panose="02020603050405020304" pitchFamily="18" charset="0"/>
               </a:rPr>
-              <a:t>jel</a:t>
-            </a:r>
-          </a:p>
-          <a:p>
+              <a:t>Végrehajt</a:t>
+            </a:r>
+          </a:p>
+          <a:p>
+            <a:pPr lvl="1"/>
             <a:r>
               <a:rPr lang="hu-HU" sz="3000" dirty="0" smtClean="0">
+                <a:effectLst>
+                  <a:outerShdw blurRad="38100" dist="38100" dir="2700000" algn="tl">
+                    <a:srgbClr val="000000">
+                      <a:alpha val="43137"/>
+                    </a:srgbClr>
+                  </a:outerShdw>
+                </a:effectLst>
                 <a:latin typeface="Times New Roman" panose="02020603050405020304" pitchFamily="18" charset="0"/>
                 <a:cs typeface="Times New Roman" panose="02020603050405020304" pitchFamily="18" charset="0"/>
               </a:rPr>
-              <a:t>ALU:</a:t>
-            </a:r>
-          </a:p>
-          <a:p>
-            <a:pPr lvl="1"/>
-            <a:r>
-              <a:rPr lang="hu-HU" sz="3000" dirty="0" smtClean="0">
-                <a:latin typeface="Times New Roman" panose="02020603050405020304" pitchFamily="18" charset="0"/>
-                <a:cs typeface="Times New Roman" panose="02020603050405020304" pitchFamily="18" charset="0"/>
-              </a:rPr>
-              <a:t>Ki-és bemeneti eszközök irányítása</a:t>
+              <a:t>Következő utasítás</a:t>
             </a:r>
             <a:endParaRPr lang="hu-HU" sz="3000" dirty="0">
+              <a:effectLst>
+                <a:outerShdw blurRad="38100" dist="38100" dir="2700000" algn="tl">
+                  <a:srgbClr val="000000">
+                    <a:alpha val="43137"/>
+                  </a:srgbClr>
+                </a:outerShdw>
+              </a:effectLst>
               <a:latin typeface="Times New Roman" panose="02020603050405020304" pitchFamily="18" charset="0"/>
               <a:cs typeface="Times New Roman" panose="02020603050405020304" pitchFamily="18" charset="0"/>
             </a:endParaRPr>
           </a:p>
-          <a:p>
-            <a:pPr lvl="1"/>
-            <a:endParaRPr lang="hu-HU" dirty="0"/>
-          </a:p>
         </p:txBody>
       </p:sp>
       <p:pic>
         <p:nvPicPr>
-          <p:cNvPr id="4" name="Picture 2" descr="https://computersciencewiki.org/images/1/1a/Cpu_diagram.png"/>
+          <p:cNvPr id="5" name="Picture 2" descr="https://computersciencewiki.org/images/1/1a/Cpu_diagram.png"/>
           <p:cNvPicPr>
             <a:picLocks noChangeAspect="1" noChangeArrowheads="1"/>
           </p:cNvPicPr>
@@ -7403,8 +7457,8 @@
         </p:blipFill>
         <p:spPr bwMode="auto">
           <a:xfrm>
-            <a:off x="4288198" y="1857375"/>
-            <a:ext cx="7492926" cy="4334146"/>
+            <a:off x="4921135" y="1755242"/>
+            <a:ext cx="6716357" cy="4334146"/>
           </a:xfrm>
           <a:prstGeom prst="rect">
             <a:avLst/>
@@ -7423,14 +7477,14 @@
       </p:pic>
       <p:sp>
         <p:nvSpPr>
-          <p:cNvPr id="5" name="Szövegdoboz 4"/>
+          <p:cNvPr id="6" name="Szövegdoboz 5"/>
           <p:cNvSpPr txBox="1"/>
           <p:nvPr/>
         </p:nvSpPr>
         <p:spPr>
           <a:xfrm>
-            <a:off x="7148836" y="6191521"/>
-            <a:ext cx="1771650" cy="270337"/>
+            <a:off x="7406477" y="6089388"/>
+            <a:ext cx="1745673" cy="261610"/>
           </a:xfrm>
           <a:prstGeom prst="rect">
             <a:avLst/>
@@ -7448,15 +7502,26 @@
                 <a:latin typeface="Times New Roman" panose="02020603050405020304" pitchFamily="18" charset="0"/>
                 <a:cs typeface="Times New Roman" panose="02020603050405020304" pitchFamily="18" charset="0"/>
               </a:rPr>
-              <a:t>https://tinyurl.com/yaujk8ty</a:t>
-            </a:r>
+              <a:t>https://</a:t>
+            </a:r>
+            <a:r>
+              <a:rPr lang="hu-HU" sz="1100" dirty="0" smtClean="0">
+                <a:latin typeface="Times New Roman" panose="02020603050405020304" pitchFamily="18" charset="0"/>
+                <a:cs typeface="Times New Roman" panose="02020603050405020304" pitchFamily="18" charset="0"/>
+              </a:rPr>
+              <a:t>tinyurl.com/yaujk8ty</a:t>
+            </a:r>
+            <a:endParaRPr lang="hu-HU" sz="1100" dirty="0">
+              <a:latin typeface="Times New Roman" panose="02020603050405020304" pitchFamily="18" charset="0"/>
+              <a:cs typeface="Times New Roman" panose="02020603050405020304" pitchFamily="18" charset="0"/>
+            </a:endParaRPr>
           </a:p>
         </p:txBody>
       </p:sp>
     </p:spTree>
     <p:extLst>
       <p:ext uri="{BB962C8B-B14F-4D97-AF65-F5344CB8AC3E}">
-        <p14:creationId xmlns:p14="http://schemas.microsoft.com/office/powerpoint/2010/main" val="3201324314"/>
+        <p14:creationId xmlns:p14="http://schemas.microsoft.com/office/powerpoint/2010/main" val="104387287"/>
       </p:ext>
     </p:extLst>
   </p:cSld>
@@ -7506,8 +7571,11 @@
           <a:lstStyle/>
           <a:p>
             <a:r>
-              <a:rPr lang="hu-HU" dirty="0" smtClean="0"/>
-              <a:t>Regiszterek</a:t>
+              <a:rPr lang="hu-HU" dirty="0">
+                <a:latin typeface="Times New Roman" panose="02020603050405020304" pitchFamily="18" charset="0"/>
+                <a:cs typeface="Times New Roman" panose="02020603050405020304" pitchFamily="18" charset="0"/>
+              </a:rPr>
+              <a:t>Főbb részei</a:t>
             </a:r>
             <a:endParaRPr lang="hu-HU" dirty="0"/>
           </a:p>
@@ -7525,8 +7593,8 @@
         </p:nvSpPr>
         <p:spPr>
           <a:xfrm>
-            <a:off x="913795" y="2096063"/>
-            <a:ext cx="4190220" cy="4387863"/>
+            <a:off x="913794" y="2096063"/>
+            <a:ext cx="4553555" cy="4387863"/>
           </a:xfrm>
         </p:spPr>
         <p:txBody>
@@ -7535,57 +7603,90 @@
           </a:bodyPr>
           <a:lstStyle/>
           <a:p>
+            <a:r>
+              <a:rPr lang="hu-HU" sz="3000" dirty="0">
+                <a:latin typeface="Times New Roman" panose="02020603050405020304" pitchFamily="18" charset="0"/>
+                <a:cs typeface="Times New Roman" panose="02020603050405020304" pitchFamily="18" charset="0"/>
+              </a:rPr>
+              <a:t>Regiszter</a:t>
+            </a:r>
             <a:r>
               <a:rPr lang="hu-HU" sz="3000" dirty="0" smtClean="0">
                 <a:latin typeface="Times New Roman" panose="02020603050405020304" pitchFamily="18" charset="0"/>
                 <a:cs typeface="Times New Roman" panose="02020603050405020304" pitchFamily="18" charset="0"/>
               </a:rPr>
-              <a:t>Bináris</a:t>
-            </a:r>
-          </a:p>
-          <a:p>
+              <a:t>:</a:t>
+            </a:r>
+          </a:p>
+          <a:p>
+            <a:pPr lvl="1"/>
+            <a:r>
+              <a:rPr lang="hu-HU" sz="3000" dirty="0">
+                <a:latin typeface="Times New Roman" panose="02020603050405020304" pitchFamily="18" charset="0"/>
+                <a:cs typeface="Times New Roman" panose="02020603050405020304" pitchFamily="18" charset="0"/>
+              </a:rPr>
+              <a:t>Gyors </a:t>
+            </a:r>
             <a:r>
               <a:rPr lang="hu-HU" sz="3000" dirty="0" smtClean="0">
                 <a:latin typeface="Times New Roman" panose="02020603050405020304" pitchFamily="18" charset="0"/>
                 <a:cs typeface="Times New Roman" panose="02020603050405020304" pitchFamily="18" charset="0"/>
               </a:rPr>
-              <a:t>Számok tárolása</a:t>
-            </a:r>
-          </a:p>
-          <a:p>
+              <a:t>elérés</a:t>
+            </a:r>
+          </a:p>
+          <a:p>
+            <a:pPr lvl="1"/>
             <a:r>
               <a:rPr lang="hu-HU" sz="3000" dirty="0" smtClean="0">
                 <a:latin typeface="Times New Roman" panose="02020603050405020304" pitchFamily="18" charset="0"/>
                 <a:cs typeface="Times New Roman" panose="02020603050405020304" pitchFamily="18" charset="0"/>
               </a:rPr>
-              <a:t>Következő feladathoz</a:t>
-            </a:r>
-          </a:p>
-          <a:p>
+              <a:t>Kis memória</a:t>
+            </a:r>
+          </a:p>
+          <a:p>
+            <a:pPr lvl="1"/>
             <a:r>
               <a:rPr lang="hu-HU" sz="3000" dirty="0" smtClean="0">
                 <a:latin typeface="Times New Roman" panose="02020603050405020304" pitchFamily="18" charset="0"/>
                 <a:cs typeface="Times New Roman" panose="02020603050405020304" pitchFamily="18" charset="0"/>
               </a:rPr>
-              <a:t>32, 64 bit </a:t>
+              <a:t>Ideiglenes </a:t>
+            </a:r>
+            <a:r>
+              <a:rPr lang="hu-HU" sz="3000" dirty="0">
+                <a:latin typeface="Times New Roman" panose="02020603050405020304" pitchFamily="18" charset="0"/>
+                <a:cs typeface="Times New Roman" panose="02020603050405020304" pitchFamily="18" charset="0"/>
+              </a:rPr>
+              <a:t>adattárolás</a:t>
+            </a:r>
+          </a:p>
+          <a:p>
+            <a:pPr lvl="1"/>
+            <a:r>
+              <a:rPr lang="hu-HU" sz="3000" dirty="0">
+                <a:latin typeface="Times New Roman" panose="02020603050405020304" pitchFamily="18" charset="0"/>
+                <a:cs typeface="Times New Roman" panose="02020603050405020304" pitchFamily="18" charset="0"/>
+              </a:rPr>
+              <a:t>32/64 bit </a:t>
             </a:r>
             <a:r>
               <a:rPr lang="hu-HU" sz="3000" dirty="0" smtClean="0">
                 <a:latin typeface="Times New Roman" panose="02020603050405020304" pitchFamily="18" charset="0"/>
                 <a:cs typeface="Times New Roman" panose="02020603050405020304" pitchFamily="18" charset="0"/>
-                <a:sym typeface="Wingdings" panose="05000000000000000000" pitchFamily="2" charset="2"/>
               </a:rPr>
-              <a:t> számokkal számolás nagysága</a:t>
-            </a:r>
-          </a:p>
-          <a:p>
+              <a:t>méret</a:t>
+            </a:r>
+          </a:p>
+          <a:p>
+            <a:pPr lvl="1"/>
             <a:r>
               <a:rPr lang="hu-HU" sz="3000" dirty="0" smtClean="0">
                 <a:latin typeface="Times New Roman" panose="02020603050405020304" pitchFamily="18" charset="0"/>
                 <a:cs typeface="Times New Roman" panose="02020603050405020304" pitchFamily="18" charset="0"/>
-                <a:sym typeface="Wingdings" panose="05000000000000000000" pitchFamily="2" charset="2"/>
               </a:rPr>
-              <a:t>Elterjedt 64 bit</a:t>
+              <a:t>32/64 bit BUSZ - RAM</a:t>
             </a:r>
             <a:endParaRPr lang="hu-HU" sz="3000" dirty="0">
               <a:latin typeface="Times New Roman" panose="02020603050405020304" pitchFamily="18" charset="0"/>
@@ -7744,91 +7845,146 @@
           <a:p>
             <a:r>
               <a:rPr lang="hu-HU" dirty="0" smtClean="0"/>
-              <a:t>Regiszterek</a:t>
+              <a:t>Főbb részei</a:t>
             </a:r>
             <a:endParaRPr lang="hu-HU" dirty="0"/>
+          </a:p>
+        </p:txBody>
+      </p:sp>
+      <p:sp>
+        <p:nvSpPr>
+          <p:cNvPr id="3" name="Tartalom helye 2"/>
+          <p:cNvSpPr>
+            <a:spLocks noGrp="1"/>
+          </p:cNvSpPr>
+          <p:nvPr>
+            <p:ph idx="1"/>
+          </p:nvPr>
+        </p:nvSpPr>
+        <p:spPr>
+          <a:xfrm>
+            <a:off x="913794" y="1935921"/>
+            <a:ext cx="4048904" cy="4581257"/>
+          </a:xfrm>
+        </p:spPr>
+        <p:txBody>
+          <a:bodyPr>
+            <a:normAutofit/>
+          </a:bodyPr>
+          <a:lstStyle/>
+          <a:p>
+            <a:r>
+              <a:rPr lang="hu-HU" sz="3000" dirty="0" smtClean="0">
+                <a:latin typeface="Times New Roman" panose="02020603050405020304" pitchFamily="18" charset="0"/>
+                <a:cs typeface="Times New Roman" panose="02020603050405020304" pitchFamily="18" charset="0"/>
+              </a:rPr>
+              <a:t>Cache:</a:t>
+            </a:r>
+          </a:p>
+          <a:p>
+            <a:pPr lvl="1"/>
+            <a:r>
+              <a:rPr lang="hu-HU" sz="3000" dirty="0" smtClean="0">
+                <a:latin typeface="Times New Roman" panose="02020603050405020304" pitchFamily="18" charset="0"/>
+                <a:cs typeface="Times New Roman" panose="02020603050405020304" pitchFamily="18" charset="0"/>
+              </a:rPr>
+              <a:t>Gyorsítótár</a:t>
+            </a:r>
+          </a:p>
+          <a:p>
+            <a:pPr lvl="1"/>
+            <a:r>
+              <a:rPr lang="hu-HU" sz="3000" dirty="0" smtClean="0">
+                <a:latin typeface="Times New Roman" panose="02020603050405020304" pitchFamily="18" charset="0"/>
+                <a:cs typeface="Times New Roman" panose="02020603050405020304" pitchFamily="18" charset="0"/>
+              </a:rPr>
+              <a:t>Integrált memória</a:t>
+            </a:r>
+          </a:p>
+          <a:p>
+            <a:pPr lvl="1"/>
+            <a:r>
+              <a:rPr lang="hu-HU" sz="3000" dirty="0" smtClean="0">
+                <a:latin typeface="Times New Roman" panose="02020603050405020304" pitchFamily="18" charset="0"/>
+                <a:cs typeface="Times New Roman" panose="02020603050405020304" pitchFamily="18" charset="0"/>
+              </a:rPr>
+              <a:t>Lassú elérés javítása</a:t>
+            </a:r>
+          </a:p>
+          <a:p>
+            <a:pPr lvl="1"/>
+            <a:r>
+              <a:rPr lang="hu-HU" sz="3000" dirty="0" smtClean="0">
+                <a:latin typeface="Times New Roman" panose="02020603050405020304" pitchFamily="18" charset="0"/>
+                <a:cs typeface="Times New Roman" panose="02020603050405020304" pitchFamily="18" charset="0"/>
+              </a:rPr>
+              <a:t>L1 - L3</a:t>
+            </a:r>
+          </a:p>
+          <a:p>
+            <a:pPr lvl="1"/>
+            <a:r>
+              <a:rPr lang="hu-HU" sz="3000" dirty="0" smtClean="0">
+                <a:latin typeface="Times New Roman" panose="02020603050405020304" pitchFamily="18" charset="0"/>
+                <a:cs typeface="Times New Roman" panose="02020603050405020304" pitchFamily="18" charset="0"/>
+              </a:rPr>
+              <a:t>MB-os nagyágú</a:t>
+            </a:r>
+          </a:p>
+          <a:p>
+            <a:pPr lvl="1"/>
+            <a:r>
+              <a:rPr lang="hu-HU" sz="3000" dirty="0" smtClean="0">
+                <a:latin typeface="Times New Roman" panose="02020603050405020304" pitchFamily="18" charset="0"/>
+                <a:cs typeface="Times New Roman" panose="02020603050405020304" pitchFamily="18" charset="0"/>
+              </a:rPr>
+              <a:t>1-2 db</a:t>
+            </a:r>
+          </a:p>
+          <a:p>
+            <a:endParaRPr lang="hu-HU" dirty="0" smtClean="0"/>
           </a:p>
         </p:txBody>
       </p:sp>
       <p:pic>
         <p:nvPicPr>
-          <p:cNvPr id="4" name="Picture 2" descr="https://www.tutorialandexample.com/wp-content/uploads/2019/10/Control-Processing-Unit-2.png"/>
+          <p:cNvPr id="5" name="Kép 4"/>
           <p:cNvPicPr>
-            <a:picLocks noChangeAspect="1" noChangeArrowheads="1"/>
+            <a:picLocks noChangeAspect="1"/>
           </p:cNvPicPr>
           <p:nvPr/>
         </p:nvPicPr>
         <p:blipFill>
-          <a:blip r:embed="rId2">
-            <a:extLst>
-              <a:ext uri="{BEBA8EAE-BF5A-486C-A8C5-ECC9F3942E4B}">
-                <a14:imgProps xmlns:a14="http://schemas.microsoft.com/office/drawing/2010/main">
-                  <a14:imgLayer r:embed="rId3">
-                    <a14:imgEffect>
-                      <a14:backgroundRemoval t="31000" b="86500" l="0" r="33200">
-                        <a14:foregroundMark x1="7800" y1="38000" x2="15200" y2="38250"/>
-                        <a14:foregroundMark x1="8200" y1="36500" x2="13400" y2="37750"/>
-                        <a14:foregroundMark x1="5000" y1="50250" x2="29600" y2="49250"/>
-                        <a14:foregroundMark x1="6800" y1="63750" x2="28200" y2="63250"/>
-                        <a14:foregroundMark x1="11600" y1="38750" x2="28200" y2="35750"/>
-                        <a14:foregroundMark x1="4600" y1="76750" x2="31200" y2="75250"/>
-                        <a14:foregroundMark x1="4400" y1="74000" x2="30600" y2="79250"/>
-                        <a14:foregroundMark x1="3800" y1="33500" x2="28200" y2="32500"/>
-                        <a14:foregroundMark x1="5600" y1="66750" x2="28000" y2="59250"/>
-                        <a14:foregroundMark x1="6600" y1="54250" x2="26000" y2="46500"/>
-                        <a14:backgroundMark x1="34200" y1="66250" x2="34000" y2="62750"/>
-                        <a14:backgroundMark x1="34400" y1="39500" x2="34000" y2="35250"/>
-                        <a14:backgroundMark x1="33800" y1="79500" x2="34200" y2="74250"/>
-                      </a14:backgroundRemoval>
-                    </a14:imgEffect>
-                  </a14:imgLayer>
-                </a14:imgProps>
-              </a:ext>
-              <a:ext uri="{28A0092B-C50C-407E-A947-70E740481C1C}">
-                <a14:useLocalDpi xmlns:a14="http://schemas.microsoft.com/office/drawing/2010/main" val="0"/>
-              </a:ext>
-            </a:extLst>
-          </a:blip>
-          <a:srcRect/>
+          <a:blip r:embed="rId2"/>
           <a:stretch>
             <a:fillRect/>
           </a:stretch>
         </p:blipFill>
-        <p:spPr bwMode="auto">
-          <a:xfrm>
-            <a:off x="367067" y="-199248"/>
-            <a:ext cx="9135861" cy="7308690"/>
+        <p:spPr>
+          <a:xfrm>
+            <a:off x="5209827" y="2112384"/>
+            <a:ext cx="6638175" cy="3490395"/>
+          </a:xfrm>
+          <a:prstGeom prst="rect">
+            <a:avLst/>
+          </a:prstGeom>
+        </p:spPr>
+      </p:pic>
+      <p:sp>
+        <p:nvSpPr>
+          <p:cNvPr id="6" name="Szövegdoboz 5"/>
+          <p:cNvSpPr txBox="1"/>
+          <p:nvPr/>
+        </p:nvSpPr>
+        <p:spPr>
+          <a:xfrm>
+            <a:off x="7613387" y="5602779"/>
+            <a:ext cx="1831053" cy="261610"/>
           </a:xfrm>
           <a:prstGeom prst="rect">
             <a:avLst/>
           </a:prstGeom>
           <a:noFill/>
-          <a:extLst>
-            <a:ext uri="{909E8E84-426E-40DD-AFC4-6F175D3DCCD1}">
-              <a14:hiddenFill xmlns:a14="http://schemas.microsoft.com/office/drawing/2010/main">
-                <a:solidFill>
-                  <a:srgbClr val="FFFFFF"/>
-                </a:solidFill>
-              </a14:hiddenFill>
-            </a:ext>
-          </a:extLst>
-        </p:spPr>
-      </p:pic>
-      <p:sp>
-        <p:nvSpPr>
-          <p:cNvPr id="5" name="Szövegdoboz 4"/>
-          <p:cNvSpPr txBox="1"/>
-          <p:nvPr/>
-        </p:nvSpPr>
-        <p:spPr>
-          <a:xfrm>
-            <a:off x="3347381" y="2225700"/>
-            <a:ext cx="6155547" cy="553998"/>
-          </a:xfrm>
-          <a:prstGeom prst="rect">
-            <a:avLst/>
-          </a:prstGeom>
-          <a:noFill/>
         </p:spPr>
         <p:txBody>
           <a:bodyPr wrap="square" rtlCol="0">
@@ -7837,138 +7993,19 @@
           <a:lstStyle/>
           <a:p>
             <a:r>
-              <a:rPr lang="hu-HU" sz="3000" dirty="0" smtClean="0">
+              <a:rPr lang="hu-HU" sz="1100" dirty="0">
                 <a:latin typeface="Times New Roman" panose="02020603050405020304" pitchFamily="18" charset="0"/>
                 <a:cs typeface="Times New Roman" panose="02020603050405020304" pitchFamily="18" charset="0"/>
               </a:rPr>
-              <a:t>Célpont, végrehajt, megfelelő pillanat</a:t>
-            </a:r>
-            <a:endParaRPr lang="hu-HU" sz="3000" dirty="0">
-              <a:latin typeface="Times New Roman" panose="02020603050405020304" pitchFamily="18" charset="0"/>
-              <a:cs typeface="Times New Roman" panose="02020603050405020304" pitchFamily="18" charset="0"/>
-            </a:endParaRPr>
-          </a:p>
-        </p:txBody>
-      </p:sp>
-      <p:sp>
-        <p:nvSpPr>
-          <p:cNvPr id="6" name="Szövegdoboz 5"/>
-          <p:cNvSpPr txBox="1"/>
-          <p:nvPr/>
-        </p:nvSpPr>
-        <p:spPr>
-          <a:xfrm>
-            <a:off x="3347381" y="3179651"/>
-            <a:ext cx="6155547" cy="553998"/>
-          </a:xfrm>
-          <a:prstGeom prst="rect">
-            <a:avLst/>
-          </a:prstGeom>
-          <a:noFill/>
-        </p:spPr>
-        <p:txBody>
-          <a:bodyPr wrap="square" rtlCol="0">
-            <a:spAutoFit/>
-          </a:bodyPr>
-          <a:lstStyle/>
-          <a:p>
-            <a:r>
-              <a:rPr lang="hu-HU" sz="3000" dirty="0">
-                <a:latin typeface="Times New Roman" panose="02020603050405020304" pitchFamily="18" charset="0"/>
-                <a:cs typeface="Times New Roman" panose="02020603050405020304" pitchFamily="18" charset="0"/>
-              </a:rPr>
-              <a:t>Utasítás, </a:t>
-            </a:r>
-            <a:r>
-              <a:rPr lang="hu-HU" sz="3000" dirty="0" smtClean="0">
-                <a:latin typeface="Times New Roman" panose="02020603050405020304" pitchFamily="18" charset="0"/>
-                <a:cs typeface="Times New Roman" panose="02020603050405020304" pitchFamily="18" charset="0"/>
-              </a:rPr>
-              <a:t>dekódolás</a:t>
-            </a:r>
-            <a:endParaRPr lang="hu-HU" sz="3000" dirty="0">
-              <a:latin typeface="Times New Roman" panose="02020603050405020304" pitchFamily="18" charset="0"/>
-              <a:cs typeface="Times New Roman" panose="02020603050405020304" pitchFamily="18" charset="0"/>
-            </a:endParaRPr>
-          </a:p>
-        </p:txBody>
-      </p:sp>
-      <p:sp>
-        <p:nvSpPr>
-          <p:cNvPr id="7" name="Szövegdoboz 6"/>
-          <p:cNvSpPr txBox="1"/>
-          <p:nvPr/>
-        </p:nvSpPr>
-        <p:spPr>
-          <a:xfrm>
-            <a:off x="3347380" y="4133602"/>
-            <a:ext cx="8461761" cy="553998"/>
-          </a:xfrm>
-          <a:prstGeom prst="rect">
-            <a:avLst/>
-          </a:prstGeom>
-          <a:noFill/>
-        </p:spPr>
-        <p:txBody>
-          <a:bodyPr wrap="square" rtlCol="0">
-            <a:spAutoFit/>
-          </a:bodyPr>
-          <a:lstStyle/>
-          <a:p>
-            <a:r>
-              <a:rPr lang="hu-HU" sz="3000" dirty="0" smtClean="0">
-                <a:latin typeface="Times New Roman" panose="02020603050405020304" pitchFamily="18" charset="0"/>
-                <a:cs typeface="Times New Roman" panose="02020603050405020304" pitchFamily="18" charset="0"/>
-              </a:rPr>
-              <a:t>Memória cím tárolás, CPU-hoz küldi, tárolásra küldi</a:t>
-            </a:r>
-            <a:endParaRPr lang="hu-HU" sz="3000" dirty="0">
-              <a:latin typeface="Times New Roman" panose="02020603050405020304" pitchFamily="18" charset="0"/>
-              <a:cs typeface="Times New Roman" panose="02020603050405020304" pitchFamily="18" charset="0"/>
-            </a:endParaRPr>
-          </a:p>
-        </p:txBody>
-      </p:sp>
-      <p:sp>
-        <p:nvSpPr>
-          <p:cNvPr id="8" name="Szövegdoboz 7"/>
-          <p:cNvSpPr txBox="1"/>
-          <p:nvPr/>
-        </p:nvSpPr>
-        <p:spPr>
-          <a:xfrm>
-            <a:off x="3329683" y="5087553"/>
-            <a:ext cx="7326351" cy="553998"/>
-          </a:xfrm>
-          <a:prstGeom prst="rect">
-            <a:avLst/>
-          </a:prstGeom>
-          <a:noFill/>
-        </p:spPr>
-        <p:txBody>
-          <a:bodyPr wrap="square" rtlCol="0">
-            <a:spAutoFit/>
-          </a:bodyPr>
-          <a:lstStyle/>
-          <a:p>
-            <a:r>
-              <a:rPr lang="hu-HU" sz="3000" dirty="0" smtClean="0">
-                <a:latin typeface="Times New Roman" panose="02020603050405020304" pitchFamily="18" charset="0"/>
-                <a:cs typeface="Times New Roman" panose="02020603050405020304" pitchFamily="18" charset="0"/>
-              </a:rPr>
-              <a:t>Rövid távú, matematikai és logikai adattároló</a:t>
-            </a:r>
-            <a:endParaRPr lang="hu-HU" sz="3000" dirty="0">
-              <a:latin typeface="Times New Roman" panose="02020603050405020304" pitchFamily="18" charset="0"/>
-              <a:cs typeface="Times New Roman" panose="02020603050405020304" pitchFamily="18" charset="0"/>
-            </a:endParaRPr>
+              <a:t>https://tinyurl.com/w23r572s</a:t>
+            </a:r>
           </a:p>
         </p:txBody>
       </p:sp>
     </p:spTree>
     <p:extLst>
       <p:ext uri="{BB962C8B-B14F-4D97-AF65-F5344CB8AC3E}">
-        <p14:creationId xmlns:p14="http://schemas.microsoft.com/office/powerpoint/2010/main" val="3844304542"/>
+        <p14:creationId xmlns:p14="http://schemas.microsoft.com/office/powerpoint/2010/main" val="865148362"/>
       </p:ext>
     </p:extLst>
   </p:cSld>

--- a/Processzorok.pptx
+++ b/Processzorok.pptx
@@ -10,13 +10,14 @@
     <p:sldId id="257" r:id="rId4"/>
     <p:sldId id="260" r:id="rId5"/>
     <p:sldId id="271" r:id="rId6"/>
-    <p:sldId id="272" r:id="rId7"/>
-    <p:sldId id="273" r:id="rId8"/>
+    <p:sldId id="273" r:id="rId7"/>
+    <p:sldId id="272" r:id="rId8"/>
     <p:sldId id="269" r:id="rId9"/>
     <p:sldId id="265" r:id="rId10"/>
     <p:sldId id="274" r:id="rId11"/>
-    <p:sldId id="258" r:id="rId12"/>
-    <p:sldId id="262" r:id="rId13"/>
+    <p:sldId id="275" r:id="rId12"/>
+    <p:sldId id="258" r:id="rId13"/>
+    <p:sldId id="262" r:id="rId14"/>
   </p:sldIdLst>
   <p:sldSz cx="12192000" cy="6858000"/>
   <p:notesSz cx="6858000" cy="9144000"/>
@@ -256,7 +257,7 @@
           <a:p>
             <a:fld id="{3FA18FD4-B378-4D3A-AEFB-1F3E4F59479F}" type="datetimeFigureOut">
               <a:rPr lang="hu-HU" smtClean="0"/>
-              <a:t>2022. 09. 21.</a:t>
+              <a:t>2022. 09. 28.</a:t>
             </a:fld>
             <a:endParaRPr lang="hu-HU"/>
           </a:p>
@@ -543,7 +544,7 @@
           <a:p>
             <a:fld id="{3FA18FD4-B378-4D3A-AEFB-1F3E4F59479F}" type="datetimeFigureOut">
               <a:rPr lang="hu-HU" smtClean="0"/>
-              <a:t>2022. 09. 21.</a:t>
+              <a:t>2022. 09. 28.</a:t>
             </a:fld>
             <a:endParaRPr lang="hu-HU"/>
           </a:p>
@@ -735,7 +736,7 @@
           <a:p>
             <a:fld id="{3FA18FD4-B378-4D3A-AEFB-1F3E4F59479F}" type="datetimeFigureOut">
               <a:rPr lang="hu-HU" smtClean="0"/>
-              <a:t>2022. 09. 21.</a:t>
+              <a:t>2022. 09. 28.</a:t>
             </a:fld>
             <a:endParaRPr lang="hu-HU"/>
           </a:p>
@@ -996,7 +997,7 @@
           <a:p>
             <a:fld id="{3FA18FD4-B378-4D3A-AEFB-1F3E4F59479F}" type="datetimeFigureOut">
               <a:rPr lang="hu-HU" smtClean="0"/>
-              <a:t>2022. 09. 21.</a:t>
+              <a:t>2022. 09. 28.</a:t>
             </a:fld>
             <a:endParaRPr lang="hu-HU"/>
           </a:p>
@@ -1420,7 +1421,7 @@
           <a:p>
             <a:fld id="{3FA18FD4-B378-4D3A-AEFB-1F3E4F59479F}" type="datetimeFigureOut">
               <a:rPr lang="hu-HU" smtClean="0"/>
-              <a:t>2022. 09. 21.</a:t>
+              <a:t>2022. 09. 28.</a:t>
             </a:fld>
             <a:endParaRPr lang="hu-HU"/>
           </a:p>
@@ -1966,7 +1967,7 @@
           <a:p>
             <a:fld id="{3FA18FD4-B378-4D3A-AEFB-1F3E4F59479F}" type="datetimeFigureOut">
               <a:rPr lang="hu-HU" smtClean="0"/>
-              <a:t>2022. 09. 21.</a:t>
+              <a:t>2022. 09. 28.</a:t>
             </a:fld>
             <a:endParaRPr lang="hu-HU"/>
           </a:p>
@@ -2806,7 +2807,7 @@
           <a:p>
             <a:fld id="{3FA18FD4-B378-4D3A-AEFB-1F3E4F59479F}" type="datetimeFigureOut">
               <a:rPr lang="hu-HU" smtClean="0"/>
-              <a:t>2022. 09. 21.</a:t>
+              <a:t>2022. 09. 28.</a:t>
             </a:fld>
             <a:endParaRPr lang="hu-HU"/>
           </a:p>
@@ -2976,7 +2977,7 @@
           <a:p>
             <a:fld id="{3FA18FD4-B378-4D3A-AEFB-1F3E4F59479F}" type="datetimeFigureOut">
               <a:rPr lang="hu-HU" smtClean="0"/>
-              <a:t>2022. 09. 21.</a:t>
+              <a:t>2022. 09. 28.</a:t>
             </a:fld>
             <a:endParaRPr lang="hu-HU"/>
           </a:p>
@@ -3160,7 +3161,7 @@
           <a:p>
             <a:fld id="{3FA18FD4-B378-4D3A-AEFB-1F3E4F59479F}" type="datetimeFigureOut">
               <a:rPr lang="hu-HU" smtClean="0"/>
-              <a:t>2022. 09. 21.</a:t>
+              <a:t>2022. 09. 28.</a:t>
             </a:fld>
             <a:endParaRPr lang="hu-HU"/>
           </a:p>
@@ -3330,7 +3331,7 @@
           <a:p>
             <a:fld id="{3FA18FD4-B378-4D3A-AEFB-1F3E4F59479F}" type="datetimeFigureOut">
               <a:rPr lang="hu-HU" smtClean="0"/>
-              <a:t>2022. 09. 21.</a:t>
+              <a:t>2022. 09. 28.</a:t>
             </a:fld>
             <a:endParaRPr lang="hu-HU"/>
           </a:p>
@@ -3578,7 +3579,7 @@
           <a:p>
             <a:fld id="{3FA18FD4-B378-4D3A-AEFB-1F3E4F59479F}" type="datetimeFigureOut">
               <a:rPr lang="hu-HU" smtClean="0"/>
-              <a:t>2022. 09. 21.</a:t>
+              <a:t>2022. 09. 28.</a:t>
             </a:fld>
             <a:endParaRPr lang="hu-HU"/>
           </a:p>
@@ -3815,7 +3816,7 @@
           <a:p>
             <a:fld id="{3FA18FD4-B378-4D3A-AEFB-1F3E4F59479F}" type="datetimeFigureOut">
               <a:rPr lang="hu-HU" smtClean="0"/>
-              <a:t>2022. 09. 21.</a:t>
+              <a:t>2022. 09. 28.</a:t>
             </a:fld>
             <a:endParaRPr lang="hu-HU"/>
           </a:p>
@@ -4188,7 +4189,7 @@
           <a:p>
             <a:fld id="{3FA18FD4-B378-4D3A-AEFB-1F3E4F59479F}" type="datetimeFigureOut">
               <a:rPr lang="hu-HU" smtClean="0"/>
-              <a:t>2022. 09. 21.</a:t>
+              <a:t>2022. 09. 28.</a:t>
             </a:fld>
             <a:endParaRPr lang="hu-HU"/>
           </a:p>
@@ -4306,7 +4307,7 @@
           <a:p>
             <a:fld id="{3FA18FD4-B378-4D3A-AEFB-1F3E4F59479F}" type="datetimeFigureOut">
               <a:rPr lang="hu-HU" smtClean="0"/>
-              <a:t>2022. 09. 21.</a:t>
+              <a:t>2022. 09. 28.</a:t>
             </a:fld>
             <a:endParaRPr lang="hu-HU"/>
           </a:p>
@@ -4401,7 +4402,7 @@
           <a:p>
             <a:fld id="{3FA18FD4-B378-4D3A-AEFB-1F3E4F59479F}" type="datetimeFigureOut">
               <a:rPr lang="hu-HU" smtClean="0"/>
-              <a:t>2022. 09. 21.</a:t>
+              <a:t>2022. 09. 28.</a:t>
             </a:fld>
             <a:endParaRPr lang="hu-HU"/>
           </a:p>
@@ -4652,7 +4653,7 @@
           <a:p>
             <a:fld id="{3FA18FD4-B378-4D3A-AEFB-1F3E4F59479F}" type="datetimeFigureOut">
               <a:rPr lang="hu-HU" smtClean="0"/>
-              <a:t>2022. 09. 21.</a:t>
+              <a:t>2022. 09. 28.</a:t>
             </a:fld>
             <a:endParaRPr lang="hu-HU"/>
           </a:p>
@@ -4939,7 +4940,7 @@
           <a:p>
             <a:fld id="{3FA18FD4-B378-4D3A-AEFB-1F3E4F59479F}" type="datetimeFigureOut">
               <a:rPr lang="hu-HU" smtClean="0"/>
-              <a:t>2022. 09. 21.</a:t>
+              <a:t>2022. 09. 28.</a:t>
             </a:fld>
             <a:endParaRPr lang="hu-HU"/>
           </a:p>
@@ -5152,7 +5153,7 @@
           <a:p>
             <a:fld id="{3FA18FD4-B378-4D3A-AEFB-1F3E4F59479F}" type="datetimeFigureOut">
               <a:rPr lang="hu-HU" smtClean="0"/>
-              <a:t>2022. 09. 21.</a:t>
+              <a:t>2022. 09. 28.</a:t>
             </a:fld>
             <a:endParaRPr lang="hu-HU"/>
           </a:p>
@@ -5753,7 +5754,7 @@
                 <a:latin typeface="Times New Roman" panose="02020603050405020304" pitchFamily="18" charset="0"/>
                 <a:cs typeface="Times New Roman" panose="02020603050405020304" pitchFamily="18" charset="0"/>
               </a:rPr>
-              <a:t>Frekvencia</a:t>
+              <a:t>Frekvencia (órajel)</a:t>
             </a:r>
             <a:endParaRPr lang="hu-HU" dirty="0">
               <a:latin typeface="Times New Roman" panose="02020603050405020304" pitchFamily="18" charset="0"/>
@@ -5774,8 +5775,8 @@
         </p:nvSpPr>
         <p:spPr>
           <a:xfrm>
-            <a:off x="913795" y="2096064"/>
-            <a:ext cx="3924905" cy="4368236"/>
+            <a:off x="913795" y="1499811"/>
+            <a:ext cx="4442428" cy="5532755"/>
           </a:xfrm>
         </p:spPr>
         <p:txBody>
@@ -5785,44 +5786,71 @@
           <a:lstStyle/>
           <a:p>
             <a:r>
-              <a:rPr lang="hu-HU" sz="3000" dirty="0">
-                <a:latin typeface="Times New Roman" panose="02020603050405020304" pitchFamily="18" charset="0"/>
-                <a:cs typeface="Times New Roman" panose="02020603050405020304" pitchFamily="18" charset="0"/>
-              </a:rPr>
-              <a:t>Kristály</a:t>
-            </a:r>
-          </a:p>
-          <a:p>
-            <a:r>
-              <a:rPr lang="hu-HU" sz="3000" dirty="0">
-                <a:latin typeface="Times New Roman" panose="02020603050405020304" pitchFamily="18" charset="0"/>
-                <a:cs typeface="Times New Roman" panose="02020603050405020304" pitchFamily="18" charset="0"/>
-              </a:rPr>
-              <a:t>Áramra rezeg</a:t>
-            </a:r>
-          </a:p>
-          <a:p>
-            <a:r>
-              <a:rPr lang="hu-HU" sz="3000" dirty="0" err="1" smtClean="0">
-                <a:latin typeface="Times New Roman" panose="02020603050405020304" pitchFamily="18" charset="0"/>
-                <a:cs typeface="Times New Roman" panose="02020603050405020304" pitchFamily="18" charset="0"/>
-              </a:rPr>
-              <a:t>GHz</a:t>
-            </a:r>
-            <a:endParaRPr lang="hu-HU" sz="3000" dirty="0" smtClean="0">
+              <a:rPr lang="hu-HU" sz="3000" dirty="0" smtClean="0">
+                <a:latin typeface="Times New Roman" panose="02020603050405020304" pitchFamily="18" charset="0"/>
+                <a:cs typeface="Times New Roman" panose="02020603050405020304" pitchFamily="18" charset="0"/>
+              </a:rPr>
+              <a:t>Kvarckristály</a:t>
+            </a:r>
+            <a:endParaRPr lang="hu-HU" sz="3000" dirty="0">
               <a:latin typeface="Times New Roman" panose="02020603050405020304" pitchFamily="18" charset="0"/>
               <a:cs typeface="Times New Roman" panose="02020603050405020304" pitchFamily="18" charset="0"/>
             </a:endParaRPr>
           </a:p>
           <a:p>
             <a:r>
+              <a:rPr lang="hu-HU" sz="3000" dirty="0">
+                <a:latin typeface="Times New Roman" panose="02020603050405020304" pitchFamily="18" charset="0"/>
+                <a:cs typeface="Times New Roman" panose="02020603050405020304" pitchFamily="18" charset="0"/>
+              </a:rPr>
+              <a:t>Áramra rezeg</a:t>
+            </a:r>
+          </a:p>
+          <a:p>
+            <a:r>
               <a:rPr lang="hu-HU" sz="3000" dirty="0" smtClean="0">
                 <a:latin typeface="Times New Roman" panose="02020603050405020304" pitchFamily="18" charset="0"/>
                 <a:cs typeface="Times New Roman" panose="02020603050405020304" pitchFamily="18" charset="0"/>
               </a:rPr>
-              <a:t>Teljesítmény</a:t>
-            </a:r>
-            <a:endParaRPr lang="hu-HU" sz="3000" dirty="0">
+              <a:t>Pár száz MHz</a:t>
+            </a:r>
+          </a:p>
+          <a:p>
+            <a:r>
+              <a:rPr lang="hu-HU" sz="3000" dirty="0" smtClean="0">
+                <a:latin typeface="Times New Roman" panose="02020603050405020304" pitchFamily="18" charset="0"/>
+                <a:cs typeface="Times New Roman" panose="02020603050405020304" pitchFamily="18" charset="0"/>
+              </a:rPr>
+              <a:t>Szorzó</a:t>
+            </a:r>
+          </a:p>
+          <a:p>
+            <a:r>
+              <a:rPr lang="hu-HU" sz="3000" dirty="0" smtClean="0">
+                <a:latin typeface="Times New Roman" panose="02020603050405020304" pitchFamily="18" charset="0"/>
+                <a:cs typeface="Times New Roman" panose="02020603050405020304" pitchFamily="18" charset="0"/>
+              </a:rPr>
+              <a:t>Többféle sebességű processzor</a:t>
+            </a:r>
+          </a:p>
+          <a:p>
+            <a:r>
+              <a:rPr lang="hu-HU" sz="3000" dirty="0" smtClean="0">
+                <a:latin typeface="Times New Roman" panose="02020603050405020304" pitchFamily="18" charset="0"/>
+                <a:cs typeface="Times New Roman" panose="02020603050405020304" pitchFamily="18" charset="0"/>
+              </a:rPr>
+              <a:t>Több millió jel / mp</a:t>
+            </a:r>
+          </a:p>
+          <a:p>
+            <a:r>
+              <a:rPr lang="hu-HU" sz="3000" dirty="0" smtClean="0">
+                <a:latin typeface="Times New Roman" panose="02020603050405020304" pitchFamily="18" charset="0"/>
+                <a:cs typeface="Times New Roman" panose="02020603050405020304" pitchFamily="18" charset="0"/>
+              </a:rPr>
+              <a:t>Részegység</a:t>
+            </a:r>
+            <a:endParaRPr lang="hu-HU" sz="3000" dirty="0" smtClean="0">
               <a:latin typeface="Times New Roman" panose="02020603050405020304" pitchFamily="18" charset="0"/>
               <a:cs typeface="Times New Roman" panose="02020603050405020304" pitchFamily="18" charset="0"/>
             </a:endParaRPr>
@@ -5949,6 +5977,213 @@
             <p:ph type="title"/>
           </p:nvPr>
         </p:nvSpPr>
+        <p:spPr/>
+        <p:txBody>
+          <a:bodyPr/>
+          <a:lstStyle/>
+          <a:p>
+            <a:r>
+              <a:rPr lang="hu-HU" dirty="0" smtClean="0">
+                <a:latin typeface="Times New Roman" panose="02020603050405020304" pitchFamily="18" charset="0"/>
+                <a:cs typeface="Times New Roman" panose="02020603050405020304" pitchFamily="18" charset="0"/>
+              </a:rPr>
+              <a:t>Hűtésük</a:t>
+            </a:r>
+            <a:endParaRPr lang="hu-HU" dirty="0">
+              <a:latin typeface="Times New Roman" panose="02020603050405020304" pitchFamily="18" charset="0"/>
+              <a:cs typeface="Times New Roman" panose="02020603050405020304" pitchFamily="18" charset="0"/>
+            </a:endParaRPr>
+          </a:p>
+        </p:txBody>
+      </p:sp>
+      <p:sp>
+        <p:nvSpPr>
+          <p:cNvPr id="3" name="Tartalom helye 2"/>
+          <p:cNvSpPr>
+            <a:spLocks noGrp="1"/>
+          </p:cNvSpPr>
+          <p:nvPr>
+            <p:ph idx="1"/>
+          </p:nvPr>
+        </p:nvSpPr>
+        <p:spPr/>
+        <p:txBody>
+          <a:bodyPr>
+            <a:normAutofit/>
+          </a:bodyPr>
+          <a:lstStyle/>
+          <a:p>
+            <a:r>
+              <a:rPr lang="hu-HU" sz="3000" dirty="0" smtClean="0">
+                <a:latin typeface="Times New Roman" panose="02020603050405020304" pitchFamily="18" charset="0"/>
+                <a:ea typeface="Tahoma" panose="020B0604030504040204" pitchFamily="34" charset="0"/>
+                <a:cs typeface="Times New Roman" panose="02020603050405020304" pitchFamily="18" charset="0"/>
+              </a:rPr>
+              <a:t>Nagy frekvencia</a:t>
+            </a:r>
+          </a:p>
+          <a:p>
+            <a:r>
+              <a:rPr lang="hu-HU" sz="3000" dirty="0" smtClean="0">
+                <a:latin typeface="Times New Roman" panose="02020603050405020304" pitchFamily="18" charset="0"/>
+                <a:ea typeface="Tahoma" panose="020B0604030504040204" pitchFamily="34" charset="0"/>
+                <a:cs typeface="Times New Roman" panose="02020603050405020304" pitchFamily="18" charset="0"/>
+              </a:rPr>
+              <a:t>Magas hőmérséklet</a:t>
+            </a:r>
+          </a:p>
+          <a:p>
+            <a:r>
+              <a:rPr lang="hu-HU" sz="3000" dirty="0" smtClean="0">
+                <a:latin typeface="Times New Roman" panose="02020603050405020304" pitchFamily="18" charset="0"/>
+                <a:ea typeface="Tahoma" panose="020B0604030504040204" pitchFamily="34" charset="0"/>
+                <a:cs typeface="Times New Roman" panose="02020603050405020304" pitchFamily="18" charset="0"/>
+              </a:rPr>
+              <a:t>Hűtés fajták:</a:t>
+            </a:r>
+          </a:p>
+          <a:p>
+            <a:pPr lvl="1"/>
+            <a:r>
+              <a:rPr lang="hu-HU" sz="2800" dirty="0" smtClean="0">
+                <a:latin typeface="Times New Roman" panose="02020603050405020304" pitchFamily="18" charset="0"/>
+                <a:ea typeface="Tahoma" panose="020B0604030504040204" pitchFamily="34" charset="0"/>
+                <a:cs typeface="Times New Roman" panose="02020603050405020304" pitchFamily="18" charset="0"/>
+              </a:rPr>
+              <a:t>Léghűtés</a:t>
+            </a:r>
+          </a:p>
+          <a:p>
+            <a:pPr lvl="1"/>
+            <a:r>
+              <a:rPr lang="hu-HU" sz="2800" dirty="0" smtClean="0">
+                <a:latin typeface="Times New Roman" panose="02020603050405020304" pitchFamily="18" charset="0"/>
+                <a:ea typeface="Tahoma" panose="020B0604030504040204" pitchFamily="34" charset="0"/>
+                <a:cs typeface="Times New Roman" panose="02020603050405020304" pitchFamily="18" charset="0"/>
+              </a:rPr>
+              <a:t>Vízhűtés</a:t>
+            </a:r>
+            <a:endParaRPr lang="hu-HU" sz="2800" dirty="0">
+              <a:latin typeface="Times New Roman" panose="02020603050405020304" pitchFamily="18" charset="0"/>
+              <a:ea typeface="Tahoma" panose="020B0604030504040204" pitchFamily="34" charset="0"/>
+              <a:cs typeface="Times New Roman" panose="02020603050405020304" pitchFamily="18" charset="0"/>
+            </a:endParaRPr>
+          </a:p>
+        </p:txBody>
+      </p:sp>
+      <p:sp>
+        <p:nvSpPr>
+          <p:cNvPr id="4" name="Szövegdoboz 3"/>
+          <p:cNvSpPr txBox="1"/>
+          <p:nvPr/>
+        </p:nvSpPr>
+        <p:spPr>
+          <a:xfrm>
+            <a:off x="7248236" y="6298112"/>
+            <a:ext cx="1795549" cy="261610"/>
+          </a:xfrm>
+          <a:prstGeom prst="rect">
+            <a:avLst/>
+          </a:prstGeom>
+          <a:noFill/>
+        </p:spPr>
+        <p:txBody>
+          <a:bodyPr wrap="square" rtlCol="0">
+            <a:spAutoFit/>
+          </a:bodyPr>
+          <a:lstStyle/>
+          <a:p>
+            <a:r>
+              <a:rPr lang="hu-HU" sz="1100" dirty="0">
+                <a:latin typeface="Times New Roman" panose="02020603050405020304" pitchFamily="18" charset="0"/>
+                <a:cs typeface="Times New Roman" panose="02020603050405020304" pitchFamily="18" charset="0"/>
+              </a:rPr>
+              <a:t>https://tinyurl.com/5n7mcjry</a:t>
+            </a:r>
+          </a:p>
+        </p:txBody>
+      </p:sp>
+      <p:pic>
+        <p:nvPicPr>
+          <p:cNvPr id="1026" name="Picture 2" descr="https://assets-prd.ignimgs.com/2022/06/08/cpu-coolers-2-1654658536328.jpg?width=1280"/>
+          <p:cNvPicPr>
+            <a:picLocks noChangeAspect="1" noChangeArrowheads="1"/>
+          </p:cNvPicPr>
+          <p:nvPr/>
+        </p:nvPicPr>
+        <p:blipFill>
+          <a:blip r:embed="rId2">
+            <a:extLst>
+              <a:ext uri="{28A0092B-C50C-407E-A947-70E740481C1C}">
+                <a14:useLocalDpi xmlns:a14="http://schemas.microsoft.com/office/drawing/2010/main" val="0"/>
+              </a:ext>
+            </a:extLst>
+          </a:blip>
+          <a:srcRect/>
+          <a:stretch>
+            <a:fillRect/>
+          </a:stretch>
+        </p:blipFill>
+        <p:spPr bwMode="auto">
+          <a:xfrm>
+            <a:off x="4268509" y="1935921"/>
+            <a:ext cx="7755005" cy="4362191"/>
+          </a:xfrm>
+          <a:prstGeom prst="rect">
+            <a:avLst/>
+          </a:prstGeom>
+          <a:noFill/>
+          <a:extLst>
+            <a:ext uri="{909E8E84-426E-40DD-AFC4-6F175D3DCCD1}">
+              <a14:hiddenFill xmlns:a14="http://schemas.microsoft.com/office/drawing/2010/main">
+                <a:solidFill>
+                  <a:srgbClr val="FFFFFF"/>
+                </a:solidFill>
+              </a14:hiddenFill>
+            </a:ext>
+          </a:extLst>
+        </p:spPr>
+      </p:pic>
+    </p:spTree>
+    <p:extLst>
+      <p:ext uri="{BB962C8B-B14F-4D97-AF65-F5344CB8AC3E}">
+        <p14:creationId xmlns:p14="http://schemas.microsoft.com/office/powerpoint/2010/main" val="2167444883"/>
+      </p:ext>
+    </p:extLst>
+  </p:cSld>
+  <p:clrMapOvr>
+    <a:masterClrMapping/>
+  </p:clrMapOvr>
+</p:sld>
+</file>
+
+<file path=ppt/slides/slide12.xml><?xml version="1.0" encoding="utf-8"?>
+<p:sld xmlns:a="http://schemas.openxmlformats.org/drawingml/2006/main" xmlns:r="http://schemas.openxmlformats.org/officeDocument/2006/relationships" xmlns:p="http://schemas.openxmlformats.org/presentationml/2006/main">
+  <p:cSld>
+    <p:spTree>
+      <p:nvGrpSpPr>
+        <p:cNvPr id="1" name=""/>
+        <p:cNvGrpSpPr/>
+        <p:nvPr/>
+      </p:nvGrpSpPr>
+      <p:grpSpPr>
+        <a:xfrm>
+          <a:off x="0" y="0"/>
+          <a:ext cx="0" cy="0"/>
+          <a:chOff x="0" y="0"/>
+          <a:chExt cx="0" cy="0"/>
+        </a:xfrm>
+      </p:grpSpPr>
+      <p:sp>
+        <p:nvSpPr>
+          <p:cNvPr id="2" name="Cím 1"/>
+          <p:cNvSpPr>
+            <a:spLocks noGrp="1"/>
+          </p:cNvSpPr>
+          <p:nvPr>
+            <p:ph type="title"/>
+          </p:nvPr>
+        </p:nvSpPr>
         <p:spPr>
           <a:xfrm>
             <a:off x="913795" y="2565400"/>
@@ -5993,7 +6228,7 @@
 </p:sld>
 </file>
 
-<file path=ppt/slides/slide12.xml><?xml version="1.0" encoding="utf-8"?>
+<file path=ppt/slides/slide13.xml><?xml version="1.0" encoding="utf-8"?>
 <p:sld xmlns:a="http://schemas.openxmlformats.org/drawingml/2006/main" xmlns:r="http://schemas.openxmlformats.org/officeDocument/2006/relationships" xmlns:p="http://schemas.openxmlformats.org/presentationml/2006/main">
   <p:cSld>
     <p:spTree>
@@ -7022,7 +7257,7 @@
                 <a:latin typeface="Times New Roman" panose="02020603050405020304" pitchFamily="18" charset="0"/>
                 <a:cs typeface="Times New Roman" panose="02020603050405020304" pitchFamily="18" charset="0"/>
               </a:rPr>
-              <a:t>Főbb részei</a:t>
+              <a:t>Főbb Részei</a:t>
             </a:r>
             <a:endParaRPr lang="hu-HU" dirty="0">
               <a:latin typeface="Times New Roman" panose="02020603050405020304" pitchFamily="18" charset="0"/>
@@ -7043,8 +7278,8 @@
         </p:nvSpPr>
         <p:spPr>
           <a:xfrm>
-            <a:off x="913795" y="1755241"/>
-            <a:ext cx="4007340" cy="4911565"/>
+            <a:off x="913794" y="1803863"/>
+            <a:ext cx="3799521" cy="4721628"/>
           </a:xfrm>
         </p:spPr>
         <p:txBody>
@@ -7055,89 +7290,134 @@
           <a:p>
             <a:r>
               <a:rPr lang="hu-HU" sz="3000" dirty="0" smtClean="0">
-                <a:latin typeface="Times New Roman" panose="02020603050405020304" pitchFamily="18" charset="0"/>
-                <a:cs typeface="Times New Roman" panose="02020603050405020304" pitchFamily="18" charset="0"/>
-              </a:rPr>
-              <a:t>ALU:</a:t>
+                <a:effectLst>
+                  <a:outerShdw blurRad="38100" dist="38100" dir="2700000" algn="tl">
+                    <a:srgbClr val="000000">
+                      <a:alpha val="43137"/>
+                    </a:srgbClr>
+                  </a:outerShdw>
+                </a:effectLst>
+                <a:latin typeface="Times New Roman" panose="02020603050405020304" pitchFamily="18" charset="0"/>
+                <a:cs typeface="Times New Roman" panose="02020603050405020304" pitchFamily="18" charset="0"/>
+              </a:rPr>
+              <a:t>CU:</a:t>
             </a:r>
           </a:p>
           <a:p>
             <a:pPr lvl="1"/>
             <a:r>
               <a:rPr lang="hu-HU" sz="3000" dirty="0" smtClean="0">
-                <a:latin typeface="Times New Roman" panose="02020603050405020304" pitchFamily="18" charset="0"/>
-                <a:cs typeface="Times New Roman" panose="02020603050405020304" pitchFamily="18" charset="0"/>
-              </a:rPr>
-              <a:t>Matematikai és logikai műveletek</a:t>
+                <a:effectLst>
+                  <a:outerShdw blurRad="38100" dist="38100" dir="2700000" algn="tl">
+                    <a:srgbClr val="000000">
+                      <a:alpha val="43137"/>
+                    </a:srgbClr>
+                  </a:outerShdw>
+                </a:effectLst>
+                <a:latin typeface="Times New Roman" panose="02020603050405020304" pitchFamily="18" charset="0"/>
+                <a:cs typeface="Times New Roman" panose="02020603050405020304" pitchFamily="18" charset="0"/>
+              </a:rPr>
+              <a:t>Szervezés</a:t>
             </a:r>
           </a:p>
           <a:p>
             <a:pPr lvl="1"/>
             <a:r>
               <a:rPr lang="hu-HU" sz="3000" dirty="0" smtClean="0">
-                <a:latin typeface="Times New Roman" panose="02020603050405020304" pitchFamily="18" charset="0"/>
-                <a:cs typeface="Times New Roman" panose="02020603050405020304" pitchFamily="18" charset="0"/>
-              </a:rPr>
-              <a:t>FPU (</a:t>
-            </a:r>
-            <a:r>
-              <a:rPr lang="hu-HU" sz="3000" dirty="0" err="1" smtClean="0">
-                <a:latin typeface="Times New Roman" panose="02020603050405020304" pitchFamily="18" charset="0"/>
-                <a:cs typeface="Times New Roman" panose="02020603050405020304" pitchFamily="18" charset="0"/>
-              </a:rPr>
-              <a:t>Floating</a:t>
-            </a:r>
-            <a:r>
-              <a:rPr lang="hu-HU" sz="3000" dirty="0" smtClean="0">
-                <a:latin typeface="Times New Roman" panose="02020603050405020304" pitchFamily="18" charset="0"/>
-                <a:cs typeface="Times New Roman" panose="02020603050405020304" pitchFamily="18" charset="0"/>
-              </a:rPr>
-              <a:t> </a:t>
-            </a:r>
-            <a:r>
-              <a:rPr lang="hu-HU" sz="3000" dirty="0" err="1" smtClean="0">
-                <a:latin typeface="Times New Roman" panose="02020603050405020304" pitchFamily="18" charset="0"/>
-                <a:cs typeface="Times New Roman" panose="02020603050405020304" pitchFamily="18" charset="0"/>
-              </a:rPr>
-              <a:t>Point</a:t>
-            </a:r>
-            <a:r>
-              <a:rPr lang="hu-HU" sz="3000" dirty="0" smtClean="0">
-                <a:latin typeface="Times New Roman" panose="02020603050405020304" pitchFamily="18" charset="0"/>
-                <a:cs typeface="Times New Roman" panose="02020603050405020304" pitchFamily="18" charset="0"/>
-              </a:rPr>
-              <a:t> Unit)</a:t>
+                <a:effectLst>
+                  <a:outerShdw blurRad="38100" dist="38100" dir="2700000" algn="tl">
+                    <a:srgbClr val="000000">
+                      <a:alpha val="43137"/>
+                    </a:srgbClr>
+                  </a:outerShdw>
+                </a:effectLst>
+                <a:latin typeface="Times New Roman" panose="02020603050405020304" pitchFamily="18" charset="0"/>
+                <a:cs typeface="Times New Roman" panose="02020603050405020304" pitchFamily="18" charset="0"/>
+              </a:rPr>
+              <a:t>Ütemezés</a:t>
             </a:r>
           </a:p>
           <a:p>
             <a:pPr lvl="1"/>
-            <a:r>
-              <a:rPr lang="hu-HU" sz="3000" dirty="0" smtClean="0">
-                <a:latin typeface="Times New Roman" panose="02020603050405020304" pitchFamily="18" charset="0"/>
-                <a:cs typeface="Times New Roman" panose="02020603050405020304" pitchFamily="18" charset="0"/>
-              </a:rPr>
-              <a:t>Részegység</a:t>
-            </a:r>
-          </a:p>
-          <a:p>
-            <a:pPr lvl="1"/>
-            <a:r>
-              <a:rPr lang="hu-HU" sz="3000" dirty="0" smtClean="0">
-                <a:latin typeface="Times New Roman" panose="02020603050405020304" pitchFamily="18" charset="0"/>
-                <a:cs typeface="Times New Roman" panose="02020603050405020304" pitchFamily="18" charset="0"/>
-              </a:rPr>
-              <a:t>Beépített</a:t>
-            </a:r>
-            <a:endParaRPr lang="hu-HU" sz="3000" dirty="0">
+            <a:endParaRPr lang="hu-HU" sz="3000" dirty="0" smtClean="0">
+              <a:effectLst>
+                <a:outerShdw blurRad="38100" dist="38100" dir="2700000" algn="tl">
+                  <a:srgbClr val="000000">
+                    <a:alpha val="43137"/>
+                  </a:srgbClr>
+                </a:outerShdw>
+              </a:effectLst>
               <a:latin typeface="Times New Roman" panose="02020603050405020304" pitchFamily="18" charset="0"/>
               <a:cs typeface="Times New Roman" panose="02020603050405020304" pitchFamily="18" charset="0"/>
             </a:endParaRPr>
           </a:p>
+          <a:p>
+            <a:pPr lvl="1"/>
+            <a:r>
+              <a:rPr lang="hu-HU" sz="3000" dirty="0" smtClean="0">
+                <a:effectLst>
+                  <a:outerShdw blurRad="38100" dist="38100" dir="2700000" algn="tl">
+                    <a:srgbClr val="000000">
+                      <a:alpha val="43137"/>
+                    </a:srgbClr>
+                  </a:outerShdw>
+                </a:effectLst>
+                <a:latin typeface="Times New Roman" panose="02020603050405020304" pitchFamily="18" charset="0"/>
+                <a:cs typeface="Times New Roman" panose="02020603050405020304" pitchFamily="18" charset="0"/>
+              </a:rPr>
+              <a:t>Értelmez</a:t>
+            </a:r>
+          </a:p>
+          <a:p>
+            <a:pPr lvl="1"/>
+            <a:r>
+              <a:rPr lang="hu-HU" sz="3000" dirty="0" smtClean="0">
+                <a:effectLst>
+                  <a:outerShdw blurRad="38100" dist="38100" dir="2700000" algn="tl">
+                    <a:srgbClr val="000000">
+                      <a:alpha val="43137"/>
+                    </a:srgbClr>
+                  </a:outerShdw>
+                </a:effectLst>
+                <a:latin typeface="Times New Roman" panose="02020603050405020304" pitchFamily="18" charset="0"/>
+                <a:cs typeface="Times New Roman" panose="02020603050405020304" pitchFamily="18" charset="0"/>
+              </a:rPr>
+              <a:t>Végrehajt</a:t>
+            </a:r>
+          </a:p>
+          <a:p>
+            <a:pPr lvl="1"/>
+            <a:r>
+              <a:rPr lang="hu-HU" sz="3000" dirty="0" smtClean="0">
+                <a:effectLst>
+                  <a:outerShdw blurRad="38100" dist="38100" dir="2700000" algn="tl">
+                    <a:srgbClr val="000000">
+                      <a:alpha val="43137"/>
+                    </a:srgbClr>
+                  </a:outerShdw>
+                </a:effectLst>
+                <a:latin typeface="Times New Roman" panose="02020603050405020304" pitchFamily="18" charset="0"/>
+                <a:cs typeface="Times New Roman" panose="02020603050405020304" pitchFamily="18" charset="0"/>
+              </a:rPr>
+              <a:t>Következő utasítás</a:t>
+            </a:r>
+            <a:endParaRPr lang="hu-HU" sz="3000" dirty="0">
+              <a:effectLst>
+                <a:outerShdw blurRad="38100" dist="38100" dir="2700000" algn="tl">
+                  <a:srgbClr val="000000">
+                    <a:alpha val="43137"/>
+                  </a:srgbClr>
+                </a:outerShdw>
+              </a:effectLst>
+              <a:latin typeface="Times New Roman" panose="02020603050405020304" pitchFamily="18" charset="0"/>
+              <a:cs typeface="Times New Roman" panose="02020603050405020304" pitchFamily="18" charset="0"/>
+            </a:endParaRPr>
+          </a:p>
         </p:txBody>
       </p:sp>
       <p:pic>
         <p:nvPicPr>
-          <p:cNvPr id="4" name="Picture 2" descr="https://computersciencewiki.org/images/1/1a/Cpu_diagram.png"/>
+          <p:cNvPr id="5" name="Picture 2" descr="https://computersciencewiki.org/images/1/1a/Cpu_diagram.png"/>
           <p:cNvPicPr>
             <a:picLocks noChangeAspect="1" noChangeArrowheads="1"/>
           </p:cNvPicPr>
@@ -7222,7 +7502,7 @@
     </p:spTree>
     <p:extLst>
       <p:ext uri="{BB962C8B-B14F-4D97-AF65-F5344CB8AC3E}">
-        <p14:creationId xmlns:p14="http://schemas.microsoft.com/office/powerpoint/2010/main" val="2591989352"/>
+        <p14:creationId xmlns:p14="http://schemas.microsoft.com/office/powerpoint/2010/main" val="104387287"/>
       </p:ext>
     </p:extLst>
   </p:cSld>
@@ -7276,7 +7556,7 @@
                 <a:latin typeface="Times New Roman" panose="02020603050405020304" pitchFamily="18" charset="0"/>
                 <a:cs typeface="Times New Roman" panose="02020603050405020304" pitchFamily="18" charset="0"/>
               </a:rPr>
-              <a:t>Főbb Részei</a:t>
+              <a:t>Főbb részei</a:t>
             </a:r>
             <a:endParaRPr lang="hu-HU" dirty="0">
               <a:latin typeface="Times New Roman" panose="02020603050405020304" pitchFamily="18" charset="0"/>
@@ -7297,8 +7577,8 @@
         </p:nvSpPr>
         <p:spPr>
           <a:xfrm>
-            <a:off x="913794" y="1803863"/>
-            <a:ext cx="3799521" cy="4721628"/>
+            <a:off x="913795" y="1755241"/>
+            <a:ext cx="4007340" cy="4911565"/>
           </a:xfrm>
         </p:spPr>
         <p:txBody>
@@ -7309,134 +7589,89 @@
           <a:p>
             <a:r>
               <a:rPr lang="hu-HU" sz="3000" dirty="0" smtClean="0">
-                <a:effectLst>
-                  <a:outerShdw blurRad="38100" dist="38100" dir="2700000" algn="tl">
-                    <a:srgbClr val="000000">
-                      <a:alpha val="43137"/>
-                    </a:srgbClr>
-                  </a:outerShdw>
-                </a:effectLst>
-                <a:latin typeface="Times New Roman" panose="02020603050405020304" pitchFamily="18" charset="0"/>
-                <a:cs typeface="Times New Roman" panose="02020603050405020304" pitchFamily="18" charset="0"/>
-              </a:rPr>
-              <a:t>CU:</a:t>
+                <a:latin typeface="Times New Roman" panose="02020603050405020304" pitchFamily="18" charset="0"/>
+                <a:cs typeface="Times New Roman" panose="02020603050405020304" pitchFamily="18" charset="0"/>
+              </a:rPr>
+              <a:t>ALU:</a:t>
             </a:r>
           </a:p>
           <a:p>
             <a:pPr lvl="1"/>
             <a:r>
               <a:rPr lang="hu-HU" sz="3000" dirty="0" smtClean="0">
-                <a:effectLst>
-                  <a:outerShdw blurRad="38100" dist="38100" dir="2700000" algn="tl">
-                    <a:srgbClr val="000000">
-                      <a:alpha val="43137"/>
-                    </a:srgbClr>
-                  </a:outerShdw>
-                </a:effectLst>
-                <a:latin typeface="Times New Roman" panose="02020603050405020304" pitchFamily="18" charset="0"/>
-                <a:cs typeface="Times New Roman" panose="02020603050405020304" pitchFamily="18" charset="0"/>
-              </a:rPr>
-              <a:t>Szervezés</a:t>
+                <a:latin typeface="Times New Roman" panose="02020603050405020304" pitchFamily="18" charset="0"/>
+                <a:cs typeface="Times New Roman" panose="02020603050405020304" pitchFamily="18" charset="0"/>
+              </a:rPr>
+              <a:t>Matematikai és logikai műveletek</a:t>
             </a:r>
           </a:p>
           <a:p>
             <a:pPr lvl="1"/>
             <a:r>
               <a:rPr lang="hu-HU" sz="3000" dirty="0" smtClean="0">
-                <a:effectLst>
-                  <a:outerShdw blurRad="38100" dist="38100" dir="2700000" algn="tl">
-                    <a:srgbClr val="000000">
-                      <a:alpha val="43137"/>
-                    </a:srgbClr>
-                  </a:outerShdw>
-                </a:effectLst>
-                <a:latin typeface="Times New Roman" panose="02020603050405020304" pitchFamily="18" charset="0"/>
-                <a:cs typeface="Times New Roman" panose="02020603050405020304" pitchFamily="18" charset="0"/>
-              </a:rPr>
-              <a:t>Ütemezés</a:t>
+                <a:latin typeface="Times New Roman" panose="02020603050405020304" pitchFamily="18" charset="0"/>
+                <a:cs typeface="Times New Roman" panose="02020603050405020304" pitchFamily="18" charset="0"/>
+              </a:rPr>
+              <a:t>FPU (</a:t>
+            </a:r>
+            <a:r>
+              <a:rPr lang="hu-HU" sz="3000" dirty="0" err="1" smtClean="0">
+                <a:latin typeface="Times New Roman" panose="02020603050405020304" pitchFamily="18" charset="0"/>
+                <a:cs typeface="Times New Roman" panose="02020603050405020304" pitchFamily="18" charset="0"/>
+              </a:rPr>
+              <a:t>Floating</a:t>
+            </a:r>
+            <a:r>
+              <a:rPr lang="hu-HU" sz="3000" dirty="0" smtClean="0">
+                <a:latin typeface="Times New Roman" panose="02020603050405020304" pitchFamily="18" charset="0"/>
+                <a:cs typeface="Times New Roman" panose="02020603050405020304" pitchFamily="18" charset="0"/>
+              </a:rPr>
+              <a:t> </a:t>
+            </a:r>
+            <a:r>
+              <a:rPr lang="hu-HU" sz="3000" dirty="0" err="1" smtClean="0">
+                <a:latin typeface="Times New Roman" panose="02020603050405020304" pitchFamily="18" charset="0"/>
+                <a:cs typeface="Times New Roman" panose="02020603050405020304" pitchFamily="18" charset="0"/>
+              </a:rPr>
+              <a:t>Point</a:t>
+            </a:r>
+            <a:r>
+              <a:rPr lang="hu-HU" sz="3000" dirty="0" smtClean="0">
+                <a:latin typeface="Times New Roman" panose="02020603050405020304" pitchFamily="18" charset="0"/>
+                <a:cs typeface="Times New Roman" panose="02020603050405020304" pitchFamily="18" charset="0"/>
+              </a:rPr>
+              <a:t> Unit)</a:t>
             </a:r>
           </a:p>
           <a:p>
             <a:pPr lvl="1"/>
-            <a:endParaRPr lang="hu-HU" sz="3000" dirty="0" smtClean="0">
-              <a:effectLst>
-                <a:outerShdw blurRad="38100" dist="38100" dir="2700000" algn="tl">
-                  <a:srgbClr val="000000">
-                    <a:alpha val="43137"/>
-                  </a:srgbClr>
-                </a:outerShdw>
-              </a:effectLst>
+            <a:r>
+              <a:rPr lang="hu-HU" sz="3000" dirty="0" smtClean="0">
+                <a:latin typeface="Times New Roman" panose="02020603050405020304" pitchFamily="18" charset="0"/>
+                <a:cs typeface="Times New Roman" panose="02020603050405020304" pitchFamily="18" charset="0"/>
+              </a:rPr>
+              <a:t>Részegység</a:t>
+            </a:r>
+          </a:p>
+          <a:p>
+            <a:pPr lvl="1"/>
+            <a:r>
+              <a:rPr lang="hu-HU" sz="3000" dirty="0" smtClean="0">
+                <a:latin typeface="Times New Roman" panose="02020603050405020304" pitchFamily="18" charset="0"/>
+                <a:cs typeface="Times New Roman" panose="02020603050405020304" pitchFamily="18" charset="0"/>
+              </a:rPr>
+              <a:t>Beépített</a:t>
+            </a:r>
+            <a:endParaRPr lang="hu-HU" sz="3000" dirty="0">
               <a:latin typeface="Times New Roman" panose="02020603050405020304" pitchFamily="18" charset="0"/>
               <a:cs typeface="Times New Roman" panose="02020603050405020304" pitchFamily="18" charset="0"/>
             </a:endParaRPr>
           </a:p>
-          <a:p>
-            <a:pPr lvl="1"/>
-            <a:r>
-              <a:rPr lang="hu-HU" sz="3000" dirty="0" smtClean="0">
-                <a:effectLst>
-                  <a:outerShdw blurRad="38100" dist="38100" dir="2700000" algn="tl">
-                    <a:srgbClr val="000000">
-                      <a:alpha val="43137"/>
-                    </a:srgbClr>
-                  </a:outerShdw>
-                </a:effectLst>
-                <a:latin typeface="Times New Roman" panose="02020603050405020304" pitchFamily="18" charset="0"/>
-                <a:cs typeface="Times New Roman" panose="02020603050405020304" pitchFamily="18" charset="0"/>
-              </a:rPr>
-              <a:t>Értelmez</a:t>
-            </a:r>
-          </a:p>
-          <a:p>
-            <a:pPr lvl="1"/>
-            <a:r>
-              <a:rPr lang="hu-HU" sz="3000" dirty="0" smtClean="0">
-                <a:effectLst>
-                  <a:outerShdw blurRad="38100" dist="38100" dir="2700000" algn="tl">
-                    <a:srgbClr val="000000">
-                      <a:alpha val="43137"/>
-                    </a:srgbClr>
-                  </a:outerShdw>
-                </a:effectLst>
-                <a:latin typeface="Times New Roman" panose="02020603050405020304" pitchFamily="18" charset="0"/>
-                <a:cs typeface="Times New Roman" panose="02020603050405020304" pitchFamily="18" charset="0"/>
-              </a:rPr>
-              <a:t>Végrehajt</a:t>
-            </a:r>
-          </a:p>
-          <a:p>
-            <a:pPr lvl="1"/>
-            <a:r>
-              <a:rPr lang="hu-HU" sz="3000" dirty="0" smtClean="0">
-                <a:effectLst>
-                  <a:outerShdw blurRad="38100" dist="38100" dir="2700000" algn="tl">
-                    <a:srgbClr val="000000">
-                      <a:alpha val="43137"/>
-                    </a:srgbClr>
-                  </a:outerShdw>
-                </a:effectLst>
-                <a:latin typeface="Times New Roman" panose="02020603050405020304" pitchFamily="18" charset="0"/>
-                <a:cs typeface="Times New Roman" panose="02020603050405020304" pitchFamily="18" charset="0"/>
-              </a:rPr>
-              <a:t>Következő utasítás</a:t>
-            </a:r>
-            <a:endParaRPr lang="hu-HU" sz="3000" dirty="0">
-              <a:effectLst>
-                <a:outerShdw blurRad="38100" dist="38100" dir="2700000" algn="tl">
-                  <a:srgbClr val="000000">
-                    <a:alpha val="43137"/>
-                  </a:srgbClr>
-                </a:outerShdw>
-              </a:effectLst>
-              <a:latin typeface="Times New Roman" panose="02020603050405020304" pitchFamily="18" charset="0"/>
-              <a:cs typeface="Times New Roman" panose="02020603050405020304" pitchFamily="18" charset="0"/>
-            </a:endParaRPr>
-          </a:p>
         </p:txBody>
       </p:sp>
       <p:pic>
         <p:nvPicPr>
-          <p:cNvPr id="5" name="Picture 2" descr="https://computersciencewiki.org/images/1/1a/Cpu_diagram.png"/>
+          <p:cNvPr id="4" name="Picture 2" descr="https://computersciencewiki.org/images/1/1a/Cpu_diagram.png"/>
           <p:cNvPicPr>
             <a:picLocks noChangeAspect="1" noChangeArrowheads="1"/>
           </p:cNvPicPr>
@@ -7521,7 +7756,7 @@
     </p:spTree>
     <p:extLst>
       <p:ext uri="{BB962C8B-B14F-4D97-AF65-F5344CB8AC3E}">
-        <p14:creationId xmlns:p14="http://schemas.microsoft.com/office/powerpoint/2010/main" val="104387287"/>
+        <p14:creationId xmlns:p14="http://schemas.microsoft.com/office/powerpoint/2010/main" val="2591989352"/>
       </p:ext>
     </p:extLst>
   </p:cSld>

--- a/Processzorok.pptx
+++ b/Processzorok.pptx
@@ -9,15 +9,12 @@
     <p:sldId id="259" r:id="rId3"/>
     <p:sldId id="257" r:id="rId4"/>
     <p:sldId id="260" r:id="rId5"/>
-    <p:sldId id="271" r:id="rId6"/>
-    <p:sldId id="273" r:id="rId7"/>
-    <p:sldId id="272" r:id="rId8"/>
-    <p:sldId id="269" r:id="rId9"/>
-    <p:sldId id="265" r:id="rId10"/>
-    <p:sldId id="274" r:id="rId11"/>
-    <p:sldId id="275" r:id="rId12"/>
-    <p:sldId id="258" r:id="rId13"/>
-    <p:sldId id="262" r:id="rId14"/>
+    <p:sldId id="261" r:id="rId6"/>
+    <p:sldId id="263" r:id="rId7"/>
+    <p:sldId id="264" r:id="rId8"/>
+    <p:sldId id="265" r:id="rId9"/>
+    <p:sldId id="258" r:id="rId10"/>
+    <p:sldId id="262" r:id="rId11"/>
   </p:sldIdLst>
   <p:sldSz cx="12192000" cy="6858000"/>
   <p:notesSz cx="6858000" cy="9144000"/>
@@ -116,11 +113,6 @@
       </a:defRPr>
     </a:lvl9pPr>
   </p:defaultTextStyle>
-  <p:extLst>
-    <p:ext uri="{EFAFB233-063F-42B5-8137-9DF3F51BA10A}">
-      <p15:sldGuideLst xmlns:p15="http://schemas.microsoft.com/office/powerpoint/2012/main"/>
-    </p:ext>
-  </p:extLst>
 </p:presentation>
 </file>
 
@@ -257,7 +249,7 @@
           <a:p>
             <a:fld id="{3FA18FD4-B378-4D3A-AEFB-1F3E4F59479F}" type="datetimeFigureOut">
               <a:rPr lang="hu-HU" smtClean="0"/>
-              <a:t>2022. 09. 28.</a:t>
+              <a:t>2022.09.15.</a:t>
             </a:fld>
             <a:endParaRPr lang="hu-HU"/>
           </a:p>
@@ -544,7 +536,7 @@
           <a:p>
             <a:fld id="{3FA18FD4-B378-4D3A-AEFB-1F3E4F59479F}" type="datetimeFigureOut">
               <a:rPr lang="hu-HU" smtClean="0"/>
-              <a:t>2022. 09. 28.</a:t>
+              <a:t>2022.09.15.</a:t>
             </a:fld>
             <a:endParaRPr lang="hu-HU"/>
           </a:p>
@@ -736,7 +728,7 @@
           <a:p>
             <a:fld id="{3FA18FD4-B378-4D3A-AEFB-1F3E4F59479F}" type="datetimeFigureOut">
               <a:rPr lang="hu-HU" smtClean="0"/>
-              <a:t>2022. 09. 28.</a:t>
+              <a:t>2022.09.15.</a:t>
             </a:fld>
             <a:endParaRPr lang="hu-HU"/>
           </a:p>
@@ -997,7 +989,7 @@
           <a:p>
             <a:fld id="{3FA18FD4-B378-4D3A-AEFB-1F3E4F59479F}" type="datetimeFigureOut">
               <a:rPr lang="hu-HU" smtClean="0"/>
-              <a:t>2022. 09. 28.</a:t>
+              <a:t>2022.09.15.</a:t>
             </a:fld>
             <a:endParaRPr lang="hu-HU"/>
           </a:p>
@@ -1421,7 +1413,7 @@
           <a:p>
             <a:fld id="{3FA18FD4-B378-4D3A-AEFB-1F3E4F59479F}" type="datetimeFigureOut">
               <a:rPr lang="hu-HU" smtClean="0"/>
-              <a:t>2022. 09. 28.</a:t>
+              <a:t>2022.09.15.</a:t>
             </a:fld>
             <a:endParaRPr lang="hu-HU"/>
           </a:p>
@@ -1967,7 +1959,7 @@
           <a:p>
             <a:fld id="{3FA18FD4-B378-4D3A-AEFB-1F3E4F59479F}" type="datetimeFigureOut">
               <a:rPr lang="hu-HU" smtClean="0"/>
-              <a:t>2022. 09. 28.</a:t>
+              <a:t>2022.09.15.</a:t>
             </a:fld>
             <a:endParaRPr lang="hu-HU"/>
           </a:p>
@@ -2807,7 +2799,7 @@
           <a:p>
             <a:fld id="{3FA18FD4-B378-4D3A-AEFB-1F3E4F59479F}" type="datetimeFigureOut">
               <a:rPr lang="hu-HU" smtClean="0"/>
-              <a:t>2022. 09. 28.</a:t>
+              <a:t>2022.09.15.</a:t>
             </a:fld>
             <a:endParaRPr lang="hu-HU"/>
           </a:p>
@@ -2977,7 +2969,7 @@
           <a:p>
             <a:fld id="{3FA18FD4-B378-4D3A-AEFB-1F3E4F59479F}" type="datetimeFigureOut">
               <a:rPr lang="hu-HU" smtClean="0"/>
-              <a:t>2022. 09. 28.</a:t>
+              <a:t>2022.09.15.</a:t>
             </a:fld>
             <a:endParaRPr lang="hu-HU"/>
           </a:p>
@@ -3161,7 +3153,7 @@
           <a:p>
             <a:fld id="{3FA18FD4-B378-4D3A-AEFB-1F3E4F59479F}" type="datetimeFigureOut">
               <a:rPr lang="hu-HU" smtClean="0"/>
-              <a:t>2022. 09. 28.</a:t>
+              <a:t>2022.09.15.</a:t>
             </a:fld>
             <a:endParaRPr lang="hu-HU"/>
           </a:p>
@@ -3331,7 +3323,7 @@
           <a:p>
             <a:fld id="{3FA18FD4-B378-4D3A-AEFB-1F3E4F59479F}" type="datetimeFigureOut">
               <a:rPr lang="hu-HU" smtClean="0"/>
-              <a:t>2022. 09. 28.</a:t>
+              <a:t>2022.09.15.</a:t>
             </a:fld>
             <a:endParaRPr lang="hu-HU"/>
           </a:p>
@@ -3579,7 +3571,7 @@
           <a:p>
             <a:fld id="{3FA18FD4-B378-4D3A-AEFB-1F3E4F59479F}" type="datetimeFigureOut">
               <a:rPr lang="hu-HU" smtClean="0"/>
-              <a:t>2022. 09. 28.</a:t>
+              <a:t>2022.09.15.</a:t>
             </a:fld>
             <a:endParaRPr lang="hu-HU"/>
           </a:p>
@@ -3816,7 +3808,7 @@
           <a:p>
             <a:fld id="{3FA18FD4-B378-4D3A-AEFB-1F3E4F59479F}" type="datetimeFigureOut">
               <a:rPr lang="hu-HU" smtClean="0"/>
-              <a:t>2022. 09. 28.</a:t>
+              <a:t>2022.09.15.</a:t>
             </a:fld>
             <a:endParaRPr lang="hu-HU"/>
           </a:p>
@@ -4189,7 +4181,7 @@
           <a:p>
             <a:fld id="{3FA18FD4-B378-4D3A-AEFB-1F3E4F59479F}" type="datetimeFigureOut">
               <a:rPr lang="hu-HU" smtClean="0"/>
-              <a:t>2022. 09. 28.</a:t>
+              <a:t>2022.09.15.</a:t>
             </a:fld>
             <a:endParaRPr lang="hu-HU"/>
           </a:p>
@@ -4307,7 +4299,7 @@
           <a:p>
             <a:fld id="{3FA18FD4-B378-4D3A-AEFB-1F3E4F59479F}" type="datetimeFigureOut">
               <a:rPr lang="hu-HU" smtClean="0"/>
-              <a:t>2022. 09. 28.</a:t>
+              <a:t>2022.09.15.</a:t>
             </a:fld>
             <a:endParaRPr lang="hu-HU"/>
           </a:p>
@@ -4402,7 +4394,7 @@
           <a:p>
             <a:fld id="{3FA18FD4-B378-4D3A-AEFB-1F3E4F59479F}" type="datetimeFigureOut">
               <a:rPr lang="hu-HU" smtClean="0"/>
-              <a:t>2022. 09. 28.</a:t>
+              <a:t>2022.09.15.</a:t>
             </a:fld>
             <a:endParaRPr lang="hu-HU"/>
           </a:p>
@@ -4653,7 +4645,7 @@
           <a:p>
             <a:fld id="{3FA18FD4-B378-4D3A-AEFB-1F3E4F59479F}" type="datetimeFigureOut">
               <a:rPr lang="hu-HU" smtClean="0"/>
-              <a:t>2022. 09. 28.</a:t>
+              <a:t>2022.09.15.</a:t>
             </a:fld>
             <a:endParaRPr lang="hu-HU"/>
           </a:p>
@@ -4940,7 +4932,7 @@
           <a:p>
             <a:fld id="{3FA18FD4-B378-4D3A-AEFB-1F3E4F59479F}" type="datetimeFigureOut">
               <a:rPr lang="hu-HU" smtClean="0"/>
-              <a:t>2022. 09. 28.</a:t>
+              <a:t>2022.09.15.</a:t>
             </a:fld>
             <a:endParaRPr lang="hu-HU"/>
           </a:p>
@@ -5153,7 +5145,7 @@
           <a:p>
             <a:fld id="{3FA18FD4-B378-4D3A-AEFB-1F3E4F59479F}" type="datetimeFigureOut">
               <a:rPr lang="hu-HU" smtClean="0"/>
-              <a:t>2022. 09. 28.</a:t>
+              <a:t>2022.09.15.</a:t>
             </a:fld>
             <a:endParaRPr lang="hu-HU"/>
           </a:p>
@@ -5650,16 +5642,10 @@
           <a:lstStyle/>
           <a:p>
             <a:r>
-              <a:rPr lang="hu-HU" dirty="0" smtClean="0">
-                <a:latin typeface="Times New Roman" panose="02020603050405020304" pitchFamily="18" charset="0"/>
-                <a:cs typeface="Times New Roman" panose="02020603050405020304" pitchFamily="18" charset="0"/>
-              </a:rPr>
+              <a:rPr lang="hu-HU" dirty="0" smtClean="0"/>
               <a:t>Processzorok</a:t>
             </a:r>
-            <a:endParaRPr lang="hu-HU" dirty="0">
-              <a:latin typeface="Times New Roman" panose="02020603050405020304" pitchFamily="18" charset="0"/>
-              <a:cs typeface="Times New Roman" panose="02020603050405020304" pitchFamily="18" charset="0"/>
-            </a:endParaRPr>
+            <a:endParaRPr lang="hu-HU" dirty="0"/>
           </a:p>
         </p:txBody>
       </p:sp>
@@ -5684,16 +5670,10 @@
           <a:lstStyle/>
           <a:p>
             <a:r>
-              <a:rPr lang="hu-HU" dirty="0" smtClean="0">
-                <a:latin typeface="Times New Roman" panose="02020603050405020304" pitchFamily="18" charset="0"/>
-                <a:cs typeface="Times New Roman" panose="02020603050405020304" pitchFamily="18" charset="0"/>
-              </a:rPr>
+              <a:rPr lang="hu-HU" dirty="0" smtClean="0"/>
               <a:t>Készítette: Mészáros Richárd 11.A</a:t>
             </a:r>
-            <a:endParaRPr lang="hu-HU" dirty="0">
-              <a:latin typeface="Times New Roman" panose="02020603050405020304" pitchFamily="18" charset="0"/>
-              <a:cs typeface="Times New Roman" panose="02020603050405020304" pitchFamily="18" charset="0"/>
-            </a:endParaRPr>
+            <a:endParaRPr lang="hu-HU" dirty="0"/>
           </a:p>
         </p:txBody>
       </p:sp>
@@ -5750,16 +5730,10 @@
           <a:lstStyle/>
           <a:p>
             <a:r>
-              <a:rPr lang="hu-HU" dirty="0" smtClean="0">
-                <a:latin typeface="Times New Roman" panose="02020603050405020304" pitchFamily="18" charset="0"/>
-                <a:cs typeface="Times New Roman" panose="02020603050405020304" pitchFamily="18" charset="0"/>
-              </a:rPr>
-              <a:t>Frekvencia (órajel)</a:t>
-            </a:r>
-            <a:endParaRPr lang="hu-HU" dirty="0">
-              <a:latin typeface="Times New Roman" panose="02020603050405020304" pitchFamily="18" charset="0"/>
-              <a:cs typeface="Times New Roman" panose="02020603050405020304" pitchFamily="18" charset="0"/>
-            </a:endParaRPr>
+              <a:rPr lang="hu-HU" dirty="0" smtClean="0"/>
+              <a:t>Források</a:t>
+            </a:r>
+            <a:endParaRPr lang="hu-HU" dirty="0"/>
           </a:p>
         </p:txBody>
       </p:sp>
@@ -5773,530 +5747,14 @@
             <p:ph idx="1"/>
           </p:nvPr>
         </p:nvSpPr>
-        <p:spPr>
-          <a:xfrm>
-            <a:off x="913795" y="1499811"/>
-            <a:ext cx="4442428" cy="5532755"/>
-          </a:xfrm>
-        </p:spPr>
-        <p:txBody>
-          <a:bodyPr>
-            <a:normAutofit/>
-          </a:bodyPr>
-          <a:lstStyle/>
-          <a:p>
-            <a:r>
-              <a:rPr lang="hu-HU" sz="3000" dirty="0" smtClean="0">
-                <a:latin typeface="Times New Roman" panose="02020603050405020304" pitchFamily="18" charset="0"/>
-                <a:cs typeface="Times New Roman" panose="02020603050405020304" pitchFamily="18" charset="0"/>
-              </a:rPr>
-              <a:t>Kvarckristály</a:t>
-            </a:r>
-            <a:endParaRPr lang="hu-HU" sz="3000" dirty="0">
-              <a:latin typeface="Times New Roman" panose="02020603050405020304" pitchFamily="18" charset="0"/>
-              <a:cs typeface="Times New Roman" panose="02020603050405020304" pitchFamily="18" charset="0"/>
-            </a:endParaRPr>
-          </a:p>
-          <a:p>
-            <a:r>
-              <a:rPr lang="hu-HU" sz="3000" dirty="0">
-                <a:latin typeface="Times New Roman" panose="02020603050405020304" pitchFamily="18" charset="0"/>
-                <a:cs typeface="Times New Roman" panose="02020603050405020304" pitchFamily="18" charset="0"/>
-              </a:rPr>
-              <a:t>Áramra rezeg</a:t>
-            </a:r>
-          </a:p>
-          <a:p>
-            <a:r>
-              <a:rPr lang="hu-HU" sz="3000" dirty="0" smtClean="0">
-                <a:latin typeface="Times New Roman" panose="02020603050405020304" pitchFamily="18" charset="0"/>
-                <a:cs typeface="Times New Roman" panose="02020603050405020304" pitchFamily="18" charset="0"/>
-              </a:rPr>
-              <a:t>Pár száz MHz</a:t>
-            </a:r>
-          </a:p>
-          <a:p>
-            <a:r>
-              <a:rPr lang="hu-HU" sz="3000" dirty="0" smtClean="0">
-                <a:latin typeface="Times New Roman" panose="02020603050405020304" pitchFamily="18" charset="0"/>
-                <a:cs typeface="Times New Roman" panose="02020603050405020304" pitchFamily="18" charset="0"/>
-              </a:rPr>
-              <a:t>Szorzó</a:t>
-            </a:r>
-          </a:p>
-          <a:p>
-            <a:r>
-              <a:rPr lang="hu-HU" sz="3000" dirty="0" smtClean="0">
-                <a:latin typeface="Times New Roman" panose="02020603050405020304" pitchFamily="18" charset="0"/>
-                <a:cs typeface="Times New Roman" panose="02020603050405020304" pitchFamily="18" charset="0"/>
-              </a:rPr>
-              <a:t>Többféle sebességű processzor</a:t>
-            </a:r>
-          </a:p>
-          <a:p>
-            <a:r>
-              <a:rPr lang="hu-HU" sz="3000" dirty="0" smtClean="0">
-                <a:latin typeface="Times New Roman" panose="02020603050405020304" pitchFamily="18" charset="0"/>
-                <a:cs typeface="Times New Roman" panose="02020603050405020304" pitchFamily="18" charset="0"/>
-              </a:rPr>
-              <a:t>Több millió jel / mp</a:t>
-            </a:r>
-          </a:p>
-          <a:p>
-            <a:r>
-              <a:rPr lang="hu-HU" sz="3000" dirty="0" smtClean="0">
-                <a:latin typeface="Times New Roman" panose="02020603050405020304" pitchFamily="18" charset="0"/>
-                <a:cs typeface="Times New Roman" panose="02020603050405020304" pitchFamily="18" charset="0"/>
-              </a:rPr>
-              <a:t>Részegység</a:t>
-            </a:r>
-            <a:endParaRPr lang="hu-HU" sz="3000" dirty="0" smtClean="0">
-              <a:latin typeface="Times New Roman" panose="02020603050405020304" pitchFamily="18" charset="0"/>
-              <a:cs typeface="Times New Roman" panose="02020603050405020304" pitchFamily="18" charset="0"/>
-            </a:endParaRPr>
-          </a:p>
-        </p:txBody>
-      </p:sp>
-      <p:pic>
-        <p:nvPicPr>
-          <p:cNvPr id="6146" name="Picture 2" descr="https://content.instructables.com/ORIG/FQ9/DG6W/JPX5BMJH/FQ9DG6WJPX5BMJH.png?auto=webp&amp;fit=bounds&amp;frame=1&amp;height=1024&amp;width=1024&amp;auto=webp&amp;frame=1&amp;height=300"/>
-          <p:cNvPicPr>
-            <a:picLocks noChangeAspect="1" noChangeArrowheads="1"/>
-          </p:cNvPicPr>
-          <p:nvPr/>
-        </p:nvPicPr>
-        <p:blipFill>
-          <a:blip r:embed="rId2">
-            <a:extLst>
-              <a:ext uri="{28A0092B-C50C-407E-A947-70E740481C1C}">
-                <a14:useLocalDpi xmlns:a14="http://schemas.microsoft.com/office/drawing/2010/main" val="0"/>
-              </a:ext>
-            </a:extLst>
-          </a:blip>
-          <a:srcRect/>
-          <a:stretch>
-            <a:fillRect/>
-          </a:stretch>
-        </p:blipFill>
-        <p:spPr bwMode="auto">
-          <a:xfrm>
-            <a:off x="5356225" y="1499812"/>
-            <a:ext cx="6207125" cy="4964488"/>
-          </a:xfrm>
-          <a:prstGeom prst="rect">
-            <a:avLst/>
-          </a:prstGeom>
-          <a:noFill/>
-          <a:extLst>
-            <a:ext uri="{909E8E84-426E-40DD-AFC4-6F175D3DCCD1}">
-              <a14:hiddenFill xmlns:a14="http://schemas.microsoft.com/office/drawing/2010/main">
-                <a:solidFill>
-                  <a:srgbClr val="FFFFFF"/>
-                </a:solidFill>
-              </a14:hiddenFill>
-            </a:ext>
-          </a:extLst>
-        </p:spPr>
-      </p:pic>
-      <p:sp>
-        <p:nvSpPr>
-          <p:cNvPr id="4" name="Szövegdoboz 3"/>
-          <p:cNvSpPr txBox="1"/>
-          <p:nvPr/>
-        </p:nvSpPr>
-        <p:spPr>
-          <a:xfrm>
-            <a:off x="7540624" y="6464300"/>
-            <a:ext cx="1838325" cy="261610"/>
-          </a:xfrm>
-          <a:prstGeom prst="rect">
-            <a:avLst/>
-          </a:prstGeom>
-          <a:noFill/>
-        </p:spPr>
-        <p:txBody>
-          <a:bodyPr wrap="square" rtlCol="0">
-            <a:spAutoFit/>
-          </a:bodyPr>
-          <a:lstStyle/>
-          <a:p>
-            <a:r>
-              <a:rPr lang="hu-HU" sz="1100" dirty="0">
-                <a:latin typeface="Times New Roman" panose="02020603050405020304" pitchFamily="18" charset="0"/>
-                <a:cs typeface="Times New Roman" panose="02020603050405020304" pitchFamily="18" charset="0"/>
-              </a:rPr>
-              <a:t>https://tinyurl.com/58ch8u3c</a:t>
-            </a:r>
-          </a:p>
-        </p:txBody>
-      </p:sp>
-    </p:spTree>
-    <p:extLst>
-      <p:ext uri="{BB962C8B-B14F-4D97-AF65-F5344CB8AC3E}">
-        <p14:creationId xmlns:p14="http://schemas.microsoft.com/office/powerpoint/2010/main" val="2636945230"/>
-      </p:ext>
-    </p:extLst>
-  </p:cSld>
-  <p:clrMapOvr>
-    <a:masterClrMapping/>
-  </p:clrMapOvr>
-  <p:timing>
-    <p:tnLst>
-      <p:par>
-        <p:cTn id="1" dur="indefinite" restart="never" nodeType="tmRoot"/>
-      </p:par>
-    </p:tnLst>
-  </p:timing>
-</p:sld>
-</file>
-
-<file path=ppt/slides/slide11.xml><?xml version="1.0" encoding="utf-8"?>
-<p:sld xmlns:a="http://schemas.openxmlformats.org/drawingml/2006/main" xmlns:r="http://schemas.openxmlformats.org/officeDocument/2006/relationships" xmlns:p="http://schemas.openxmlformats.org/presentationml/2006/main">
-  <p:cSld>
-    <p:spTree>
-      <p:nvGrpSpPr>
-        <p:cNvPr id="1" name=""/>
-        <p:cNvGrpSpPr/>
-        <p:nvPr/>
-      </p:nvGrpSpPr>
-      <p:grpSpPr>
-        <a:xfrm>
-          <a:off x="0" y="0"/>
-          <a:ext cx="0" cy="0"/>
-          <a:chOff x="0" y="0"/>
-          <a:chExt cx="0" cy="0"/>
-        </a:xfrm>
-      </p:grpSpPr>
-      <p:sp>
-        <p:nvSpPr>
-          <p:cNvPr id="2" name="Cím 1"/>
-          <p:cNvSpPr>
-            <a:spLocks noGrp="1"/>
-          </p:cNvSpPr>
-          <p:nvPr>
-            <p:ph type="title"/>
-          </p:nvPr>
-        </p:nvSpPr>
         <p:spPr/>
         <p:txBody>
           <a:bodyPr/>
           <a:lstStyle/>
           <a:p>
             <a:r>
-              <a:rPr lang="hu-HU" dirty="0" smtClean="0">
-                <a:latin typeface="Times New Roman" panose="02020603050405020304" pitchFamily="18" charset="0"/>
-                <a:cs typeface="Times New Roman" panose="02020603050405020304" pitchFamily="18" charset="0"/>
-              </a:rPr>
-              <a:t>Hűtésük</a:t>
-            </a:r>
-            <a:endParaRPr lang="hu-HU" dirty="0">
-              <a:latin typeface="Times New Roman" panose="02020603050405020304" pitchFamily="18" charset="0"/>
-              <a:cs typeface="Times New Roman" panose="02020603050405020304" pitchFamily="18" charset="0"/>
-            </a:endParaRPr>
-          </a:p>
-        </p:txBody>
-      </p:sp>
-      <p:sp>
-        <p:nvSpPr>
-          <p:cNvPr id="3" name="Tartalom helye 2"/>
-          <p:cNvSpPr>
-            <a:spLocks noGrp="1"/>
-          </p:cNvSpPr>
-          <p:nvPr>
-            <p:ph idx="1"/>
-          </p:nvPr>
-        </p:nvSpPr>
-        <p:spPr/>
-        <p:txBody>
-          <a:bodyPr>
-            <a:normAutofit/>
-          </a:bodyPr>
-          <a:lstStyle/>
-          <a:p>
-            <a:r>
-              <a:rPr lang="hu-HU" sz="3000" dirty="0" smtClean="0">
-                <a:latin typeface="Times New Roman" panose="02020603050405020304" pitchFamily="18" charset="0"/>
-                <a:ea typeface="Tahoma" panose="020B0604030504040204" pitchFamily="34" charset="0"/>
-                <a:cs typeface="Times New Roman" panose="02020603050405020304" pitchFamily="18" charset="0"/>
-              </a:rPr>
-              <a:t>Nagy frekvencia</a:t>
-            </a:r>
-          </a:p>
-          <a:p>
-            <a:r>
-              <a:rPr lang="hu-HU" sz="3000" dirty="0" smtClean="0">
-                <a:latin typeface="Times New Roman" panose="02020603050405020304" pitchFamily="18" charset="0"/>
-                <a:ea typeface="Tahoma" panose="020B0604030504040204" pitchFamily="34" charset="0"/>
-                <a:cs typeface="Times New Roman" panose="02020603050405020304" pitchFamily="18" charset="0"/>
-              </a:rPr>
-              <a:t>Magas hőmérséklet</a:t>
-            </a:r>
-          </a:p>
-          <a:p>
-            <a:r>
-              <a:rPr lang="hu-HU" sz="3000" dirty="0" smtClean="0">
-                <a:latin typeface="Times New Roman" panose="02020603050405020304" pitchFamily="18" charset="0"/>
-                <a:ea typeface="Tahoma" panose="020B0604030504040204" pitchFamily="34" charset="0"/>
-                <a:cs typeface="Times New Roman" panose="02020603050405020304" pitchFamily="18" charset="0"/>
-              </a:rPr>
-              <a:t>Hűtés fajták:</a:t>
-            </a:r>
-          </a:p>
-          <a:p>
-            <a:pPr lvl="1"/>
-            <a:r>
-              <a:rPr lang="hu-HU" sz="2800" dirty="0" smtClean="0">
-                <a:latin typeface="Times New Roman" panose="02020603050405020304" pitchFamily="18" charset="0"/>
-                <a:ea typeface="Tahoma" panose="020B0604030504040204" pitchFamily="34" charset="0"/>
-                <a:cs typeface="Times New Roman" panose="02020603050405020304" pitchFamily="18" charset="0"/>
-              </a:rPr>
-              <a:t>Léghűtés</a:t>
-            </a:r>
-          </a:p>
-          <a:p>
-            <a:pPr lvl="1"/>
-            <a:r>
-              <a:rPr lang="hu-HU" sz="2800" dirty="0" smtClean="0">
-                <a:latin typeface="Times New Roman" panose="02020603050405020304" pitchFamily="18" charset="0"/>
-                <a:ea typeface="Tahoma" panose="020B0604030504040204" pitchFamily="34" charset="0"/>
-                <a:cs typeface="Times New Roman" panose="02020603050405020304" pitchFamily="18" charset="0"/>
-              </a:rPr>
-              <a:t>Vízhűtés</a:t>
-            </a:r>
-            <a:endParaRPr lang="hu-HU" sz="2800" dirty="0">
-              <a:latin typeface="Times New Roman" panose="02020603050405020304" pitchFamily="18" charset="0"/>
-              <a:ea typeface="Tahoma" panose="020B0604030504040204" pitchFamily="34" charset="0"/>
-              <a:cs typeface="Times New Roman" panose="02020603050405020304" pitchFamily="18" charset="0"/>
-            </a:endParaRPr>
-          </a:p>
-        </p:txBody>
-      </p:sp>
-      <p:sp>
-        <p:nvSpPr>
-          <p:cNvPr id="4" name="Szövegdoboz 3"/>
-          <p:cNvSpPr txBox="1"/>
-          <p:nvPr/>
-        </p:nvSpPr>
-        <p:spPr>
-          <a:xfrm>
-            <a:off x="7248236" y="6298112"/>
-            <a:ext cx="1795549" cy="261610"/>
-          </a:xfrm>
-          <a:prstGeom prst="rect">
-            <a:avLst/>
-          </a:prstGeom>
-          <a:noFill/>
-        </p:spPr>
-        <p:txBody>
-          <a:bodyPr wrap="square" rtlCol="0">
-            <a:spAutoFit/>
-          </a:bodyPr>
-          <a:lstStyle/>
-          <a:p>
-            <a:r>
-              <a:rPr lang="hu-HU" sz="1100" dirty="0">
-                <a:latin typeface="Times New Roman" panose="02020603050405020304" pitchFamily="18" charset="0"/>
-                <a:cs typeface="Times New Roman" panose="02020603050405020304" pitchFamily="18" charset="0"/>
-              </a:rPr>
-              <a:t>https://tinyurl.com/5n7mcjry</a:t>
-            </a:r>
-          </a:p>
-        </p:txBody>
-      </p:sp>
-      <p:pic>
-        <p:nvPicPr>
-          <p:cNvPr id="1026" name="Picture 2" descr="https://assets-prd.ignimgs.com/2022/06/08/cpu-coolers-2-1654658536328.jpg?width=1280"/>
-          <p:cNvPicPr>
-            <a:picLocks noChangeAspect="1" noChangeArrowheads="1"/>
-          </p:cNvPicPr>
-          <p:nvPr/>
-        </p:nvPicPr>
-        <p:blipFill>
-          <a:blip r:embed="rId2">
-            <a:extLst>
-              <a:ext uri="{28A0092B-C50C-407E-A947-70E740481C1C}">
-                <a14:useLocalDpi xmlns:a14="http://schemas.microsoft.com/office/drawing/2010/main" val="0"/>
-              </a:ext>
-            </a:extLst>
-          </a:blip>
-          <a:srcRect/>
-          <a:stretch>
-            <a:fillRect/>
-          </a:stretch>
-        </p:blipFill>
-        <p:spPr bwMode="auto">
-          <a:xfrm>
-            <a:off x="4268509" y="1935921"/>
-            <a:ext cx="7755005" cy="4362191"/>
-          </a:xfrm>
-          <a:prstGeom prst="rect">
-            <a:avLst/>
-          </a:prstGeom>
-          <a:noFill/>
-          <a:extLst>
-            <a:ext uri="{909E8E84-426E-40DD-AFC4-6F175D3DCCD1}">
-              <a14:hiddenFill xmlns:a14="http://schemas.microsoft.com/office/drawing/2010/main">
-                <a:solidFill>
-                  <a:srgbClr val="FFFFFF"/>
-                </a:solidFill>
-              </a14:hiddenFill>
-            </a:ext>
-          </a:extLst>
-        </p:spPr>
-      </p:pic>
-    </p:spTree>
-    <p:extLst>
-      <p:ext uri="{BB962C8B-B14F-4D97-AF65-F5344CB8AC3E}">
-        <p14:creationId xmlns:p14="http://schemas.microsoft.com/office/powerpoint/2010/main" val="2167444883"/>
-      </p:ext>
-    </p:extLst>
-  </p:cSld>
-  <p:clrMapOvr>
-    <a:masterClrMapping/>
-  </p:clrMapOvr>
-</p:sld>
-</file>
-
-<file path=ppt/slides/slide12.xml><?xml version="1.0" encoding="utf-8"?>
-<p:sld xmlns:a="http://schemas.openxmlformats.org/drawingml/2006/main" xmlns:r="http://schemas.openxmlformats.org/officeDocument/2006/relationships" xmlns:p="http://schemas.openxmlformats.org/presentationml/2006/main">
-  <p:cSld>
-    <p:spTree>
-      <p:nvGrpSpPr>
-        <p:cNvPr id="1" name=""/>
-        <p:cNvGrpSpPr/>
-        <p:nvPr/>
-      </p:nvGrpSpPr>
-      <p:grpSpPr>
-        <a:xfrm>
-          <a:off x="0" y="0"/>
-          <a:ext cx="0" cy="0"/>
-          <a:chOff x="0" y="0"/>
-          <a:chExt cx="0" cy="0"/>
-        </a:xfrm>
-      </p:grpSpPr>
-      <p:sp>
-        <p:nvSpPr>
-          <p:cNvPr id="2" name="Cím 1"/>
-          <p:cNvSpPr>
-            <a:spLocks noGrp="1"/>
-          </p:cNvSpPr>
-          <p:nvPr>
-            <p:ph type="title"/>
-          </p:nvPr>
-        </p:nvSpPr>
-        <p:spPr>
-          <a:xfrm>
-            <a:off x="913795" y="2565400"/>
-            <a:ext cx="10353761" cy="1326321"/>
-          </a:xfrm>
-        </p:spPr>
-        <p:txBody>
-          <a:bodyPr/>
-          <a:lstStyle/>
-          <a:p>
-            <a:r>
-              <a:rPr lang="hu-HU" dirty="0" smtClean="0">
-                <a:latin typeface="Times New Roman" panose="02020603050405020304" pitchFamily="18" charset="0"/>
-                <a:cs typeface="Times New Roman" panose="02020603050405020304" pitchFamily="18" charset="0"/>
-              </a:rPr>
-              <a:t>Köszönöm a figyelmet</a:t>
-            </a:r>
-            <a:endParaRPr lang="hu-HU" dirty="0">
-              <a:latin typeface="Times New Roman" panose="02020603050405020304" pitchFamily="18" charset="0"/>
-              <a:cs typeface="Times New Roman" panose="02020603050405020304" pitchFamily="18" charset="0"/>
-            </a:endParaRPr>
-          </a:p>
-        </p:txBody>
-      </p:sp>
-    </p:spTree>
-    <p:extLst>
-      <p:ext uri="{BB962C8B-B14F-4D97-AF65-F5344CB8AC3E}">
-        <p14:creationId xmlns:p14="http://schemas.microsoft.com/office/powerpoint/2010/main" val="276585320"/>
-      </p:ext>
-    </p:extLst>
-  </p:cSld>
-  <p:clrMapOvr>
-    <a:masterClrMapping/>
-  </p:clrMapOvr>
-  <p:timing>
-    <p:tnLst>
-      <p:par>
-        <p:cTn id="1" dur="indefinite" restart="never" nodeType="tmRoot"/>
-      </p:par>
-    </p:tnLst>
-  </p:timing>
-</p:sld>
-</file>
-
-<file path=ppt/slides/slide13.xml><?xml version="1.0" encoding="utf-8"?>
-<p:sld xmlns:a="http://schemas.openxmlformats.org/drawingml/2006/main" xmlns:r="http://schemas.openxmlformats.org/officeDocument/2006/relationships" xmlns:p="http://schemas.openxmlformats.org/presentationml/2006/main">
-  <p:cSld>
-    <p:spTree>
-      <p:nvGrpSpPr>
-        <p:cNvPr id="1" name=""/>
-        <p:cNvGrpSpPr/>
-        <p:nvPr/>
-      </p:nvGrpSpPr>
-      <p:grpSpPr>
-        <a:xfrm>
-          <a:off x="0" y="0"/>
-          <a:ext cx="0" cy="0"/>
-          <a:chOff x="0" y="0"/>
-          <a:chExt cx="0" cy="0"/>
-        </a:xfrm>
-      </p:grpSpPr>
-      <p:sp>
-        <p:nvSpPr>
-          <p:cNvPr id="2" name="Cím 1"/>
-          <p:cNvSpPr>
-            <a:spLocks noGrp="1"/>
-          </p:cNvSpPr>
-          <p:nvPr>
-            <p:ph type="title"/>
-          </p:nvPr>
-        </p:nvSpPr>
-        <p:spPr/>
-        <p:txBody>
-          <a:bodyPr/>
-          <a:lstStyle/>
-          <a:p>
-            <a:r>
-              <a:rPr lang="hu-HU" dirty="0" smtClean="0">
-                <a:latin typeface="Times New Roman" panose="02020603050405020304" pitchFamily="18" charset="0"/>
-                <a:cs typeface="Times New Roman" panose="02020603050405020304" pitchFamily="18" charset="0"/>
-              </a:rPr>
-              <a:t>Források</a:t>
-            </a:r>
-            <a:endParaRPr lang="hu-HU" dirty="0">
-              <a:latin typeface="Times New Roman" panose="02020603050405020304" pitchFamily="18" charset="0"/>
-              <a:cs typeface="Times New Roman" panose="02020603050405020304" pitchFamily="18" charset="0"/>
-            </a:endParaRPr>
-          </a:p>
-        </p:txBody>
-      </p:sp>
-      <p:sp>
-        <p:nvSpPr>
-          <p:cNvPr id="3" name="Tartalom helye 2"/>
-          <p:cNvSpPr>
-            <a:spLocks noGrp="1"/>
-          </p:cNvSpPr>
-          <p:nvPr>
-            <p:ph idx="1"/>
-          </p:nvPr>
-        </p:nvSpPr>
-        <p:spPr/>
-        <p:txBody>
-          <a:bodyPr>
-            <a:normAutofit/>
-          </a:bodyPr>
-          <a:lstStyle/>
-          <a:p>
-            <a:r>
-              <a:rPr lang="hu-HU" sz="3000" dirty="0">
-                <a:latin typeface="Times New Roman" panose="02020603050405020304" pitchFamily="18" charset="0"/>
-                <a:cs typeface="Times New Roman" panose="02020603050405020304" pitchFamily="18" charset="0"/>
-              </a:rPr>
-              <a:t>https://hu.wikipedia.org/wiki/Central_processing_unit</a:t>
+              <a:rPr lang="hu-HU" dirty="0"/>
+              <a:t>https://www.alza.hu/mi-a-processzor#principium</a:t>
             </a:r>
           </a:p>
         </p:txBody>
@@ -6311,13 +5769,6 @@
   <p:clrMapOvr>
     <a:masterClrMapping/>
   </p:clrMapOvr>
-  <p:timing>
-    <p:tnLst>
-      <p:par>
-        <p:cTn id="1" dur="indefinite" restart="never" nodeType="tmRoot"/>
-      </p:par>
-    </p:tnLst>
-  </p:timing>
 </p:sld>
 </file>
 
@@ -6354,16 +5805,10 @@
           <a:lstStyle/>
           <a:p>
             <a:r>
-              <a:rPr lang="hu-HU" dirty="0" smtClean="0">
-                <a:latin typeface="Times New Roman" panose="02020603050405020304" pitchFamily="18" charset="0"/>
-                <a:cs typeface="Times New Roman" panose="02020603050405020304" pitchFamily="18" charset="0"/>
-              </a:rPr>
+              <a:rPr lang="hu-HU" dirty="0" smtClean="0"/>
               <a:t>Gyártók</a:t>
             </a:r>
-            <a:endParaRPr lang="hu-HU" dirty="0">
-              <a:latin typeface="Times New Roman" panose="02020603050405020304" pitchFamily="18" charset="0"/>
-              <a:cs typeface="Times New Roman" panose="02020603050405020304" pitchFamily="18" charset="0"/>
-            </a:endParaRPr>
+            <a:endParaRPr lang="hu-HU" dirty="0"/>
           </a:p>
         </p:txBody>
       </p:sp>
@@ -6379,36 +5824,25 @@
         </p:nvSpPr>
         <p:spPr>
           <a:xfrm>
-            <a:off x="913795" y="1935921"/>
-            <a:ext cx="3315305" cy="1371037"/>
+            <a:off x="913795" y="2096064"/>
+            <a:ext cx="1359505" cy="1371036"/>
           </a:xfrm>
         </p:spPr>
         <p:txBody>
-          <a:bodyPr>
-            <a:normAutofit/>
-          </a:bodyPr>
-          <a:lstStyle/>
-          <a:p>
-            <a:r>
-              <a:rPr lang="hu-HU" sz="3000" dirty="0" smtClean="0">
-                <a:latin typeface="Times New Roman" panose="02020603050405020304" pitchFamily="18" charset="0"/>
-                <a:cs typeface="Times New Roman" panose="02020603050405020304" pitchFamily="18" charset="0"/>
-              </a:rPr>
-              <a:t>Intel	(1968)</a:t>
-            </a:r>
-          </a:p>
-          <a:p>
-            <a:r>
-              <a:rPr lang="hu-HU" sz="3000" dirty="0" smtClean="0">
-                <a:latin typeface="Times New Roman" panose="02020603050405020304" pitchFamily="18" charset="0"/>
-                <a:cs typeface="Times New Roman" panose="02020603050405020304" pitchFamily="18" charset="0"/>
-              </a:rPr>
-              <a:t>AMD	(1969)</a:t>
-            </a:r>
-            <a:endParaRPr lang="hu-HU" sz="3000" dirty="0">
-              <a:latin typeface="Times New Roman" panose="02020603050405020304" pitchFamily="18" charset="0"/>
-              <a:cs typeface="Times New Roman" panose="02020603050405020304" pitchFamily="18" charset="0"/>
-            </a:endParaRPr>
+          <a:bodyPr/>
+          <a:lstStyle/>
+          <a:p>
+            <a:r>
+              <a:rPr lang="hu-HU" dirty="0" smtClean="0"/>
+              <a:t>Intel</a:t>
+            </a:r>
+          </a:p>
+          <a:p>
+            <a:r>
+              <a:rPr lang="hu-HU" dirty="0" smtClean="0"/>
+              <a:t>AMD</a:t>
+            </a:r>
+            <a:endParaRPr lang="hu-HU" dirty="0"/>
           </a:p>
         </p:txBody>
       </p:sp>
@@ -6594,92 +6028,100 @@
           <a:lstStyle/>
           <a:p>
             <a:r>
-              <a:rPr lang="hu-HU" dirty="0" smtClean="0">
+              <a:rPr lang="hu-HU" dirty="0" smtClean="0"/>
+              <a:t>Mi a processzor?</a:t>
+            </a:r>
+            <a:endParaRPr lang="hu-HU" dirty="0"/>
+          </a:p>
+        </p:txBody>
+      </p:sp>
+      <p:sp>
+        <p:nvSpPr>
+          <p:cNvPr id="3" name="Tartalom helye 2"/>
+          <p:cNvSpPr>
+            <a:spLocks noGrp="1"/>
+          </p:cNvSpPr>
+          <p:nvPr>
+            <p:ph idx="1"/>
+          </p:nvPr>
+        </p:nvSpPr>
+        <p:spPr>
+          <a:xfrm>
+            <a:off x="913795" y="2096064"/>
+            <a:ext cx="3836005" cy="4647636"/>
+          </a:xfrm>
+        </p:spPr>
+        <p:txBody>
+          <a:bodyPr>
+            <a:normAutofit fontScale="70000" lnSpcReduction="20000"/>
+          </a:bodyPr>
+          <a:lstStyle/>
+          <a:p>
+            <a:r>
+              <a:rPr lang="hu-HU" sz="4300" dirty="0" smtClean="0">
                 <a:latin typeface="Times New Roman" panose="02020603050405020304" pitchFamily="18" charset="0"/>
                 <a:cs typeface="Times New Roman" panose="02020603050405020304" pitchFamily="18" charset="0"/>
               </a:rPr>
-              <a:t>Mi a processzor?</a:t>
-            </a:r>
-            <a:endParaRPr lang="hu-HU" dirty="0">
+              <a:t>AGY</a:t>
+            </a:r>
+          </a:p>
+          <a:p>
+            <a:endParaRPr lang="hu-HU" sz="4300" dirty="0">
               <a:latin typeface="Times New Roman" panose="02020603050405020304" pitchFamily="18" charset="0"/>
               <a:cs typeface="Times New Roman" panose="02020603050405020304" pitchFamily="18" charset="0"/>
             </a:endParaRPr>
           </a:p>
-        </p:txBody>
-      </p:sp>
-      <p:sp>
-        <p:nvSpPr>
-          <p:cNvPr id="3" name="Tartalom helye 2"/>
-          <p:cNvSpPr>
-            <a:spLocks noGrp="1"/>
-          </p:cNvSpPr>
-          <p:nvPr>
-            <p:ph idx="1"/>
-          </p:nvPr>
-        </p:nvSpPr>
-        <p:spPr>
-          <a:xfrm>
-            <a:off x="772477" y="2150003"/>
-            <a:ext cx="3284133" cy="3637702"/>
-          </a:xfrm>
-        </p:spPr>
-        <p:txBody>
-          <a:bodyPr>
-            <a:normAutofit/>
-          </a:bodyPr>
-          <a:lstStyle/>
-          <a:p>
-            <a:r>
-              <a:rPr lang="hu-HU" sz="3000" dirty="0" smtClean="0">
+          <a:p>
+            <a:r>
+              <a:rPr lang="hu-HU" sz="4300" dirty="0" smtClean="0">
                 <a:latin typeface="Times New Roman" panose="02020603050405020304" pitchFamily="18" charset="0"/>
                 <a:cs typeface="Times New Roman" panose="02020603050405020304" pitchFamily="18" charset="0"/>
               </a:rPr>
-              <a:t>Számítógép agya</a:t>
-            </a:r>
-            <a:endParaRPr lang="hu-HU" sz="3000" dirty="0">
+              <a:t>Központi feldolgozó egység</a:t>
+            </a:r>
+          </a:p>
+          <a:p>
+            <a:r>
+              <a:rPr lang="hu-HU" sz="4300" dirty="0" smtClean="0">
+                <a:latin typeface="Times New Roman" panose="02020603050405020304" pitchFamily="18" charset="0"/>
+                <a:cs typeface="Times New Roman" panose="02020603050405020304" pitchFamily="18" charset="0"/>
+              </a:rPr>
+              <a:t>Több funkció</a:t>
+            </a:r>
+          </a:p>
+          <a:p>
+            <a:r>
+              <a:rPr lang="hu-HU" sz="4300" dirty="0" smtClean="0">
+                <a:latin typeface="Times New Roman" panose="02020603050405020304" pitchFamily="18" charset="0"/>
+                <a:cs typeface="Times New Roman" panose="02020603050405020304" pitchFamily="18" charset="0"/>
+              </a:rPr>
+              <a:t>Irányít</a:t>
+            </a:r>
+            <a:endParaRPr lang="hu-HU" sz="4300" dirty="0">
               <a:latin typeface="Times New Roman" panose="02020603050405020304" pitchFamily="18" charset="0"/>
               <a:cs typeface="Times New Roman" panose="02020603050405020304" pitchFamily="18" charset="0"/>
             </a:endParaRPr>
           </a:p>
           <a:p>
-            <a:r>
-              <a:rPr lang="hu-HU" sz="3000" dirty="0" smtClean="0">
-                <a:latin typeface="Times New Roman" panose="02020603050405020304" pitchFamily="18" charset="0"/>
-                <a:cs typeface="Times New Roman" panose="02020603050405020304" pitchFamily="18" charset="0"/>
-              </a:rPr>
-              <a:t>Értelmezés</a:t>
-            </a:r>
-          </a:p>
-          <a:p>
-            <a:r>
-              <a:rPr lang="hu-HU" sz="3000" dirty="0" smtClean="0">
-                <a:latin typeface="Times New Roman" panose="02020603050405020304" pitchFamily="18" charset="0"/>
-                <a:cs typeface="Times New Roman" panose="02020603050405020304" pitchFamily="18" charset="0"/>
-              </a:rPr>
-              <a:t>Végrehajtás</a:t>
-            </a:r>
-          </a:p>
-          <a:p>
-            <a:r>
-              <a:rPr lang="hu-HU" sz="3000" dirty="0" smtClean="0">
-                <a:latin typeface="Times New Roman" panose="02020603050405020304" pitchFamily="18" charset="0"/>
-                <a:cs typeface="Times New Roman" panose="02020603050405020304" pitchFamily="18" charset="0"/>
-              </a:rPr>
-              <a:t>Áramkör</a:t>
-            </a:r>
-          </a:p>
-          <a:p>
-            <a:r>
-              <a:rPr lang="hu-HU" sz="3000" dirty="0" smtClean="0">
+            <a:pPr marL="0" indent="0">
+              <a:buNone/>
+            </a:pPr>
+            <a:endParaRPr lang="hu-HU" sz="4300" dirty="0">
+              <a:latin typeface="Times New Roman" panose="02020603050405020304" pitchFamily="18" charset="0"/>
+              <a:cs typeface="Times New Roman" panose="02020603050405020304" pitchFamily="18" charset="0"/>
+            </a:endParaRPr>
+          </a:p>
+          <a:p>
+            <a:r>
+              <a:rPr lang="hu-HU" sz="4300" dirty="0" smtClean="0">
                 <a:latin typeface="Times New Roman" panose="02020603050405020304" pitchFamily="18" charset="0"/>
                 <a:cs typeface="Times New Roman" panose="02020603050405020304" pitchFamily="18" charset="0"/>
               </a:rPr>
               <a:t>CPU</a:t>
             </a:r>
-            <a:endParaRPr lang="hu-HU" sz="3000" dirty="0">
-              <a:latin typeface="Times New Roman" panose="02020603050405020304" pitchFamily="18" charset="0"/>
-              <a:cs typeface="Times New Roman" panose="02020603050405020304" pitchFamily="18" charset="0"/>
-            </a:endParaRPr>
+          </a:p>
+          <a:p>
+            <a:endParaRPr lang="hu-HU" dirty="0"/>
           </a:p>
           <a:p>
             <a:endParaRPr lang="hu-HU" dirty="0"/>
@@ -6709,8 +6151,8 @@
         </p:blipFill>
         <p:spPr bwMode="auto">
           <a:xfrm>
-            <a:off x="4056610" y="2060611"/>
-            <a:ext cx="7813457" cy="3816487"/>
+            <a:off x="4859628" y="2530342"/>
+            <a:ext cx="6999068" cy="3144079"/>
           </a:xfrm>
           <a:prstGeom prst="rect">
             <a:avLst/>
@@ -6735,8 +6177,8 @@
         </p:nvSpPr>
         <p:spPr>
           <a:xfrm>
-            <a:off x="7115614" y="5868785"/>
-            <a:ext cx="1836766" cy="261610"/>
+            <a:off x="5819256" y="5674421"/>
+            <a:ext cx="5448300" cy="261610"/>
           </a:xfrm>
           <a:prstGeom prst="rect">
             <a:avLst/>
@@ -6754,7 +6196,7 @@
                 <a:latin typeface="Times New Roman" panose="02020603050405020304" pitchFamily="18" charset="0"/>
                 <a:cs typeface="Times New Roman" panose="02020603050405020304" pitchFamily="18" charset="0"/>
               </a:rPr>
-              <a:t>https://tinyurl.com/2y46k54n</a:t>
+              <a:t>https://tartalommarketing.org/wp-content/uploads/2018/03/agy-mesterseges-intelligencia.jpg</a:t>
             </a:r>
           </a:p>
         </p:txBody>
@@ -6812,16 +6254,10 @@
           <a:lstStyle/>
           <a:p>
             <a:r>
-              <a:rPr lang="hu-HU" dirty="0" smtClean="0">
-                <a:latin typeface="Times New Roman" panose="02020603050405020304" pitchFamily="18" charset="0"/>
-                <a:cs typeface="Times New Roman" panose="02020603050405020304" pitchFamily="18" charset="0"/>
-              </a:rPr>
-              <a:t>Processzor Részei</a:t>
-            </a:r>
-            <a:endParaRPr lang="hu-HU" dirty="0">
-              <a:latin typeface="Times New Roman" panose="02020603050405020304" pitchFamily="18" charset="0"/>
-              <a:cs typeface="Times New Roman" panose="02020603050405020304" pitchFamily="18" charset="0"/>
-            </a:endParaRPr>
+              <a:rPr lang="hu-HU" dirty="0" smtClean="0"/>
+              <a:t>Hogyan működik?</a:t>
+            </a:r>
+            <a:endParaRPr lang="hu-HU" dirty="0"/>
           </a:p>
         </p:txBody>
       </p:sp>
@@ -6837,8 +6273,8 @@
         </p:nvSpPr>
         <p:spPr>
           <a:xfrm>
-            <a:off x="913795" y="2260119"/>
-            <a:ext cx="4824758" cy="3284472"/>
+            <a:off x="304195" y="1536700"/>
+            <a:ext cx="6160105" cy="5168900"/>
           </a:xfrm>
         </p:spPr>
         <p:txBody>
@@ -6852,16 +6288,23 @@
                 <a:latin typeface="Times New Roman" panose="02020603050405020304" pitchFamily="18" charset="0"/>
                 <a:cs typeface="Times New Roman" panose="02020603050405020304" pitchFamily="18" charset="0"/>
               </a:rPr>
-              <a:t>Vezérlőegység (CU)</a:t>
-            </a:r>
-          </a:p>
-          <a:p>
+              <a:t>0 – 1 számrendszer</a:t>
+            </a:r>
+          </a:p>
+          <a:p>
+            <a:r>
+              <a:rPr lang="hu-HU" sz="3000" dirty="0">
+                <a:latin typeface="Times New Roman" panose="02020603050405020304" pitchFamily="18" charset="0"/>
+                <a:cs typeface="Times New Roman" panose="02020603050405020304" pitchFamily="18" charset="0"/>
+              </a:rPr>
+              <a:t>f</a:t>
+            </a:r>
             <a:r>
               <a:rPr lang="hu-HU" sz="3000" dirty="0" smtClean="0">
                 <a:latin typeface="Times New Roman" panose="02020603050405020304" pitchFamily="18" charset="0"/>
                 <a:cs typeface="Times New Roman" panose="02020603050405020304" pitchFamily="18" charset="0"/>
               </a:rPr>
-              <a:t>Logikai egység (ALU)</a:t>
+              <a:t>eszültségszintekkel</a:t>
             </a:r>
           </a:p>
           <a:p>
@@ -6870,8 +6313,14 @@
                 <a:latin typeface="Times New Roman" panose="02020603050405020304" pitchFamily="18" charset="0"/>
                 <a:cs typeface="Times New Roman" panose="02020603050405020304" pitchFamily="18" charset="0"/>
               </a:rPr>
-              <a:t>Regiszterek</a:t>
-            </a:r>
+              <a:t>Feladatok egymás után</a:t>
+            </a:r>
+          </a:p>
+          <a:p>
+            <a:endParaRPr lang="hu-HU" sz="3000" dirty="0" smtClean="0">
+              <a:latin typeface="Times New Roman" panose="02020603050405020304" pitchFamily="18" charset="0"/>
+              <a:cs typeface="Times New Roman" panose="02020603050405020304" pitchFamily="18" charset="0"/>
+            </a:endParaRPr>
           </a:p>
           <a:p>
             <a:r>
@@ -6879,94 +6328,43 @@
                 <a:latin typeface="Times New Roman" panose="02020603050405020304" pitchFamily="18" charset="0"/>
                 <a:cs typeface="Times New Roman" panose="02020603050405020304" pitchFamily="18" charset="0"/>
               </a:rPr>
-              <a:t>Cache</a:t>
+              <a:t>Tranzisztor feladata:</a:t>
+            </a:r>
+          </a:p>
+          <a:p>
+            <a:r>
+              <a:rPr lang="hu-HU" sz="3000" dirty="0" smtClean="0">
+                <a:latin typeface="Times New Roman" panose="02020603050405020304" pitchFamily="18" charset="0"/>
+                <a:cs typeface="Times New Roman" panose="02020603050405020304" pitchFamily="18" charset="0"/>
+              </a:rPr>
+              <a:t>kapcsoló</a:t>
+            </a:r>
+          </a:p>
+          <a:p>
+            <a:r>
+              <a:rPr lang="hu-HU" sz="3000" dirty="0" smtClean="0">
+                <a:latin typeface="Times New Roman" panose="02020603050405020304" pitchFamily="18" charset="0"/>
+                <a:cs typeface="Times New Roman" panose="02020603050405020304" pitchFamily="18" charset="0"/>
+              </a:rPr>
+              <a:t>0 – 1 váltakozása</a:t>
             </a:r>
             <a:endParaRPr lang="hu-HU" sz="3000" dirty="0">
               <a:latin typeface="Times New Roman" panose="02020603050405020304" pitchFamily="18" charset="0"/>
               <a:cs typeface="Times New Roman" panose="02020603050405020304" pitchFamily="18" charset="0"/>
             </a:endParaRPr>
           </a:p>
-        </p:txBody>
-      </p:sp>
-      <p:pic>
-        <p:nvPicPr>
-          <p:cNvPr id="2054" name="Picture 6" descr="https://ebyte.cdn.shoprenter.hu/custom/ebyte/image/cache/w900h500wt1/i7%20cpu.jpg?lastmod=1595934798.1507876741"/>
-          <p:cNvPicPr>
-            <a:picLocks noChangeAspect="1" noChangeArrowheads="1"/>
-          </p:cNvPicPr>
-          <p:nvPr/>
-        </p:nvPicPr>
-        <p:blipFill>
-          <a:blip r:embed="rId2">
-            <a:extLst>
-              <a:ext uri="{BEBA8EAE-BF5A-486C-A8C5-ECC9F3942E4B}">
-                <a14:imgProps xmlns:a14="http://schemas.microsoft.com/office/drawing/2010/main">
-                  <a14:imgLayer r:embed="rId3">
-                    <a14:imgEffect>
-                      <a14:backgroundRemoval t="200" b="98200" l="16778" r="81889"/>
-                    </a14:imgEffect>
-                  </a14:imgLayer>
-                </a14:imgProps>
-              </a:ext>
-              <a:ext uri="{28A0092B-C50C-407E-A947-70E740481C1C}">
-                <a14:useLocalDpi xmlns:a14="http://schemas.microsoft.com/office/drawing/2010/main" val="0"/>
-              </a:ext>
-            </a:extLst>
-          </a:blip>
-          <a:srcRect/>
-          <a:stretch>
-            <a:fillRect/>
-          </a:stretch>
-        </p:blipFill>
-        <p:spPr bwMode="auto">
-          <a:xfrm>
-            <a:off x="3921875" y="1684807"/>
-            <a:ext cx="8270125" cy="4594514"/>
-          </a:xfrm>
-          <a:prstGeom prst="rect">
-            <a:avLst/>
-          </a:prstGeom>
-          <a:noFill/>
-          <a:extLst>
-            <a:ext uri="{909E8E84-426E-40DD-AFC4-6F175D3DCCD1}">
-              <a14:hiddenFill xmlns:a14="http://schemas.microsoft.com/office/drawing/2010/main">
-                <a:solidFill>
-                  <a:srgbClr val="FFFFFF"/>
-                </a:solidFill>
-              </a14:hiddenFill>
-            </a:ext>
-          </a:extLst>
-        </p:spPr>
-      </p:pic>
-      <p:sp>
-        <p:nvSpPr>
-          <p:cNvPr id="6" name="Szövegdoboz 5"/>
-          <p:cNvSpPr txBox="1"/>
-          <p:nvPr/>
-        </p:nvSpPr>
-        <p:spPr>
-          <a:xfrm>
-            <a:off x="7152062" y="6279321"/>
-            <a:ext cx="1809750" cy="261610"/>
-          </a:xfrm>
-          <a:prstGeom prst="rect">
-            <a:avLst/>
-          </a:prstGeom>
-          <a:noFill/>
-        </p:spPr>
-        <p:txBody>
-          <a:bodyPr wrap="square" rtlCol="0">
-            <a:spAutoFit/>
-          </a:bodyPr>
-          <a:lstStyle/>
-          <a:p>
-            <a:r>
-              <a:rPr lang="hu-HU" sz="1100" dirty="0">
+          <a:p>
+            <a:r>
+              <a:rPr lang="hu-HU" sz="3000" dirty="0" smtClean="0">
                 <a:latin typeface="Times New Roman" panose="02020603050405020304" pitchFamily="18" charset="0"/>
                 <a:cs typeface="Times New Roman" panose="02020603050405020304" pitchFamily="18" charset="0"/>
               </a:rPr>
-              <a:t>https://tinyurl.com/5ad27b2x</a:t>
-            </a:r>
+              <a:t>több milliárd tranzisztor</a:t>
+            </a:r>
+            <a:endParaRPr lang="hu-HU" sz="3000" dirty="0">
+              <a:latin typeface="Times New Roman" panose="02020603050405020304" pitchFamily="18" charset="0"/>
+              <a:cs typeface="Times New Roman" panose="02020603050405020304" pitchFamily="18" charset="0"/>
+            </a:endParaRPr>
           </a:p>
         </p:txBody>
       </p:sp>
@@ -6980,13 +6378,6 @@
   <p:clrMapOvr>
     <a:masterClrMapping/>
   </p:clrMapOvr>
-  <p:timing>
-    <p:tnLst>
-      <p:par>
-        <p:cTn id="1" dur="indefinite" restart="never" nodeType="tmRoot"/>
-      </p:par>
-    </p:tnLst>
-  </p:timing>
 </p:sld>
 </file>
 
@@ -7023,16 +6414,10 @@
           <a:lstStyle/>
           <a:p>
             <a:r>
-              <a:rPr lang="hu-HU" dirty="0" smtClean="0">
-                <a:latin typeface="Times New Roman" panose="02020603050405020304" pitchFamily="18" charset="0"/>
-                <a:cs typeface="Times New Roman" panose="02020603050405020304" pitchFamily="18" charset="0"/>
-              </a:rPr>
-              <a:t>Felépítése és működése</a:t>
-            </a:r>
-            <a:endParaRPr lang="hu-HU" dirty="0">
-              <a:latin typeface="Times New Roman" panose="02020603050405020304" pitchFamily="18" charset="0"/>
-              <a:cs typeface="Times New Roman" panose="02020603050405020304" pitchFamily="18" charset="0"/>
-            </a:endParaRPr>
+              <a:rPr lang="hu-HU" dirty="0" smtClean="0"/>
+              <a:t>Mi az a Frekvencia?</a:t>
+            </a:r>
+            <a:endParaRPr lang="hu-HU" dirty="0"/>
           </a:p>
         </p:txBody>
       </p:sp>
@@ -7048,13 +6433,13 @@
         </p:nvSpPr>
         <p:spPr>
           <a:xfrm>
-            <a:off x="913795" y="1738615"/>
-            <a:ext cx="4190221" cy="4761937"/>
+            <a:off x="913795" y="2096064"/>
+            <a:ext cx="3924905" cy="4368236"/>
           </a:xfrm>
         </p:spPr>
         <p:txBody>
           <a:bodyPr>
-            <a:normAutofit/>
+            <a:normAutofit lnSpcReduction="10000"/>
           </a:bodyPr>
           <a:lstStyle/>
           <a:p>
@@ -7063,7 +6448,7 @@
                 <a:latin typeface="Times New Roman" panose="02020603050405020304" pitchFamily="18" charset="0"/>
                 <a:cs typeface="Times New Roman" panose="02020603050405020304" pitchFamily="18" charset="0"/>
               </a:rPr>
-              <a:t>Szilíciumlap</a:t>
+              <a:t>Intervallum</a:t>
             </a:r>
           </a:p>
           <a:p>
@@ -7072,151 +6457,63 @@
                 <a:latin typeface="Times New Roman" panose="02020603050405020304" pitchFamily="18" charset="0"/>
                 <a:cs typeface="Times New Roman" panose="02020603050405020304" pitchFamily="18" charset="0"/>
               </a:rPr>
-              <a:t>Tranzisztor</a:t>
-            </a:r>
-            <a:r>
-              <a:rPr lang="hu-HU" sz="3000" dirty="0">
-                <a:latin typeface="Times New Roman" panose="02020603050405020304" pitchFamily="18" charset="0"/>
-                <a:cs typeface="Times New Roman" panose="02020603050405020304" pitchFamily="18" charset="0"/>
-              </a:rPr>
-              <a:t>:</a:t>
-            </a:r>
-          </a:p>
-          <a:p>
-            <a:pPr lvl="1"/>
-            <a:r>
-              <a:rPr lang="hu-HU" sz="3000" dirty="0">
-                <a:latin typeface="Times New Roman" panose="02020603050405020304" pitchFamily="18" charset="0"/>
-                <a:cs typeface="Times New Roman" panose="02020603050405020304" pitchFamily="18" charset="0"/>
-              </a:rPr>
-              <a:t>Több milliárd</a:t>
-            </a:r>
-          </a:p>
-          <a:p>
-            <a:pPr lvl="1"/>
+              <a:t>Két impulzus között = ciklus</a:t>
+            </a:r>
+          </a:p>
+          <a:p>
             <a:r>
               <a:rPr lang="hu-HU" sz="3000" dirty="0" smtClean="0">
                 <a:latin typeface="Times New Roman" panose="02020603050405020304" pitchFamily="18" charset="0"/>
                 <a:cs typeface="Times New Roman" panose="02020603050405020304" pitchFamily="18" charset="0"/>
               </a:rPr>
-              <a:t>Áramkör</a:t>
-            </a:r>
-          </a:p>
-          <a:p>
-            <a:pPr lvl="1"/>
+              <a:t>(Hz) (</a:t>
+            </a:r>
+            <a:r>
+              <a:rPr lang="hu-HU" sz="3000" dirty="0" err="1" smtClean="0">
+                <a:latin typeface="Times New Roman" panose="02020603050405020304" pitchFamily="18" charset="0"/>
+                <a:cs typeface="Times New Roman" panose="02020603050405020304" pitchFamily="18" charset="0"/>
+              </a:rPr>
+              <a:t>GHz</a:t>
+            </a:r>
             <a:r>
               <a:rPr lang="hu-HU" sz="3000" dirty="0" smtClean="0">
                 <a:latin typeface="Times New Roman" panose="02020603050405020304" pitchFamily="18" charset="0"/>
                 <a:cs typeface="Times New Roman" panose="02020603050405020304" pitchFamily="18" charset="0"/>
               </a:rPr>
-              <a:t>Utasításkészlet</a:t>
-            </a:r>
-          </a:p>
-          <a:p>
-            <a:pPr lvl="1"/>
+              <a:t>)</a:t>
+            </a:r>
+          </a:p>
+          <a:p>
+            <a:endParaRPr lang="hu-HU" sz="3000" dirty="0">
+              <a:latin typeface="Times New Roman" panose="02020603050405020304" pitchFamily="18" charset="0"/>
+              <a:cs typeface="Times New Roman" panose="02020603050405020304" pitchFamily="18" charset="0"/>
+            </a:endParaRPr>
+          </a:p>
+          <a:p>
             <a:r>
               <a:rPr lang="hu-HU" sz="3000" dirty="0" smtClean="0">
                 <a:latin typeface="Times New Roman" panose="02020603050405020304" pitchFamily="18" charset="0"/>
                 <a:cs typeface="Times New Roman" panose="02020603050405020304" pitchFamily="18" charset="0"/>
               </a:rPr>
-              <a:t>Be – és kimenet</a:t>
-            </a:r>
-          </a:p>
-        </p:txBody>
-      </p:sp>
-      <p:pic>
-        <p:nvPicPr>
-          <p:cNvPr id="4" name="Picture 2" descr="Missing transistor or resistor on Intel Xeon E5-2680. does anyone know what  it does or if it is crucial for the processors operation? : r/intel"/>
-          <p:cNvPicPr>
-            <a:picLocks noChangeAspect="1" noChangeArrowheads="1"/>
-          </p:cNvPicPr>
-          <p:nvPr/>
-        </p:nvPicPr>
-        <p:blipFill>
-          <a:blip r:embed="rId2" cstate="print">
-            <a:extLst>
-              <a:ext uri="{28A0092B-C50C-407E-A947-70E740481C1C}">
-                <a14:useLocalDpi xmlns:a14="http://schemas.microsoft.com/office/drawing/2010/main" val="0"/>
-              </a:ext>
-            </a:extLst>
-          </a:blip>
-          <a:srcRect/>
-          <a:stretch>
-            <a:fillRect/>
-          </a:stretch>
-        </p:blipFill>
-        <p:spPr bwMode="auto">
-          <a:xfrm>
-            <a:off x="5597086" y="1493240"/>
-            <a:ext cx="5177400" cy="5007312"/>
-          </a:xfrm>
-          <a:prstGeom prst="rect">
-            <a:avLst/>
-          </a:prstGeom>
-          <a:noFill/>
-          <a:extLst>
-            <a:ext uri="{909E8E84-426E-40DD-AFC4-6F175D3DCCD1}">
-              <a14:hiddenFill xmlns:a14="http://schemas.microsoft.com/office/drawing/2010/main">
-                <a:solidFill>
-                  <a:srgbClr val="FFFFFF"/>
-                </a:solidFill>
-              </a14:hiddenFill>
-            </a:ext>
-          </a:extLst>
-        </p:spPr>
-      </p:pic>
-      <p:sp>
-        <p:nvSpPr>
-          <p:cNvPr id="6" name="Szövegdoboz 5"/>
-          <p:cNvSpPr txBox="1"/>
-          <p:nvPr/>
-        </p:nvSpPr>
-        <p:spPr>
-          <a:xfrm>
-            <a:off x="7292168" y="6500552"/>
-            <a:ext cx="1787235" cy="430887"/>
-          </a:xfrm>
-          <a:prstGeom prst="rect">
-            <a:avLst/>
-          </a:prstGeom>
-          <a:noFill/>
-        </p:spPr>
-        <p:txBody>
-          <a:bodyPr wrap="square" rtlCol="0">
-            <a:spAutoFit/>
-          </a:bodyPr>
-          <a:lstStyle/>
-          <a:p>
-            <a:r>
-              <a:rPr lang="hu-HU" sz="1100" dirty="0">
-                <a:latin typeface="Times New Roman" panose="02020603050405020304" pitchFamily="18" charset="0"/>
-                <a:cs typeface="Times New Roman" panose="02020603050405020304" pitchFamily="18" charset="0"/>
-              </a:rPr>
-              <a:t>https://tinyurl.com/2h7s29pj</a:t>
-            </a:r>
-          </a:p>
-          <a:p>
-            <a:endParaRPr lang="hu-HU" sz="1100" dirty="0"/>
+              <a:t>Teljesítményre hatása van</a:t>
+            </a:r>
+            <a:endParaRPr lang="hu-HU" sz="3000" dirty="0">
+              <a:latin typeface="Times New Roman" panose="02020603050405020304" pitchFamily="18" charset="0"/>
+              <a:cs typeface="Times New Roman" panose="02020603050405020304" pitchFamily="18" charset="0"/>
+            </a:endParaRPr>
           </a:p>
         </p:txBody>
       </p:sp>
     </p:spTree>
     <p:extLst>
       <p:ext uri="{BB962C8B-B14F-4D97-AF65-F5344CB8AC3E}">
-        <p14:creationId xmlns:p14="http://schemas.microsoft.com/office/powerpoint/2010/main" val="1395896750"/>
+        <p14:creationId xmlns:p14="http://schemas.microsoft.com/office/powerpoint/2010/main" val="3839454992"/>
       </p:ext>
     </p:extLst>
   </p:cSld>
   <p:clrMapOvr>
     <a:masterClrMapping/>
   </p:clrMapOvr>
-  <p:timing>
-    <p:tnLst>
-      <p:par>
-        <p:cTn id="1" dur="indefinite" restart="never" nodeType="tmRoot"/>
-      </p:par>
-    </p:tnLst>
-  </p:timing>
 </p:sld>
 </file>
 
@@ -7253,269 +6550,77 @@
           <a:lstStyle/>
           <a:p>
             <a:r>
-              <a:rPr lang="hu-HU" dirty="0" smtClean="0">
+              <a:rPr lang="hu-HU" dirty="0" smtClean="0"/>
+              <a:t>Mi a processzormag?</a:t>
+            </a:r>
+            <a:endParaRPr lang="hu-HU" dirty="0"/>
+          </a:p>
+        </p:txBody>
+      </p:sp>
+      <p:sp>
+        <p:nvSpPr>
+          <p:cNvPr id="3" name="Tartalom helye 2"/>
+          <p:cNvSpPr>
+            <a:spLocks noGrp="1"/>
+          </p:cNvSpPr>
+          <p:nvPr>
+            <p:ph idx="1"/>
+          </p:nvPr>
+        </p:nvSpPr>
+        <p:spPr>
+          <a:xfrm>
+            <a:off x="913795" y="2096064"/>
+            <a:ext cx="4051905" cy="3695136"/>
+          </a:xfrm>
+        </p:spPr>
+        <p:txBody>
+          <a:bodyPr>
+            <a:normAutofit/>
+          </a:bodyPr>
+          <a:lstStyle/>
+          <a:p>
+            <a:r>
+              <a:rPr lang="hu-HU" sz="3000" dirty="0" smtClean="0">
                 <a:latin typeface="Times New Roman" panose="02020603050405020304" pitchFamily="18" charset="0"/>
                 <a:cs typeface="Times New Roman" panose="02020603050405020304" pitchFamily="18" charset="0"/>
               </a:rPr>
-              <a:t>Főbb Részei</a:t>
-            </a:r>
-            <a:endParaRPr lang="hu-HU" dirty="0">
+              <a:t>Számítási egység</a:t>
+            </a:r>
+          </a:p>
+          <a:p>
+            <a:r>
+              <a:rPr lang="hu-HU" sz="3000" dirty="0" smtClean="0">
+                <a:latin typeface="Times New Roman" panose="02020603050405020304" pitchFamily="18" charset="0"/>
+                <a:cs typeface="Times New Roman" panose="02020603050405020304" pitchFamily="18" charset="0"/>
+              </a:rPr>
+              <a:t>Több mag</a:t>
+            </a:r>
+          </a:p>
+          <a:p>
+            <a:r>
+              <a:rPr lang="hu-HU" sz="3000" dirty="0" smtClean="0">
+                <a:latin typeface="Times New Roman" panose="02020603050405020304" pitchFamily="18" charset="0"/>
+                <a:cs typeface="Times New Roman" panose="02020603050405020304" pitchFamily="18" charset="0"/>
+              </a:rPr>
+              <a:t>Külön feladatokon dolgozhat</a:t>
+            </a:r>
+            <a:endParaRPr lang="hu-HU" sz="3000" dirty="0">
               <a:latin typeface="Times New Roman" panose="02020603050405020304" pitchFamily="18" charset="0"/>
               <a:cs typeface="Times New Roman" panose="02020603050405020304" pitchFamily="18" charset="0"/>
             </a:endParaRPr>
           </a:p>
         </p:txBody>
       </p:sp>
-      <p:sp>
-        <p:nvSpPr>
-          <p:cNvPr id="3" name="Tartalom helye 2"/>
-          <p:cNvSpPr>
-            <a:spLocks noGrp="1"/>
-          </p:cNvSpPr>
-          <p:nvPr>
-            <p:ph idx="1"/>
-          </p:nvPr>
-        </p:nvSpPr>
-        <p:spPr>
-          <a:xfrm>
-            <a:off x="913794" y="1803863"/>
-            <a:ext cx="3799521" cy="4721628"/>
-          </a:xfrm>
-        </p:spPr>
-        <p:txBody>
-          <a:bodyPr>
-            <a:normAutofit/>
-          </a:bodyPr>
-          <a:lstStyle/>
-          <a:p>
-            <a:r>
-              <a:rPr lang="hu-HU" sz="3000" dirty="0" smtClean="0">
-                <a:effectLst>
-                  <a:outerShdw blurRad="38100" dist="38100" dir="2700000" algn="tl">
-                    <a:srgbClr val="000000">
-                      <a:alpha val="43137"/>
-                    </a:srgbClr>
-                  </a:outerShdw>
-                </a:effectLst>
-                <a:latin typeface="Times New Roman" panose="02020603050405020304" pitchFamily="18" charset="0"/>
-                <a:cs typeface="Times New Roman" panose="02020603050405020304" pitchFamily="18" charset="0"/>
-              </a:rPr>
-              <a:t>CU:</a:t>
-            </a:r>
-          </a:p>
-          <a:p>
-            <a:pPr lvl="1"/>
-            <a:r>
-              <a:rPr lang="hu-HU" sz="3000" dirty="0" smtClean="0">
-                <a:effectLst>
-                  <a:outerShdw blurRad="38100" dist="38100" dir="2700000" algn="tl">
-                    <a:srgbClr val="000000">
-                      <a:alpha val="43137"/>
-                    </a:srgbClr>
-                  </a:outerShdw>
-                </a:effectLst>
-                <a:latin typeface="Times New Roman" panose="02020603050405020304" pitchFamily="18" charset="0"/>
-                <a:cs typeface="Times New Roman" panose="02020603050405020304" pitchFamily="18" charset="0"/>
-              </a:rPr>
-              <a:t>Szervezés</a:t>
-            </a:r>
-          </a:p>
-          <a:p>
-            <a:pPr lvl="1"/>
-            <a:r>
-              <a:rPr lang="hu-HU" sz="3000" dirty="0" smtClean="0">
-                <a:effectLst>
-                  <a:outerShdw blurRad="38100" dist="38100" dir="2700000" algn="tl">
-                    <a:srgbClr val="000000">
-                      <a:alpha val="43137"/>
-                    </a:srgbClr>
-                  </a:outerShdw>
-                </a:effectLst>
-                <a:latin typeface="Times New Roman" panose="02020603050405020304" pitchFamily="18" charset="0"/>
-                <a:cs typeface="Times New Roman" panose="02020603050405020304" pitchFamily="18" charset="0"/>
-              </a:rPr>
-              <a:t>Ütemezés</a:t>
-            </a:r>
-          </a:p>
-          <a:p>
-            <a:pPr lvl="1"/>
-            <a:endParaRPr lang="hu-HU" sz="3000" dirty="0" smtClean="0">
-              <a:effectLst>
-                <a:outerShdw blurRad="38100" dist="38100" dir="2700000" algn="tl">
-                  <a:srgbClr val="000000">
-                    <a:alpha val="43137"/>
-                  </a:srgbClr>
-                </a:outerShdw>
-              </a:effectLst>
-              <a:latin typeface="Times New Roman" panose="02020603050405020304" pitchFamily="18" charset="0"/>
-              <a:cs typeface="Times New Roman" panose="02020603050405020304" pitchFamily="18" charset="0"/>
-            </a:endParaRPr>
-          </a:p>
-          <a:p>
-            <a:pPr lvl="1"/>
-            <a:r>
-              <a:rPr lang="hu-HU" sz="3000" dirty="0" smtClean="0">
-                <a:effectLst>
-                  <a:outerShdw blurRad="38100" dist="38100" dir="2700000" algn="tl">
-                    <a:srgbClr val="000000">
-                      <a:alpha val="43137"/>
-                    </a:srgbClr>
-                  </a:outerShdw>
-                </a:effectLst>
-                <a:latin typeface="Times New Roman" panose="02020603050405020304" pitchFamily="18" charset="0"/>
-                <a:cs typeface="Times New Roman" panose="02020603050405020304" pitchFamily="18" charset="0"/>
-              </a:rPr>
-              <a:t>Értelmez</a:t>
-            </a:r>
-          </a:p>
-          <a:p>
-            <a:pPr lvl="1"/>
-            <a:r>
-              <a:rPr lang="hu-HU" sz="3000" dirty="0" smtClean="0">
-                <a:effectLst>
-                  <a:outerShdw blurRad="38100" dist="38100" dir="2700000" algn="tl">
-                    <a:srgbClr val="000000">
-                      <a:alpha val="43137"/>
-                    </a:srgbClr>
-                  </a:outerShdw>
-                </a:effectLst>
-                <a:latin typeface="Times New Roman" panose="02020603050405020304" pitchFamily="18" charset="0"/>
-                <a:cs typeface="Times New Roman" panose="02020603050405020304" pitchFamily="18" charset="0"/>
-              </a:rPr>
-              <a:t>Végrehajt</a:t>
-            </a:r>
-          </a:p>
-          <a:p>
-            <a:pPr lvl="1"/>
-            <a:r>
-              <a:rPr lang="hu-HU" sz="3000" dirty="0" smtClean="0">
-                <a:effectLst>
-                  <a:outerShdw blurRad="38100" dist="38100" dir="2700000" algn="tl">
-                    <a:srgbClr val="000000">
-                      <a:alpha val="43137"/>
-                    </a:srgbClr>
-                  </a:outerShdw>
-                </a:effectLst>
-                <a:latin typeface="Times New Roman" panose="02020603050405020304" pitchFamily="18" charset="0"/>
-                <a:cs typeface="Times New Roman" panose="02020603050405020304" pitchFamily="18" charset="0"/>
-              </a:rPr>
-              <a:t>Következő utasítás</a:t>
-            </a:r>
-            <a:endParaRPr lang="hu-HU" sz="3000" dirty="0">
-              <a:effectLst>
-                <a:outerShdw blurRad="38100" dist="38100" dir="2700000" algn="tl">
-                  <a:srgbClr val="000000">
-                    <a:alpha val="43137"/>
-                  </a:srgbClr>
-                </a:outerShdw>
-              </a:effectLst>
-              <a:latin typeface="Times New Roman" panose="02020603050405020304" pitchFamily="18" charset="0"/>
-              <a:cs typeface="Times New Roman" panose="02020603050405020304" pitchFamily="18" charset="0"/>
-            </a:endParaRPr>
-          </a:p>
-        </p:txBody>
-      </p:sp>
-      <p:pic>
-        <p:nvPicPr>
-          <p:cNvPr id="5" name="Picture 2" descr="https://computersciencewiki.org/images/1/1a/Cpu_diagram.png"/>
-          <p:cNvPicPr>
-            <a:picLocks noChangeAspect="1" noChangeArrowheads="1"/>
-          </p:cNvPicPr>
-          <p:nvPr/>
-        </p:nvPicPr>
-        <p:blipFill>
-          <a:blip r:embed="rId2">
-            <a:extLst>
-              <a:ext uri="{28A0092B-C50C-407E-A947-70E740481C1C}">
-                <a14:useLocalDpi xmlns:a14="http://schemas.microsoft.com/office/drawing/2010/main" val="0"/>
-              </a:ext>
-            </a:extLst>
-          </a:blip>
-          <a:srcRect/>
-          <a:stretch>
-            <a:fillRect/>
-          </a:stretch>
-        </p:blipFill>
-        <p:spPr bwMode="auto">
-          <a:xfrm>
-            <a:off x="4921135" y="1755242"/>
-            <a:ext cx="6716357" cy="4334146"/>
-          </a:xfrm>
-          <a:prstGeom prst="rect">
-            <a:avLst/>
-          </a:prstGeom>
-          <a:noFill/>
-          <a:extLst>
-            <a:ext uri="{909E8E84-426E-40DD-AFC4-6F175D3DCCD1}">
-              <a14:hiddenFill xmlns:a14="http://schemas.microsoft.com/office/drawing/2010/main">
-                <a:solidFill>
-                  <a:srgbClr val="FFFFFF"/>
-                </a:solidFill>
-              </a14:hiddenFill>
-            </a:ext>
-          </a:extLst>
-        </p:spPr>
-      </p:pic>
-      <p:sp>
-        <p:nvSpPr>
-          <p:cNvPr id="6" name="Szövegdoboz 5"/>
-          <p:cNvSpPr txBox="1"/>
-          <p:nvPr/>
-        </p:nvSpPr>
-        <p:spPr>
-          <a:xfrm>
-            <a:off x="7406477" y="6089388"/>
-            <a:ext cx="1745673" cy="261610"/>
-          </a:xfrm>
-          <a:prstGeom prst="rect">
-            <a:avLst/>
-          </a:prstGeom>
-          <a:noFill/>
-        </p:spPr>
-        <p:txBody>
-          <a:bodyPr wrap="square" rtlCol="0">
-            <a:spAutoFit/>
-          </a:bodyPr>
-          <a:lstStyle/>
-          <a:p>
-            <a:r>
-              <a:rPr lang="hu-HU" sz="1100" dirty="0">
-                <a:latin typeface="Times New Roman" panose="02020603050405020304" pitchFamily="18" charset="0"/>
-                <a:cs typeface="Times New Roman" panose="02020603050405020304" pitchFamily="18" charset="0"/>
-              </a:rPr>
-              <a:t>https://</a:t>
-            </a:r>
-            <a:r>
-              <a:rPr lang="hu-HU" sz="1100" dirty="0" smtClean="0">
-                <a:latin typeface="Times New Roman" panose="02020603050405020304" pitchFamily="18" charset="0"/>
-                <a:cs typeface="Times New Roman" panose="02020603050405020304" pitchFamily="18" charset="0"/>
-              </a:rPr>
-              <a:t>tinyurl.com/yaujk8ty</a:t>
-            </a:r>
-            <a:endParaRPr lang="hu-HU" sz="1100" dirty="0">
-              <a:latin typeface="Times New Roman" panose="02020603050405020304" pitchFamily="18" charset="0"/>
-              <a:cs typeface="Times New Roman" panose="02020603050405020304" pitchFamily="18" charset="0"/>
-            </a:endParaRPr>
-          </a:p>
-        </p:txBody>
-      </p:sp>
     </p:spTree>
     <p:extLst>
       <p:ext uri="{BB962C8B-B14F-4D97-AF65-F5344CB8AC3E}">
-        <p14:creationId xmlns:p14="http://schemas.microsoft.com/office/powerpoint/2010/main" val="104387287"/>
+        <p14:creationId xmlns:p14="http://schemas.microsoft.com/office/powerpoint/2010/main" val="3675926142"/>
       </p:ext>
     </p:extLst>
   </p:cSld>
   <p:clrMapOvr>
     <a:masterClrMapping/>
   </p:clrMapOvr>
-  <p:timing>
-    <p:tnLst>
-      <p:par>
-        <p:cTn id="1" dur="indefinite" restart="never" nodeType="tmRoot"/>
-      </p:par>
-    </p:tnLst>
-  </p:timing>
 </p:sld>
 </file>
 
@@ -7552,16 +6657,10 @@
           <a:lstStyle/>
           <a:p>
             <a:r>
-              <a:rPr lang="hu-HU" dirty="0" smtClean="0">
-                <a:latin typeface="Times New Roman" panose="02020603050405020304" pitchFamily="18" charset="0"/>
-                <a:cs typeface="Times New Roman" panose="02020603050405020304" pitchFamily="18" charset="0"/>
-              </a:rPr>
-              <a:t>Főbb részei</a:t>
-            </a:r>
-            <a:endParaRPr lang="hu-HU" dirty="0">
-              <a:latin typeface="Times New Roman" panose="02020603050405020304" pitchFamily="18" charset="0"/>
-              <a:cs typeface="Times New Roman" panose="02020603050405020304" pitchFamily="18" charset="0"/>
-            </a:endParaRPr>
+              <a:rPr lang="hu-HU" dirty="0" smtClean="0"/>
+              <a:t>Foglalatok</a:t>
+            </a:r>
+            <a:endParaRPr lang="hu-HU" dirty="0"/>
           </a:p>
         </p:txBody>
       </p:sp>
@@ -7577,8 +6676,8 @@
         </p:nvSpPr>
         <p:spPr>
           <a:xfrm>
-            <a:off x="913795" y="1755241"/>
-            <a:ext cx="4007340" cy="4911565"/>
+            <a:off x="913795" y="2096064"/>
+            <a:ext cx="4026505" cy="4088836"/>
           </a:xfrm>
         </p:spPr>
         <p:txBody>
@@ -7592,75 +6691,25 @@
                 <a:latin typeface="Times New Roman" panose="02020603050405020304" pitchFamily="18" charset="0"/>
                 <a:cs typeface="Times New Roman" panose="02020603050405020304" pitchFamily="18" charset="0"/>
               </a:rPr>
-              <a:t>ALU:</a:t>
-            </a:r>
-          </a:p>
-          <a:p>
-            <a:pPr lvl="1"/>
+              <a:t>Paraméter</a:t>
+            </a:r>
+          </a:p>
+          <a:p>
             <a:r>
               <a:rPr lang="hu-HU" sz="3000" dirty="0" smtClean="0">
                 <a:latin typeface="Times New Roman" panose="02020603050405020304" pitchFamily="18" charset="0"/>
                 <a:cs typeface="Times New Roman" panose="02020603050405020304" pitchFamily="18" charset="0"/>
               </a:rPr>
-              <a:t>Matematikai és logikai műveletek</a:t>
-            </a:r>
-          </a:p>
-          <a:p>
-            <a:pPr lvl="1"/>
+              <a:t>Alaplaphoz passzol</a:t>
+            </a:r>
+          </a:p>
+          <a:p>
             <a:r>
               <a:rPr lang="hu-HU" sz="3000" dirty="0" smtClean="0">
                 <a:latin typeface="Times New Roman" panose="02020603050405020304" pitchFamily="18" charset="0"/>
                 <a:cs typeface="Times New Roman" panose="02020603050405020304" pitchFamily="18" charset="0"/>
               </a:rPr>
-              <a:t>FPU (</a:t>
-            </a:r>
-            <a:r>
-              <a:rPr lang="hu-HU" sz="3000" dirty="0" err="1" smtClean="0">
-                <a:latin typeface="Times New Roman" panose="02020603050405020304" pitchFamily="18" charset="0"/>
-                <a:cs typeface="Times New Roman" panose="02020603050405020304" pitchFamily="18" charset="0"/>
-              </a:rPr>
-              <a:t>Floating</a:t>
-            </a:r>
-            <a:r>
-              <a:rPr lang="hu-HU" sz="3000" dirty="0" smtClean="0">
-                <a:latin typeface="Times New Roman" panose="02020603050405020304" pitchFamily="18" charset="0"/>
-                <a:cs typeface="Times New Roman" panose="02020603050405020304" pitchFamily="18" charset="0"/>
-              </a:rPr>
-              <a:t> </a:t>
-            </a:r>
-            <a:r>
-              <a:rPr lang="hu-HU" sz="3000" dirty="0" err="1" smtClean="0">
-                <a:latin typeface="Times New Roman" panose="02020603050405020304" pitchFamily="18" charset="0"/>
-                <a:cs typeface="Times New Roman" panose="02020603050405020304" pitchFamily="18" charset="0"/>
-              </a:rPr>
-              <a:t>Point</a:t>
-            </a:r>
-            <a:r>
-              <a:rPr lang="hu-HU" sz="3000" dirty="0" smtClean="0">
-                <a:latin typeface="Times New Roman" panose="02020603050405020304" pitchFamily="18" charset="0"/>
-                <a:cs typeface="Times New Roman" panose="02020603050405020304" pitchFamily="18" charset="0"/>
-              </a:rPr>
-              <a:t> Unit)</a:t>
-            </a:r>
-          </a:p>
-          <a:p>
-            <a:pPr lvl="1"/>
-            <a:r>
-              <a:rPr lang="hu-HU" sz="3000" dirty="0" smtClean="0">
-                <a:latin typeface="Times New Roman" panose="02020603050405020304" pitchFamily="18" charset="0"/>
-                <a:cs typeface="Times New Roman" panose="02020603050405020304" pitchFamily="18" charset="0"/>
-              </a:rPr>
-              <a:t>Részegység</a:t>
-            </a:r>
-          </a:p>
-          <a:p>
-            <a:pPr lvl="1"/>
-            <a:r>
-              <a:rPr lang="hu-HU" sz="3000" dirty="0" smtClean="0">
-                <a:latin typeface="Times New Roman" panose="02020603050405020304" pitchFamily="18" charset="0"/>
-                <a:cs typeface="Times New Roman" panose="02020603050405020304" pitchFamily="18" charset="0"/>
-              </a:rPr>
-              <a:t>Beépített</a:t>
+              <a:t>Fajták</a:t>
             </a:r>
             <a:endParaRPr lang="hu-HU" sz="3000" dirty="0">
               <a:latin typeface="Times New Roman" panose="02020603050405020304" pitchFamily="18" charset="0"/>
@@ -7669,107 +6718,16 @@
           </a:p>
         </p:txBody>
       </p:sp>
-      <p:pic>
-        <p:nvPicPr>
-          <p:cNvPr id="4" name="Picture 2" descr="https://computersciencewiki.org/images/1/1a/Cpu_diagram.png"/>
-          <p:cNvPicPr>
-            <a:picLocks noChangeAspect="1" noChangeArrowheads="1"/>
-          </p:cNvPicPr>
-          <p:nvPr/>
-        </p:nvPicPr>
-        <p:blipFill>
-          <a:blip r:embed="rId2">
-            <a:extLst>
-              <a:ext uri="{28A0092B-C50C-407E-A947-70E740481C1C}">
-                <a14:useLocalDpi xmlns:a14="http://schemas.microsoft.com/office/drawing/2010/main" val="0"/>
-              </a:ext>
-            </a:extLst>
-          </a:blip>
-          <a:srcRect/>
-          <a:stretch>
-            <a:fillRect/>
-          </a:stretch>
-        </p:blipFill>
-        <p:spPr bwMode="auto">
-          <a:xfrm>
-            <a:off x="4921135" y="1755242"/>
-            <a:ext cx="6716357" cy="4334146"/>
-          </a:xfrm>
-          <a:prstGeom prst="rect">
-            <a:avLst/>
-          </a:prstGeom>
-          <a:noFill/>
-          <a:extLst>
-            <a:ext uri="{909E8E84-426E-40DD-AFC4-6F175D3DCCD1}">
-              <a14:hiddenFill xmlns:a14="http://schemas.microsoft.com/office/drawing/2010/main">
-                <a:solidFill>
-                  <a:srgbClr val="FFFFFF"/>
-                </a:solidFill>
-              </a14:hiddenFill>
-            </a:ext>
-          </a:extLst>
-        </p:spPr>
-      </p:pic>
-      <p:sp>
-        <p:nvSpPr>
-          <p:cNvPr id="6" name="Szövegdoboz 5"/>
-          <p:cNvSpPr txBox="1"/>
-          <p:nvPr/>
-        </p:nvSpPr>
-        <p:spPr>
-          <a:xfrm>
-            <a:off x="7406477" y="6089388"/>
-            <a:ext cx="1745673" cy="261610"/>
-          </a:xfrm>
-          <a:prstGeom prst="rect">
-            <a:avLst/>
-          </a:prstGeom>
-          <a:noFill/>
-        </p:spPr>
-        <p:txBody>
-          <a:bodyPr wrap="square" rtlCol="0">
-            <a:spAutoFit/>
-          </a:bodyPr>
-          <a:lstStyle/>
-          <a:p>
-            <a:r>
-              <a:rPr lang="hu-HU" sz="1100" dirty="0">
-                <a:latin typeface="Times New Roman" panose="02020603050405020304" pitchFamily="18" charset="0"/>
-                <a:cs typeface="Times New Roman" panose="02020603050405020304" pitchFamily="18" charset="0"/>
-              </a:rPr>
-              <a:t>https://</a:t>
-            </a:r>
-            <a:r>
-              <a:rPr lang="hu-HU" sz="1100" dirty="0" smtClean="0">
-                <a:latin typeface="Times New Roman" panose="02020603050405020304" pitchFamily="18" charset="0"/>
-                <a:cs typeface="Times New Roman" panose="02020603050405020304" pitchFamily="18" charset="0"/>
-              </a:rPr>
-              <a:t>tinyurl.com/yaujk8ty</a:t>
-            </a:r>
-            <a:endParaRPr lang="hu-HU" sz="1100" dirty="0">
-              <a:latin typeface="Times New Roman" panose="02020603050405020304" pitchFamily="18" charset="0"/>
-              <a:cs typeface="Times New Roman" panose="02020603050405020304" pitchFamily="18" charset="0"/>
-            </a:endParaRPr>
-          </a:p>
-        </p:txBody>
-      </p:sp>
     </p:spTree>
     <p:extLst>
       <p:ext uri="{BB962C8B-B14F-4D97-AF65-F5344CB8AC3E}">
-        <p14:creationId xmlns:p14="http://schemas.microsoft.com/office/powerpoint/2010/main" val="2591989352"/>
+        <p14:creationId xmlns:p14="http://schemas.microsoft.com/office/powerpoint/2010/main" val="573311332"/>
       </p:ext>
     </p:extLst>
   </p:cSld>
   <p:clrMapOvr>
     <a:masterClrMapping/>
   </p:clrMapOvr>
-  <p:timing>
-    <p:tnLst>
-      <p:par>
-        <p:cTn id="1" dur="indefinite" restart="never" nodeType="tmRoot"/>
-      </p:par>
-    </p:tnLst>
-  </p:timing>
 </p:sld>
 </file>
 
@@ -7806,11 +6764,8 @@
           <a:lstStyle/>
           <a:p>
             <a:r>
-              <a:rPr lang="hu-HU" dirty="0">
-                <a:latin typeface="Times New Roman" panose="02020603050405020304" pitchFamily="18" charset="0"/>
-                <a:cs typeface="Times New Roman" panose="02020603050405020304" pitchFamily="18" charset="0"/>
-              </a:rPr>
-              <a:t>Főbb részei</a:t>
+              <a:rPr lang="hu-HU" dirty="0" smtClean="0"/>
+              <a:t>Cache</a:t>
             </a:r>
             <a:endParaRPr lang="hu-HU" dirty="0"/>
           </a:p>
@@ -7826,223 +6781,25 @@
             <p:ph idx="1"/>
           </p:nvPr>
         </p:nvSpPr>
-        <p:spPr>
-          <a:xfrm>
-            <a:off x="913794" y="2096063"/>
-            <a:ext cx="4553555" cy="4387863"/>
-          </a:xfrm>
-        </p:spPr>
-        <p:txBody>
-          <a:bodyPr>
-            <a:normAutofit/>
-          </a:bodyPr>
-          <a:lstStyle/>
-          <a:p>
-            <a:r>
-              <a:rPr lang="hu-HU" sz="3000" dirty="0">
-                <a:latin typeface="Times New Roman" panose="02020603050405020304" pitchFamily="18" charset="0"/>
-                <a:cs typeface="Times New Roman" panose="02020603050405020304" pitchFamily="18" charset="0"/>
-              </a:rPr>
-              <a:t>Regiszter</a:t>
-            </a:r>
-            <a:r>
-              <a:rPr lang="hu-HU" sz="3000" dirty="0" smtClean="0">
-                <a:latin typeface="Times New Roman" panose="02020603050405020304" pitchFamily="18" charset="0"/>
-                <a:cs typeface="Times New Roman" panose="02020603050405020304" pitchFamily="18" charset="0"/>
-              </a:rPr>
-              <a:t>:</a:t>
-            </a:r>
-          </a:p>
-          <a:p>
-            <a:pPr lvl="1"/>
-            <a:r>
-              <a:rPr lang="hu-HU" sz="3000" dirty="0">
-                <a:latin typeface="Times New Roman" panose="02020603050405020304" pitchFamily="18" charset="0"/>
-                <a:cs typeface="Times New Roman" panose="02020603050405020304" pitchFamily="18" charset="0"/>
-              </a:rPr>
-              <a:t>Gyors </a:t>
-            </a:r>
-            <a:r>
-              <a:rPr lang="hu-HU" sz="3000" dirty="0" smtClean="0">
-                <a:latin typeface="Times New Roman" panose="02020603050405020304" pitchFamily="18" charset="0"/>
-                <a:cs typeface="Times New Roman" panose="02020603050405020304" pitchFamily="18" charset="0"/>
-              </a:rPr>
-              <a:t>elérés</a:t>
-            </a:r>
-          </a:p>
-          <a:p>
-            <a:pPr lvl="1"/>
-            <a:r>
-              <a:rPr lang="hu-HU" sz="3000" dirty="0" smtClean="0">
-                <a:latin typeface="Times New Roman" panose="02020603050405020304" pitchFamily="18" charset="0"/>
-                <a:cs typeface="Times New Roman" panose="02020603050405020304" pitchFamily="18" charset="0"/>
-              </a:rPr>
-              <a:t>Kis memória</a:t>
-            </a:r>
-          </a:p>
-          <a:p>
-            <a:pPr lvl="1"/>
-            <a:r>
-              <a:rPr lang="hu-HU" sz="3000" dirty="0" smtClean="0">
-                <a:latin typeface="Times New Roman" panose="02020603050405020304" pitchFamily="18" charset="0"/>
-                <a:cs typeface="Times New Roman" panose="02020603050405020304" pitchFamily="18" charset="0"/>
-              </a:rPr>
-              <a:t>Ideiglenes </a:t>
-            </a:r>
-            <a:r>
-              <a:rPr lang="hu-HU" sz="3000" dirty="0">
-                <a:latin typeface="Times New Roman" panose="02020603050405020304" pitchFamily="18" charset="0"/>
-                <a:cs typeface="Times New Roman" panose="02020603050405020304" pitchFamily="18" charset="0"/>
-              </a:rPr>
-              <a:t>adattárolás</a:t>
-            </a:r>
-          </a:p>
-          <a:p>
-            <a:pPr lvl="1"/>
-            <a:r>
-              <a:rPr lang="hu-HU" sz="3000" dirty="0">
-                <a:latin typeface="Times New Roman" panose="02020603050405020304" pitchFamily="18" charset="0"/>
-                <a:cs typeface="Times New Roman" panose="02020603050405020304" pitchFamily="18" charset="0"/>
-              </a:rPr>
-              <a:t>32/64 bit </a:t>
-            </a:r>
-            <a:r>
-              <a:rPr lang="hu-HU" sz="3000" dirty="0" smtClean="0">
-                <a:latin typeface="Times New Roman" panose="02020603050405020304" pitchFamily="18" charset="0"/>
-                <a:cs typeface="Times New Roman" panose="02020603050405020304" pitchFamily="18" charset="0"/>
-              </a:rPr>
-              <a:t>méret</a:t>
-            </a:r>
-          </a:p>
-          <a:p>
-            <a:pPr lvl="1"/>
-            <a:r>
-              <a:rPr lang="hu-HU" sz="3000" dirty="0" smtClean="0">
-                <a:latin typeface="Times New Roman" panose="02020603050405020304" pitchFamily="18" charset="0"/>
-                <a:cs typeface="Times New Roman" panose="02020603050405020304" pitchFamily="18" charset="0"/>
-              </a:rPr>
-              <a:t>32/64 bit BUSZ - RAM</a:t>
-            </a:r>
-            <a:endParaRPr lang="hu-HU" sz="3000" dirty="0">
-              <a:latin typeface="Times New Roman" panose="02020603050405020304" pitchFamily="18" charset="0"/>
-              <a:cs typeface="Times New Roman" panose="02020603050405020304" pitchFamily="18" charset="0"/>
-            </a:endParaRPr>
-          </a:p>
-        </p:txBody>
-      </p:sp>
-      <p:pic>
-        <p:nvPicPr>
-          <p:cNvPr id="5122" name="Picture 2" descr="https://www.tutorialandexample.com/wp-content/uploads/2019/10/Control-Processing-Unit-2.png"/>
-          <p:cNvPicPr>
-            <a:picLocks noChangeAspect="1" noChangeArrowheads="1"/>
-          </p:cNvPicPr>
-          <p:nvPr/>
-        </p:nvPicPr>
-        <p:blipFill>
-          <a:blip r:embed="rId2">
-            <a:extLst>
-              <a:ext uri="{BEBA8EAE-BF5A-486C-A8C5-ECC9F3942E4B}">
-                <a14:imgProps xmlns:a14="http://schemas.microsoft.com/office/drawing/2010/main">
-                  <a14:imgLayer r:embed="rId3">
-                    <a14:imgEffect>
-                      <a14:backgroundRemoval t="31000" b="86500" l="0" r="33200">
-                        <a14:foregroundMark x1="7800" y1="38000" x2="15200" y2="38250"/>
-                        <a14:foregroundMark x1="8200" y1="36500" x2="13400" y2="37750"/>
-                        <a14:foregroundMark x1="5000" y1="50250" x2="29600" y2="49250"/>
-                        <a14:foregroundMark x1="6800" y1="63750" x2="28200" y2="63250"/>
-                        <a14:foregroundMark x1="11600" y1="38750" x2="28200" y2="35750"/>
-                        <a14:foregroundMark x1="4600" y1="76750" x2="31200" y2="75250"/>
-                        <a14:foregroundMark x1="4400" y1="74000" x2="30600" y2="79250"/>
-                        <a14:foregroundMark x1="3800" y1="33500" x2="28200" y2="32500"/>
-                        <a14:foregroundMark x1="5600" y1="66750" x2="28000" y2="59250"/>
-                        <a14:foregroundMark x1="6600" y1="54250" x2="26000" y2="46500"/>
-                        <a14:backgroundMark x1="34200" y1="66250" x2="34000" y2="62750"/>
-                        <a14:backgroundMark x1="34400" y1="39500" x2="34000" y2="35250"/>
-                        <a14:backgroundMark x1="33800" y1="79500" x2="34200" y2="74250"/>
-                      </a14:backgroundRemoval>
-                    </a14:imgEffect>
-                  </a14:imgLayer>
-                </a14:imgProps>
-              </a:ext>
-              <a:ext uri="{28A0092B-C50C-407E-A947-70E740481C1C}">
-                <a14:useLocalDpi xmlns:a14="http://schemas.microsoft.com/office/drawing/2010/main" val="0"/>
-              </a:ext>
-            </a:extLst>
-          </a:blip>
-          <a:srcRect/>
-          <a:stretch>
-            <a:fillRect/>
-          </a:stretch>
-        </p:blipFill>
-        <p:spPr bwMode="auto">
-          <a:xfrm>
-            <a:off x="6266064" y="0"/>
-            <a:ext cx="9135861" cy="7308690"/>
-          </a:xfrm>
-          <a:prstGeom prst="rect">
-            <a:avLst/>
-          </a:prstGeom>
-          <a:noFill/>
-          <a:extLst>
-            <a:ext uri="{909E8E84-426E-40DD-AFC4-6F175D3DCCD1}">
-              <a14:hiddenFill xmlns:a14="http://schemas.microsoft.com/office/drawing/2010/main">
-                <a:solidFill>
-                  <a:srgbClr val="FFFFFF"/>
-                </a:solidFill>
-              </a14:hiddenFill>
-            </a:ext>
-          </a:extLst>
-        </p:spPr>
-      </p:pic>
-      <p:sp>
-        <p:nvSpPr>
-          <p:cNvPr id="4" name="Szövegdoboz 3"/>
-          <p:cNvSpPr txBox="1"/>
-          <p:nvPr/>
-        </p:nvSpPr>
-        <p:spPr>
-          <a:xfrm>
-            <a:off x="6981826" y="6000750"/>
-            <a:ext cx="1809750" cy="261610"/>
-          </a:xfrm>
-          <a:prstGeom prst="rect">
-            <a:avLst/>
-          </a:prstGeom>
-          <a:noFill/>
-        </p:spPr>
-        <p:txBody>
-          <a:bodyPr wrap="square" rtlCol="0">
-            <a:spAutoFit/>
-          </a:bodyPr>
-          <a:lstStyle/>
-          <a:p>
-            <a:r>
-              <a:rPr lang="hu-HU" sz="1100" dirty="0">
-                <a:latin typeface="Times New Roman" panose="02020603050405020304" pitchFamily="18" charset="0"/>
-                <a:cs typeface="Times New Roman" panose="02020603050405020304" pitchFamily="18" charset="0"/>
-              </a:rPr>
-              <a:t>https://tinyurl.com/5n7e9as5</a:t>
-            </a:r>
+        <p:spPr/>
+        <p:txBody>
+          <a:bodyPr/>
+          <a:lstStyle/>
+          <a:p>
+            <a:endParaRPr lang="hu-HU"/>
           </a:p>
         </p:txBody>
       </p:sp>
     </p:spTree>
     <p:extLst>
       <p:ext uri="{BB962C8B-B14F-4D97-AF65-F5344CB8AC3E}">
-        <p14:creationId xmlns:p14="http://schemas.microsoft.com/office/powerpoint/2010/main" val="3614325250"/>
+        <p14:creationId xmlns:p14="http://schemas.microsoft.com/office/powerpoint/2010/main" val="865148362"/>
       </p:ext>
     </p:extLst>
   </p:cSld>
   <p:clrMapOvr>
     <a:masterClrMapping/>
   </p:clrMapOvr>
-  <p:timing>
-    <p:tnLst>
-      <p:par>
-        <p:cTn id="1" dur="indefinite" restart="never" nodeType="tmRoot"/>
-      </p:par>
-    </p:tnLst>
-  </p:timing>
 </p:sld>
 </file>
 
@@ -8073,174 +6830,28 @@
             <p:ph type="title"/>
           </p:nvPr>
         </p:nvSpPr>
-        <p:spPr/>
-        <p:txBody>
-          <a:bodyPr/>
-          <a:lstStyle/>
-          <a:p>
-            <a:r>
-              <a:rPr lang="hu-HU" dirty="0" smtClean="0"/>
-              <a:t>Főbb részei</a:t>
-            </a:r>
-            <a:endParaRPr lang="hu-HU" dirty="0"/>
-          </a:p>
-        </p:txBody>
-      </p:sp>
-      <p:sp>
-        <p:nvSpPr>
-          <p:cNvPr id="3" name="Tartalom helye 2"/>
-          <p:cNvSpPr>
-            <a:spLocks noGrp="1"/>
-          </p:cNvSpPr>
-          <p:nvPr>
-            <p:ph idx="1"/>
-          </p:nvPr>
-        </p:nvSpPr>
         <p:spPr>
           <a:xfrm>
-            <a:off x="913794" y="1935921"/>
-            <a:ext cx="4048904" cy="4581257"/>
+            <a:off x="913795" y="2565400"/>
+            <a:ext cx="10353761" cy="1326321"/>
           </a:xfrm>
         </p:spPr>
         <p:txBody>
-          <a:bodyPr>
-            <a:normAutofit/>
-          </a:bodyPr>
-          <a:lstStyle/>
-          <a:p>
-            <a:r>
-              <a:rPr lang="hu-HU" sz="3000" dirty="0" smtClean="0">
-                <a:latin typeface="Times New Roman" panose="02020603050405020304" pitchFamily="18" charset="0"/>
-                <a:cs typeface="Times New Roman" panose="02020603050405020304" pitchFamily="18" charset="0"/>
-              </a:rPr>
-              <a:t>Cache:</a:t>
-            </a:r>
-          </a:p>
-          <a:p>
-            <a:pPr lvl="1"/>
-            <a:r>
-              <a:rPr lang="hu-HU" sz="3000" dirty="0" smtClean="0">
-                <a:latin typeface="Times New Roman" panose="02020603050405020304" pitchFamily="18" charset="0"/>
-                <a:cs typeface="Times New Roman" panose="02020603050405020304" pitchFamily="18" charset="0"/>
-              </a:rPr>
-              <a:t>Gyorsítótár</a:t>
-            </a:r>
-          </a:p>
-          <a:p>
-            <a:pPr lvl="1"/>
-            <a:r>
-              <a:rPr lang="hu-HU" sz="3000" dirty="0" smtClean="0">
-                <a:latin typeface="Times New Roman" panose="02020603050405020304" pitchFamily="18" charset="0"/>
-                <a:cs typeface="Times New Roman" panose="02020603050405020304" pitchFamily="18" charset="0"/>
-              </a:rPr>
-              <a:t>Integrált memória</a:t>
-            </a:r>
-          </a:p>
-          <a:p>
-            <a:pPr lvl="1"/>
-            <a:r>
-              <a:rPr lang="hu-HU" sz="3000" dirty="0" smtClean="0">
-                <a:latin typeface="Times New Roman" panose="02020603050405020304" pitchFamily="18" charset="0"/>
-                <a:cs typeface="Times New Roman" panose="02020603050405020304" pitchFamily="18" charset="0"/>
-              </a:rPr>
-              <a:t>Lassú elérés javítása</a:t>
-            </a:r>
-          </a:p>
-          <a:p>
-            <a:pPr lvl="1"/>
-            <a:r>
-              <a:rPr lang="hu-HU" sz="3000" dirty="0" smtClean="0">
-                <a:latin typeface="Times New Roman" panose="02020603050405020304" pitchFamily="18" charset="0"/>
-                <a:cs typeface="Times New Roman" panose="02020603050405020304" pitchFamily="18" charset="0"/>
-              </a:rPr>
-              <a:t>L1 - L3</a:t>
-            </a:r>
-          </a:p>
-          <a:p>
-            <a:pPr lvl="1"/>
-            <a:r>
-              <a:rPr lang="hu-HU" sz="3000" dirty="0" smtClean="0">
-                <a:latin typeface="Times New Roman" panose="02020603050405020304" pitchFamily="18" charset="0"/>
-                <a:cs typeface="Times New Roman" panose="02020603050405020304" pitchFamily="18" charset="0"/>
-              </a:rPr>
-              <a:t>MB-os nagyágú</a:t>
-            </a:r>
-          </a:p>
-          <a:p>
-            <a:pPr lvl="1"/>
-            <a:r>
-              <a:rPr lang="hu-HU" sz="3000" dirty="0" smtClean="0">
-                <a:latin typeface="Times New Roman" panose="02020603050405020304" pitchFamily="18" charset="0"/>
-                <a:cs typeface="Times New Roman" panose="02020603050405020304" pitchFamily="18" charset="0"/>
-              </a:rPr>
-              <a:t>1-2 db</a:t>
-            </a:r>
-          </a:p>
-          <a:p>
-            <a:endParaRPr lang="hu-HU" dirty="0" smtClean="0"/>
-          </a:p>
-        </p:txBody>
-      </p:sp>
-      <p:pic>
-        <p:nvPicPr>
-          <p:cNvPr id="5" name="Kép 4"/>
-          <p:cNvPicPr>
-            <a:picLocks noChangeAspect="1"/>
-          </p:cNvPicPr>
-          <p:nvPr/>
-        </p:nvPicPr>
-        <p:blipFill>
-          <a:blip r:embed="rId2"/>
-          <a:stretch>
-            <a:fillRect/>
-          </a:stretch>
-        </p:blipFill>
-        <p:spPr>
-          <a:xfrm>
-            <a:off x="5209827" y="2112384"/>
-            <a:ext cx="6638175" cy="3490395"/>
-          </a:xfrm>
-          <a:prstGeom prst="rect">
-            <a:avLst/>
-          </a:prstGeom>
-        </p:spPr>
-      </p:pic>
-      <p:sp>
-        <p:nvSpPr>
-          <p:cNvPr id="6" name="Szövegdoboz 5"/>
-          <p:cNvSpPr txBox="1"/>
-          <p:nvPr/>
-        </p:nvSpPr>
-        <p:spPr>
-          <a:xfrm>
-            <a:off x="7613387" y="5602779"/>
-            <a:ext cx="1831053" cy="261610"/>
-          </a:xfrm>
-          <a:prstGeom prst="rect">
-            <a:avLst/>
-          </a:prstGeom>
-          <a:noFill/>
-        </p:spPr>
-        <p:txBody>
-          <a:bodyPr wrap="square" rtlCol="0">
-            <a:spAutoFit/>
-          </a:bodyPr>
-          <a:lstStyle/>
-          <a:p>
-            <a:r>
-              <a:rPr lang="hu-HU" sz="1100" dirty="0">
-                <a:latin typeface="Times New Roman" panose="02020603050405020304" pitchFamily="18" charset="0"/>
-                <a:cs typeface="Times New Roman" panose="02020603050405020304" pitchFamily="18" charset="0"/>
-              </a:rPr>
-              <a:t>https://tinyurl.com/w23r572s</a:t>
-            </a:r>
+          <a:bodyPr/>
+          <a:lstStyle/>
+          <a:p>
+            <a:r>
+              <a:rPr lang="hu-HU" dirty="0" smtClean="0"/>
+              <a:t>Köszönöm a figyelmet</a:t>
+            </a:r>
+            <a:endParaRPr lang="hu-HU" dirty="0"/>
           </a:p>
         </p:txBody>
       </p:sp>
     </p:spTree>
     <p:extLst>
       <p:ext uri="{BB962C8B-B14F-4D97-AF65-F5344CB8AC3E}">
-        <p14:creationId xmlns:p14="http://schemas.microsoft.com/office/powerpoint/2010/main" val="865148362"/>
+        <p14:creationId xmlns:p14="http://schemas.microsoft.com/office/powerpoint/2010/main" val="276585320"/>
       </p:ext>
     </p:extLst>
   </p:cSld>

--- a/Processzorok.pptx
+++ b/Processzorok.pptx
@@ -9,12 +9,16 @@
     <p:sldId id="259" r:id="rId3"/>
     <p:sldId id="257" r:id="rId4"/>
     <p:sldId id="260" r:id="rId5"/>
-    <p:sldId id="261" r:id="rId6"/>
-    <p:sldId id="263" r:id="rId7"/>
-    <p:sldId id="264" r:id="rId8"/>
-    <p:sldId id="265" r:id="rId9"/>
-    <p:sldId id="258" r:id="rId10"/>
-    <p:sldId id="262" r:id="rId11"/>
+    <p:sldId id="271" r:id="rId6"/>
+    <p:sldId id="273" r:id="rId7"/>
+    <p:sldId id="272" r:id="rId8"/>
+    <p:sldId id="269" r:id="rId9"/>
+    <p:sldId id="265" r:id="rId10"/>
+    <p:sldId id="274" r:id="rId11"/>
+    <p:sldId id="275" r:id="rId12"/>
+    <p:sldId id="276" r:id="rId13"/>
+    <p:sldId id="258" r:id="rId14"/>
+    <p:sldId id="262" r:id="rId15"/>
   </p:sldIdLst>
   <p:sldSz cx="12192000" cy="6858000"/>
   <p:notesSz cx="6858000" cy="9144000"/>
@@ -113,6 +117,11 @@
       </a:defRPr>
     </a:lvl9pPr>
   </p:defaultTextStyle>
+  <p:extLst>
+    <p:ext uri="{EFAFB233-063F-42B5-8137-9DF3F51BA10A}">
+      <p15:sldGuideLst xmlns:p15="http://schemas.microsoft.com/office/powerpoint/2012/main"/>
+    </p:ext>
+  </p:extLst>
 </p:presentation>
 </file>
 
@@ -249,7 +258,7 @@
           <a:p>
             <a:fld id="{3FA18FD4-B378-4D3A-AEFB-1F3E4F59479F}" type="datetimeFigureOut">
               <a:rPr lang="hu-HU" smtClean="0"/>
-              <a:t>2022.09.15.</a:t>
+              <a:t>2022. 10. 02.</a:t>
             </a:fld>
             <a:endParaRPr lang="hu-HU"/>
           </a:p>
@@ -536,7 +545,7 @@
           <a:p>
             <a:fld id="{3FA18FD4-B378-4D3A-AEFB-1F3E4F59479F}" type="datetimeFigureOut">
               <a:rPr lang="hu-HU" smtClean="0"/>
-              <a:t>2022.09.15.</a:t>
+              <a:t>2022. 10. 02.</a:t>
             </a:fld>
             <a:endParaRPr lang="hu-HU"/>
           </a:p>
@@ -728,7 +737,7 @@
           <a:p>
             <a:fld id="{3FA18FD4-B378-4D3A-AEFB-1F3E4F59479F}" type="datetimeFigureOut">
               <a:rPr lang="hu-HU" smtClean="0"/>
-              <a:t>2022.09.15.</a:t>
+              <a:t>2022. 10. 02.</a:t>
             </a:fld>
             <a:endParaRPr lang="hu-HU"/>
           </a:p>
@@ -989,7 +998,7 @@
           <a:p>
             <a:fld id="{3FA18FD4-B378-4D3A-AEFB-1F3E4F59479F}" type="datetimeFigureOut">
               <a:rPr lang="hu-HU" smtClean="0"/>
-              <a:t>2022.09.15.</a:t>
+              <a:t>2022. 10. 02.</a:t>
             </a:fld>
             <a:endParaRPr lang="hu-HU"/>
           </a:p>
@@ -1413,7 +1422,7 @@
           <a:p>
             <a:fld id="{3FA18FD4-B378-4D3A-AEFB-1F3E4F59479F}" type="datetimeFigureOut">
               <a:rPr lang="hu-HU" smtClean="0"/>
-              <a:t>2022.09.15.</a:t>
+              <a:t>2022. 10. 02.</a:t>
             </a:fld>
             <a:endParaRPr lang="hu-HU"/>
           </a:p>
@@ -1959,7 +1968,7 @@
           <a:p>
             <a:fld id="{3FA18FD4-B378-4D3A-AEFB-1F3E4F59479F}" type="datetimeFigureOut">
               <a:rPr lang="hu-HU" smtClean="0"/>
-              <a:t>2022.09.15.</a:t>
+              <a:t>2022. 10. 02.</a:t>
             </a:fld>
             <a:endParaRPr lang="hu-HU"/>
           </a:p>
@@ -2799,7 +2808,7 @@
           <a:p>
             <a:fld id="{3FA18FD4-B378-4D3A-AEFB-1F3E4F59479F}" type="datetimeFigureOut">
               <a:rPr lang="hu-HU" smtClean="0"/>
-              <a:t>2022.09.15.</a:t>
+              <a:t>2022. 10. 02.</a:t>
             </a:fld>
             <a:endParaRPr lang="hu-HU"/>
           </a:p>
@@ -2969,7 +2978,7 @@
           <a:p>
             <a:fld id="{3FA18FD4-B378-4D3A-AEFB-1F3E4F59479F}" type="datetimeFigureOut">
               <a:rPr lang="hu-HU" smtClean="0"/>
-              <a:t>2022.09.15.</a:t>
+              <a:t>2022. 10. 02.</a:t>
             </a:fld>
             <a:endParaRPr lang="hu-HU"/>
           </a:p>
@@ -3153,7 +3162,7 @@
           <a:p>
             <a:fld id="{3FA18FD4-B378-4D3A-AEFB-1F3E4F59479F}" type="datetimeFigureOut">
               <a:rPr lang="hu-HU" smtClean="0"/>
-              <a:t>2022.09.15.</a:t>
+              <a:t>2022. 10. 02.</a:t>
             </a:fld>
             <a:endParaRPr lang="hu-HU"/>
           </a:p>
@@ -3323,7 +3332,7 @@
           <a:p>
             <a:fld id="{3FA18FD4-B378-4D3A-AEFB-1F3E4F59479F}" type="datetimeFigureOut">
               <a:rPr lang="hu-HU" smtClean="0"/>
-              <a:t>2022.09.15.</a:t>
+              <a:t>2022. 10. 02.</a:t>
             </a:fld>
             <a:endParaRPr lang="hu-HU"/>
           </a:p>
@@ -3571,7 +3580,7 @@
           <a:p>
             <a:fld id="{3FA18FD4-B378-4D3A-AEFB-1F3E4F59479F}" type="datetimeFigureOut">
               <a:rPr lang="hu-HU" smtClean="0"/>
-              <a:t>2022.09.15.</a:t>
+              <a:t>2022. 10. 02.</a:t>
             </a:fld>
             <a:endParaRPr lang="hu-HU"/>
           </a:p>
@@ -3808,7 +3817,7 @@
           <a:p>
             <a:fld id="{3FA18FD4-B378-4D3A-AEFB-1F3E4F59479F}" type="datetimeFigureOut">
               <a:rPr lang="hu-HU" smtClean="0"/>
-              <a:t>2022.09.15.</a:t>
+              <a:t>2022. 10. 02.</a:t>
             </a:fld>
             <a:endParaRPr lang="hu-HU"/>
           </a:p>
@@ -4181,7 +4190,7 @@
           <a:p>
             <a:fld id="{3FA18FD4-B378-4D3A-AEFB-1F3E4F59479F}" type="datetimeFigureOut">
               <a:rPr lang="hu-HU" smtClean="0"/>
-              <a:t>2022.09.15.</a:t>
+              <a:t>2022. 10. 02.</a:t>
             </a:fld>
             <a:endParaRPr lang="hu-HU"/>
           </a:p>
@@ -4299,7 +4308,7 @@
           <a:p>
             <a:fld id="{3FA18FD4-B378-4D3A-AEFB-1F3E4F59479F}" type="datetimeFigureOut">
               <a:rPr lang="hu-HU" smtClean="0"/>
-              <a:t>2022.09.15.</a:t>
+              <a:t>2022. 10. 02.</a:t>
             </a:fld>
             <a:endParaRPr lang="hu-HU"/>
           </a:p>
@@ -4394,7 +4403,7 @@
           <a:p>
             <a:fld id="{3FA18FD4-B378-4D3A-AEFB-1F3E4F59479F}" type="datetimeFigureOut">
               <a:rPr lang="hu-HU" smtClean="0"/>
-              <a:t>2022.09.15.</a:t>
+              <a:t>2022. 10. 02.</a:t>
             </a:fld>
             <a:endParaRPr lang="hu-HU"/>
           </a:p>
@@ -4645,7 +4654,7 @@
           <a:p>
             <a:fld id="{3FA18FD4-B378-4D3A-AEFB-1F3E4F59479F}" type="datetimeFigureOut">
               <a:rPr lang="hu-HU" smtClean="0"/>
-              <a:t>2022.09.15.</a:t>
+              <a:t>2022. 10. 02.</a:t>
             </a:fld>
             <a:endParaRPr lang="hu-HU"/>
           </a:p>
@@ -4932,7 +4941,7 @@
           <a:p>
             <a:fld id="{3FA18FD4-B378-4D3A-AEFB-1F3E4F59479F}" type="datetimeFigureOut">
               <a:rPr lang="hu-HU" smtClean="0"/>
-              <a:t>2022.09.15.</a:t>
+              <a:t>2022. 10. 02.</a:t>
             </a:fld>
             <a:endParaRPr lang="hu-HU"/>
           </a:p>
@@ -5145,7 +5154,7 @@
           <a:p>
             <a:fld id="{3FA18FD4-B378-4D3A-AEFB-1F3E4F59479F}" type="datetimeFigureOut">
               <a:rPr lang="hu-HU" smtClean="0"/>
-              <a:t>2022.09.15.</a:t>
+              <a:t>2022. 10. 02.</a:t>
             </a:fld>
             <a:endParaRPr lang="hu-HU"/>
           </a:p>
@@ -5642,10 +5651,16 @@
           <a:lstStyle/>
           <a:p>
             <a:r>
-              <a:rPr lang="hu-HU" dirty="0" smtClean="0"/>
+              <a:rPr lang="hu-HU" dirty="0" smtClean="0">
+                <a:latin typeface="Times New Roman" panose="02020603050405020304" pitchFamily="18" charset="0"/>
+                <a:cs typeface="Times New Roman" panose="02020603050405020304" pitchFamily="18" charset="0"/>
+              </a:rPr>
               <a:t>Processzorok</a:t>
             </a:r>
-            <a:endParaRPr lang="hu-HU" dirty="0"/>
+            <a:endParaRPr lang="hu-HU" dirty="0">
+              <a:latin typeface="Times New Roman" panose="02020603050405020304" pitchFamily="18" charset="0"/>
+              <a:cs typeface="Times New Roman" panose="02020603050405020304" pitchFamily="18" charset="0"/>
+            </a:endParaRPr>
           </a:p>
         </p:txBody>
       </p:sp>
@@ -5670,10 +5685,16 @@
           <a:lstStyle/>
           <a:p>
             <a:r>
-              <a:rPr lang="hu-HU" dirty="0" smtClean="0"/>
+              <a:rPr lang="hu-HU" dirty="0" smtClean="0">
+                <a:latin typeface="Times New Roman" panose="02020603050405020304" pitchFamily="18" charset="0"/>
+                <a:cs typeface="Times New Roman" panose="02020603050405020304" pitchFamily="18" charset="0"/>
+              </a:rPr>
               <a:t>Készítette: Mészáros Richárd 11.A</a:t>
             </a:r>
-            <a:endParaRPr lang="hu-HU" dirty="0"/>
+            <a:endParaRPr lang="hu-HU" dirty="0">
+              <a:latin typeface="Times New Roman" panose="02020603050405020304" pitchFamily="18" charset="0"/>
+              <a:cs typeface="Times New Roman" panose="02020603050405020304" pitchFamily="18" charset="0"/>
+            </a:endParaRPr>
           </a:p>
         </p:txBody>
       </p:sp>
@@ -5730,10 +5751,645 @@
           <a:lstStyle/>
           <a:p>
             <a:r>
-              <a:rPr lang="hu-HU" dirty="0" smtClean="0"/>
+              <a:rPr lang="hu-HU" dirty="0" smtClean="0">
+                <a:latin typeface="Times New Roman" panose="02020603050405020304" pitchFamily="18" charset="0"/>
+                <a:cs typeface="Times New Roman" panose="02020603050405020304" pitchFamily="18" charset="0"/>
+              </a:rPr>
+              <a:t>Frekvencia (órajel)</a:t>
+            </a:r>
+            <a:endParaRPr lang="hu-HU" dirty="0">
+              <a:latin typeface="Times New Roman" panose="02020603050405020304" pitchFamily="18" charset="0"/>
+              <a:cs typeface="Times New Roman" panose="02020603050405020304" pitchFamily="18" charset="0"/>
+            </a:endParaRPr>
+          </a:p>
+        </p:txBody>
+      </p:sp>
+      <p:sp>
+        <p:nvSpPr>
+          <p:cNvPr id="3" name="Tartalom helye 2"/>
+          <p:cNvSpPr>
+            <a:spLocks noGrp="1"/>
+          </p:cNvSpPr>
+          <p:nvPr>
+            <p:ph idx="1"/>
+          </p:nvPr>
+        </p:nvSpPr>
+        <p:spPr>
+          <a:xfrm>
+            <a:off x="913795" y="1935921"/>
+            <a:ext cx="4442428" cy="3999366"/>
+          </a:xfrm>
+        </p:spPr>
+        <p:txBody>
+          <a:bodyPr>
+            <a:normAutofit/>
+          </a:bodyPr>
+          <a:lstStyle/>
+          <a:p>
+            <a:r>
+              <a:rPr lang="hu-HU" sz="3000" dirty="0" smtClean="0">
+                <a:latin typeface="Times New Roman" panose="02020603050405020304" pitchFamily="18" charset="0"/>
+                <a:cs typeface="Times New Roman" panose="02020603050405020304" pitchFamily="18" charset="0"/>
+              </a:rPr>
+              <a:t>Kvarckristály</a:t>
+            </a:r>
+            <a:endParaRPr lang="hu-HU" sz="3000" dirty="0">
+              <a:latin typeface="Times New Roman" panose="02020603050405020304" pitchFamily="18" charset="0"/>
+              <a:cs typeface="Times New Roman" panose="02020603050405020304" pitchFamily="18" charset="0"/>
+            </a:endParaRPr>
+          </a:p>
+          <a:p>
+            <a:r>
+              <a:rPr lang="hu-HU" sz="3000" dirty="0">
+                <a:latin typeface="Times New Roman" panose="02020603050405020304" pitchFamily="18" charset="0"/>
+                <a:cs typeface="Times New Roman" panose="02020603050405020304" pitchFamily="18" charset="0"/>
+              </a:rPr>
+              <a:t>Áramra rezeg</a:t>
+            </a:r>
+          </a:p>
+          <a:p>
+            <a:r>
+              <a:rPr lang="hu-HU" sz="3000" dirty="0" smtClean="0">
+                <a:latin typeface="Times New Roman" panose="02020603050405020304" pitchFamily="18" charset="0"/>
+                <a:cs typeface="Times New Roman" panose="02020603050405020304" pitchFamily="18" charset="0"/>
+              </a:rPr>
+              <a:t>Pár száz MHz</a:t>
+            </a:r>
+          </a:p>
+          <a:p>
+            <a:r>
+              <a:rPr lang="hu-HU" sz="3000" dirty="0" smtClean="0">
+                <a:latin typeface="Times New Roman" panose="02020603050405020304" pitchFamily="18" charset="0"/>
+                <a:cs typeface="Times New Roman" panose="02020603050405020304" pitchFamily="18" charset="0"/>
+              </a:rPr>
+              <a:t>Szorzó</a:t>
+            </a:r>
+          </a:p>
+          <a:p>
+            <a:r>
+              <a:rPr lang="hu-HU" sz="3000" dirty="0" smtClean="0">
+                <a:latin typeface="Times New Roman" panose="02020603050405020304" pitchFamily="18" charset="0"/>
+                <a:cs typeface="Times New Roman" panose="02020603050405020304" pitchFamily="18" charset="0"/>
+              </a:rPr>
+              <a:t>Többféle sebességű </a:t>
+            </a:r>
+            <a:r>
+              <a:rPr lang="hu-HU" sz="3000" dirty="0" smtClean="0">
+                <a:latin typeface="Times New Roman" panose="02020603050405020304" pitchFamily="18" charset="0"/>
+                <a:cs typeface="Times New Roman" panose="02020603050405020304" pitchFamily="18" charset="0"/>
+              </a:rPr>
+              <a:t>processzor</a:t>
+            </a:r>
+            <a:endParaRPr lang="hu-HU" sz="3000" dirty="0" smtClean="0">
+              <a:latin typeface="Times New Roman" panose="02020603050405020304" pitchFamily="18" charset="0"/>
+              <a:cs typeface="Times New Roman" panose="02020603050405020304" pitchFamily="18" charset="0"/>
+            </a:endParaRPr>
+          </a:p>
+        </p:txBody>
+      </p:sp>
+      <p:pic>
+        <p:nvPicPr>
+          <p:cNvPr id="6146" name="Picture 2" descr="https://content.instructables.com/ORIG/FQ9/DG6W/JPX5BMJH/FQ9DG6WJPX5BMJH.png?auto=webp&amp;fit=bounds&amp;frame=1&amp;height=1024&amp;width=1024&amp;auto=webp&amp;frame=1&amp;height=300"/>
+          <p:cNvPicPr>
+            <a:picLocks noChangeAspect="1" noChangeArrowheads="1"/>
+          </p:cNvPicPr>
+          <p:nvPr/>
+        </p:nvPicPr>
+        <p:blipFill>
+          <a:blip r:embed="rId2">
+            <a:extLst>
+              <a:ext uri="{28A0092B-C50C-407E-A947-70E740481C1C}">
+                <a14:useLocalDpi xmlns:a14="http://schemas.microsoft.com/office/drawing/2010/main" val="0"/>
+              </a:ext>
+            </a:extLst>
+          </a:blip>
+          <a:srcRect/>
+          <a:stretch>
+            <a:fillRect/>
+          </a:stretch>
+        </p:blipFill>
+        <p:spPr bwMode="auto">
+          <a:xfrm>
+            <a:off x="5356225" y="1499812"/>
+            <a:ext cx="6207125" cy="4964488"/>
+          </a:xfrm>
+          <a:prstGeom prst="rect">
+            <a:avLst/>
+          </a:prstGeom>
+          <a:noFill/>
+          <a:extLst>
+            <a:ext uri="{909E8E84-426E-40DD-AFC4-6F175D3DCCD1}">
+              <a14:hiddenFill xmlns:a14="http://schemas.microsoft.com/office/drawing/2010/main">
+                <a:solidFill>
+                  <a:srgbClr val="FFFFFF"/>
+                </a:solidFill>
+              </a14:hiddenFill>
+            </a:ext>
+          </a:extLst>
+        </p:spPr>
+      </p:pic>
+      <p:sp>
+        <p:nvSpPr>
+          <p:cNvPr id="4" name="Szövegdoboz 3"/>
+          <p:cNvSpPr txBox="1"/>
+          <p:nvPr/>
+        </p:nvSpPr>
+        <p:spPr>
+          <a:xfrm>
+            <a:off x="7540624" y="6464300"/>
+            <a:ext cx="1838325" cy="261610"/>
+          </a:xfrm>
+          <a:prstGeom prst="rect">
+            <a:avLst/>
+          </a:prstGeom>
+          <a:noFill/>
+        </p:spPr>
+        <p:txBody>
+          <a:bodyPr wrap="square" rtlCol="0">
+            <a:spAutoFit/>
+          </a:bodyPr>
+          <a:lstStyle/>
+          <a:p>
+            <a:r>
+              <a:rPr lang="hu-HU" sz="1100" dirty="0">
+                <a:latin typeface="Times New Roman" panose="02020603050405020304" pitchFamily="18" charset="0"/>
+                <a:cs typeface="Times New Roman" panose="02020603050405020304" pitchFamily="18" charset="0"/>
+              </a:rPr>
+              <a:t>https://tinyurl.com/58ch8u3c</a:t>
+            </a:r>
+          </a:p>
+        </p:txBody>
+      </p:sp>
+    </p:spTree>
+    <p:extLst>
+      <p:ext uri="{BB962C8B-B14F-4D97-AF65-F5344CB8AC3E}">
+        <p14:creationId xmlns:p14="http://schemas.microsoft.com/office/powerpoint/2010/main" val="2636945230"/>
+      </p:ext>
+    </p:extLst>
+  </p:cSld>
+  <p:clrMapOvr>
+    <a:masterClrMapping/>
+  </p:clrMapOvr>
+  <p:timing>
+    <p:tnLst>
+      <p:par>
+        <p:cTn id="1" dur="indefinite" restart="never" nodeType="tmRoot"/>
+      </p:par>
+    </p:tnLst>
+  </p:timing>
+</p:sld>
+</file>
+
+<file path=ppt/slides/slide11.xml><?xml version="1.0" encoding="utf-8"?>
+<p:sld xmlns:a="http://schemas.openxmlformats.org/drawingml/2006/main" xmlns:r="http://schemas.openxmlformats.org/officeDocument/2006/relationships" xmlns:p="http://schemas.openxmlformats.org/presentationml/2006/main">
+  <p:cSld>
+    <p:spTree>
+      <p:nvGrpSpPr>
+        <p:cNvPr id="1" name=""/>
+        <p:cNvGrpSpPr/>
+        <p:nvPr/>
+      </p:nvGrpSpPr>
+      <p:grpSpPr>
+        <a:xfrm>
+          <a:off x="0" y="0"/>
+          <a:ext cx="0" cy="0"/>
+          <a:chOff x="0" y="0"/>
+          <a:chExt cx="0" cy="0"/>
+        </a:xfrm>
+      </p:grpSpPr>
+      <p:sp>
+        <p:nvSpPr>
+          <p:cNvPr id="2" name="Cím 1"/>
+          <p:cNvSpPr>
+            <a:spLocks noGrp="1"/>
+          </p:cNvSpPr>
+          <p:nvPr>
+            <p:ph type="title"/>
+          </p:nvPr>
+        </p:nvSpPr>
+        <p:spPr/>
+        <p:txBody>
+          <a:bodyPr/>
+          <a:lstStyle/>
+          <a:p>
+            <a:r>
+              <a:rPr lang="hu-HU" dirty="0" smtClean="0">
+                <a:latin typeface="Times New Roman" panose="02020603050405020304" pitchFamily="18" charset="0"/>
+                <a:cs typeface="Times New Roman" panose="02020603050405020304" pitchFamily="18" charset="0"/>
+              </a:rPr>
+              <a:t>Hűtésük</a:t>
+            </a:r>
+            <a:endParaRPr lang="hu-HU" dirty="0">
+              <a:latin typeface="Times New Roman" panose="02020603050405020304" pitchFamily="18" charset="0"/>
+              <a:cs typeface="Times New Roman" panose="02020603050405020304" pitchFamily="18" charset="0"/>
+            </a:endParaRPr>
+          </a:p>
+        </p:txBody>
+      </p:sp>
+      <p:sp>
+        <p:nvSpPr>
+          <p:cNvPr id="3" name="Tartalom helye 2"/>
+          <p:cNvSpPr>
+            <a:spLocks noGrp="1"/>
+          </p:cNvSpPr>
+          <p:nvPr>
+            <p:ph idx="1"/>
+          </p:nvPr>
+        </p:nvSpPr>
+        <p:spPr>
+          <a:xfrm>
+            <a:off x="913795" y="2096064"/>
+            <a:ext cx="3500263" cy="3695136"/>
+          </a:xfrm>
+        </p:spPr>
+        <p:txBody>
+          <a:bodyPr>
+            <a:normAutofit/>
+          </a:bodyPr>
+          <a:lstStyle/>
+          <a:p>
+            <a:r>
+              <a:rPr lang="hu-HU" sz="3000" dirty="0" smtClean="0">
+                <a:latin typeface="Times New Roman" panose="02020603050405020304" pitchFamily="18" charset="0"/>
+                <a:ea typeface="Tahoma" panose="020B0604030504040204" pitchFamily="34" charset="0"/>
+                <a:cs typeface="Times New Roman" panose="02020603050405020304" pitchFamily="18" charset="0"/>
+              </a:rPr>
+              <a:t>Nagy frekvencia</a:t>
+            </a:r>
+          </a:p>
+          <a:p>
+            <a:r>
+              <a:rPr lang="hu-HU" sz="3000" dirty="0" smtClean="0">
+                <a:latin typeface="Times New Roman" panose="02020603050405020304" pitchFamily="18" charset="0"/>
+                <a:ea typeface="Tahoma" panose="020B0604030504040204" pitchFamily="34" charset="0"/>
+                <a:cs typeface="Times New Roman" panose="02020603050405020304" pitchFamily="18" charset="0"/>
+              </a:rPr>
+              <a:t>Magas hőmérséklet</a:t>
+            </a:r>
+          </a:p>
+          <a:p>
+            <a:r>
+              <a:rPr lang="hu-HU" sz="3000" dirty="0" smtClean="0">
+                <a:latin typeface="Times New Roman" panose="02020603050405020304" pitchFamily="18" charset="0"/>
+                <a:ea typeface="Tahoma" panose="020B0604030504040204" pitchFamily="34" charset="0"/>
+                <a:cs typeface="Times New Roman" panose="02020603050405020304" pitchFamily="18" charset="0"/>
+              </a:rPr>
+              <a:t>Hűtés fajták:</a:t>
+            </a:r>
+          </a:p>
+          <a:p>
+            <a:pPr lvl="1"/>
+            <a:r>
+              <a:rPr lang="hu-HU" sz="2800" dirty="0" smtClean="0">
+                <a:latin typeface="Times New Roman" panose="02020603050405020304" pitchFamily="18" charset="0"/>
+                <a:ea typeface="Tahoma" panose="020B0604030504040204" pitchFamily="34" charset="0"/>
+                <a:cs typeface="Times New Roman" panose="02020603050405020304" pitchFamily="18" charset="0"/>
+              </a:rPr>
+              <a:t>Léghűtés</a:t>
+            </a:r>
+          </a:p>
+          <a:p>
+            <a:pPr lvl="1"/>
+            <a:r>
+              <a:rPr lang="hu-HU" sz="2800" dirty="0" smtClean="0">
+                <a:latin typeface="Times New Roman" panose="02020603050405020304" pitchFamily="18" charset="0"/>
+                <a:ea typeface="Tahoma" panose="020B0604030504040204" pitchFamily="34" charset="0"/>
+                <a:cs typeface="Times New Roman" panose="02020603050405020304" pitchFamily="18" charset="0"/>
+              </a:rPr>
+              <a:t>Vízhűtés</a:t>
+            </a:r>
+            <a:endParaRPr lang="hu-HU" sz="2800" dirty="0">
+              <a:latin typeface="Times New Roman" panose="02020603050405020304" pitchFamily="18" charset="0"/>
+              <a:ea typeface="Tahoma" panose="020B0604030504040204" pitchFamily="34" charset="0"/>
+              <a:cs typeface="Times New Roman" panose="02020603050405020304" pitchFamily="18" charset="0"/>
+            </a:endParaRPr>
+          </a:p>
+        </p:txBody>
+      </p:sp>
+      <p:sp>
+        <p:nvSpPr>
+          <p:cNvPr id="4" name="Szövegdoboz 3"/>
+          <p:cNvSpPr txBox="1"/>
+          <p:nvPr/>
+        </p:nvSpPr>
+        <p:spPr>
+          <a:xfrm>
+            <a:off x="7248236" y="6298112"/>
+            <a:ext cx="1795549" cy="261610"/>
+          </a:xfrm>
+          <a:prstGeom prst="rect">
+            <a:avLst/>
+          </a:prstGeom>
+          <a:noFill/>
+        </p:spPr>
+        <p:txBody>
+          <a:bodyPr wrap="square" rtlCol="0">
+            <a:spAutoFit/>
+          </a:bodyPr>
+          <a:lstStyle/>
+          <a:p>
+            <a:r>
+              <a:rPr lang="hu-HU" sz="1100" dirty="0">
+                <a:latin typeface="Times New Roman" panose="02020603050405020304" pitchFamily="18" charset="0"/>
+                <a:cs typeface="Times New Roman" panose="02020603050405020304" pitchFamily="18" charset="0"/>
+              </a:rPr>
+              <a:t>https://tinyurl.com/5n7mcjry</a:t>
+            </a:r>
+          </a:p>
+        </p:txBody>
+      </p:sp>
+      <p:pic>
+        <p:nvPicPr>
+          <p:cNvPr id="1026" name="Picture 2" descr="https://assets-prd.ignimgs.com/2022/06/08/cpu-coolers-2-1654658536328.jpg?width=1280"/>
+          <p:cNvPicPr>
+            <a:picLocks noChangeAspect="1" noChangeArrowheads="1"/>
+          </p:cNvPicPr>
+          <p:nvPr/>
+        </p:nvPicPr>
+        <p:blipFill>
+          <a:blip r:embed="rId2">
+            <a:extLst>
+              <a:ext uri="{28A0092B-C50C-407E-A947-70E740481C1C}">
+                <a14:useLocalDpi xmlns:a14="http://schemas.microsoft.com/office/drawing/2010/main" val="0"/>
+              </a:ext>
+            </a:extLst>
+          </a:blip>
+          <a:srcRect/>
+          <a:stretch>
+            <a:fillRect/>
+          </a:stretch>
+        </p:blipFill>
+        <p:spPr bwMode="auto">
+          <a:xfrm>
+            <a:off x="4268509" y="1935921"/>
+            <a:ext cx="7755005" cy="4362191"/>
+          </a:xfrm>
+          <a:prstGeom prst="rect">
+            <a:avLst/>
+          </a:prstGeom>
+          <a:noFill/>
+          <a:extLst>
+            <a:ext uri="{909E8E84-426E-40DD-AFC4-6F175D3DCCD1}">
+              <a14:hiddenFill xmlns:a14="http://schemas.microsoft.com/office/drawing/2010/main">
+                <a:solidFill>
+                  <a:srgbClr val="FFFFFF"/>
+                </a:solidFill>
+              </a14:hiddenFill>
+            </a:ext>
+          </a:extLst>
+        </p:spPr>
+      </p:pic>
+    </p:spTree>
+    <p:extLst>
+      <p:ext uri="{BB962C8B-B14F-4D97-AF65-F5344CB8AC3E}">
+        <p14:creationId xmlns:p14="http://schemas.microsoft.com/office/powerpoint/2010/main" val="2167444883"/>
+      </p:ext>
+    </p:extLst>
+  </p:cSld>
+  <p:clrMapOvr>
+    <a:masterClrMapping/>
+  </p:clrMapOvr>
+</p:sld>
+</file>
+
+<file path=ppt/slides/slide12.xml><?xml version="1.0" encoding="utf-8"?>
+<p:sld xmlns:a="http://schemas.openxmlformats.org/drawingml/2006/main" xmlns:r="http://schemas.openxmlformats.org/officeDocument/2006/relationships" xmlns:p="http://schemas.openxmlformats.org/presentationml/2006/main">
+  <p:cSld>
+    <p:spTree>
+      <p:nvGrpSpPr>
+        <p:cNvPr id="1" name=""/>
+        <p:cNvGrpSpPr/>
+        <p:nvPr/>
+      </p:nvGrpSpPr>
+      <p:grpSpPr>
+        <a:xfrm>
+          <a:off x="0" y="0"/>
+          <a:ext cx="0" cy="0"/>
+          <a:chOff x="0" y="0"/>
+          <a:chExt cx="0" cy="0"/>
+        </a:xfrm>
+      </p:grpSpPr>
+      <p:sp>
+        <p:nvSpPr>
+          <p:cNvPr id="2" name="Cím 1"/>
+          <p:cNvSpPr>
+            <a:spLocks noGrp="1"/>
+          </p:cNvSpPr>
+          <p:nvPr>
+            <p:ph type="title"/>
+          </p:nvPr>
+        </p:nvSpPr>
+        <p:spPr/>
+        <p:txBody>
+          <a:bodyPr/>
+          <a:lstStyle/>
+          <a:p>
+            <a:r>
+              <a:rPr lang="hu-HU" dirty="0" smtClean="0">
+                <a:latin typeface="Times New Roman" panose="02020603050405020304" pitchFamily="18" charset="0"/>
+                <a:ea typeface="Tahoma" panose="020B0604030504040204" pitchFamily="34" charset="0"/>
+                <a:cs typeface="Times New Roman" panose="02020603050405020304" pitchFamily="18" charset="0"/>
+              </a:rPr>
+              <a:t>HŰTÉSÜK</a:t>
+            </a:r>
+            <a:endParaRPr lang="hu-HU" dirty="0">
+              <a:latin typeface="Times New Roman" panose="02020603050405020304" pitchFamily="18" charset="0"/>
+              <a:ea typeface="Tahoma" panose="020B0604030504040204" pitchFamily="34" charset="0"/>
+              <a:cs typeface="Times New Roman" panose="02020603050405020304" pitchFamily="18" charset="0"/>
+            </a:endParaRPr>
+          </a:p>
+        </p:txBody>
+      </p:sp>
+      <p:sp>
+        <p:nvSpPr>
+          <p:cNvPr id="3" name="Tartalom helye 2"/>
+          <p:cNvSpPr>
+            <a:spLocks noGrp="1"/>
+          </p:cNvSpPr>
+          <p:nvPr>
+            <p:ph idx="1"/>
+          </p:nvPr>
+        </p:nvSpPr>
+        <p:spPr>
+          <a:xfrm>
+            <a:off x="5245653" y="6519951"/>
+            <a:ext cx="1690040" cy="246609"/>
+          </a:xfrm>
+        </p:spPr>
+        <p:txBody>
+          <a:bodyPr>
+            <a:normAutofit fontScale="92500" lnSpcReduction="20000"/>
+          </a:bodyPr>
+          <a:lstStyle/>
+          <a:p>
+            <a:pPr marL="0" indent="0">
+              <a:buNone/>
+            </a:pPr>
+            <a:r>
+              <a:rPr lang="hu-HU" sz="1100" dirty="0" smtClean="0">
+                <a:latin typeface="Times New Roman" panose="02020603050405020304" pitchFamily="18" charset="0"/>
+                <a:cs typeface="Times New Roman" panose="02020603050405020304" pitchFamily="18" charset="0"/>
+              </a:rPr>
+              <a:t>https://tinyurl.com/2xdk7ep7</a:t>
+            </a:r>
+            <a:endParaRPr lang="hu-HU" sz="1100" dirty="0">
+              <a:latin typeface="Times New Roman" panose="02020603050405020304" pitchFamily="18" charset="0"/>
+              <a:cs typeface="Times New Roman" panose="02020603050405020304" pitchFamily="18" charset="0"/>
+            </a:endParaRPr>
+          </a:p>
+        </p:txBody>
+      </p:sp>
+      <p:pic>
+        <p:nvPicPr>
+          <p:cNvPr id="4" name="Kép 3"/>
+          <p:cNvPicPr>
+            <a:picLocks noChangeAspect="1"/>
+          </p:cNvPicPr>
+          <p:nvPr/>
+        </p:nvPicPr>
+        <p:blipFill>
+          <a:blip r:embed="rId2"/>
+          <a:stretch>
+            <a:fillRect/>
+          </a:stretch>
+        </p:blipFill>
+        <p:spPr>
+          <a:xfrm>
+            <a:off x="1670167" y="1650240"/>
+            <a:ext cx="8841013" cy="4869711"/>
+          </a:xfrm>
+          <a:prstGeom prst="rect">
+            <a:avLst/>
+          </a:prstGeom>
+        </p:spPr>
+      </p:pic>
+    </p:spTree>
+    <p:extLst>
+      <p:ext uri="{BB962C8B-B14F-4D97-AF65-F5344CB8AC3E}">
+        <p14:creationId xmlns:p14="http://schemas.microsoft.com/office/powerpoint/2010/main" val="489395692"/>
+      </p:ext>
+    </p:extLst>
+  </p:cSld>
+  <p:clrMapOvr>
+    <a:masterClrMapping/>
+  </p:clrMapOvr>
+</p:sld>
+</file>
+
+<file path=ppt/slides/slide13.xml><?xml version="1.0" encoding="utf-8"?>
+<p:sld xmlns:a="http://schemas.openxmlformats.org/drawingml/2006/main" xmlns:r="http://schemas.openxmlformats.org/officeDocument/2006/relationships" xmlns:p="http://schemas.openxmlformats.org/presentationml/2006/main">
+  <p:cSld>
+    <p:spTree>
+      <p:nvGrpSpPr>
+        <p:cNvPr id="1" name=""/>
+        <p:cNvGrpSpPr/>
+        <p:nvPr/>
+      </p:nvGrpSpPr>
+      <p:grpSpPr>
+        <a:xfrm>
+          <a:off x="0" y="0"/>
+          <a:ext cx="0" cy="0"/>
+          <a:chOff x="0" y="0"/>
+          <a:chExt cx="0" cy="0"/>
+        </a:xfrm>
+      </p:grpSpPr>
+      <p:sp>
+        <p:nvSpPr>
+          <p:cNvPr id="2" name="Cím 1"/>
+          <p:cNvSpPr>
+            <a:spLocks noGrp="1"/>
+          </p:cNvSpPr>
+          <p:nvPr>
+            <p:ph type="title"/>
+          </p:nvPr>
+        </p:nvSpPr>
+        <p:spPr>
+          <a:xfrm>
+            <a:off x="913795" y="2565400"/>
+            <a:ext cx="10353761" cy="1326321"/>
+          </a:xfrm>
+        </p:spPr>
+        <p:txBody>
+          <a:bodyPr/>
+          <a:lstStyle/>
+          <a:p>
+            <a:r>
+              <a:rPr lang="hu-HU" dirty="0" smtClean="0">
+                <a:latin typeface="Times New Roman" panose="02020603050405020304" pitchFamily="18" charset="0"/>
+                <a:cs typeface="Times New Roman" panose="02020603050405020304" pitchFamily="18" charset="0"/>
+              </a:rPr>
+              <a:t>Köszönöm a figyelmet</a:t>
+            </a:r>
+            <a:endParaRPr lang="hu-HU" dirty="0">
+              <a:latin typeface="Times New Roman" panose="02020603050405020304" pitchFamily="18" charset="0"/>
+              <a:cs typeface="Times New Roman" panose="02020603050405020304" pitchFamily="18" charset="0"/>
+            </a:endParaRPr>
+          </a:p>
+        </p:txBody>
+      </p:sp>
+    </p:spTree>
+    <p:extLst>
+      <p:ext uri="{BB962C8B-B14F-4D97-AF65-F5344CB8AC3E}">
+        <p14:creationId xmlns:p14="http://schemas.microsoft.com/office/powerpoint/2010/main" val="276585320"/>
+      </p:ext>
+    </p:extLst>
+  </p:cSld>
+  <p:clrMapOvr>
+    <a:masterClrMapping/>
+  </p:clrMapOvr>
+  <p:timing>
+    <p:tnLst>
+      <p:par>
+        <p:cTn id="1" dur="indefinite" restart="never" nodeType="tmRoot"/>
+      </p:par>
+    </p:tnLst>
+  </p:timing>
+</p:sld>
+</file>
+
+<file path=ppt/slides/slide14.xml><?xml version="1.0" encoding="utf-8"?>
+<p:sld xmlns:a="http://schemas.openxmlformats.org/drawingml/2006/main" xmlns:r="http://schemas.openxmlformats.org/officeDocument/2006/relationships" xmlns:p="http://schemas.openxmlformats.org/presentationml/2006/main">
+  <p:cSld>
+    <p:spTree>
+      <p:nvGrpSpPr>
+        <p:cNvPr id="1" name=""/>
+        <p:cNvGrpSpPr/>
+        <p:nvPr/>
+      </p:nvGrpSpPr>
+      <p:grpSpPr>
+        <a:xfrm>
+          <a:off x="0" y="0"/>
+          <a:ext cx="0" cy="0"/>
+          <a:chOff x="0" y="0"/>
+          <a:chExt cx="0" cy="0"/>
+        </a:xfrm>
+      </p:grpSpPr>
+      <p:sp>
+        <p:nvSpPr>
+          <p:cNvPr id="2" name="Cím 1"/>
+          <p:cNvSpPr>
+            <a:spLocks noGrp="1"/>
+          </p:cNvSpPr>
+          <p:nvPr>
+            <p:ph type="title"/>
+          </p:nvPr>
+        </p:nvSpPr>
+        <p:spPr/>
+        <p:txBody>
+          <a:bodyPr/>
+          <a:lstStyle/>
+          <a:p>
+            <a:r>
+              <a:rPr lang="hu-HU" dirty="0" smtClean="0">
+                <a:latin typeface="Times New Roman" panose="02020603050405020304" pitchFamily="18" charset="0"/>
+                <a:cs typeface="Times New Roman" panose="02020603050405020304" pitchFamily="18" charset="0"/>
+              </a:rPr>
               <a:t>Források</a:t>
             </a:r>
-            <a:endParaRPr lang="hu-HU" dirty="0"/>
+            <a:endParaRPr lang="hu-HU" dirty="0">
+              <a:latin typeface="Times New Roman" panose="02020603050405020304" pitchFamily="18" charset="0"/>
+              <a:cs typeface="Times New Roman" panose="02020603050405020304" pitchFamily="18" charset="0"/>
+            </a:endParaRPr>
           </a:p>
         </p:txBody>
       </p:sp>
@@ -5749,12 +6405,17 @@
         </p:nvSpPr>
         <p:spPr/>
         <p:txBody>
-          <a:bodyPr/>
-          <a:lstStyle/>
-          <a:p>
-            <a:r>
-              <a:rPr lang="hu-HU" dirty="0"/>
-              <a:t>https://www.alza.hu/mi-a-processzor#principium</a:t>
+          <a:bodyPr>
+            <a:normAutofit/>
+          </a:bodyPr>
+          <a:lstStyle/>
+          <a:p>
+            <a:r>
+              <a:rPr lang="hu-HU" sz="3000" dirty="0">
+                <a:latin typeface="Times New Roman" panose="02020603050405020304" pitchFamily="18" charset="0"/>
+                <a:cs typeface="Times New Roman" panose="02020603050405020304" pitchFamily="18" charset="0"/>
+              </a:rPr>
+              <a:t>https://hu.wikipedia.org/wiki/Central_processing_unit</a:t>
             </a:r>
           </a:p>
         </p:txBody>
@@ -5769,6 +6430,13 @@
   <p:clrMapOvr>
     <a:masterClrMapping/>
   </p:clrMapOvr>
+  <p:timing>
+    <p:tnLst>
+      <p:par>
+        <p:cTn id="1" dur="indefinite" restart="never" nodeType="tmRoot"/>
+      </p:par>
+    </p:tnLst>
+  </p:timing>
 </p:sld>
 </file>
 
@@ -5805,10 +6473,16 @@
           <a:lstStyle/>
           <a:p>
             <a:r>
-              <a:rPr lang="hu-HU" dirty="0" smtClean="0"/>
+              <a:rPr lang="hu-HU" dirty="0" smtClean="0">
+                <a:latin typeface="Times New Roman" panose="02020603050405020304" pitchFamily="18" charset="0"/>
+                <a:cs typeface="Times New Roman" panose="02020603050405020304" pitchFamily="18" charset="0"/>
+              </a:rPr>
               <a:t>Gyártók</a:t>
             </a:r>
-            <a:endParaRPr lang="hu-HU" dirty="0"/>
+            <a:endParaRPr lang="hu-HU" dirty="0">
+              <a:latin typeface="Times New Roman" panose="02020603050405020304" pitchFamily="18" charset="0"/>
+              <a:cs typeface="Times New Roman" panose="02020603050405020304" pitchFamily="18" charset="0"/>
+            </a:endParaRPr>
           </a:p>
         </p:txBody>
       </p:sp>
@@ -5824,25 +6498,36 @@
         </p:nvSpPr>
         <p:spPr>
           <a:xfrm>
-            <a:off x="913795" y="2096064"/>
-            <a:ext cx="1359505" cy="1371036"/>
-          </a:xfrm>
-        </p:spPr>
-        <p:txBody>
-          <a:bodyPr/>
-          <a:lstStyle/>
-          <a:p>
-            <a:r>
-              <a:rPr lang="hu-HU" dirty="0" smtClean="0"/>
-              <a:t>Intel</a:t>
-            </a:r>
-          </a:p>
-          <a:p>
-            <a:r>
-              <a:rPr lang="hu-HU" dirty="0" smtClean="0"/>
-              <a:t>AMD</a:t>
-            </a:r>
-            <a:endParaRPr lang="hu-HU" dirty="0"/>
+            <a:off x="913795" y="1935921"/>
+            <a:ext cx="3315305" cy="1371037"/>
+          </a:xfrm>
+        </p:spPr>
+        <p:txBody>
+          <a:bodyPr>
+            <a:normAutofit/>
+          </a:bodyPr>
+          <a:lstStyle/>
+          <a:p>
+            <a:r>
+              <a:rPr lang="hu-HU" sz="3000" dirty="0" smtClean="0">
+                <a:latin typeface="Times New Roman" panose="02020603050405020304" pitchFamily="18" charset="0"/>
+                <a:cs typeface="Times New Roman" panose="02020603050405020304" pitchFamily="18" charset="0"/>
+              </a:rPr>
+              <a:t>Intel	(1968)</a:t>
+            </a:r>
+          </a:p>
+          <a:p>
+            <a:r>
+              <a:rPr lang="hu-HU" sz="3000" dirty="0" smtClean="0">
+                <a:latin typeface="Times New Roman" panose="02020603050405020304" pitchFamily="18" charset="0"/>
+                <a:cs typeface="Times New Roman" panose="02020603050405020304" pitchFamily="18" charset="0"/>
+              </a:rPr>
+              <a:t>AMD	(1969)</a:t>
+            </a:r>
+            <a:endParaRPr lang="hu-HU" sz="3000" dirty="0">
+              <a:latin typeface="Times New Roman" panose="02020603050405020304" pitchFamily="18" charset="0"/>
+              <a:cs typeface="Times New Roman" panose="02020603050405020304" pitchFamily="18" charset="0"/>
+            </a:endParaRPr>
           </a:p>
         </p:txBody>
       </p:sp>
@@ -6028,100 +6713,92 @@
           <a:lstStyle/>
           <a:p>
             <a:r>
-              <a:rPr lang="hu-HU" dirty="0" smtClean="0"/>
+              <a:rPr lang="hu-HU" dirty="0" smtClean="0">
+                <a:latin typeface="Times New Roman" panose="02020603050405020304" pitchFamily="18" charset="0"/>
+                <a:cs typeface="Times New Roman" panose="02020603050405020304" pitchFamily="18" charset="0"/>
+              </a:rPr>
               <a:t>Mi a processzor?</a:t>
             </a:r>
-            <a:endParaRPr lang="hu-HU" dirty="0"/>
-          </a:p>
-        </p:txBody>
-      </p:sp>
-      <p:sp>
-        <p:nvSpPr>
-          <p:cNvPr id="3" name="Tartalom helye 2"/>
-          <p:cNvSpPr>
-            <a:spLocks noGrp="1"/>
-          </p:cNvSpPr>
-          <p:nvPr>
-            <p:ph idx="1"/>
-          </p:nvPr>
-        </p:nvSpPr>
-        <p:spPr>
-          <a:xfrm>
-            <a:off x="913795" y="2096064"/>
-            <a:ext cx="3836005" cy="4647636"/>
-          </a:xfrm>
-        </p:spPr>
-        <p:txBody>
-          <a:bodyPr>
-            <a:normAutofit fontScale="70000" lnSpcReduction="20000"/>
-          </a:bodyPr>
-          <a:lstStyle/>
-          <a:p>
-            <a:r>
-              <a:rPr lang="hu-HU" sz="4300" dirty="0" smtClean="0">
-                <a:latin typeface="Times New Roman" panose="02020603050405020304" pitchFamily="18" charset="0"/>
-                <a:cs typeface="Times New Roman" panose="02020603050405020304" pitchFamily="18" charset="0"/>
-              </a:rPr>
-              <a:t>AGY</a:t>
-            </a:r>
-          </a:p>
-          <a:p>
-            <a:endParaRPr lang="hu-HU" sz="4300" dirty="0">
+            <a:endParaRPr lang="hu-HU" dirty="0">
               <a:latin typeface="Times New Roman" panose="02020603050405020304" pitchFamily="18" charset="0"/>
               <a:cs typeface="Times New Roman" panose="02020603050405020304" pitchFamily="18" charset="0"/>
             </a:endParaRPr>
           </a:p>
-          <a:p>
-            <a:r>
-              <a:rPr lang="hu-HU" sz="4300" dirty="0" smtClean="0">
-                <a:latin typeface="Times New Roman" panose="02020603050405020304" pitchFamily="18" charset="0"/>
-                <a:cs typeface="Times New Roman" panose="02020603050405020304" pitchFamily="18" charset="0"/>
-              </a:rPr>
-              <a:t>Központi feldolgozó egység</a:t>
-            </a:r>
-          </a:p>
-          <a:p>
-            <a:r>
-              <a:rPr lang="hu-HU" sz="4300" dirty="0" smtClean="0">
-                <a:latin typeface="Times New Roman" panose="02020603050405020304" pitchFamily="18" charset="0"/>
-                <a:cs typeface="Times New Roman" panose="02020603050405020304" pitchFamily="18" charset="0"/>
-              </a:rPr>
-              <a:t>Több funkció</a:t>
-            </a:r>
-          </a:p>
-          <a:p>
-            <a:r>
-              <a:rPr lang="hu-HU" sz="4300" dirty="0" smtClean="0">
-                <a:latin typeface="Times New Roman" panose="02020603050405020304" pitchFamily="18" charset="0"/>
-                <a:cs typeface="Times New Roman" panose="02020603050405020304" pitchFamily="18" charset="0"/>
-              </a:rPr>
-              <a:t>Irányít</a:t>
-            </a:r>
-            <a:endParaRPr lang="hu-HU" sz="4300" dirty="0">
+        </p:txBody>
+      </p:sp>
+      <p:sp>
+        <p:nvSpPr>
+          <p:cNvPr id="3" name="Tartalom helye 2"/>
+          <p:cNvSpPr>
+            <a:spLocks noGrp="1"/>
+          </p:cNvSpPr>
+          <p:nvPr>
+            <p:ph idx="1"/>
+          </p:nvPr>
+        </p:nvSpPr>
+        <p:spPr>
+          <a:xfrm>
+            <a:off x="772477" y="2150003"/>
+            <a:ext cx="3284133" cy="3637702"/>
+          </a:xfrm>
+        </p:spPr>
+        <p:txBody>
+          <a:bodyPr>
+            <a:normAutofit/>
+          </a:bodyPr>
+          <a:lstStyle/>
+          <a:p>
+            <a:r>
+              <a:rPr lang="hu-HU" sz="3000" dirty="0" smtClean="0">
+                <a:latin typeface="Times New Roman" panose="02020603050405020304" pitchFamily="18" charset="0"/>
+                <a:cs typeface="Times New Roman" panose="02020603050405020304" pitchFamily="18" charset="0"/>
+              </a:rPr>
+              <a:t>Számítógép agya</a:t>
+            </a:r>
+            <a:endParaRPr lang="hu-HU" sz="3000" dirty="0">
               <a:latin typeface="Times New Roman" panose="02020603050405020304" pitchFamily="18" charset="0"/>
               <a:cs typeface="Times New Roman" panose="02020603050405020304" pitchFamily="18" charset="0"/>
             </a:endParaRPr>
           </a:p>
           <a:p>
-            <a:pPr marL="0" indent="0">
-              <a:buNone/>
-            </a:pPr>
-            <a:endParaRPr lang="hu-HU" sz="4300" dirty="0">
+            <a:r>
+              <a:rPr lang="hu-HU" sz="3000" dirty="0" smtClean="0">
+                <a:latin typeface="Times New Roman" panose="02020603050405020304" pitchFamily="18" charset="0"/>
+                <a:cs typeface="Times New Roman" panose="02020603050405020304" pitchFamily="18" charset="0"/>
+              </a:rPr>
+              <a:t>Értelmezés</a:t>
+            </a:r>
+          </a:p>
+          <a:p>
+            <a:r>
+              <a:rPr lang="hu-HU" sz="3000" dirty="0" smtClean="0">
+                <a:latin typeface="Times New Roman" panose="02020603050405020304" pitchFamily="18" charset="0"/>
+                <a:cs typeface="Times New Roman" panose="02020603050405020304" pitchFamily="18" charset="0"/>
+              </a:rPr>
+              <a:t>Végrehajtás</a:t>
+            </a:r>
+          </a:p>
+          <a:p>
+            <a:r>
+              <a:rPr lang="hu-HU" sz="3000" dirty="0" smtClean="0">
+                <a:latin typeface="Times New Roman" panose="02020603050405020304" pitchFamily="18" charset="0"/>
+                <a:cs typeface="Times New Roman" panose="02020603050405020304" pitchFamily="18" charset="0"/>
+              </a:rPr>
+              <a:t>Áramkör</a:t>
+            </a:r>
+          </a:p>
+          <a:p>
+            <a:r>
+              <a:rPr lang="hu-HU" sz="3000" dirty="0" smtClean="0">
+                <a:latin typeface="Times New Roman" panose="02020603050405020304" pitchFamily="18" charset="0"/>
+                <a:cs typeface="Times New Roman" panose="02020603050405020304" pitchFamily="18" charset="0"/>
+              </a:rPr>
+              <a:t>CPU</a:t>
+            </a:r>
+            <a:endParaRPr lang="hu-HU" sz="3000" dirty="0">
               <a:latin typeface="Times New Roman" panose="02020603050405020304" pitchFamily="18" charset="0"/>
               <a:cs typeface="Times New Roman" panose="02020603050405020304" pitchFamily="18" charset="0"/>
             </a:endParaRPr>
-          </a:p>
-          <a:p>
-            <a:r>
-              <a:rPr lang="hu-HU" sz="4300" dirty="0" smtClean="0">
-                <a:latin typeface="Times New Roman" panose="02020603050405020304" pitchFamily="18" charset="0"/>
-                <a:cs typeface="Times New Roman" panose="02020603050405020304" pitchFamily="18" charset="0"/>
-              </a:rPr>
-              <a:t>CPU</a:t>
-            </a:r>
-          </a:p>
-          <a:p>
-            <a:endParaRPr lang="hu-HU" dirty="0"/>
           </a:p>
           <a:p>
             <a:endParaRPr lang="hu-HU" dirty="0"/>
@@ -6151,8 +6828,8 @@
         </p:blipFill>
         <p:spPr bwMode="auto">
           <a:xfrm>
-            <a:off x="4859628" y="2530342"/>
-            <a:ext cx="6999068" cy="3144079"/>
+            <a:off x="4056610" y="2060611"/>
+            <a:ext cx="7813457" cy="3816487"/>
           </a:xfrm>
           <a:prstGeom prst="rect">
             <a:avLst/>
@@ -6177,8 +6854,8 @@
         </p:nvSpPr>
         <p:spPr>
           <a:xfrm>
-            <a:off x="5819256" y="5674421"/>
-            <a:ext cx="5448300" cy="261610"/>
+            <a:off x="7115614" y="5868785"/>
+            <a:ext cx="1836766" cy="261610"/>
           </a:xfrm>
           <a:prstGeom prst="rect">
             <a:avLst/>
@@ -6196,7 +6873,7 @@
                 <a:latin typeface="Times New Roman" panose="02020603050405020304" pitchFamily="18" charset="0"/>
                 <a:cs typeface="Times New Roman" panose="02020603050405020304" pitchFamily="18" charset="0"/>
               </a:rPr>
-              <a:t>https://tartalommarketing.org/wp-content/uploads/2018/03/agy-mesterseges-intelligencia.jpg</a:t>
+              <a:t>https://tinyurl.com/2y46k54n</a:t>
             </a:r>
           </a:p>
         </p:txBody>
@@ -6254,10 +6931,16 @@
           <a:lstStyle/>
           <a:p>
             <a:r>
-              <a:rPr lang="hu-HU" dirty="0" smtClean="0"/>
-              <a:t>Hogyan működik?</a:t>
-            </a:r>
-            <a:endParaRPr lang="hu-HU" dirty="0"/>
+              <a:rPr lang="hu-HU" dirty="0" smtClean="0">
+                <a:latin typeface="Times New Roman" panose="02020603050405020304" pitchFamily="18" charset="0"/>
+                <a:cs typeface="Times New Roman" panose="02020603050405020304" pitchFamily="18" charset="0"/>
+              </a:rPr>
+              <a:t>Processzor Részei</a:t>
+            </a:r>
+            <a:endParaRPr lang="hu-HU" dirty="0">
+              <a:latin typeface="Times New Roman" panose="02020603050405020304" pitchFamily="18" charset="0"/>
+              <a:cs typeface="Times New Roman" panose="02020603050405020304" pitchFamily="18" charset="0"/>
+            </a:endParaRPr>
           </a:p>
         </p:txBody>
       </p:sp>
@@ -6273,8 +6956,8 @@
         </p:nvSpPr>
         <p:spPr>
           <a:xfrm>
-            <a:off x="304195" y="1536700"/>
-            <a:ext cx="6160105" cy="5168900"/>
+            <a:off x="913795" y="2260119"/>
+            <a:ext cx="4824758" cy="3284472"/>
           </a:xfrm>
         </p:spPr>
         <p:txBody>
@@ -6288,23 +6971,16 @@
                 <a:latin typeface="Times New Roman" panose="02020603050405020304" pitchFamily="18" charset="0"/>
                 <a:cs typeface="Times New Roman" panose="02020603050405020304" pitchFamily="18" charset="0"/>
               </a:rPr>
-              <a:t>0 – 1 számrendszer</a:t>
-            </a:r>
-          </a:p>
-          <a:p>
-            <a:r>
-              <a:rPr lang="hu-HU" sz="3000" dirty="0">
-                <a:latin typeface="Times New Roman" panose="02020603050405020304" pitchFamily="18" charset="0"/>
-                <a:cs typeface="Times New Roman" panose="02020603050405020304" pitchFamily="18" charset="0"/>
-              </a:rPr>
-              <a:t>f</a:t>
-            </a:r>
+              <a:t>Vezérlőegység (CU)</a:t>
+            </a:r>
+          </a:p>
+          <a:p>
             <a:r>
               <a:rPr lang="hu-HU" sz="3000" dirty="0" smtClean="0">
                 <a:latin typeface="Times New Roman" panose="02020603050405020304" pitchFamily="18" charset="0"/>
                 <a:cs typeface="Times New Roman" panose="02020603050405020304" pitchFamily="18" charset="0"/>
               </a:rPr>
-              <a:t>eszültségszintekkel</a:t>
+              <a:t>Logikai egység (ALU)</a:t>
             </a:r>
           </a:p>
           <a:p>
@@ -6313,14 +6989,8 @@
                 <a:latin typeface="Times New Roman" panose="02020603050405020304" pitchFamily="18" charset="0"/>
                 <a:cs typeface="Times New Roman" panose="02020603050405020304" pitchFamily="18" charset="0"/>
               </a:rPr>
-              <a:t>Feladatok egymás után</a:t>
-            </a:r>
-          </a:p>
-          <a:p>
-            <a:endParaRPr lang="hu-HU" sz="3000" dirty="0" smtClean="0">
-              <a:latin typeface="Times New Roman" panose="02020603050405020304" pitchFamily="18" charset="0"/>
-              <a:cs typeface="Times New Roman" panose="02020603050405020304" pitchFamily="18" charset="0"/>
-            </a:endParaRPr>
+              <a:t>Regiszterek</a:t>
+            </a:r>
           </a:p>
           <a:p>
             <a:r>
@@ -6328,43 +6998,94 @@
                 <a:latin typeface="Times New Roman" panose="02020603050405020304" pitchFamily="18" charset="0"/>
                 <a:cs typeface="Times New Roman" panose="02020603050405020304" pitchFamily="18" charset="0"/>
               </a:rPr>
-              <a:t>Tranzisztor feladata:</a:t>
-            </a:r>
-          </a:p>
-          <a:p>
-            <a:r>
-              <a:rPr lang="hu-HU" sz="3000" dirty="0" smtClean="0">
-                <a:latin typeface="Times New Roman" panose="02020603050405020304" pitchFamily="18" charset="0"/>
-                <a:cs typeface="Times New Roman" panose="02020603050405020304" pitchFamily="18" charset="0"/>
-              </a:rPr>
-              <a:t>kapcsoló</a:t>
-            </a:r>
-          </a:p>
-          <a:p>
-            <a:r>
-              <a:rPr lang="hu-HU" sz="3000" dirty="0" smtClean="0">
-                <a:latin typeface="Times New Roman" panose="02020603050405020304" pitchFamily="18" charset="0"/>
-                <a:cs typeface="Times New Roman" panose="02020603050405020304" pitchFamily="18" charset="0"/>
-              </a:rPr>
-              <a:t>0 – 1 váltakozása</a:t>
+              <a:t>Cache</a:t>
             </a:r>
             <a:endParaRPr lang="hu-HU" sz="3000" dirty="0">
               <a:latin typeface="Times New Roman" panose="02020603050405020304" pitchFamily="18" charset="0"/>
               <a:cs typeface="Times New Roman" panose="02020603050405020304" pitchFamily="18" charset="0"/>
             </a:endParaRPr>
           </a:p>
-          <a:p>
-            <a:r>
-              <a:rPr lang="hu-HU" sz="3000" dirty="0" smtClean="0">
-                <a:latin typeface="Times New Roman" panose="02020603050405020304" pitchFamily="18" charset="0"/>
-                <a:cs typeface="Times New Roman" panose="02020603050405020304" pitchFamily="18" charset="0"/>
-              </a:rPr>
-              <a:t>több milliárd tranzisztor</a:t>
-            </a:r>
-            <a:endParaRPr lang="hu-HU" sz="3000" dirty="0">
-              <a:latin typeface="Times New Roman" panose="02020603050405020304" pitchFamily="18" charset="0"/>
-              <a:cs typeface="Times New Roman" panose="02020603050405020304" pitchFamily="18" charset="0"/>
-            </a:endParaRPr>
+        </p:txBody>
+      </p:sp>
+      <p:pic>
+        <p:nvPicPr>
+          <p:cNvPr id="2054" name="Picture 6" descr="https://ebyte.cdn.shoprenter.hu/custom/ebyte/image/cache/w900h500wt1/i7%20cpu.jpg?lastmod=1595934798.1507876741"/>
+          <p:cNvPicPr>
+            <a:picLocks noChangeAspect="1" noChangeArrowheads="1"/>
+          </p:cNvPicPr>
+          <p:nvPr/>
+        </p:nvPicPr>
+        <p:blipFill>
+          <a:blip r:embed="rId2">
+            <a:extLst>
+              <a:ext uri="{BEBA8EAE-BF5A-486C-A8C5-ECC9F3942E4B}">
+                <a14:imgProps xmlns:a14="http://schemas.microsoft.com/office/drawing/2010/main">
+                  <a14:imgLayer r:embed="rId3">
+                    <a14:imgEffect>
+                      <a14:backgroundRemoval t="200" b="98200" l="16778" r="81889"/>
+                    </a14:imgEffect>
+                  </a14:imgLayer>
+                </a14:imgProps>
+              </a:ext>
+              <a:ext uri="{28A0092B-C50C-407E-A947-70E740481C1C}">
+                <a14:useLocalDpi xmlns:a14="http://schemas.microsoft.com/office/drawing/2010/main" val="0"/>
+              </a:ext>
+            </a:extLst>
+          </a:blip>
+          <a:srcRect/>
+          <a:stretch>
+            <a:fillRect/>
+          </a:stretch>
+        </p:blipFill>
+        <p:spPr bwMode="auto">
+          <a:xfrm>
+            <a:off x="3921875" y="1684807"/>
+            <a:ext cx="8270125" cy="4594514"/>
+          </a:xfrm>
+          <a:prstGeom prst="rect">
+            <a:avLst/>
+          </a:prstGeom>
+          <a:noFill/>
+          <a:extLst>
+            <a:ext uri="{909E8E84-426E-40DD-AFC4-6F175D3DCCD1}">
+              <a14:hiddenFill xmlns:a14="http://schemas.microsoft.com/office/drawing/2010/main">
+                <a:solidFill>
+                  <a:srgbClr val="FFFFFF"/>
+                </a:solidFill>
+              </a14:hiddenFill>
+            </a:ext>
+          </a:extLst>
+        </p:spPr>
+      </p:pic>
+      <p:sp>
+        <p:nvSpPr>
+          <p:cNvPr id="6" name="Szövegdoboz 5"/>
+          <p:cNvSpPr txBox="1"/>
+          <p:nvPr/>
+        </p:nvSpPr>
+        <p:spPr>
+          <a:xfrm>
+            <a:off x="7152062" y="6279321"/>
+            <a:ext cx="1809750" cy="261610"/>
+          </a:xfrm>
+          <a:prstGeom prst="rect">
+            <a:avLst/>
+          </a:prstGeom>
+          <a:noFill/>
+        </p:spPr>
+        <p:txBody>
+          <a:bodyPr wrap="square" rtlCol="0">
+            <a:spAutoFit/>
+          </a:bodyPr>
+          <a:lstStyle/>
+          <a:p>
+            <a:r>
+              <a:rPr lang="hu-HU" sz="1100" dirty="0">
+                <a:latin typeface="Times New Roman" panose="02020603050405020304" pitchFamily="18" charset="0"/>
+                <a:cs typeface="Times New Roman" panose="02020603050405020304" pitchFamily="18" charset="0"/>
+              </a:rPr>
+              <a:t>https://tinyurl.com/5ad27b2x</a:t>
+            </a:r>
           </a:p>
         </p:txBody>
       </p:sp>
@@ -6378,6 +7099,13 @@
   <p:clrMapOvr>
     <a:masterClrMapping/>
   </p:clrMapOvr>
+  <p:timing>
+    <p:tnLst>
+      <p:par>
+        <p:cTn id="1" dur="indefinite" restart="never" nodeType="tmRoot"/>
+      </p:par>
+    </p:tnLst>
+  </p:timing>
 </p:sld>
 </file>
 
@@ -6414,106 +7142,200 @@
           <a:lstStyle/>
           <a:p>
             <a:r>
-              <a:rPr lang="hu-HU" dirty="0" smtClean="0"/>
-              <a:t>Mi az a Frekvencia?</a:t>
-            </a:r>
-            <a:endParaRPr lang="hu-HU" dirty="0"/>
-          </a:p>
-        </p:txBody>
-      </p:sp>
-      <p:sp>
-        <p:nvSpPr>
-          <p:cNvPr id="3" name="Tartalom helye 2"/>
-          <p:cNvSpPr>
-            <a:spLocks noGrp="1"/>
-          </p:cNvSpPr>
-          <p:nvPr>
-            <p:ph idx="1"/>
-          </p:nvPr>
-        </p:nvSpPr>
-        <p:spPr>
-          <a:xfrm>
-            <a:off x="913795" y="2096064"/>
-            <a:ext cx="3924905" cy="4368236"/>
-          </a:xfrm>
-        </p:spPr>
-        <p:txBody>
-          <a:bodyPr>
-            <a:normAutofit lnSpcReduction="10000"/>
-          </a:bodyPr>
-          <a:lstStyle/>
-          <a:p>
-            <a:r>
-              <a:rPr lang="hu-HU" sz="3000" dirty="0" smtClean="0">
-                <a:latin typeface="Times New Roman" panose="02020603050405020304" pitchFamily="18" charset="0"/>
-                <a:cs typeface="Times New Roman" panose="02020603050405020304" pitchFamily="18" charset="0"/>
-              </a:rPr>
-              <a:t>Intervallum</a:t>
-            </a:r>
-          </a:p>
-          <a:p>
-            <a:r>
-              <a:rPr lang="hu-HU" sz="3000" dirty="0" smtClean="0">
-                <a:latin typeface="Times New Roman" panose="02020603050405020304" pitchFamily="18" charset="0"/>
-                <a:cs typeface="Times New Roman" panose="02020603050405020304" pitchFamily="18" charset="0"/>
-              </a:rPr>
-              <a:t>Két impulzus között = ciklus</a:t>
-            </a:r>
-          </a:p>
-          <a:p>
-            <a:r>
-              <a:rPr lang="hu-HU" sz="3000" dirty="0" smtClean="0">
-                <a:latin typeface="Times New Roman" panose="02020603050405020304" pitchFamily="18" charset="0"/>
-                <a:cs typeface="Times New Roman" panose="02020603050405020304" pitchFamily="18" charset="0"/>
-              </a:rPr>
-              <a:t>(Hz) (</a:t>
-            </a:r>
-            <a:r>
-              <a:rPr lang="hu-HU" sz="3000" dirty="0" err="1" smtClean="0">
-                <a:latin typeface="Times New Roman" panose="02020603050405020304" pitchFamily="18" charset="0"/>
-                <a:cs typeface="Times New Roman" panose="02020603050405020304" pitchFamily="18" charset="0"/>
-              </a:rPr>
-              <a:t>GHz</a:t>
-            </a:r>
-            <a:r>
-              <a:rPr lang="hu-HU" sz="3000" dirty="0" smtClean="0">
-                <a:latin typeface="Times New Roman" panose="02020603050405020304" pitchFamily="18" charset="0"/>
-                <a:cs typeface="Times New Roman" panose="02020603050405020304" pitchFamily="18" charset="0"/>
-              </a:rPr>
-              <a:t>)</a:t>
-            </a:r>
-          </a:p>
-          <a:p>
-            <a:endParaRPr lang="hu-HU" sz="3000" dirty="0">
+              <a:rPr lang="hu-HU" dirty="0" smtClean="0">
+                <a:latin typeface="Times New Roman" panose="02020603050405020304" pitchFamily="18" charset="0"/>
+                <a:cs typeface="Times New Roman" panose="02020603050405020304" pitchFamily="18" charset="0"/>
+              </a:rPr>
+              <a:t>Felépítése és működése</a:t>
+            </a:r>
+            <a:endParaRPr lang="hu-HU" dirty="0">
               <a:latin typeface="Times New Roman" panose="02020603050405020304" pitchFamily="18" charset="0"/>
               <a:cs typeface="Times New Roman" panose="02020603050405020304" pitchFamily="18" charset="0"/>
             </a:endParaRPr>
           </a:p>
+        </p:txBody>
+      </p:sp>
+      <p:sp>
+        <p:nvSpPr>
+          <p:cNvPr id="3" name="Tartalom helye 2"/>
+          <p:cNvSpPr>
+            <a:spLocks noGrp="1"/>
+          </p:cNvSpPr>
+          <p:nvPr>
+            <p:ph idx="1"/>
+          </p:nvPr>
+        </p:nvSpPr>
+        <p:spPr>
+          <a:xfrm>
+            <a:off x="913795" y="1738615"/>
+            <a:ext cx="4190221" cy="4761937"/>
+          </a:xfrm>
+        </p:spPr>
+        <p:txBody>
+          <a:bodyPr>
+            <a:normAutofit/>
+          </a:bodyPr>
+          <a:lstStyle/>
           <a:p>
             <a:r>
               <a:rPr lang="hu-HU" sz="3000" dirty="0" smtClean="0">
                 <a:latin typeface="Times New Roman" panose="02020603050405020304" pitchFamily="18" charset="0"/>
                 <a:cs typeface="Times New Roman" panose="02020603050405020304" pitchFamily="18" charset="0"/>
               </a:rPr>
-              <a:t>Teljesítményre hatása van</a:t>
-            </a:r>
-            <a:endParaRPr lang="hu-HU" sz="3000" dirty="0">
-              <a:latin typeface="Times New Roman" panose="02020603050405020304" pitchFamily="18" charset="0"/>
-              <a:cs typeface="Times New Roman" panose="02020603050405020304" pitchFamily="18" charset="0"/>
-            </a:endParaRPr>
+              <a:t>Szilíciumlap</a:t>
+            </a:r>
+          </a:p>
+          <a:p>
+            <a:r>
+              <a:rPr lang="hu-HU" sz="3000" dirty="0" smtClean="0">
+                <a:latin typeface="Times New Roman" panose="02020603050405020304" pitchFamily="18" charset="0"/>
+                <a:cs typeface="Times New Roman" panose="02020603050405020304" pitchFamily="18" charset="0"/>
+              </a:rPr>
+              <a:t>Tranzisztor</a:t>
+            </a:r>
+            <a:r>
+              <a:rPr lang="hu-HU" sz="3000" dirty="0">
+                <a:latin typeface="Times New Roman" panose="02020603050405020304" pitchFamily="18" charset="0"/>
+                <a:cs typeface="Times New Roman" panose="02020603050405020304" pitchFamily="18" charset="0"/>
+              </a:rPr>
+              <a:t>:</a:t>
+            </a:r>
+          </a:p>
+          <a:p>
+            <a:pPr lvl="1"/>
+            <a:r>
+              <a:rPr lang="hu-HU" sz="3000" dirty="0">
+                <a:latin typeface="Times New Roman" panose="02020603050405020304" pitchFamily="18" charset="0"/>
+                <a:cs typeface="Times New Roman" panose="02020603050405020304" pitchFamily="18" charset="0"/>
+              </a:rPr>
+              <a:t>Több milliárd</a:t>
+            </a:r>
+          </a:p>
+          <a:p>
+            <a:pPr lvl="1"/>
+            <a:r>
+              <a:rPr lang="hu-HU" sz="3000" dirty="0" smtClean="0">
+                <a:latin typeface="Times New Roman" panose="02020603050405020304" pitchFamily="18" charset="0"/>
+                <a:cs typeface="Times New Roman" panose="02020603050405020304" pitchFamily="18" charset="0"/>
+              </a:rPr>
+              <a:t>Áramkör</a:t>
+            </a:r>
+          </a:p>
+          <a:p>
+            <a:pPr lvl="1"/>
+            <a:r>
+              <a:rPr lang="hu-HU" sz="3000" dirty="0" smtClean="0">
+                <a:latin typeface="Times New Roman" panose="02020603050405020304" pitchFamily="18" charset="0"/>
+                <a:cs typeface="Times New Roman" panose="02020603050405020304" pitchFamily="18" charset="0"/>
+              </a:rPr>
+              <a:t>Utasításkészlet</a:t>
+            </a:r>
+          </a:p>
+          <a:p>
+            <a:pPr lvl="1"/>
+            <a:r>
+              <a:rPr lang="hu-HU" sz="3000" dirty="0" smtClean="0">
+                <a:latin typeface="Times New Roman" panose="02020603050405020304" pitchFamily="18" charset="0"/>
+                <a:cs typeface="Times New Roman" panose="02020603050405020304" pitchFamily="18" charset="0"/>
+              </a:rPr>
+              <a:t>Be – és kimenet</a:t>
+            </a:r>
+          </a:p>
+        </p:txBody>
+      </p:sp>
+      <p:pic>
+        <p:nvPicPr>
+          <p:cNvPr id="4" name="Picture 2" descr="Missing transistor or resistor on Intel Xeon E5-2680. does anyone know what  it does or if it is crucial for the processors operation? : r/intel"/>
+          <p:cNvPicPr>
+            <a:picLocks noChangeAspect="1" noChangeArrowheads="1"/>
+          </p:cNvPicPr>
+          <p:nvPr/>
+        </p:nvPicPr>
+        <p:blipFill>
+          <a:blip r:embed="rId2" cstate="print">
+            <a:extLst>
+              <a:ext uri="{28A0092B-C50C-407E-A947-70E740481C1C}">
+                <a14:useLocalDpi xmlns:a14="http://schemas.microsoft.com/office/drawing/2010/main" val="0"/>
+              </a:ext>
+            </a:extLst>
+          </a:blip>
+          <a:srcRect/>
+          <a:stretch>
+            <a:fillRect/>
+          </a:stretch>
+        </p:blipFill>
+        <p:spPr bwMode="auto">
+          <a:xfrm>
+            <a:off x="5597086" y="1493240"/>
+            <a:ext cx="5177400" cy="5007312"/>
+          </a:xfrm>
+          <a:prstGeom prst="rect">
+            <a:avLst/>
+          </a:prstGeom>
+          <a:noFill/>
+          <a:extLst>
+            <a:ext uri="{909E8E84-426E-40DD-AFC4-6F175D3DCCD1}">
+              <a14:hiddenFill xmlns:a14="http://schemas.microsoft.com/office/drawing/2010/main">
+                <a:solidFill>
+                  <a:srgbClr val="FFFFFF"/>
+                </a:solidFill>
+              </a14:hiddenFill>
+            </a:ext>
+          </a:extLst>
+        </p:spPr>
+      </p:pic>
+      <p:sp>
+        <p:nvSpPr>
+          <p:cNvPr id="6" name="Szövegdoboz 5"/>
+          <p:cNvSpPr txBox="1"/>
+          <p:nvPr/>
+        </p:nvSpPr>
+        <p:spPr>
+          <a:xfrm>
+            <a:off x="7292168" y="6500552"/>
+            <a:ext cx="1787235" cy="430887"/>
+          </a:xfrm>
+          <a:prstGeom prst="rect">
+            <a:avLst/>
+          </a:prstGeom>
+          <a:noFill/>
+        </p:spPr>
+        <p:txBody>
+          <a:bodyPr wrap="square" rtlCol="0">
+            <a:spAutoFit/>
+          </a:bodyPr>
+          <a:lstStyle/>
+          <a:p>
+            <a:r>
+              <a:rPr lang="hu-HU" sz="1100" dirty="0">
+                <a:latin typeface="Times New Roman" panose="02020603050405020304" pitchFamily="18" charset="0"/>
+                <a:cs typeface="Times New Roman" panose="02020603050405020304" pitchFamily="18" charset="0"/>
+              </a:rPr>
+              <a:t>https://tinyurl.com/2h7s29pj</a:t>
+            </a:r>
+          </a:p>
+          <a:p>
+            <a:endParaRPr lang="hu-HU" sz="1100" dirty="0"/>
           </a:p>
         </p:txBody>
       </p:sp>
     </p:spTree>
     <p:extLst>
       <p:ext uri="{BB962C8B-B14F-4D97-AF65-F5344CB8AC3E}">
-        <p14:creationId xmlns:p14="http://schemas.microsoft.com/office/powerpoint/2010/main" val="3839454992"/>
+        <p14:creationId xmlns:p14="http://schemas.microsoft.com/office/powerpoint/2010/main" val="1395896750"/>
       </p:ext>
     </p:extLst>
   </p:cSld>
   <p:clrMapOvr>
     <a:masterClrMapping/>
   </p:clrMapOvr>
+  <p:timing>
+    <p:tnLst>
+      <p:par>
+        <p:cTn id="1" dur="indefinite" restart="never" nodeType="tmRoot"/>
+      </p:par>
+    </p:tnLst>
+  </p:timing>
 </p:sld>
 </file>
 
@@ -6550,10 +7372,16 @@
           <a:lstStyle/>
           <a:p>
             <a:r>
-              <a:rPr lang="hu-HU" dirty="0" smtClean="0"/>
-              <a:t>Mi a processzormag?</a:t>
-            </a:r>
-            <a:endParaRPr lang="hu-HU" dirty="0"/>
+              <a:rPr lang="hu-HU" dirty="0" smtClean="0">
+                <a:latin typeface="Times New Roman" panose="02020603050405020304" pitchFamily="18" charset="0"/>
+                <a:cs typeface="Times New Roman" panose="02020603050405020304" pitchFamily="18" charset="0"/>
+              </a:rPr>
+              <a:t>Főbb Részei</a:t>
+            </a:r>
+            <a:endParaRPr lang="hu-HU" dirty="0">
+              <a:latin typeface="Times New Roman" panose="02020603050405020304" pitchFamily="18" charset="0"/>
+              <a:cs typeface="Times New Roman" panose="02020603050405020304" pitchFamily="18" charset="0"/>
+            </a:endParaRPr>
           </a:p>
         </p:txBody>
       </p:sp>
@@ -6569,8 +7397,8 @@
         </p:nvSpPr>
         <p:spPr>
           <a:xfrm>
-            <a:off x="913795" y="2096064"/>
-            <a:ext cx="4051905" cy="3695136"/>
+            <a:off x="913794" y="1803863"/>
+            <a:ext cx="3799521" cy="4721628"/>
           </a:xfrm>
         </p:spPr>
         <p:txBody>
@@ -6581,46 +7409,232 @@
           <a:p>
             <a:r>
               <a:rPr lang="hu-HU" sz="3000" dirty="0" smtClean="0">
-                <a:latin typeface="Times New Roman" panose="02020603050405020304" pitchFamily="18" charset="0"/>
-                <a:cs typeface="Times New Roman" panose="02020603050405020304" pitchFamily="18" charset="0"/>
-              </a:rPr>
-              <a:t>Számítási egység</a:t>
-            </a:r>
-          </a:p>
-          <a:p>
+                <a:effectLst>
+                  <a:outerShdw blurRad="38100" dist="38100" dir="2700000" algn="tl">
+                    <a:srgbClr val="000000">
+                      <a:alpha val="43137"/>
+                    </a:srgbClr>
+                  </a:outerShdw>
+                </a:effectLst>
+                <a:latin typeface="Times New Roman" panose="02020603050405020304" pitchFamily="18" charset="0"/>
+                <a:cs typeface="Times New Roman" panose="02020603050405020304" pitchFamily="18" charset="0"/>
+              </a:rPr>
+              <a:t>CU:</a:t>
+            </a:r>
+          </a:p>
+          <a:p>
+            <a:pPr lvl="1"/>
             <a:r>
               <a:rPr lang="hu-HU" sz="3000" dirty="0" smtClean="0">
-                <a:latin typeface="Times New Roman" panose="02020603050405020304" pitchFamily="18" charset="0"/>
-                <a:cs typeface="Times New Roman" panose="02020603050405020304" pitchFamily="18" charset="0"/>
-              </a:rPr>
-              <a:t>Több mag</a:t>
-            </a:r>
-          </a:p>
-          <a:p>
+                <a:effectLst>
+                  <a:outerShdw blurRad="38100" dist="38100" dir="2700000" algn="tl">
+                    <a:srgbClr val="000000">
+                      <a:alpha val="43137"/>
+                    </a:srgbClr>
+                  </a:outerShdw>
+                </a:effectLst>
+                <a:latin typeface="Times New Roman" panose="02020603050405020304" pitchFamily="18" charset="0"/>
+                <a:cs typeface="Times New Roman" panose="02020603050405020304" pitchFamily="18" charset="0"/>
+              </a:rPr>
+              <a:t>Szervezés</a:t>
+            </a:r>
+          </a:p>
+          <a:p>
+            <a:pPr lvl="1"/>
             <a:r>
               <a:rPr lang="hu-HU" sz="3000" dirty="0" smtClean="0">
-                <a:latin typeface="Times New Roman" panose="02020603050405020304" pitchFamily="18" charset="0"/>
-                <a:cs typeface="Times New Roman" panose="02020603050405020304" pitchFamily="18" charset="0"/>
-              </a:rPr>
-              <a:t>Külön feladatokon dolgozhat</a:t>
-            </a:r>
-            <a:endParaRPr lang="hu-HU" sz="3000" dirty="0">
+                <a:effectLst>
+                  <a:outerShdw blurRad="38100" dist="38100" dir="2700000" algn="tl">
+                    <a:srgbClr val="000000">
+                      <a:alpha val="43137"/>
+                    </a:srgbClr>
+                  </a:outerShdw>
+                </a:effectLst>
+                <a:latin typeface="Times New Roman" panose="02020603050405020304" pitchFamily="18" charset="0"/>
+                <a:cs typeface="Times New Roman" panose="02020603050405020304" pitchFamily="18" charset="0"/>
+              </a:rPr>
+              <a:t>Ütemezés</a:t>
+            </a:r>
+          </a:p>
+          <a:p>
+            <a:pPr lvl="1"/>
+            <a:endParaRPr lang="hu-HU" sz="3000" dirty="0" smtClean="0">
+              <a:effectLst>
+                <a:outerShdw blurRad="38100" dist="38100" dir="2700000" algn="tl">
+                  <a:srgbClr val="000000">
+                    <a:alpha val="43137"/>
+                  </a:srgbClr>
+                </a:outerShdw>
+              </a:effectLst>
               <a:latin typeface="Times New Roman" panose="02020603050405020304" pitchFamily="18" charset="0"/>
               <a:cs typeface="Times New Roman" panose="02020603050405020304" pitchFamily="18" charset="0"/>
             </a:endParaRPr>
           </a:p>
+          <a:p>
+            <a:pPr lvl="1"/>
+            <a:r>
+              <a:rPr lang="hu-HU" sz="3000" dirty="0" smtClean="0">
+                <a:effectLst>
+                  <a:outerShdw blurRad="38100" dist="38100" dir="2700000" algn="tl">
+                    <a:srgbClr val="000000">
+                      <a:alpha val="43137"/>
+                    </a:srgbClr>
+                  </a:outerShdw>
+                </a:effectLst>
+                <a:latin typeface="Times New Roman" panose="02020603050405020304" pitchFamily="18" charset="0"/>
+                <a:cs typeface="Times New Roman" panose="02020603050405020304" pitchFamily="18" charset="0"/>
+              </a:rPr>
+              <a:t>Értelmez</a:t>
+            </a:r>
+          </a:p>
+          <a:p>
+            <a:pPr lvl="1"/>
+            <a:r>
+              <a:rPr lang="hu-HU" sz="3000" dirty="0" smtClean="0">
+                <a:effectLst>
+                  <a:outerShdw blurRad="38100" dist="38100" dir="2700000" algn="tl">
+                    <a:srgbClr val="000000">
+                      <a:alpha val="43137"/>
+                    </a:srgbClr>
+                  </a:outerShdw>
+                </a:effectLst>
+                <a:latin typeface="Times New Roman" panose="02020603050405020304" pitchFamily="18" charset="0"/>
+                <a:cs typeface="Times New Roman" panose="02020603050405020304" pitchFamily="18" charset="0"/>
+              </a:rPr>
+              <a:t>Végrehajt</a:t>
+            </a:r>
+          </a:p>
+          <a:p>
+            <a:pPr lvl="1"/>
+            <a:r>
+              <a:rPr lang="hu-HU" sz="3000" dirty="0" smtClean="0">
+                <a:effectLst>
+                  <a:outerShdw blurRad="38100" dist="38100" dir="2700000" algn="tl">
+                    <a:srgbClr val="000000">
+                      <a:alpha val="43137"/>
+                    </a:srgbClr>
+                  </a:outerShdw>
+                </a:effectLst>
+                <a:latin typeface="Times New Roman" panose="02020603050405020304" pitchFamily="18" charset="0"/>
+                <a:cs typeface="Times New Roman" panose="02020603050405020304" pitchFamily="18" charset="0"/>
+              </a:rPr>
+              <a:t>Következő utasítás</a:t>
+            </a:r>
+            <a:endParaRPr lang="hu-HU" sz="3000" dirty="0">
+              <a:effectLst>
+                <a:outerShdw blurRad="38100" dist="38100" dir="2700000" algn="tl">
+                  <a:srgbClr val="000000">
+                    <a:alpha val="43137"/>
+                  </a:srgbClr>
+                </a:outerShdw>
+              </a:effectLst>
+              <a:latin typeface="Times New Roman" panose="02020603050405020304" pitchFamily="18" charset="0"/>
+              <a:cs typeface="Times New Roman" panose="02020603050405020304" pitchFamily="18" charset="0"/>
+            </a:endParaRPr>
+          </a:p>
+        </p:txBody>
+      </p:sp>
+      <p:pic>
+        <p:nvPicPr>
+          <p:cNvPr id="5" name="Picture 2" descr="https://computersciencewiki.org/images/1/1a/Cpu_diagram.png"/>
+          <p:cNvPicPr>
+            <a:picLocks noChangeAspect="1" noChangeArrowheads="1"/>
+          </p:cNvPicPr>
+          <p:nvPr/>
+        </p:nvPicPr>
+        <p:blipFill>
+          <a:blip r:embed="rId2">
+            <a:extLst>
+              <a:ext uri="{28A0092B-C50C-407E-A947-70E740481C1C}">
+                <a14:useLocalDpi xmlns:a14="http://schemas.microsoft.com/office/drawing/2010/main" val="0"/>
+              </a:ext>
+            </a:extLst>
+          </a:blip>
+          <a:srcRect/>
+          <a:stretch>
+            <a:fillRect/>
+          </a:stretch>
+        </p:blipFill>
+        <p:spPr bwMode="auto">
+          <a:xfrm>
+            <a:off x="4921135" y="1755242"/>
+            <a:ext cx="6716357" cy="4334146"/>
+          </a:xfrm>
+          <a:prstGeom prst="rect">
+            <a:avLst/>
+          </a:prstGeom>
+          <a:noFill/>
+          <a:extLst>
+            <a:ext uri="{909E8E84-426E-40DD-AFC4-6F175D3DCCD1}">
+              <a14:hiddenFill xmlns:a14="http://schemas.microsoft.com/office/drawing/2010/main">
+                <a:solidFill>
+                  <a:srgbClr val="FFFFFF"/>
+                </a:solidFill>
+              </a14:hiddenFill>
+            </a:ext>
+          </a:extLst>
+        </p:spPr>
+      </p:pic>
+      <p:sp>
+        <p:nvSpPr>
+          <p:cNvPr id="6" name="Szövegdoboz 5"/>
+          <p:cNvSpPr txBox="1"/>
+          <p:nvPr/>
+        </p:nvSpPr>
+        <p:spPr>
+          <a:xfrm>
+            <a:off x="7406477" y="6089388"/>
+            <a:ext cx="1745673" cy="261610"/>
+          </a:xfrm>
+          <a:prstGeom prst="rect">
+            <a:avLst/>
+          </a:prstGeom>
+          <a:noFill/>
+        </p:spPr>
+        <p:txBody>
+          <a:bodyPr wrap="square" rtlCol="0">
+            <a:spAutoFit/>
+          </a:bodyPr>
+          <a:lstStyle/>
+          <a:p>
+            <a:r>
+              <a:rPr lang="hu-HU" sz="1100" dirty="0">
+                <a:latin typeface="Times New Roman" panose="02020603050405020304" pitchFamily="18" charset="0"/>
+                <a:cs typeface="Times New Roman" panose="02020603050405020304" pitchFamily="18" charset="0"/>
+              </a:rPr>
+              <a:t>https://</a:t>
+            </a:r>
+            <a:r>
+              <a:rPr lang="hu-HU" sz="1100" dirty="0" smtClean="0">
+                <a:latin typeface="Times New Roman" panose="02020603050405020304" pitchFamily="18" charset="0"/>
+                <a:cs typeface="Times New Roman" panose="02020603050405020304" pitchFamily="18" charset="0"/>
+              </a:rPr>
+              <a:t>tinyurl.com/yaujk8ty</a:t>
+            </a:r>
+            <a:endParaRPr lang="hu-HU" sz="1100" dirty="0">
+              <a:latin typeface="Times New Roman" panose="02020603050405020304" pitchFamily="18" charset="0"/>
+              <a:cs typeface="Times New Roman" panose="02020603050405020304" pitchFamily="18" charset="0"/>
+            </a:endParaRPr>
+          </a:p>
         </p:txBody>
       </p:sp>
     </p:spTree>
     <p:extLst>
       <p:ext uri="{BB962C8B-B14F-4D97-AF65-F5344CB8AC3E}">
-        <p14:creationId xmlns:p14="http://schemas.microsoft.com/office/powerpoint/2010/main" val="3675926142"/>
+        <p14:creationId xmlns:p14="http://schemas.microsoft.com/office/powerpoint/2010/main" val="104387287"/>
       </p:ext>
     </p:extLst>
   </p:cSld>
   <p:clrMapOvr>
     <a:masterClrMapping/>
   </p:clrMapOvr>
+  <p:timing>
+    <p:tnLst>
+      <p:par>
+        <p:cTn id="1" dur="indefinite" restart="never" nodeType="tmRoot"/>
+      </p:par>
+    </p:tnLst>
+  </p:timing>
 </p:sld>
 </file>
 
@@ -6657,10 +7671,16 @@
           <a:lstStyle/>
           <a:p>
             <a:r>
-              <a:rPr lang="hu-HU" dirty="0" smtClean="0"/>
-              <a:t>Foglalatok</a:t>
-            </a:r>
-            <a:endParaRPr lang="hu-HU" dirty="0"/>
+              <a:rPr lang="hu-HU" dirty="0" smtClean="0">
+                <a:latin typeface="Times New Roman" panose="02020603050405020304" pitchFamily="18" charset="0"/>
+                <a:cs typeface="Times New Roman" panose="02020603050405020304" pitchFamily="18" charset="0"/>
+              </a:rPr>
+              <a:t>Főbb részei</a:t>
+            </a:r>
+            <a:endParaRPr lang="hu-HU" dirty="0">
+              <a:latin typeface="Times New Roman" panose="02020603050405020304" pitchFamily="18" charset="0"/>
+              <a:cs typeface="Times New Roman" panose="02020603050405020304" pitchFamily="18" charset="0"/>
+            </a:endParaRPr>
           </a:p>
         </p:txBody>
       </p:sp>
@@ -6676,8 +7696,8 @@
         </p:nvSpPr>
         <p:spPr>
           <a:xfrm>
-            <a:off x="913795" y="2096064"/>
-            <a:ext cx="4026505" cy="4088836"/>
+            <a:off x="913795" y="1755241"/>
+            <a:ext cx="4007340" cy="4911565"/>
           </a:xfrm>
         </p:spPr>
         <p:txBody>
@@ -6691,25 +7711,75 @@
                 <a:latin typeface="Times New Roman" panose="02020603050405020304" pitchFamily="18" charset="0"/>
                 <a:cs typeface="Times New Roman" panose="02020603050405020304" pitchFamily="18" charset="0"/>
               </a:rPr>
-              <a:t>Paraméter</a:t>
-            </a:r>
-          </a:p>
-          <a:p>
+              <a:t>ALU:</a:t>
+            </a:r>
+          </a:p>
+          <a:p>
+            <a:pPr lvl="1"/>
             <a:r>
               <a:rPr lang="hu-HU" sz="3000" dirty="0" smtClean="0">
                 <a:latin typeface="Times New Roman" panose="02020603050405020304" pitchFamily="18" charset="0"/>
                 <a:cs typeface="Times New Roman" panose="02020603050405020304" pitchFamily="18" charset="0"/>
               </a:rPr>
-              <a:t>Alaplaphoz passzol</a:t>
-            </a:r>
-          </a:p>
-          <a:p>
+              <a:t>Matematikai és logikai műveletek</a:t>
+            </a:r>
+          </a:p>
+          <a:p>
+            <a:pPr lvl="1"/>
             <a:r>
               <a:rPr lang="hu-HU" sz="3000" dirty="0" smtClean="0">
                 <a:latin typeface="Times New Roman" panose="02020603050405020304" pitchFamily="18" charset="0"/>
                 <a:cs typeface="Times New Roman" panose="02020603050405020304" pitchFamily="18" charset="0"/>
               </a:rPr>
-              <a:t>Fajták</a:t>
+              <a:t>FPU (</a:t>
+            </a:r>
+            <a:r>
+              <a:rPr lang="hu-HU" sz="3000" dirty="0" err="1" smtClean="0">
+                <a:latin typeface="Times New Roman" panose="02020603050405020304" pitchFamily="18" charset="0"/>
+                <a:cs typeface="Times New Roman" panose="02020603050405020304" pitchFamily="18" charset="0"/>
+              </a:rPr>
+              <a:t>Floating</a:t>
+            </a:r>
+            <a:r>
+              <a:rPr lang="hu-HU" sz="3000" dirty="0" smtClean="0">
+                <a:latin typeface="Times New Roman" panose="02020603050405020304" pitchFamily="18" charset="0"/>
+                <a:cs typeface="Times New Roman" panose="02020603050405020304" pitchFamily="18" charset="0"/>
+              </a:rPr>
+              <a:t> </a:t>
+            </a:r>
+            <a:r>
+              <a:rPr lang="hu-HU" sz="3000" dirty="0" err="1" smtClean="0">
+                <a:latin typeface="Times New Roman" panose="02020603050405020304" pitchFamily="18" charset="0"/>
+                <a:cs typeface="Times New Roman" panose="02020603050405020304" pitchFamily="18" charset="0"/>
+              </a:rPr>
+              <a:t>Point</a:t>
+            </a:r>
+            <a:r>
+              <a:rPr lang="hu-HU" sz="3000" dirty="0" smtClean="0">
+                <a:latin typeface="Times New Roman" panose="02020603050405020304" pitchFamily="18" charset="0"/>
+                <a:cs typeface="Times New Roman" panose="02020603050405020304" pitchFamily="18" charset="0"/>
+              </a:rPr>
+              <a:t> Unit)</a:t>
+            </a:r>
+          </a:p>
+          <a:p>
+            <a:pPr lvl="1"/>
+            <a:r>
+              <a:rPr lang="hu-HU" sz="3000" dirty="0" smtClean="0">
+                <a:latin typeface="Times New Roman" panose="02020603050405020304" pitchFamily="18" charset="0"/>
+                <a:cs typeface="Times New Roman" panose="02020603050405020304" pitchFamily="18" charset="0"/>
+              </a:rPr>
+              <a:t>Részegység</a:t>
+            </a:r>
+          </a:p>
+          <a:p>
+            <a:pPr lvl="1"/>
+            <a:r>
+              <a:rPr lang="hu-HU" sz="3000" dirty="0" smtClean="0">
+                <a:latin typeface="Times New Roman" panose="02020603050405020304" pitchFamily="18" charset="0"/>
+                <a:cs typeface="Times New Roman" panose="02020603050405020304" pitchFamily="18" charset="0"/>
+              </a:rPr>
+              <a:t>Beépített</a:t>
             </a:r>
             <a:endParaRPr lang="hu-HU" sz="3000" dirty="0">
               <a:latin typeface="Times New Roman" panose="02020603050405020304" pitchFamily="18" charset="0"/>
@@ -6718,16 +7788,107 @@
           </a:p>
         </p:txBody>
       </p:sp>
+      <p:pic>
+        <p:nvPicPr>
+          <p:cNvPr id="4" name="Picture 2" descr="https://computersciencewiki.org/images/1/1a/Cpu_diagram.png"/>
+          <p:cNvPicPr>
+            <a:picLocks noChangeAspect="1" noChangeArrowheads="1"/>
+          </p:cNvPicPr>
+          <p:nvPr/>
+        </p:nvPicPr>
+        <p:blipFill>
+          <a:blip r:embed="rId2">
+            <a:extLst>
+              <a:ext uri="{28A0092B-C50C-407E-A947-70E740481C1C}">
+                <a14:useLocalDpi xmlns:a14="http://schemas.microsoft.com/office/drawing/2010/main" val="0"/>
+              </a:ext>
+            </a:extLst>
+          </a:blip>
+          <a:srcRect/>
+          <a:stretch>
+            <a:fillRect/>
+          </a:stretch>
+        </p:blipFill>
+        <p:spPr bwMode="auto">
+          <a:xfrm>
+            <a:off x="4921135" y="1755242"/>
+            <a:ext cx="6716357" cy="4334146"/>
+          </a:xfrm>
+          <a:prstGeom prst="rect">
+            <a:avLst/>
+          </a:prstGeom>
+          <a:noFill/>
+          <a:extLst>
+            <a:ext uri="{909E8E84-426E-40DD-AFC4-6F175D3DCCD1}">
+              <a14:hiddenFill xmlns:a14="http://schemas.microsoft.com/office/drawing/2010/main">
+                <a:solidFill>
+                  <a:srgbClr val="FFFFFF"/>
+                </a:solidFill>
+              </a14:hiddenFill>
+            </a:ext>
+          </a:extLst>
+        </p:spPr>
+      </p:pic>
+      <p:sp>
+        <p:nvSpPr>
+          <p:cNvPr id="6" name="Szövegdoboz 5"/>
+          <p:cNvSpPr txBox="1"/>
+          <p:nvPr/>
+        </p:nvSpPr>
+        <p:spPr>
+          <a:xfrm>
+            <a:off x="7406477" y="6089388"/>
+            <a:ext cx="1745673" cy="261610"/>
+          </a:xfrm>
+          <a:prstGeom prst="rect">
+            <a:avLst/>
+          </a:prstGeom>
+          <a:noFill/>
+        </p:spPr>
+        <p:txBody>
+          <a:bodyPr wrap="square" rtlCol="0">
+            <a:spAutoFit/>
+          </a:bodyPr>
+          <a:lstStyle/>
+          <a:p>
+            <a:r>
+              <a:rPr lang="hu-HU" sz="1100" dirty="0">
+                <a:latin typeface="Times New Roman" panose="02020603050405020304" pitchFamily="18" charset="0"/>
+                <a:cs typeface="Times New Roman" panose="02020603050405020304" pitchFamily="18" charset="0"/>
+              </a:rPr>
+              <a:t>https://</a:t>
+            </a:r>
+            <a:r>
+              <a:rPr lang="hu-HU" sz="1100" dirty="0" smtClean="0">
+                <a:latin typeface="Times New Roman" panose="02020603050405020304" pitchFamily="18" charset="0"/>
+                <a:cs typeface="Times New Roman" panose="02020603050405020304" pitchFamily="18" charset="0"/>
+              </a:rPr>
+              <a:t>tinyurl.com/yaujk8ty</a:t>
+            </a:r>
+            <a:endParaRPr lang="hu-HU" sz="1100" dirty="0">
+              <a:latin typeface="Times New Roman" panose="02020603050405020304" pitchFamily="18" charset="0"/>
+              <a:cs typeface="Times New Roman" panose="02020603050405020304" pitchFamily="18" charset="0"/>
+            </a:endParaRPr>
+          </a:p>
+        </p:txBody>
+      </p:sp>
     </p:spTree>
     <p:extLst>
       <p:ext uri="{BB962C8B-B14F-4D97-AF65-F5344CB8AC3E}">
-        <p14:creationId xmlns:p14="http://schemas.microsoft.com/office/powerpoint/2010/main" val="573311332"/>
+        <p14:creationId xmlns:p14="http://schemas.microsoft.com/office/powerpoint/2010/main" val="2591989352"/>
       </p:ext>
     </p:extLst>
   </p:cSld>
   <p:clrMapOvr>
     <a:masterClrMapping/>
   </p:clrMapOvr>
+  <p:timing>
+    <p:tnLst>
+      <p:par>
+        <p:cTn id="1" dur="indefinite" restart="never" nodeType="tmRoot"/>
+      </p:par>
+    </p:tnLst>
+  </p:timing>
 </p:sld>
 </file>
 
@@ -6764,8 +7925,11 @@
           <a:lstStyle/>
           <a:p>
             <a:r>
-              <a:rPr lang="hu-HU" dirty="0" smtClean="0"/>
-              <a:t>Cache</a:t>
+              <a:rPr lang="hu-HU" dirty="0">
+                <a:latin typeface="Times New Roman" panose="02020603050405020304" pitchFamily="18" charset="0"/>
+                <a:cs typeface="Times New Roman" panose="02020603050405020304" pitchFamily="18" charset="0"/>
+              </a:rPr>
+              <a:t>Főbb részei</a:t>
             </a:r>
             <a:endParaRPr lang="hu-HU" dirty="0"/>
           </a:p>
@@ -6781,25 +7945,223 @@
             <p:ph idx="1"/>
           </p:nvPr>
         </p:nvSpPr>
-        <p:spPr/>
-        <p:txBody>
-          <a:bodyPr/>
-          <a:lstStyle/>
-          <a:p>
-            <a:endParaRPr lang="hu-HU"/>
+        <p:spPr>
+          <a:xfrm>
+            <a:off x="913794" y="2096063"/>
+            <a:ext cx="4553555" cy="4387863"/>
+          </a:xfrm>
+        </p:spPr>
+        <p:txBody>
+          <a:bodyPr>
+            <a:normAutofit/>
+          </a:bodyPr>
+          <a:lstStyle/>
+          <a:p>
+            <a:r>
+              <a:rPr lang="hu-HU" sz="3000" dirty="0">
+                <a:latin typeface="Times New Roman" panose="02020603050405020304" pitchFamily="18" charset="0"/>
+                <a:cs typeface="Times New Roman" panose="02020603050405020304" pitchFamily="18" charset="0"/>
+              </a:rPr>
+              <a:t>Regiszter</a:t>
+            </a:r>
+            <a:r>
+              <a:rPr lang="hu-HU" sz="3000" dirty="0" smtClean="0">
+                <a:latin typeface="Times New Roman" panose="02020603050405020304" pitchFamily="18" charset="0"/>
+                <a:cs typeface="Times New Roman" panose="02020603050405020304" pitchFamily="18" charset="0"/>
+              </a:rPr>
+              <a:t>:</a:t>
+            </a:r>
+          </a:p>
+          <a:p>
+            <a:pPr lvl="1"/>
+            <a:r>
+              <a:rPr lang="hu-HU" sz="3000" dirty="0">
+                <a:latin typeface="Times New Roman" panose="02020603050405020304" pitchFamily="18" charset="0"/>
+                <a:cs typeface="Times New Roman" panose="02020603050405020304" pitchFamily="18" charset="0"/>
+              </a:rPr>
+              <a:t>Gyors </a:t>
+            </a:r>
+            <a:r>
+              <a:rPr lang="hu-HU" sz="3000" dirty="0" smtClean="0">
+                <a:latin typeface="Times New Roman" panose="02020603050405020304" pitchFamily="18" charset="0"/>
+                <a:cs typeface="Times New Roman" panose="02020603050405020304" pitchFamily="18" charset="0"/>
+              </a:rPr>
+              <a:t>elérés</a:t>
+            </a:r>
+          </a:p>
+          <a:p>
+            <a:pPr lvl="1"/>
+            <a:r>
+              <a:rPr lang="hu-HU" sz="3000" dirty="0" smtClean="0">
+                <a:latin typeface="Times New Roman" panose="02020603050405020304" pitchFamily="18" charset="0"/>
+                <a:cs typeface="Times New Roman" panose="02020603050405020304" pitchFamily="18" charset="0"/>
+              </a:rPr>
+              <a:t>Kis memória</a:t>
+            </a:r>
+          </a:p>
+          <a:p>
+            <a:pPr lvl="1"/>
+            <a:r>
+              <a:rPr lang="hu-HU" sz="3000" dirty="0" smtClean="0">
+                <a:latin typeface="Times New Roman" panose="02020603050405020304" pitchFamily="18" charset="0"/>
+                <a:cs typeface="Times New Roman" panose="02020603050405020304" pitchFamily="18" charset="0"/>
+              </a:rPr>
+              <a:t>Ideiglenes </a:t>
+            </a:r>
+            <a:r>
+              <a:rPr lang="hu-HU" sz="3000" dirty="0">
+                <a:latin typeface="Times New Roman" panose="02020603050405020304" pitchFamily="18" charset="0"/>
+                <a:cs typeface="Times New Roman" panose="02020603050405020304" pitchFamily="18" charset="0"/>
+              </a:rPr>
+              <a:t>adattárolás</a:t>
+            </a:r>
+          </a:p>
+          <a:p>
+            <a:pPr lvl="1"/>
+            <a:r>
+              <a:rPr lang="hu-HU" sz="3000" dirty="0">
+                <a:latin typeface="Times New Roman" panose="02020603050405020304" pitchFamily="18" charset="0"/>
+                <a:cs typeface="Times New Roman" panose="02020603050405020304" pitchFamily="18" charset="0"/>
+              </a:rPr>
+              <a:t>32/64 bit </a:t>
+            </a:r>
+            <a:r>
+              <a:rPr lang="hu-HU" sz="3000" dirty="0" smtClean="0">
+                <a:latin typeface="Times New Roman" panose="02020603050405020304" pitchFamily="18" charset="0"/>
+                <a:cs typeface="Times New Roman" panose="02020603050405020304" pitchFamily="18" charset="0"/>
+              </a:rPr>
+              <a:t>méret</a:t>
+            </a:r>
+          </a:p>
+          <a:p>
+            <a:pPr lvl="1"/>
+            <a:r>
+              <a:rPr lang="hu-HU" sz="3000" dirty="0" smtClean="0">
+                <a:latin typeface="Times New Roman" panose="02020603050405020304" pitchFamily="18" charset="0"/>
+                <a:cs typeface="Times New Roman" panose="02020603050405020304" pitchFamily="18" charset="0"/>
+              </a:rPr>
+              <a:t>32/64 bit BUSZ - RAM</a:t>
+            </a:r>
+            <a:endParaRPr lang="hu-HU" sz="3000" dirty="0">
+              <a:latin typeface="Times New Roman" panose="02020603050405020304" pitchFamily="18" charset="0"/>
+              <a:cs typeface="Times New Roman" panose="02020603050405020304" pitchFamily="18" charset="0"/>
+            </a:endParaRPr>
+          </a:p>
+        </p:txBody>
+      </p:sp>
+      <p:pic>
+        <p:nvPicPr>
+          <p:cNvPr id="5122" name="Picture 2" descr="https://www.tutorialandexample.com/wp-content/uploads/2019/10/Control-Processing-Unit-2.png"/>
+          <p:cNvPicPr>
+            <a:picLocks noChangeAspect="1" noChangeArrowheads="1"/>
+          </p:cNvPicPr>
+          <p:nvPr/>
+        </p:nvPicPr>
+        <p:blipFill>
+          <a:blip r:embed="rId2">
+            <a:extLst>
+              <a:ext uri="{BEBA8EAE-BF5A-486C-A8C5-ECC9F3942E4B}">
+                <a14:imgProps xmlns:a14="http://schemas.microsoft.com/office/drawing/2010/main">
+                  <a14:imgLayer r:embed="rId3">
+                    <a14:imgEffect>
+                      <a14:backgroundRemoval t="31000" b="86500" l="0" r="33200">
+                        <a14:foregroundMark x1="7800" y1="38000" x2="15200" y2="38250"/>
+                        <a14:foregroundMark x1="8200" y1="36500" x2="13400" y2="37750"/>
+                        <a14:foregroundMark x1="5000" y1="50250" x2="29600" y2="49250"/>
+                        <a14:foregroundMark x1="6800" y1="63750" x2="28200" y2="63250"/>
+                        <a14:foregroundMark x1="11600" y1="38750" x2="28200" y2="35750"/>
+                        <a14:foregroundMark x1="4600" y1="76750" x2="31200" y2="75250"/>
+                        <a14:foregroundMark x1="4400" y1="74000" x2="30600" y2="79250"/>
+                        <a14:foregroundMark x1="3800" y1="33500" x2="28200" y2="32500"/>
+                        <a14:foregroundMark x1="5600" y1="66750" x2="28000" y2="59250"/>
+                        <a14:foregroundMark x1="6600" y1="54250" x2="26000" y2="46500"/>
+                        <a14:backgroundMark x1="34200" y1="66250" x2="34000" y2="62750"/>
+                        <a14:backgroundMark x1="34400" y1="39500" x2="34000" y2="35250"/>
+                        <a14:backgroundMark x1="33800" y1="79500" x2="34200" y2="74250"/>
+                      </a14:backgroundRemoval>
+                    </a14:imgEffect>
+                  </a14:imgLayer>
+                </a14:imgProps>
+              </a:ext>
+              <a:ext uri="{28A0092B-C50C-407E-A947-70E740481C1C}">
+                <a14:useLocalDpi xmlns:a14="http://schemas.microsoft.com/office/drawing/2010/main" val="0"/>
+              </a:ext>
+            </a:extLst>
+          </a:blip>
+          <a:srcRect/>
+          <a:stretch>
+            <a:fillRect/>
+          </a:stretch>
+        </p:blipFill>
+        <p:spPr bwMode="auto">
+          <a:xfrm>
+            <a:off x="6266064" y="0"/>
+            <a:ext cx="9135861" cy="7308690"/>
+          </a:xfrm>
+          <a:prstGeom prst="rect">
+            <a:avLst/>
+          </a:prstGeom>
+          <a:noFill/>
+          <a:extLst>
+            <a:ext uri="{909E8E84-426E-40DD-AFC4-6F175D3DCCD1}">
+              <a14:hiddenFill xmlns:a14="http://schemas.microsoft.com/office/drawing/2010/main">
+                <a:solidFill>
+                  <a:srgbClr val="FFFFFF"/>
+                </a:solidFill>
+              </a14:hiddenFill>
+            </a:ext>
+          </a:extLst>
+        </p:spPr>
+      </p:pic>
+      <p:sp>
+        <p:nvSpPr>
+          <p:cNvPr id="4" name="Szövegdoboz 3"/>
+          <p:cNvSpPr txBox="1"/>
+          <p:nvPr/>
+        </p:nvSpPr>
+        <p:spPr>
+          <a:xfrm>
+            <a:off x="6981826" y="6000750"/>
+            <a:ext cx="1809750" cy="261610"/>
+          </a:xfrm>
+          <a:prstGeom prst="rect">
+            <a:avLst/>
+          </a:prstGeom>
+          <a:noFill/>
+        </p:spPr>
+        <p:txBody>
+          <a:bodyPr wrap="square" rtlCol="0">
+            <a:spAutoFit/>
+          </a:bodyPr>
+          <a:lstStyle/>
+          <a:p>
+            <a:r>
+              <a:rPr lang="hu-HU" sz="1100" dirty="0">
+                <a:latin typeface="Times New Roman" panose="02020603050405020304" pitchFamily="18" charset="0"/>
+                <a:cs typeface="Times New Roman" panose="02020603050405020304" pitchFamily="18" charset="0"/>
+              </a:rPr>
+              <a:t>https://tinyurl.com/5n7e9as5</a:t>
+            </a:r>
           </a:p>
         </p:txBody>
       </p:sp>
     </p:spTree>
     <p:extLst>
       <p:ext uri="{BB962C8B-B14F-4D97-AF65-F5344CB8AC3E}">
-        <p14:creationId xmlns:p14="http://schemas.microsoft.com/office/powerpoint/2010/main" val="865148362"/>
+        <p14:creationId xmlns:p14="http://schemas.microsoft.com/office/powerpoint/2010/main" val="3614325250"/>
       </p:ext>
     </p:extLst>
   </p:cSld>
   <p:clrMapOvr>
     <a:masterClrMapping/>
   </p:clrMapOvr>
+  <p:timing>
+    <p:tnLst>
+      <p:par>
+        <p:cTn id="1" dur="indefinite" restart="never" nodeType="tmRoot"/>
+      </p:par>
+    </p:tnLst>
+  </p:timing>
 </p:sld>
 </file>
 
@@ -6830,28 +8192,174 @@
             <p:ph type="title"/>
           </p:nvPr>
         </p:nvSpPr>
+        <p:spPr/>
+        <p:txBody>
+          <a:bodyPr/>
+          <a:lstStyle/>
+          <a:p>
+            <a:r>
+              <a:rPr lang="hu-HU" dirty="0" smtClean="0"/>
+              <a:t>Főbb részei</a:t>
+            </a:r>
+            <a:endParaRPr lang="hu-HU" dirty="0"/>
+          </a:p>
+        </p:txBody>
+      </p:sp>
+      <p:sp>
+        <p:nvSpPr>
+          <p:cNvPr id="3" name="Tartalom helye 2"/>
+          <p:cNvSpPr>
+            <a:spLocks noGrp="1"/>
+          </p:cNvSpPr>
+          <p:nvPr>
+            <p:ph idx="1"/>
+          </p:nvPr>
+        </p:nvSpPr>
         <p:spPr>
           <a:xfrm>
-            <a:off x="913795" y="2565400"/>
-            <a:ext cx="10353761" cy="1326321"/>
-          </a:xfrm>
-        </p:spPr>
-        <p:txBody>
-          <a:bodyPr/>
-          <a:lstStyle/>
-          <a:p>
-            <a:r>
-              <a:rPr lang="hu-HU" dirty="0" smtClean="0"/>
-              <a:t>Köszönöm a figyelmet</a:t>
-            </a:r>
-            <a:endParaRPr lang="hu-HU" dirty="0"/>
+            <a:off x="913794" y="1935921"/>
+            <a:ext cx="4048904" cy="4581257"/>
+          </a:xfrm>
+        </p:spPr>
+        <p:txBody>
+          <a:bodyPr>
+            <a:normAutofit/>
+          </a:bodyPr>
+          <a:lstStyle/>
+          <a:p>
+            <a:r>
+              <a:rPr lang="hu-HU" sz="3000" dirty="0" smtClean="0">
+                <a:latin typeface="Times New Roman" panose="02020603050405020304" pitchFamily="18" charset="0"/>
+                <a:cs typeface="Times New Roman" panose="02020603050405020304" pitchFamily="18" charset="0"/>
+              </a:rPr>
+              <a:t>Cache:</a:t>
+            </a:r>
+          </a:p>
+          <a:p>
+            <a:pPr lvl="1"/>
+            <a:r>
+              <a:rPr lang="hu-HU" sz="3000" dirty="0" smtClean="0">
+                <a:latin typeface="Times New Roman" panose="02020603050405020304" pitchFamily="18" charset="0"/>
+                <a:cs typeface="Times New Roman" panose="02020603050405020304" pitchFamily="18" charset="0"/>
+              </a:rPr>
+              <a:t>Gyorsítótár</a:t>
+            </a:r>
+          </a:p>
+          <a:p>
+            <a:pPr lvl="1"/>
+            <a:r>
+              <a:rPr lang="hu-HU" sz="3000" dirty="0" smtClean="0">
+                <a:latin typeface="Times New Roman" panose="02020603050405020304" pitchFamily="18" charset="0"/>
+                <a:cs typeface="Times New Roman" panose="02020603050405020304" pitchFamily="18" charset="0"/>
+              </a:rPr>
+              <a:t>Integrált memória</a:t>
+            </a:r>
+          </a:p>
+          <a:p>
+            <a:pPr lvl="1"/>
+            <a:r>
+              <a:rPr lang="hu-HU" sz="3000" dirty="0" smtClean="0">
+                <a:latin typeface="Times New Roman" panose="02020603050405020304" pitchFamily="18" charset="0"/>
+                <a:cs typeface="Times New Roman" panose="02020603050405020304" pitchFamily="18" charset="0"/>
+              </a:rPr>
+              <a:t>Lassú elérés javítása</a:t>
+            </a:r>
+          </a:p>
+          <a:p>
+            <a:pPr lvl="1"/>
+            <a:r>
+              <a:rPr lang="hu-HU" sz="3000" dirty="0" smtClean="0">
+                <a:latin typeface="Times New Roman" panose="02020603050405020304" pitchFamily="18" charset="0"/>
+                <a:cs typeface="Times New Roman" panose="02020603050405020304" pitchFamily="18" charset="0"/>
+              </a:rPr>
+              <a:t>L1 - L3</a:t>
+            </a:r>
+          </a:p>
+          <a:p>
+            <a:pPr lvl="1"/>
+            <a:r>
+              <a:rPr lang="hu-HU" sz="3000" dirty="0" smtClean="0">
+                <a:latin typeface="Times New Roman" panose="02020603050405020304" pitchFamily="18" charset="0"/>
+                <a:cs typeface="Times New Roman" panose="02020603050405020304" pitchFamily="18" charset="0"/>
+              </a:rPr>
+              <a:t>MB-os nagyágú</a:t>
+            </a:r>
+          </a:p>
+          <a:p>
+            <a:pPr lvl="1"/>
+            <a:r>
+              <a:rPr lang="hu-HU" sz="3000" dirty="0" smtClean="0">
+                <a:latin typeface="Times New Roman" panose="02020603050405020304" pitchFamily="18" charset="0"/>
+                <a:cs typeface="Times New Roman" panose="02020603050405020304" pitchFamily="18" charset="0"/>
+              </a:rPr>
+              <a:t>1-2 db</a:t>
+            </a:r>
+          </a:p>
+          <a:p>
+            <a:endParaRPr lang="hu-HU" dirty="0" smtClean="0"/>
+          </a:p>
+        </p:txBody>
+      </p:sp>
+      <p:pic>
+        <p:nvPicPr>
+          <p:cNvPr id="5" name="Kép 4"/>
+          <p:cNvPicPr>
+            <a:picLocks noChangeAspect="1"/>
+          </p:cNvPicPr>
+          <p:nvPr/>
+        </p:nvPicPr>
+        <p:blipFill>
+          <a:blip r:embed="rId2"/>
+          <a:stretch>
+            <a:fillRect/>
+          </a:stretch>
+        </p:blipFill>
+        <p:spPr>
+          <a:xfrm>
+            <a:off x="5209827" y="2112384"/>
+            <a:ext cx="6638175" cy="3490395"/>
+          </a:xfrm>
+          <a:prstGeom prst="rect">
+            <a:avLst/>
+          </a:prstGeom>
+        </p:spPr>
+      </p:pic>
+      <p:sp>
+        <p:nvSpPr>
+          <p:cNvPr id="6" name="Szövegdoboz 5"/>
+          <p:cNvSpPr txBox="1"/>
+          <p:nvPr/>
+        </p:nvSpPr>
+        <p:spPr>
+          <a:xfrm>
+            <a:off x="7613387" y="5602779"/>
+            <a:ext cx="1831053" cy="261610"/>
+          </a:xfrm>
+          <a:prstGeom prst="rect">
+            <a:avLst/>
+          </a:prstGeom>
+          <a:noFill/>
+        </p:spPr>
+        <p:txBody>
+          <a:bodyPr wrap="square" rtlCol="0">
+            <a:spAutoFit/>
+          </a:bodyPr>
+          <a:lstStyle/>
+          <a:p>
+            <a:r>
+              <a:rPr lang="hu-HU" sz="1100" dirty="0">
+                <a:latin typeface="Times New Roman" panose="02020603050405020304" pitchFamily="18" charset="0"/>
+                <a:cs typeface="Times New Roman" panose="02020603050405020304" pitchFamily="18" charset="0"/>
+              </a:rPr>
+              <a:t>https://tinyurl.com/w23r572s</a:t>
+            </a:r>
           </a:p>
         </p:txBody>
       </p:sp>
     </p:spTree>
     <p:extLst>
       <p:ext uri="{BB962C8B-B14F-4D97-AF65-F5344CB8AC3E}">
-        <p14:creationId xmlns:p14="http://schemas.microsoft.com/office/powerpoint/2010/main" val="276585320"/>
+        <p14:creationId xmlns:p14="http://schemas.microsoft.com/office/powerpoint/2010/main" val="865148362"/>
       </p:ext>
     </p:extLst>
   </p:cSld>
